--- a/Murder Mystery v1.pptx
+++ b/Murder Mystery v1.pptx
@@ -4,8 +4,14 @@
   <p:sldMasterIdLst>
     <p:sldMasterId id="2147483648" r:id="rId1"/>
   </p:sldMasterIdLst>
+  <p:notesMasterIdLst>
+    <p:notesMasterId r:id="rId6"/>
+  </p:notesMasterIdLst>
   <p:sldIdLst>
     <p:sldId id="256" r:id="rId2"/>
+    <p:sldId id="257" r:id="rId3"/>
+    <p:sldId id="258" r:id="rId4"/>
+    <p:sldId id="259" r:id="rId5"/>
   </p:sldIdLst>
   <p:sldSz cx="12192000" cy="6858000"/>
   <p:notesSz cx="6858000" cy="9144000"/>
@@ -105,6 +111,439 @@
     </a:lvl9pPr>
   </p:defaultTextStyle>
 </p:presentation>
+</file>
+
+<file path=ppt/notesMasters/notesMaster1.xml><?xml version="1.0" encoding="utf-8"?>
+<p:notesMaster xmlns:a="http://schemas.openxmlformats.org/drawingml/2006/main" xmlns:r="http://schemas.openxmlformats.org/officeDocument/2006/relationships" xmlns:p="http://schemas.openxmlformats.org/presentationml/2006/main">
+  <p:cSld>
+    <p:bg>
+      <p:bgRef idx="1001">
+        <a:schemeClr val="bg1"/>
+      </p:bgRef>
+    </p:bg>
+    <p:spTree>
+      <p:nvGrpSpPr>
+        <p:cNvPr id="1" name=""/>
+        <p:cNvGrpSpPr/>
+        <p:nvPr/>
+      </p:nvGrpSpPr>
+      <p:grpSpPr>
+        <a:xfrm>
+          <a:off x="0" y="0"/>
+          <a:ext cx="0" cy="0"/>
+          <a:chOff x="0" y="0"/>
+          <a:chExt cx="0" cy="0"/>
+        </a:xfrm>
+      </p:grpSpPr>
+      <p:sp>
+        <p:nvSpPr>
+          <p:cNvPr id="2" name="Header Placeholder 1"/>
+          <p:cNvSpPr>
+            <a:spLocks noGrp="1"/>
+          </p:cNvSpPr>
+          <p:nvPr>
+            <p:ph type="hdr" sz="quarter"/>
+          </p:nvPr>
+        </p:nvSpPr>
+        <p:spPr>
+          <a:xfrm>
+            <a:off x="0" y="0"/>
+            <a:ext cx="2971800" cy="458788"/>
+          </a:xfrm>
+          <a:prstGeom prst="rect">
+            <a:avLst/>
+          </a:prstGeom>
+        </p:spPr>
+        <p:txBody>
+          <a:bodyPr vert="horz" lIns="91440" tIns="45720" rIns="91440" bIns="45720" rtlCol="0"/>
+          <a:lstStyle>
+            <a:lvl1pPr algn="l">
+              <a:defRPr sz="1200"/>
+            </a:lvl1pPr>
+          </a:lstStyle>
+          <a:p>
+            <a:endParaRPr lang="en-US"/>
+          </a:p>
+        </p:txBody>
+      </p:sp>
+      <p:sp>
+        <p:nvSpPr>
+          <p:cNvPr id="3" name="Date Placeholder 2"/>
+          <p:cNvSpPr>
+            <a:spLocks noGrp="1"/>
+          </p:cNvSpPr>
+          <p:nvPr>
+            <p:ph type="dt" idx="1"/>
+          </p:nvPr>
+        </p:nvSpPr>
+        <p:spPr>
+          <a:xfrm>
+            <a:off x="3884613" y="0"/>
+            <a:ext cx="2971800" cy="458788"/>
+          </a:xfrm>
+          <a:prstGeom prst="rect">
+            <a:avLst/>
+          </a:prstGeom>
+        </p:spPr>
+        <p:txBody>
+          <a:bodyPr vert="horz" lIns="91440" tIns="45720" rIns="91440" bIns="45720" rtlCol="0"/>
+          <a:lstStyle>
+            <a:lvl1pPr algn="r">
+              <a:defRPr sz="1200"/>
+            </a:lvl1pPr>
+          </a:lstStyle>
+          <a:p>
+            <a:fld id="{5356DB96-CF6E-8C4E-AE0B-BF0AC78AB559}" type="datetimeFigureOut">
+              <a:rPr lang="en-US" smtClean="0"/>
+              <a:t>6/4/22</a:t>
+            </a:fld>
+            <a:endParaRPr lang="en-US"/>
+          </a:p>
+        </p:txBody>
+      </p:sp>
+      <p:sp>
+        <p:nvSpPr>
+          <p:cNvPr id="4" name="Slide Image Placeholder 3"/>
+          <p:cNvSpPr>
+            <a:spLocks noGrp="1" noRot="1" noChangeAspect="1"/>
+          </p:cNvSpPr>
+          <p:nvPr>
+            <p:ph type="sldImg" idx="2"/>
+          </p:nvPr>
+        </p:nvSpPr>
+        <p:spPr>
+          <a:xfrm>
+            <a:off x="685800" y="1143000"/>
+            <a:ext cx="5486400" cy="3086100"/>
+          </a:xfrm>
+          <a:prstGeom prst="rect">
+            <a:avLst/>
+          </a:prstGeom>
+          <a:noFill/>
+          <a:ln w="12700">
+            <a:solidFill>
+              <a:prstClr val="black"/>
+            </a:solidFill>
+          </a:ln>
+        </p:spPr>
+        <p:txBody>
+          <a:bodyPr vert="horz" lIns="91440" tIns="45720" rIns="91440" bIns="45720" rtlCol="0" anchor="ctr"/>
+          <a:lstStyle/>
+          <a:p>
+            <a:endParaRPr lang="en-US"/>
+          </a:p>
+        </p:txBody>
+      </p:sp>
+      <p:sp>
+        <p:nvSpPr>
+          <p:cNvPr id="5" name="Notes Placeholder 4"/>
+          <p:cNvSpPr>
+            <a:spLocks noGrp="1"/>
+          </p:cNvSpPr>
+          <p:nvPr>
+            <p:ph type="body" sz="quarter" idx="3"/>
+          </p:nvPr>
+        </p:nvSpPr>
+        <p:spPr>
+          <a:xfrm>
+            <a:off x="685800" y="4400550"/>
+            <a:ext cx="5486400" cy="3600450"/>
+          </a:xfrm>
+          <a:prstGeom prst="rect">
+            <a:avLst/>
+          </a:prstGeom>
+        </p:spPr>
+        <p:txBody>
+          <a:bodyPr vert="horz" lIns="91440" tIns="45720" rIns="91440" bIns="45720" rtlCol="0"/>
+          <a:lstStyle/>
+          <a:p>
+            <a:pPr lvl="0"/>
+            <a:r>
+              <a:rPr lang="en-US"/>
+              <a:t>Click to edit Master text styles</a:t>
+            </a:r>
+          </a:p>
+          <a:p>
+            <a:pPr lvl="1"/>
+            <a:r>
+              <a:rPr lang="en-US"/>
+              <a:t>Second level</a:t>
+            </a:r>
+          </a:p>
+          <a:p>
+            <a:pPr lvl="2"/>
+            <a:r>
+              <a:rPr lang="en-US"/>
+              <a:t>Third level</a:t>
+            </a:r>
+          </a:p>
+          <a:p>
+            <a:pPr lvl="3"/>
+            <a:r>
+              <a:rPr lang="en-US"/>
+              <a:t>Fourth level</a:t>
+            </a:r>
+          </a:p>
+          <a:p>
+            <a:pPr lvl="4"/>
+            <a:r>
+              <a:rPr lang="en-US"/>
+              <a:t>Fifth level</a:t>
+            </a:r>
+          </a:p>
+        </p:txBody>
+      </p:sp>
+      <p:sp>
+        <p:nvSpPr>
+          <p:cNvPr id="6" name="Footer Placeholder 5"/>
+          <p:cNvSpPr>
+            <a:spLocks noGrp="1"/>
+          </p:cNvSpPr>
+          <p:nvPr>
+            <p:ph type="ftr" sz="quarter" idx="4"/>
+          </p:nvPr>
+        </p:nvSpPr>
+        <p:spPr>
+          <a:xfrm>
+            <a:off x="0" y="8685213"/>
+            <a:ext cx="2971800" cy="458787"/>
+          </a:xfrm>
+          <a:prstGeom prst="rect">
+            <a:avLst/>
+          </a:prstGeom>
+        </p:spPr>
+        <p:txBody>
+          <a:bodyPr vert="horz" lIns="91440" tIns="45720" rIns="91440" bIns="45720" rtlCol="0" anchor="b"/>
+          <a:lstStyle>
+            <a:lvl1pPr algn="l">
+              <a:defRPr sz="1200"/>
+            </a:lvl1pPr>
+          </a:lstStyle>
+          <a:p>
+            <a:endParaRPr lang="en-US"/>
+          </a:p>
+        </p:txBody>
+      </p:sp>
+      <p:sp>
+        <p:nvSpPr>
+          <p:cNvPr id="7" name="Slide Number Placeholder 6"/>
+          <p:cNvSpPr>
+            <a:spLocks noGrp="1"/>
+          </p:cNvSpPr>
+          <p:nvPr>
+            <p:ph type="sldNum" sz="quarter" idx="5"/>
+          </p:nvPr>
+        </p:nvSpPr>
+        <p:spPr>
+          <a:xfrm>
+            <a:off x="3884613" y="8685213"/>
+            <a:ext cx="2971800" cy="458787"/>
+          </a:xfrm>
+          <a:prstGeom prst="rect">
+            <a:avLst/>
+          </a:prstGeom>
+        </p:spPr>
+        <p:txBody>
+          <a:bodyPr vert="horz" lIns="91440" tIns="45720" rIns="91440" bIns="45720" rtlCol="0" anchor="b"/>
+          <a:lstStyle>
+            <a:lvl1pPr algn="r">
+              <a:defRPr sz="1200"/>
+            </a:lvl1pPr>
+          </a:lstStyle>
+          <a:p>
+            <a:fld id="{EF6F739A-1507-6542-9257-4DD317E627F4}" type="slidenum">
+              <a:rPr lang="en-US" smtClean="0"/>
+              <a:t>‹#›</a:t>
+            </a:fld>
+            <a:endParaRPr lang="en-US"/>
+          </a:p>
+        </p:txBody>
+      </p:sp>
+    </p:spTree>
+    <p:extLst>
+      <p:ext uri="{BB962C8B-B14F-4D97-AF65-F5344CB8AC3E}">
+        <p14:creationId xmlns:p14="http://schemas.microsoft.com/office/powerpoint/2010/main" val="125220623"/>
+      </p:ext>
+    </p:extLst>
+  </p:cSld>
+  <p:clrMap bg1="lt1" tx1="dk1" bg2="lt2" tx2="dk2" accent1="accent1" accent2="accent2" accent3="accent3" accent4="accent4" accent5="accent5" accent6="accent6" hlink="hlink" folHlink="folHlink"/>
+  <p:notesStyle>
+    <a:lvl1pPr marL="0" algn="l" defTabSz="914400" rtl="0" eaLnBrk="1" latinLnBrk="0" hangingPunct="1">
+      <a:defRPr sz="1200" kern="1200">
+        <a:solidFill>
+          <a:schemeClr val="tx1"/>
+        </a:solidFill>
+        <a:latin typeface="+mn-lt"/>
+        <a:ea typeface="+mn-ea"/>
+        <a:cs typeface="+mn-cs"/>
+      </a:defRPr>
+    </a:lvl1pPr>
+    <a:lvl2pPr marL="457200" algn="l" defTabSz="914400" rtl="0" eaLnBrk="1" latinLnBrk="0" hangingPunct="1">
+      <a:defRPr sz="1200" kern="1200">
+        <a:solidFill>
+          <a:schemeClr val="tx1"/>
+        </a:solidFill>
+        <a:latin typeface="+mn-lt"/>
+        <a:ea typeface="+mn-ea"/>
+        <a:cs typeface="+mn-cs"/>
+      </a:defRPr>
+    </a:lvl2pPr>
+    <a:lvl3pPr marL="914400" algn="l" defTabSz="914400" rtl="0" eaLnBrk="1" latinLnBrk="0" hangingPunct="1">
+      <a:defRPr sz="1200" kern="1200">
+        <a:solidFill>
+          <a:schemeClr val="tx1"/>
+        </a:solidFill>
+        <a:latin typeface="+mn-lt"/>
+        <a:ea typeface="+mn-ea"/>
+        <a:cs typeface="+mn-cs"/>
+      </a:defRPr>
+    </a:lvl3pPr>
+    <a:lvl4pPr marL="1371600" algn="l" defTabSz="914400" rtl="0" eaLnBrk="1" latinLnBrk="0" hangingPunct="1">
+      <a:defRPr sz="1200" kern="1200">
+        <a:solidFill>
+          <a:schemeClr val="tx1"/>
+        </a:solidFill>
+        <a:latin typeface="+mn-lt"/>
+        <a:ea typeface="+mn-ea"/>
+        <a:cs typeface="+mn-cs"/>
+      </a:defRPr>
+    </a:lvl4pPr>
+    <a:lvl5pPr marL="1828800" algn="l" defTabSz="914400" rtl="0" eaLnBrk="1" latinLnBrk="0" hangingPunct="1">
+      <a:defRPr sz="1200" kern="1200">
+        <a:solidFill>
+          <a:schemeClr val="tx1"/>
+        </a:solidFill>
+        <a:latin typeface="+mn-lt"/>
+        <a:ea typeface="+mn-ea"/>
+        <a:cs typeface="+mn-cs"/>
+      </a:defRPr>
+    </a:lvl5pPr>
+    <a:lvl6pPr marL="2286000" algn="l" defTabSz="914400" rtl="0" eaLnBrk="1" latinLnBrk="0" hangingPunct="1">
+      <a:defRPr sz="1200" kern="1200">
+        <a:solidFill>
+          <a:schemeClr val="tx1"/>
+        </a:solidFill>
+        <a:latin typeface="+mn-lt"/>
+        <a:ea typeface="+mn-ea"/>
+        <a:cs typeface="+mn-cs"/>
+      </a:defRPr>
+    </a:lvl6pPr>
+    <a:lvl7pPr marL="2743200" algn="l" defTabSz="914400" rtl="0" eaLnBrk="1" latinLnBrk="0" hangingPunct="1">
+      <a:defRPr sz="1200" kern="1200">
+        <a:solidFill>
+          <a:schemeClr val="tx1"/>
+        </a:solidFill>
+        <a:latin typeface="+mn-lt"/>
+        <a:ea typeface="+mn-ea"/>
+        <a:cs typeface="+mn-cs"/>
+      </a:defRPr>
+    </a:lvl7pPr>
+    <a:lvl8pPr marL="3200400" algn="l" defTabSz="914400" rtl="0" eaLnBrk="1" latinLnBrk="0" hangingPunct="1">
+      <a:defRPr sz="1200" kern="1200">
+        <a:solidFill>
+          <a:schemeClr val="tx1"/>
+        </a:solidFill>
+        <a:latin typeface="+mn-lt"/>
+        <a:ea typeface="+mn-ea"/>
+        <a:cs typeface="+mn-cs"/>
+      </a:defRPr>
+    </a:lvl8pPr>
+    <a:lvl9pPr marL="3657600" algn="l" defTabSz="914400" rtl="0" eaLnBrk="1" latinLnBrk="0" hangingPunct="1">
+      <a:defRPr sz="1200" kern="1200">
+        <a:solidFill>
+          <a:schemeClr val="tx1"/>
+        </a:solidFill>
+        <a:latin typeface="+mn-lt"/>
+        <a:ea typeface="+mn-ea"/>
+        <a:cs typeface="+mn-cs"/>
+      </a:defRPr>
+    </a:lvl9pPr>
+  </p:notesStyle>
+</p:notesMaster>
+</file>
+
+<file path=ppt/notesSlides/notesSlide1.xml><?xml version="1.0" encoding="utf-8"?>
+<p:notes xmlns:a="http://schemas.openxmlformats.org/drawingml/2006/main" xmlns:r="http://schemas.openxmlformats.org/officeDocument/2006/relationships" xmlns:p="http://schemas.openxmlformats.org/presentationml/2006/main">
+  <p:cSld>
+    <p:spTree>
+      <p:nvGrpSpPr>
+        <p:cNvPr id="1" name=""/>
+        <p:cNvGrpSpPr/>
+        <p:nvPr/>
+      </p:nvGrpSpPr>
+      <p:grpSpPr>
+        <a:xfrm>
+          <a:off x="0" y="0"/>
+          <a:ext cx="0" cy="0"/>
+          <a:chOff x="0" y="0"/>
+          <a:chExt cx="0" cy="0"/>
+        </a:xfrm>
+      </p:grpSpPr>
+      <p:sp>
+        <p:nvSpPr>
+          <p:cNvPr id="2" name="Slide Image Placeholder 1"/>
+          <p:cNvSpPr>
+            <a:spLocks noGrp="1" noRot="1" noChangeAspect="1"/>
+          </p:cNvSpPr>
+          <p:nvPr>
+            <p:ph type="sldImg"/>
+          </p:nvPr>
+        </p:nvSpPr>
+        <p:spPr/>
+      </p:sp>
+      <p:sp>
+        <p:nvSpPr>
+          <p:cNvPr id="3" name="Notes Placeholder 2"/>
+          <p:cNvSpPr>
+            <a:spLocks noGrp="1"/>
+          </p:cNvSpPr>
+          <p:nvPr>
+            <p:ph type="body" idx="1"/>
+          </p:nvPr>
+        </p:nvSpPr>
+        <p:spPr/>
+        <p:txBody>
+          <a:bodyPr/>
+          <a:lstStyle/>
+          <a:p>
+            <a:endParaRPr lang="en-US"/>
+          </a:p>
+        </p:txBody>
+      </p:sp>
+      <p:sp>
+        <p:nvSpPr>
+          <p:cNvPr id="4" name="Slide Number Placeholder 3"/>
+          <p:cNvSpPr>
+            <a:spLocks noGrp="1"/>
+          </p:cNvSpPr>
+          <p:nvPr>
+            <p:ph type="sldNum" sz="quarter" idx="5"/>
+          </p:nvPr>
+        </p:nvSpPr>
+        <p:spPr/>
+        <p:txBody>
+          <a:bodyPr/>
+          <a:lstStyle/>
+          <a:p>
+            <a:fld id="{EF6F739A-1507-6542-9257-4DD317E627F4}" type="slidenum">
+              <a:rPr lang="en-US" smtClean="0"/>
+              <a:t>3</a:t>
+            </a:fld>
+            <a:endParaRPr lang="en-US"/>
+          </a:p>
+        </p:txBody>
+      </p:sp>
+    </p:spTree>
+    <p:extLst>
+      <p:ext uri="{BB962C8B-B14F-4D97-AF65-F5344CB8AC3E}">
+        <p14:creationId xmlns:p14="http://schemas.microsoft.com/office/powerpoint/2010/main" val="3854826041"/>
+      </p:ext>
+    </p:extLst>
+  </p:cSld>
+  <p:clrMapOvr>
+    <a:masterClrMapping/>
+  </p:clrMapOvr>
+</p:notes>
 </file>
 
 <file path=ppt/slideLayouts/slideLayout1.xml><?xml version="1.0" encoding="utf-8"?>
@@ -3343,7 +3782,7 @@
           <a:lstStyle/>
           <a:p>
             <a:r>
-              <a:rPr lang="en-US"/>
+              <a:rPr lang="en-US" dirty="0"/>
               <a:t>Murder Mystery</a:t>
             </a:r>
           </a:p>
@@ -3370,7 +3809,10 @@
           <a:bodyPr/>
           <a:lstStyle/>
           <a:p>
-            <a:endParaRPr lang="en-US"/>
+            <a:r>
+              <a:rPr lang="en-US" dirty="0"/>
+              <a:t>Trailer Park Version</a:t>
+            </a:r>
           </a:p>
         </p:txBody>
       </p:sp>
@@ -3378,6 +3820,538 @@
     <p:extLst>
       <p:ext uri="{BB962C8B-B14F-4D97-AF65-F5344CB8AC3E}">
         <p14:creationId xmlns:p14="http://schemas.microsoft.com/office/powerpoint/2010/main" val="286076138"/>
+      </p:ext>
+    </p:extLst>
+  </p:cSld>
+  <p:clrMapOvr>
+    <a:masterClrMapping/>
+  </p:clrMapOvr>
+</p:sld>
+</file>
+
+<file path=ppt/slides/slide2.xml><?xml version="1.0" encoding="utf-8"?>
+<p:sld xmlns:a="http://schemas.openxmlformats.org/drawingml/2006/main" xmlns:r="http://schemas.openxmlformats.org/officeDocument/2006/relationships" xmlns:p="http://schemas.openxmlformats.org/presentationml/2006/main">
+  <p:cSld>
+    <p:spTree>
+      <p:nvGrpSpPr>
+        <p:cNvPr id="1" name=""/>
+        <p:cNvGrpSpPr/>
+        <p:nvPr/>
+      </p:nvGrpSpPr>
+      <p:grpSpPr>
+        <a:xfrm>
+          <a:off x="0" y="0"/>
+          <a:ext cx="0" cy="0"/>
+          <a:chOff x="0" y="0"/>
+          <a:chExt cx="0" cy="0"/>
+        </a:xfrm>
+      </p:grpSpPr>
+      <p:sp>
+        <p:nvSpPr>
+          <p:cNvPr id="2" name="Title 1">
+            <a:extLst>
+              <a:ext uri="{FF2B5EF4-FFF2-40B4-BE49-F238E27FC236}">
+                <a16:creationId xmlns:a16="http://schemas.microsoft.com/office/drawing/2014/main" id="{5FA9819C-79AC-27F4-3633-72EB6B36EFD9}"/>
+              </a:ext>
+            </a:extLst>
+          </p:cNvPr>
+          <p:cNvSpPr>
+            <a:spLocks noGrp="1"/>
+          </p:cNvSpPr>
+          <p:nvPr>
+            <p:ph type="title"/>
+          </p:nvPr>
+        </p:nvSpPr>
+        <p:spPr/>
+        <p:txBody>
+          <a:bodyPr/>
+          <a:lstStyle/>
+          <a:p>
+            <a:r>
+              <a:rPr lang="en-US" dirty="0"/>
+              <a:t>Characters (need to choose new parallels)</a:t>
+            </a:r>
+          </a:p>
+        </p:txBody>
+      </p:sp>
+      <p:sp>
+        <p:nvSpPr>
+          <p:cNvPr id="3" name="Content Placeholder 2">
+            <a:extLst>
+              <a:ext uri="{FF2B5EF4-FFF2-40B4-BE49-F238E27FC236}">
+                <a16:creationId xmlns:a16="http://schemas.microsoft.com/office/drawing/2014/main" id="{5373C7DE-54FD-16FA-8B8D-38A35BC5FDF4}"/>
+              </a:ext>
+            </a:extLst>
+          </p:cNvPr>
+          <p:cNvSpPr>
+            <a:spLocks noGrp="1"/>
+          </p:cNvSpPr>
+          <p:nvPr>
+            <p:ph sz="half" idx="1"/>
+          </p:nvPr>
+        </p:nvSpPr>
+        <p:spPr/>
+        <p:txBody>
+          <a:bodyPr/>
+          <a:lstStyle/>
+          <a:p>
+            <a:r>
+              <a:rPr lang="en-US" dirty="0"/>
+              <a:t>Annette </a:t>
+            </a:r>
+            <a:r>
+              <a:rPr lang="en-US" dirty="0" err="1"/>
+              <a:t>Kord</a:t>
+            </a:r>
+            <a:endParaRPr lang="en-US" dirty="0"/>
+          </a:p>
+          <a:p>
+            <a:r>
+              <a:rPr lang="en-US" dirty="0"/>
+              <a:t>Juan Iron</a:t>
+            </a:r>
+          </a:p>
+          <a:p>
+            <a:r>
+              <a:rPr lang="en-US" dirty="0"/>
+              <a:t>Jim Nast</a:t>
+            </a:r>
+          </a:p>
+          <a:p>
+            <a:r>
+              <a:rPr lang="en-US" dirty="0"/>
+              <a:t>Taylor </a:t>
+            </a:r>
+            <a:r>
+              <a:rPr lang="en-US" dirty="0" err="1"/>
+              <a:t>Stummi</a:t>
+            </a:r>
+            <a:endParaRPr lang="en-US" dirty="0"/>
+          </a:p>
+          <a:p>
+            <a:r>
+              <a:rPr lang="en-US" dirty="0"/>
+              <a:t>Ed </a:t>
+            </a:r>
+            <a:r>
+              <a:rPr lang="en-US" dirty="0" err="1"/>
+              <a:t>Lyne</a:t>
+            </a:r>
+            <a:endParaRPr lang="en-US" dirty="0"/>
+          </a:p>
+          <a:p>
+            <a:r>
+              <a:rPr lang="en-US" dirty="0"/>
+              <a:t>Penny Pincher</a:t>
+            </a:r>
+          </a:p>
+          <a:p>
+            <a:r>
+              <a:rPr lang="en-US" dirty="0"/>
+              <a:t>Steph </a:t>
+            </a:r>
+            <a:r>
+              <a:rPr lang="en-US" dirty="0" err="1"/>
+              <a:t>O’Scope</a:t>
+            </a:r>
+            <a:endParaRPr lang="en-US" dirty="0"/>
+          </a:p>
+          <a:p>
+            <a:r>
+              <a:rPr lang="en-US" dirty="0"/>
+              <a:t>Victoria Sponge</a:t>
+            </a:r>
+          </a:p>
+        </p:txBody>
+      </p:sp>
+      <p:sp>
+        <p:nvSpPr>
+          <p:cNvPr id="4" name="Content Placeholder 3">
+            <a:extLst>
+              <a:ext uri="{FF2B5EF4-FFF2-40B4-BE49-F238E27FC236}">
+                <a16:creationId xmlns:a16="http://schemas.microsoft.com/office/drawing/2014/main" id="{8E3E121C-8DE9-14D6-36C1-CB8E8DAFF5FB}"/>
+              </a:ext>
+            </a:extLst>
+          </p:cNvPr>
+          <p:cNvSpPr>
+            <a:spLocks noGrp="1"/>
+          </p:cNvSpPr>
+          <p:nvPr>
+            <p:ph sz="half" idx="2"/>
+          </p:nvPr>
+        </p:nvSpPr>
+        <p:spPr/>
+        <p:txBody>
+          <a:bodyPr/>
+          <a:lstStyle/>
+          <a:p>
+            <a:r>
+              <a:rPr lang="en-US" dirty="0"/>
+              <a:t>Phil Lee</a:t>
+            </a:r>
+          </a:p>
+          <a:p>
+            <a:r>
+              <a:rPr lang="en-US" dirty="0"/>
+              <a:t>Daff </a:t>
+            </a:r>
+            <a:r>
+              <a:rPr lang="en-US" dirty="0" err="1"/>
+              <a:t>O’Dyll</a:t>
+            </a:r>
+            <a:endParaRPr lang="en-US" dirty="0"/>
+          </a:p>
+          <a:p>
+            <a:r>
+              <a:rPr lang="en-US" dirty="0"/>
+              <a:t>Dusty Silver</a:t>
+            </a:r>
+          </a:p>
+          <a:p>
+            <a:r>
+              <a:rPr lang="en-US" dirty="0"/>
+              <a:t>Sue </a:t>
+            </a:r>
+            <a:r>
+              <a:rPr lang="en-US" dirty="0" err="1"/>
+              <a:t>Zennywon</a:t>
+            </a:r>
+            <a:endParaRPr lang="en-US" dirty="0"/>
+          </a:p>
+          <a:p>
+            <a:endParaRPr lang="en-US" dirty="0"/>
+          </a:p>
+        </p:txBody>
+      </p:sp>
+    </p:spTree>
+    <p:extLst>
+      <p:ext uri="{BB962C8B-B14F-4D97-AF65-F5344CB8AC3E}">
+        <p14:creationId xmlns:p14="http://schemas.microsoft.com/office/powerpoint/2010/main" val="3739980066"/>
+      </p:ext>
+    </p:extLst>
+  </p:cSld>
+  <p:clrMapOvr>
+    <a:masterClrMapping/>
+  </p:clrMapOvr>
+</p:sld>
+</file>
+
+<file path=ppt/slides/slide3.xml><?xml version="1.0" encoding="utf-8"?>
+<p:sld xmlns:a="http://schemas.openxmlformats.org/drawingml/2006/main" xmlns:r="http://schemas.openxmlformats.org/officeDocument/2006/relationships" xmlns:p="http://schemas.openxmlformats.org/presentationml/2006/main">
+  <p:cSld>
+    <p:spTree>
+      <p:nvGrpSpPr>
+        <p:cNvPr id="1" name=""/>
+        <p:cNvGrpSpPr/>
+        <p:nvPr/>
+      </p:nvGrpSpPr>
+      <p:grpSpPr>
+        <a:xfrm>
+          <a:off x="0" y="0"/>
+          <a:ext cx="0" cy="0"/>
+          <a:chOff x="0" y="0"/>
+          <a:chExt cx="0" cy="0"/>
+        </a:xfrm>
+      </p:grpSpPr>
+      <p:sp>
+        <p:nvSpPr>
+          <p:cNvPr id="2" name="Title 1">
+            <a:extLst>
+              <a:ext uri="{FF2B5EF4-FFF2-40B4-BE49-F238E27FC236}">
+                <a16:creationId xmlns:a16="http://schemas.microsoft.com/office/drawing/2014/main" id="{72A2F9CC-9945-473C-C8FA-D08D9ACD2889}"/>
+              </a:ext>
+            </a:extLst>
+          </p:cNvPr>
+          <p:cNvSpPr>
+            <a:spLocks noGrp="1"/>
+          </p:cNvSpPr>
+          <p:nvPr>
+            <p:ph type="title"/>
+          </p:nvPr>
+        </p:nvSpPr>
+        <p:spPr/>
+        <p:txBody>
+          <a:bodyPr/>
+          <a:lstStyle/>
+          <a:p>
+            <a:r>
+              <a:rPr lang="en-US" dirty="0"/>
+              <a:t>Accusations Form – need 1 per player</a:t>
+            </a:r>
+          </a:p>
+        </p:txBody>
+      </p:sp>
+      <p:sp>
+        <p:nvSpPr>
+          <p:cNvPr id="3" name="Text Placeholder 2">
+            <a:extLst>
+              <a:ext uri="{FF2B5EF4-FFF2-40B4-BE49-F238E27FC236}">
+                <a16:creationId xmlns:a16="http://schemas.microsoft.com/office/drawing/2014/main" id="{77277904-6377-7F49-B1D9-0E594F664B5C}"/>
+              </a:ext>
+            </a:extLst>
+          </p:cNvPr>
+          <p:cNvSpPr>
+            <a:spLocks noGrp="1"/>
+          </p:cNvSpPr>
+          <p:nvPr>
+            <p:ph type="body" idx="1"/>
+          </p:nvPr>
+        </p:nvSpPr>
+        <p:spPr/>
+        <p:txBody>
+          <a:bodyPr/>
+          <a:lstStyle/>
+          <a:p>
+            <a:r>
+              <a:rPr lang="en-US" dirty="0"/>
+              <a:t>The Accusation</a:t>
+            </a:r>
+          </a:p>
+        </p:txBody>
+      </p:sp>
+      <p:sp>
+        <p:nvSpPr>
+          <p:cNvPr id="4" name="Content Placeholder 3">
+            <a:extLst>
+              <a:ext uri="{FF2B5EF4-FFF2-40B4-BE49-F238E27FC236}">
+                <a16:creationId xmlns:a16="http://schemas.microsoft.com/office/drawing/2014/main" id="{2002610A-8DD1-D21B-129D-C205F2D57706}"/>
+              </a:ext>
+            </a:extLst>
+          </p:cNvPr>
+          <p:cNvSpPr>
+            <a:spLocks noGrp="1"/>
+          </p:cNvSpPr>
+          <p:nvPr>
+            <p:ph sz="half" idx="2"/>
+          </p:nvPr>
+        </p:nvSpPr>
+        <p:spPr/>
+        <p:txBody>
+          <a:bodyPr/>
+          <a:lstStyle/>
+          <a:p>
+            <a:r>
+              <a:rPr lang="en-US"/>
+              <a:t>test</a:t>
+            </a:r>
+          </a:p>
+        </p:txBody>
+      </p:sp>
+      <p:sp>
+        <p:nvSpPr>
+          <p:cNvPr id="5" name="Text Placeholder 4">
+            <a:extLst>
+              <a:ext uri="{FF2B5EF4-FFF2-40B4-BE49-F238E27FC236}">
+                <a16:creationId xmlns:a16="http://schemas.microsoft.com/office/drawing/2014/main" id="{881C7D05-CAE3-9694-B4B6-240BE5262F66}"/>
+              </a:ext>
+            </a:extLst>
+          </p:cNvPr>
+          <p:cNvSpPr>
+            <a:spLocks noGrp="1"/>
+          </p:cNvSpPr>
+          <p:nvPr>
+            <p:ph type="body" sz="quarter" idx="3"/>
+          </p:nvPr>
+        </p:nvSpPr>
+        <p:spPr/>
+        <p:txBody>
+          <a:bodyPr/>
+          <a:lstStyle/>
+          <a:p>
+            <a:r>
+              <a:rPr lang="en-US" dirty="0"/>
+              <a:t>The Accusation</a:t>
+            </a:r>
+          </a:p>
+        </p:txBody>
+      </p:sp>
+      <p:sp>
+        <p:nvSpPr>
+          <p:cNvPr id="6" name="Content Placeholder 5">
+            <a:extLst>
+              <a:ext uri="{FF2B5EF4-FFF2-40B4-BE49-F238E27FC236}">
+                <a16:creationId xmlns:a16="http://schemas.microsoft.com/office/drawing/2014/main" id="{92E93F87-76B1-B4F8-EA9D-BB67453C30B3}"/>
+              </a:ext>
+            </a:extLst>
+          </p:cNvPr>
+          <p:cNvSpPr>
+            <a:spLocks noGrp="1"/>
+          </p:cNvSpPr>
+          <p:nvPr>
+            <p:ph sz="quarter" idx="4"/>
+          </p:nvPr>
+        </p:nvSpPr>
+        <p:spPr/>
+        <p:txBody>
+          <a:bodyPr/>
+          <a:lstStyle/>
+          <a:p>
+            <a:endParaRPr lang="en-US"/>
+          </a:p>
+        </p:txBody>
+      </p:sp>
+    </p:spTree>
+    <p:extLst>
+      <p:ext uri="{BB962C8B-B14F-4D97-AF65-F5344CB8AC3E}">
+        <p14:creationId xmlns:p14="http://schemas.microsoft.com/office/powerpoint/2010/main" val="1092256223"/>
+      </p:ext>
+    </p:extLst>
+  </p:cSld>
+  <p:clrMapOvr>
+    <a:masterClrMapping/>
+  </p:clrMapOvr>
+</p:sld>
+</file>
+
+<file path=ppt/slides/slide4.xml><?xml version="1.0" encoding="utf-8"?>
+<p:sld xmlns:a="http://schemas.openxmlformats.org/drawingml/2006/main" xmlns:r="http://schemas.openxmlformats.org/officeDocument/2006/relationships" xmlns:p="http://schemas.openxmlformats.org/presentationml/2006/main">
+  <p:cSld>
+    <p:spTree>
+      <p:nvGrpSpPr>
+        <p:cNvPr id="1" name=""/>
+        <p:cNvGrpSpPr/>
+        <p:nvPr/>
+      </p:nvGrpSpPr>
+      <p:grpSpPr>
+        <a:xfrm>
+          <a:off x="0" y="0"/>
+          <a:ext cx="0" cy="0"/>
+          <a:chOff x="0" y="0"/>
+          <a:chExt cx="0" cy="0"/>
+        </a:xfrm>
+      </p:grpSpPr>
+      <p:sp>
+        <p:nvSpPr>
+          <p:cNvPr id="2" name="Title 1">
+            <a:extLst>
+              <a:ext uri="{FF2B5EF4-FFF2-40B4-BE49-F238E27FC236}">
+                <a16:creationId xmlns:a16="http://schemas.microsoft.com/office/drawing/2014/main" id="{8EFAFA45-6F61-3B35-52A2-04D6DDAF2F6D}"/>
+              </a:ext>
+            </a:extLst>
+          </p:cNvPr>
+          <p:cNvSpPr>
+            <a:spLocks noGrp="1"/>
+          </p:cNvSpPr>
+          <p:nvPr>
+            <p:ph type="title"/>
+          </p:nvPr>
+        </p:nvSpPr>
+        <p:spPr/>
+        <p:txBody>
+          <a:bodyPr/>
+          <a:lstStyle/>
+          <a:p>
+            <a:r>
+              <a:rPr lang="en-US" dirty="0"/>
+              <a:t>Round 1</a:t>
+            </a:r>
+          </a:p>
+        </p:txBody>
+      </p:sp>
+      <p:sp>
+        <p:nvSpPr>
+          <p:cNvPr id="3" name="Text Placeholder 2">
+            <a:extLst>
+              <a:ext uri="{FF2B5EF4-FFF2-40B4-BE49-F238E27FC236}">
+                <a16:creationId xmlns:a16="http://schemas.microsoft.com/office/drawing/2014/main" id="{65E4C042-605D-B353-BFB2-54DB0CB3DB09}"/>
+              </a:ext>
+            </a:extLst>
+          </p:cNvPr>
+          <p:cNvSpPr>
+            <a:spLocks noGrp="1"/>
+          </p:cNvSpPr>
+          <p:nvPr>
+            <p:ph type="body" idx="1"/>
+          </p:nvPr>
+        </p:nvSpPr>
+        <p:spPr/>
+        <p:txBody>
+          <a:bodyPr/>
+          <a:lstStyle/>
+          <a:p>
+            <a:endParaRPr lang="en-US"/>
+          </a:p>
+        </p:txBody>
+      </p:sp>
+      <p:sp>
+        <p:nvSpPr>
+          <p:cNvPr id="4" name="Content Placeholder 3">
+            <a:extLst>
+              <a:ext uri="{FF2B5EF4-FFF2-40B4-BE49-F238E27FC236}">
+                <a16:creationId xmlns:a16="http://schemas.microsoft.com/office/drawing/2014/main" id="{8575DD8F-E28A-B61B-A369-4ED093B57E98}"/>
+              </a:ext>
+            </a:extLst>
+          </p:cNvPr>
+          <p:cNvSpPr>
+            <a:spLocks noGrp="1"/>
+          </p:cNvSpPr>
+          <p:nvPr>
+            <p:ph sz="half" idx="2"/>
+          </p:nvPr>
+        </p:nvSpPr>
+        <p:spPr/>
+        <p:txBody>
+          <a:bodyPr/>
+          <a:lstStyle/>
+          <a:p>
+            <a:endParaRPr lang="en-US"/>
+          </a:p>
+        </p:txBody>
+      </p:sp>
+      <p:sp>
+        <p:nvSpPr>
+          <p:cNvPr id="5" name="Text Placeholder 4">
+            <a:extLst>
+              <a:ext uri="{FF2B5EF4-FFF2-40B4-BE49-F238E27FC236}">
+                <a16:creationId xmlns:a16="http://schemas.microsoft.com/office/drawing/2014/main" id="{BF3F463A-03F1-D768-D054-5E3631CDC63A}"/>
+              </a:ext>
+            </a:extLst>
+          </p:cNvPr>
+          <p:cNvSpPr>
+            <a:spLocks noGrp="1"/>
+          </p:cNvSpPr>
+          <p:nvPr>
+            <p:ph type="body" sz="quarter" idx="3"/>
+          </p:nvPr>
+        </p:nvSpPr>
+        <p:spPr/>
+        <p:txBody>
+          <a:bodyPr/>
+          <a:lstStyle/>
+          <a:p>
+            <a:endParaRPr lang="en-US"/>
+          </a:p>
+        </p:txBody>
+      </p:sp>
+      <p:sp>
+        <p:nvSpPr>
+          <p:cNvPr id="6" name="Content Placeholder 5">
+            <a:extLst>
+              <a:ext uri="{FF2B5EF4-FFF2-40B4-BE49-F238E27FC236}">
+                <a16:creationId xmlns:a16="http://schemas.microsoft.com/office/drawing/2014/main" id="{E202F397-395B-5A40-A7DD-5043700D5BFC}"/>
+              </a:ext>
+            </a:extLst>
+          </p:cNvPr>
+          <p:cNvSpPr>
+            <a:spLocks noGrp="1"/>
+          </p:cNvSpPr>
+          <p:nvPr>
+            <p:ph sz="quarter" idx="4"/>
+          </p:nvPr>
+        </p:nvSpPr>
+        <p:spPr/>
+        <p:txBody>
+          <a:bodyPr/>
+          <a:lstStyle/>
+          <a:p>
+            <a:endParaRPr lang="en-US"/>
+          </a:p>
+        </p:txBody>
+      </p:sp>
+    </p:spTree>
+    <p:extLst>
+      <p:ext uri="{BB962C8B-B14F-4D97-AF65-F5344CB8AC3E}">
+        <p14:creationId xmlns:p14="http://schemas.microsoft.com/office/powerpoint/2010/main" val="731317575"/>
       </p:ext>
     </p:extLst>
   </p:cSld>
@@ -3680,4 +4654,299 @@
     </a:ext>
   </a:extLst>
 </a:theme>
+</file>
+
+<file path=ppt/theme/theme2.xml><?xml version="1.0" encoding="utf-8"?>
+<a:theme xmlns:a="http://schemas.openxmlformats.org/drawingml/2006/main" name="Office Theme">
+  <a:themeElements>
+    <a:clrScheme name="Office">
+      <a:dk1>
+        <a:sysClr val="windowText" lastClr="000000"/>
+      </a:dk1>
+      <a:lt1>
+        <a:sysClr val="window" lastClr="FFFFFF"/>
+      </a:lt1>
+      <a:dk2>
+        <a:srgbClr val="44546A"/>
+      </a:dk2>
+      <a:lt2>
+        <a:srgbClr val="E7E6E6"/>
+      </a:lt2>
+      <a:accent1>
+        <a:srgbClr val="4472C4"/>
+      </a:accent1>
+      <a:accent2>
+        <a:srgbClr val="ED7D31"/>
+      </a:accent2>
+      <a:accent3>
+        <a:srgbClr val="A5A5A5"/>
+      </a:accent3>
+      <a:accent4>
+        <a:srgbClr val="FFC000"/>
+      </a:accent4>
+      <a:accent5>
+        <a:srgbClr val="5B9BD5"/>
+      </a:accent5>
+      <a:accent6>
+        <a:srgbClr val="70AD47"/>
+      </a:accent6>
+      <a:hlink>
+        <a:srgbClr val="0563C1"/>
+      </a:hlink>
+      <a:folHlink>
+        <a:srgbClr val="954F72"/>
+      </a:folHlink>
+    </a:clrScheme>
+    <a:fontScheme name="Office">
+      <a:majorFont>
+        <a:latin typeface="Calibri Light" panose="020F0302020204030204"/>
+        <a:ea typeface=""/>
+        <a:cs typeface=""/>
+        <a:font script="Jpan" typeface="游ゴシック Light"/>
+        <a:font script="Hang" typeface="맑은 고딕"/>
+        <a:font script="Hans" typeface="等线 Light"/>
+        <a:font script="Hant" typeface="新細明體"/>
+        <a:font script="Arab" typeface="Times New Roman"/>
+        <a:font script="Hebr" typeface="Times New Roman"/>
+        <a:font script="Thai" typeface="Angsana New"/>
+        <a:font script="Ethi" typeface="Nyala"/>
+        <a:font script="Beng" typeface="Vrinda"/>
+        <a:font script="Gujr" typeface="Shruti"/>
+        <a:font script="Khmr" typeface="MoolBoran"/>
+        <a:font script="Knda" typeface="Tunga"/>
+        <a:font script="Guru" typeface="Raavi"/>
+        <a:font script="Cans" typeface="Euphemia"/>
+        <a:font script="Cher" typeface="Plantagenet Cherokee"/>
+        <a:font script="Yiii" typeface="Microsoft Yi Baiti"/>
+        <a:font script="Tibt" typeface="Microsoft Himalaya"/>
+        <a:font script="Thaa" typeface="MV Boli"/>
+        <a:font script="Deva" typeface="Mangal"/>
+        <a:font script="Telu" typeface="Gautami"/>
+        <a:font script="Taml" typeface="Latha"/>
+        <a:font script="Syrc" typeface="Estrangelo Edessa"/>
+        <a:font script="Orya" typeface="Kalinga"/>
+        <a:font script="Mlym" typeface="Kartika"/>
+        <a:font script="Laoo" typeface="DokChampa"/>
+        <a:font script="Sinh" typeface="Iskoola Pota"/>
+        <a:font script="Mong" typeface="Mongolian Baiti"/>
+        <a:font script="Viet" typeface="Times New Roman"/>
+        <a:font script="Uigh" typeface="Microsoft Uighur"/>
+        <a:font script="Geor" typeface="Sylfaen"/>
+        <a:font script="Armn" typeface="Arial"/>
+        <a:font script="Bugi" typeface="Leelawadee UI"/>
+        <a:font script="Bopo" typeface="Microsoft JhengHei"/>
+        <a:font script="Java" typeface="Javanese Text"/>
+        <a:font script="Lisu" typeface="Segoe UI"/>
+        <a:font script="Mymr" typeface="Myanmar Text"/>
+        <a:font script="Nkoo" typeface="Ebrima"/>
+        <a:font script="Olck" typeface="Nirmala UI"/>
+        <a:font script="Osma" typeface="Ebrima"/>
+        <a:font script="Phag" typeface="Phagspa"/>
+        <a:font script="Syrn" typeface="Estrangelo Edessa"/>
+        <a:font script="Syrj" typeface="Estrangelo Edessa"/>
+        <a:font script="Syre" typeface="Estrangelo Edessa"/>
+        <a:font script="Sora" typeface="Nirmala UI"/>
+        <a:font script="Tale" typeface="Microsoft Tai Le"/>
+        <a:font script="Talu" typeface="Microsoft New Tai Lue"/>
+        <a:font script="Tfng" typeface="Ebrima"/>
+      </a:majorFont>
+      <a:minorFont>
+        <a:latin typeface="Calibri" panose="020F0502020204030204"/>
+        <a:ea typeface=""/>
+        <a:cs typeface=""/>
+        <a:font script="Jpan" typeface="游ゴシック"/>
+        <a:font script="Hang" typeface="맑은 고딕"/>
+        <a:font script="Hans" typeface="等线"/>
+        <a:font script="Hant" typeface="新細明體"/>
+        <a:font script="Arab" typeface="Arial"/>
+        <a:font script="Hebr" typeface="Arial"/>
+        <a:font script="Thai" typeface="Cordia New"/>
+        <a:font script="Ethi" typeface="Nyala"/>
+        <a:font script="Beng" typeface="Vrinda"/>
+        <a:font script="Gujr" typeface="Shruti"/>
+        <a:font script="Khmr" typeface="DaunPenh"/>
+        <a:font script="Knda" typeface="Tunga"/>
+        <a:font script="Guru" typeface="Raavi"/>
+        <a:font script="Cans" typeface="Euphemia"/>
+        <a:font script="Cher" typeface="Plantagenet Cherokee"/>
+        <a:font script="Yiii" typeface="Microsoft Yi Baiti"/>
+        <a:font script="Tibt" typeface="Microsoft Himalaya"/>
+        <a:font script="Thaa" typeface="MV Boli"/>
+        <a:font script="Deva" typeface="Mangal"/>
+        <a:font script="Telu" typeface="Gautami"/>
+        <a:font script="Taml" typeface="Latha"/>
+        <a:font script="Syrc" typeface="Estrangelo Edessa"/>
+        <a:font script="Orya" typeface="Kalinga"/>
+        <a:font script="Mlym" typeface="Kartika"/>
+        <a:font script="Laoo" typeface="DokChampa"/>
+        <a:font script="Sinh" typeface="Iskoola Pota"/>
+        <a:font script="Mong" typeface="Mongolian Baiti"/>
+        <a:font script="Viet" typeface="Arial"/>
+        <a:font script="Uigh" typeface="Microsoft Uighur"/>
+        <a:font script="Geor" typeface="Sylfaen"/>
+        <a:font script="Armn" typeface="Arial"/>
+        <a:font script="Bugi" typeface="Leelawadee UI"/>
+        <a:font script="Bopo" typeface="Microsoft JhengHei"/>
+        <a:font script="Java" typeface="Javanese Text"/>
+        <a:font script="Lisu" typeface="Segoe UI"/>
+        <a:font script="Mymr" typeface="Myanmar Text"/>
+        <a:font script="Nkoo" typeface="Ebrima"/>
+        <a:font script="Olck" typeface="Nirmala UI"/>
+        <a:font script="Osma" typeface="Ebrima"/>
+        <a:font script="Phag" typeface="Phagspa"/>
+        <a:font script="Syrn" typeface="Estrangelo Edessa"/>
+        <a:font script="Syrj" typeface="Estrangelo Edessa"/>
+        <a:font script="Syre" typeface="Estrangelo Edessa"/>
+        <a:font script="Sora" typeface="Nirmala UI"/>
+        <a:font script="Tale" typeface="Microsoft Tai Le"/>
+        <a:font script="Talu" typeface="Microsoft New Tai Lue"/>
+        <a:font script="Tfng" typeface="Ebrima"/>
+      </a:minorFont>
+    </a:fontScheme>
+    <a:fmtScheme name="Office">
+      <a:fillStyleLst>
+        <a:solidFill>
+          <a:schemeClr val="phClr"/>
+        </a:solidFill>
+        <a:gradFill rotWithShape="1">
+          <a:gsLst>
+            <a:gs pos="0">
+              <a:schemeClr val="phClr">
+                <a:lumMod val="110000"/>
+                <a:satMod val="105000"/>
+                <a:tint val="67000"/>
+              </a:schemeClr>
+            </a:gs>
+            <a:gs pos="50000">
+              <a:schemeClr val="phClr">
+                <a:lumMod val="105000"/>
+                <a:satMod val="103000"/>
+                <a:tint val="73000"/>
+              </a:schemeClr>
+            </a:gs>
+            <a:gs pos="100000">
+              <a:schemeClr val="phClr">
+                <a:lumMod val="105000"/>
+                <a:satMod val="109000"/>
+                <a:tint val="81000"/>
+              </a:schemeClr>
+            </a:gs>
+          </a:gsLst>
+          <a:lin ang="5400000" scaled="0"/>
+        </a:gradFill>
+        <a:gradFill rotWithShape="1">
+          <a:gsLst>
+            <a:gs pos="0">
+              <a:schemeClr val="phClr">
+                <a:satMod val="103000"/>
+                <a:lumMod val="102000"/>
+                <a:tint val="94000"/>
+              </a:schemeClr>
+            </a:gs>
+            <a:gs pos="50000">
+              <a:schemeClr val="phClr">
+                <a:satMod val="110000"/>
+                <a:lumMod val="100000"/>
+                <a:shade val="100000"/>
+              </a:schemeClr>
+            </a:gs>
+            <a:gs pos="100000">
+              <a:schemeClr val="phClr">
+                <a:lumMod val="99000"/>
+                <a:satMod val="120000"/>
+                <a:shade val="78000"/>
+              </a:schemeClr>
+            </a:gs>
+          </a:gsLst>
+          <a:lin ang="5400000" scaled="0"/>
+        </a:gradFill>
+      </a:fillStyleLst>
+      <a:lnStyleLst>
+        <a:ln w="6350" cap="flat" cmpd="sng" algn="ctr">
+          <a:solidFill>
+            <a:schemeClr val="phClr"/>
+          </a:solidFill>
+          <a:prstDash val="solid"/>
+          <a:miter lim="800000"/>
+        </a:ln>
+        <a:ln w="12700" cap="flat" cmpd="sng" algn="ctr">
+          <a:solidFill>
+            <a:schemeClr val="phClr"/>
+          </a:solidFill>
+          <a:prstDash val="solid"/>
+          <a:miter lim="800000"/>
+        </a:ln>
+        <a:ln w="19050" cap="flat" cmpd="sng" algn="ctr">
+          <a:solidFill>
+            <a:schemeClr val="phClr"/>
+          </a:solidFill>
+          <a:prstDash val="solid"/>
+          <a:miter lim="800000"/>
+        </a:ln>
+      </a:lnStyleLst>
+      <a:effectStyleLst>
+        <a:effectStyle>
+          <a:effectLst/>
+        </a:effectStyle>
+        <a:effectStyle>
+          <a:effectLst/>
+        </a:effectStyle>
+        <a:effectStyle>
+          <a:effectLst>
+            <a:outerShdw blurRad="57150" dist="19050" dir="5400000" algn="ctr" rotWithShape="0">
+              <a:srgbClr val="000000">
+                <a:alpha val="63000"/>
+              </a:srgbClr>
+            </a:outerShdw>
+          </a:effectLst>
+        </a:effectStyle>
+      </a:effectStyleLst>
+      <a:bgFillStyleLst>
+        <a:solidFill>
+          <a:schemeClr val="phClr"/>
+        </a:solidFill>
+        <a:solidFill>
+          <a:schemeClr val="phClr">
+            <a:tint val="95000"/>
+            <a:satMod val="170000"/>
+          </a:schemeClr>
+        </a:solidFill>
+        <a:gradFill rotWithShape="1">
+          <a:gsLst>
+            <a:gs pos="0">
+              <a:schemeClr val="phClr">
+                <a:tint val="93000"/>
+                <a:satMod val="150000"/>
+                <a:shade val="98000"/>
+                <a:lumMod val="102000"/>
+              </a:schemeClr>
+            </a:gs>
+            <a:gs pos="50000">
+              <a:schemeClr val="phClr">
+                <a:tint val="98000"/>
+                <a:satMod val="130000"/>
+                <a:shade val="90000"/>
+                <a:lumMod val="103000"/>
+              </a:schemeClr>
+            </a:gs>
+            <a:gs pos="100000">
+              <a:schemeClr val="phClr">
+                <a:shade val="63000"/>
+                <a:satMod val="120000"/>
+              </a:schemeClr>
+            </a:gs>
+          </a:gsLst>
+          <a:lin ang="5400000" scaled="0"/>
+        </a:gradFill>
+      </a:bgFillStyleLst>
+    </a:fmtScheme>
+  </a:themeElements>
+  <a:objectDefaults/>
+  <a:extraClrSchemeLst/>
+  <a:extLst>
+    <a:ext uri="{05A4C25C-085E-4340-85A3-A5531E510DB2}">
+      <thm15:themeFamily xmlns:thm15="http://schemas.microsoft.com/office/thememl/2012/main" name="Office Theme" id="{62F939B6-93AF-4DB8-9C6B-D6C7DFDC589F}" vid="{4A3C46E8-61CC-4603-A589-7422A47A8E4A}"/>
+    </a:ext>
+  </a:extLst>
+</a:theme>
 </file>
--- a/Murder Mystery v1.pptx
+++ b/Murder Mystery v1.pptx
@@ -4,8 +4,14 @@
   <p:sldMasterIdLst>
     <p:sldMasterId id="2147483648" r:id="rId1"/>
   </p:sldMasterIdLst>
+  <p:notesMasterIdLst>
+    <p:notesMasterId r:id="rId6"/>
+  </p:notesMasterIdLst>
   <p:sldIdLst>
     <p:sldId id="256" r:id="rId2"/>
+    <p:sldId id="257" r:id="rId3"/>
+    <p:sldId id="258" r:id="rId4"/>
+    <p:sldId id="259" r:id="rId5"/>
   </p:sldIdLst>
   <p:sldSz cx="12192000" cy="6858000"/>
   <p:notesSz cx="6858000" cy="9144000"/>
@@ -105,6 +111,439 @@
     </a:lvl9pPr>
   </p:defaultTextStyle>
 </p:presentation>
+</file>
+
+<file path=ppt/notesMasters/notesMaster1.xml><?xml version="1.0" encoding="utf-8"?>
+<p:notesMaster xmlns:a="http://schemas.openxmlformats.org/drawingml/2006/main" xmlns:r="http://schemas.openxmlformats.org/officeDocument/2006/relationships" xmlns:p="http://schemas.openxmlformats.org/presentationml/2006/main">
+  <p:cSld>
+    <p:bg>
+      <p:bgRef idx="1001">
+        <a:schemeClr val="bg1"/>
+      </p:bgRef>
+    </p:bg>
+    <p:spTree>
+      <p:nvGrpSpPr>
+        <p:cNvPr id="1" name=""/>
+        <p:cNvGrpSpPr/>
+        <p:nvPr/>
+      </p:nvGrpSpPr>
+      <p:grpSpPr>
+        <a:xfrm>
+          <a:off x="0" y="0"/>
+          <a:ext cx="0" cy="0"/>
+          <a:chOff x="0" y="0"/>
+          <a:chExt cx="0" cy="0"/>
+        </a:xfrm>
+      </p:grpSpPr>
+      <p:sp>
+        <p:nvSpPr>
+          <p:cNvPr id="2" name="Header Placeholder 1"/>
+          <p:cNvSpPr>
+            <a:spLocks noGrp="1"/>
+          </p:cNvSpPr>
+          <p:nvPr>
+            <p:ph type="hdr" sz="quarter"/>
+          </p:nvPr>
+        </p:nvSpPr>
+        <p:spPr>
+          <a:xfrm>
+            <a:off x="0" y="0"/>
+            <a:ext cx="2971800" cy="458788"/>
+          </a:xfrm>
+          <a:prstGeom prst="rect">
+            <a:avLst/>
+          </a:prstGeom>
+        </p:spPr>
+        <p:txBody>
+          <a:bodyPr vert="horz" lIns="91440" tIns="45720" rIns="91440" bIns="45720" rtlCol="0"/>
+          <a:lstStyle>
+            <a:lvl1pPr algn="l">
+              <a:defRPr sz="1200"/>
+            </a:lvl1pPr>
+          </a:lstStyle>
+          <a:p>
+            <a:endParaRPr lang="en-US"/>
+          </a:p>
+        </p:txBody>
+      </p:sp>
+      <p:sp>
+        <p:nvSpPr>
+          <p:cNvPr id="3" name="Date Placeholder 2"/>
+          <p:cNvSpPr>
+            <a:spLocks noGrp="1"/>
+          </p:cNvSpPr>
+          <p:nvPr>
+            <p:ph type="dt" idx="1"/>
+          </p:nvPr>
+        </p:nvSpPr>
+        <p:spPr>
+          <a:xfrm>
+            <a:off x="3884613" y="0"/>
+            <a:ext cx="2971800" cy="458788"/>
+          </a:xfrm>
+          <a:prstGeom prst="rect">
+            <a:avLst/>
+          </a:prstGeom>
+        </p:spPr>
+        <p:txBody>
+          <a:bodyPr vert="horz" lIns="91440" tIns="45720" rIns="91440" bIns="45720" rtlCol="0"/>
+          <a:lstStyle>
+            <a:lvl1pPr algn="r">
+              <a:defRPr sz="1200"/>
+            </a:lvl1pPr>
+          </a:lstStyle>
+          <a:p>
+            <a:fld id="{5356DB96-CF6E-8C4E-AE0B-BF0AC78AB559}" type="datetimeFigureOut">
+              <a:rPr lang="en-US" smtClean="0"/>
+              <a:t>6/4/22</a:t>
+            </a:fld>
+            <a:endParaRPr lang="en-US"/>
+          </a:p>
+        </p:txBody>
+      </p:sp>
+      <p:sp>
+        <p:nvSpPr>
+          <p:cNvPr id="4" name="Slide Image Placeholder 3"/>
+          <p:cNvSpPr>
+            <a:spLocks noGrp="1" noRot="1" noChangeAspect="1"/>
+          </p:cNvSpPr>
+          <p:nvPr>
+            <p:ph type="sldImg" idx="2"/>
+          </p:nvPr>
+        </p:nvSpPr>
+        <p:spPr>
+          <a:xfrm>
+            <a:off x="685800" y="1143000"/>
+            <a:ext cx="5486400" cy="3086100"/>
+          </a:xfrm>
+          <a:prstGeom prst="rect">
+            <a:avLst/>
+          </a:prstGeom>
+          <a:noFill/>
+          <a:ln w="12700">
+            <a:solidFill>
+              <a:prstClr val="black"/>
+            </a:solidFill>
+          </a:ln>
+        </p:spPr>
+        <p:txBody>
+          <a:bodyPr vert="horz" lIns="91440" tIns="45720" rIns="91440" bIns="45720" rtlCol="0" anchor="ctr"/>
+          <a:lstStyle/>
+          <a:p>
+            <a:endParaRPr lang="en-US"/>
+          </a:p>
+        </p:txBody>
+      </p:sp>
+      <p:sp>
+        <p:nvSpPr>
+          <p:cNvPr id="5" name="Notes Placeholder 4"/>
+          <p:cNvSpPr>
+            <a:spLocks noGrp="1"/>
+          </p:cNvSpPr>
+          <p:nvPr>
+            <p:ph type="body" sz="quarter" idx="3"/>
+          </p:nvPr>
+        </p:nvSpPr>
+        <p:spPr>
+          <a:xfrm>
+            <a:off x="685800" y="4400550"/>
+            <a:ext cx="5486400" cy="3600450"/>
+          </a:xfrm>
+          <a:prstGeom prst="rect">
+            <a:avLst/>
+          </a:prstGeom>
+        </p:spPr>
+        <p:txBody>
+          <a:bodyPr vert="horz" lIns="91440" tIns="45720" rIns="91440" bIns="45720" rtlCol="0"/>
+          <a:lstStyle/>
+          <a:p>
+            <a:pPr lvl="0"/>
+            <a:r>
+              <a:rPr lang="en-US"/>
+              <a:t>Click to edit Master text styles</a:t>
+            </a:r>
+          </a:p>
+          <a:p>
+            <a:pPr lvl="1"/>
+            <a:r>
+              <a:rPr lang="en-US"/>
+              <a:t>Second level</a:t>
+            </a:r>
+          </a:p>
+          <a:p>
+            <a:pPr lvl="2"/>
+            <a:r>
+              <a:rPr lang="en-US"/>
+              <a:t>Third level</a:t>
+            </a:r>
+          </a:p>
+          <a:p>
+            <a:pPr lvl="3"/>
+            <a:r>
+              <a:rPr lang="en-US"/>
+              <a:t>Fourth level</a:t>
+            </a:r>
+          </a:p>
+          <a:p>
+            <a:pPr lvl="4"/>
+            <a:r>
+              <a:rPr lang="en-US"/>
+              <a:t>Fifth level</a:t>
+            </a:r>
+          </a:p>
+        </p:txBody>
+      </p:sp>
+      <p:sp>
+        <p:nvSpPr>
+          <p:cNvPr id="6" name="Footer Placeholder 5"/>
+          <p:cNvSpPr>
+            <a:spLocks noGrp="1"/>
+          </p:cNvSpPr>
+          <p:nvPr>
+            <p:ph type="ftr" sz="quarter" idx="4"/>
+          </p:nvPr>
+        </p:nvSpPr>
+        <p:spPr>
+          <a:xfrm>
+            <a:off x="0" y="8685213"/>
+            <a:ext cx="2971800" cy="458787"/>
+          </a:xfrm>
+          <a:prstGeom prst="rect">
+            <a:avLst/>
+          </a:prstGeom>
+        </p:spPr>
+        <p:txBody>
+          <a:bodyPr vert="horz" lIns="91440" tIns="45720" rIns="91440" bIns="45720" rtlCol="0" anchor="b"/>
+          <a:lstStyle>
+            <a:lvl1pPr algn="l">
+              <a:defRPr sz="1200"/>
+            </a:lvl1pPr>
+          </a:lstStyle>
+          <a:p>
+            <a:endParaRPr lang="en-US"/>
+          </a:p>
+        </p:txBody>
+      </p:sp>
+      <p:sp>
+        <p:nvSpPr>
+          <p:cNvPr id="7" name="Slide Number Placeholder 6"/>
+          <p:cNvSpPr>
+            <a:spLocks noGrp="1"/>
+          </p:cNvSpPr>
+          <p:nvPr>
+            <p:ph type="sldNum" sz="quarter" idx="5"/>
+          </p:nvPr>
+        </p:nvSpPr>
+        <p:spPr>
+          <a:xfrm>
+            <a:off x="3884613" y="8685213"/>
+            <a:ext cx="2971800" cy="458787"/>
+          </a:xfrm>
+          <a:prstGeom prst="rect">
+            <a:avLst/>
+          </a:prstGeom>
+        </p:spPr>
+        <p:txBody>
+          <a:bodyPr vert="horz" lIns="91440" tIns="45720" rIns="91440" bIns="45720" rtlCol="0" anchor="b"/>
+          <a:lstStyle>
+            <a:lvl1pPr algn="r">
+              <a:defRPr sz="1200"/>
+            </a:lvl1pPr>
+          </a:lstStyle>
+          <a:p>
+            <a:fld id="{EF6F739A-1507-6542-9257-4DD317E627F4}" type="slidenum">
+              <a:rPr lang="en-US" smtClean="0"/>
+              <a:t>‹#›</a:t>
+            </a:fld>
+            <a:endParaRPr lang="en-US"/>
+          </a:p>
+        </p:txBody>
+      </p:sp>
+    </p:spTree>
+    <p:extLst>
+      <p:ext uri="{BB962C8B-B14F-4D97-AF65-F5344CB8AC3E}">
+        <p14:creationId xmlns:p14="http://schemas.microsoft.com/office/powerpoint/2010/main" val="125220623"/>
+      </p:ext>
+    </p:extLst>
+  </p:cSld>
+  <p:clrMap bg1="lt1" tx1="dk1" bg2="lt2" tx2="dk2" accent1="accent1" accent2="accent2" accent3="accent3" accent4="accent4" accent5="accent5" accent6="accent6" hlink="hlink" folHlink="folHlink"/>
+  <p:notesStyle>
+    <a:lvl1pPr marL="0" algn="l" defTabSz="914400" rtl="0" eaLnBrk="1" latinLnBrk="0" hangingPunct="1">
+      <a:defRPr sz="1200" kern="1200">
+        <a:solidFill>
+          <a:schemeClr val="tx1"/>
+        </a:solidFill>
+        <a:latin typeface="+mn-lt"/>
+        <a:ea typeface="+mn-ea"/>
+        <a:cs typeface="+mn-cs"/>
+      </a:defRPr>
+    </a:lvl1pPr>
+    <a:lvl2pPr marL="457200" algn="l" defTabSz="914400" rtl="0" eaLnBrk="1" latinLnBrk="0" hangingPunct="1">
+      <a:defRPr sz="1200" kern="1200">
+        <a:solidFill>
+          <a:schemeClr val="tx1"/>
+        </a:solidFill>
+        <a:latin typeface="+mn-lt"/>
+        <a:ea typeface="+mn-ea"/>
+        <a:cs typeface="+mn-cs"/>
+      </a:defRPr>
+    </a:lvl2pPr>
+    <a:lvl3pPr marL="914400" algn="l" defTabSz="914400" rtl="0" eaLnBrk="1" latinLnBrk="0" hangingPunct="1">
+      <a:defRPr sz="1200" kern="1200">
+        <a:solidFill>
+          <a:schemeClr val="tx1"/>
+        </a:solidFill>
+        <a:latin typeface="+mn-lt"/>
+        <a:ea typeface="+mn-ea"/>
+        <a:cs typeface="+mn-cs"/>
+      </a:defRPr>
+    </a:lvl3pPr>
+    <a:lvl4pPr marL="1371600" algn="l" defTabSz="914400" rtl="0" eaLnBrk="1" latinLnBrk="0" hangingPunct="1">
+      <a:defRPr sz="1200" kern="1200">
+        <a:solidFill>
+          <a:schemeClr val="tx1"/>
+        </a:solidFill>
+        <a:latin typeface="+mn-lt"/>
+        <a:ea typeface="+mn-ea"/>
+        <a:cs typeface="+mn-cs"/>
+      </a:defRPr>
+    </a:lvl4pPr>
+    <a:lvl5pPr marL="1828800" algn="l" defTabSz="914400" rtl="0" eaLnBrk="1" latinLnBrk="0" hangingPunct="1">
+      <a:defRPr sz="1200" kern="1200">
+        <a:solidFill>
+          <a:schemeClr val="tx1"/>
+        </a:solidFill>
+        <a:latin typeface="+mn-lt"/>
+        <a:ea typeface="+mn-ea"/>
+        <a:cs typeface="+mn-cs"/>
+      </a:defRPr>
+    </a:lvl5pPr>
+    <a:lvl6pPr marL="2286000" algn="l" defTabSz="914400" rtl="0" eaLnBrk="1" latinLnBrk="0" hangingPunct="1">
+      <a:defRPr sz="1200" kern="1200">
+        <a:solidFill>
+          <a:schemeClr val="tx1"/>
+        </a:solidFill>
+        <a:latin typeface="+mn-lt"/>
+        <a:ea typeface="+mn-ea"/>
+        <a:cs typeface="+mn-cs"/>
+      </a:defRPr>
+    </a:lvl6pPr>
+    <a:lvl7pPr marL="2743200" algn="l" defTabSz="914400" rtl="0" eaLnBrk="1" latinLnBrk="0" hangingPunct="1">
+      <a:defRPr sz="1200" kern="1200">
+        <a:solidFill>
+          <a:schemeClr val="tx1"/>
+        </a:solidFill>
+        <a:latin typeface="+mn-lt"/>
+        <a:ea typeface="+mn-ea"/>
+        <a:cs typeface="+mn-cs"/>
+      </a:defRPr>
+    </a:lvl7pPr>
+    <a:lvl8pPr marL="3200400" algn="l" defTabSz="914400" rtl="0" eaLnBrk="1" latinLnBrk="0" hangingPunct="1">
+      <a:defRPr sz="1200" kern="1200">
+        <a:solidFill>
+          <a:schemeClr val="tx1"/>
+        </a:solidFill>
+        <a:latin typeface="+mn-lt"/>
+        <a:ea typeface="+mn-ea"/>
+        <a:cs typeface="+mn-cs"/>
+      </a:defRPr>
+    </a:lvl8pPr>
+    <a:lvl9pPr marL="3657600" algn="l" defTabSz="914400" rtl="0" eaLnBrk="1" latinLnBrk="0" hangingPunct="1">
+      <a:defRPr sz="1200" kern="1200">
+        <a:solidFill>
+          <a:schemeClr val="tx1"/>
+        </a:solidFill>
+        <a:latin typeface="+mn-lt"/>
+        <a:ea typeface="+mn-ea"/>
+        <a:cs typeface="+mn-cs"/>
+      </a:defRPr>
+    </a:lvl9pPr>
+  </p:notesStyle>
+</p:notesMaster>
+</file>
+
+<file path=ppt/notesSlides/notesSlide1.xml><?xml version="1.0" encoding="utf-8"?>
+<p:notes xmlns:a="http://schemas.openxmlformats.org/drawingml/2006/main" xmlns:r="http://schemas.openxmlformats.org/officeDocument/2006/relationships" xmlns:p="http://schemas.openxmlformats.org/presentationml/2006/main">
+  <p:cSld>
+    <p:spTree>
+      <p:nvGrpSpPr>
+        <p:cNvPr id="1" name=""/>
+        <p:cNvGrpSpPr/>
+        <p:nvPr/>
+      </p:nvGrpSpPr>
+      <p:grpSpPr>
+        <a:xfrm>
+          <a:off x="0" y="0"/>
+          <a:ext cx="0" cy="0"/>
+          <a:chOff x="0" y="0"/>
+          <a:chExt cx="0" cy="0"/>
+        </a:xfrm>
+      </p:grpSpPr>
+      <p:sp>
+        <p:nvSpPr>
+          <p:cNvPr id="2" name="Slide Image Placeholder 1"/>
+          <p:cNvSpPr>
+            <a:spLocks noGrp="1" noRot="1" noChangeAspect="1"/>
+          </p:cNvSpPr>
+          <p:nvPr>
+            <p:ph type="sldImg"/>
+          </p:nvPr>
+        </p:nvSpPr>
+        <p:spPr/>
+      </p:sp>
+      <p:sp>
+        <p:nvSpPr>
+          <p:cNvPr id="3" name="Notes Placeholder 2"/>
+          <p:cNvSpPr>
+            <a:spLocks noGrp="1"/>
+          </p:cNvSpPr>
+          <p:nvPr>
+            <p:ph type="body" idx="1"/>
+          </p:nvPr>
+        </p:nvSpPr>
+        <p:spPr/>
+        <p:txBody>
+          <a:bodyPr/>
+          <a:lstStyle/>
+          <a:p>
+            <a:endParaRPr lang="en-US"/>
+          </a:p>
+        </p:txBody>
+      </p:sp>
+      <p:sp>
+        <p:nvSpPr>
+          <p:cNvPr id="4" name="Slide Number Placeholder 3"/>
+          <p:cNvSpPr>
+            <a:spLocks noGrp="1"/>
+          </p:cNvSpPr>
+          <p:nvPr>
+            <p:ph type="sldNum" sz="quarter" idx="5"/>
+          </p:nvPr>
+        </p:nvSpPr>
+        <p:spPr/>
+        <p:txBody>
+          <a:bodyPr/>
+          <a:lstStyle/>
+          <a:p>
+            <a:fld id="{EF6F739A-1507-6542-9257-4DD317E627F4}" type="slidenum">
+              <a:rPr lang="en-US" smtClean="0"/>
+              <a:t>3</a:t>
+            </a:fld>
+            <a:endParaRPr lang="en-US"/>
+          </a:p>
+        </p:txBody>
+      </p:sp>
+    </p:spTree>
+    <p:extLst>
+      <p:ext uri="{BB962C8B-B14F-4D97-AF65-F5344CB8AC3E}">
+        <p14:creationId xmlns:p14="http://schemas.microsoft.com/office/powerpoint/2010/main" val="3854826041"/>
+      </p:ext>
+    </p:extLst>
+  </p:cSld>
+  <p:clrMapOvr>
+    <a:masterClrMapping/>
+  </p:clrMapOvr>
+</p:notes>
 </file>
 
 <file path=ppt/slideLayouts/slideLayout1.xml><?xml version="1.0" encoding="utf-8"?>
@@ -3343,7 +3782,7 @@
           <a:lstStyle/>
           <a:p>
             <a:r>
-              <a:rPr lang="en-US"/>
+              <a:rPr lang="en-US" dirty="0"/>
               <a:t>Murder Mystery</a:t>
             </a:r>
           </a:p>
@@ -3370,7 +3809,10 @@
           <a:bodyPr/>
           <a:lstStyle/>
           <a:p>
-            <a:endParaRPr lang="en-US"/>
+            <a:r>
+              <a:rPr lang="en-US" dirty="0"/>
+              <a:t>Trailer Park Version</a:t>
+            </a:r>
           </a:p>
         </p:txBody>
       </p:sp>
@@ -3378,6 +3820,538 @@
     <p:extLst>
       <p:ext uri="{BB962C8B-B14F-4D97-AF65-F5344CB8AC3E}">
         <p14:creationId xmlns:p14="http://schemas.microsoft.com/office/powerpoint/2010/main" val="286076138"/>
+      </p:ext>
+    </p:extLst>
+  </p:cSld>
+  <p:clrMapOvr>
+    <a:masterClrMapping/>
+  </p:clrMapOvr>
+</p:sld>
+</file>
+
+<file path=ppt/slides/slide2.xml><?xml version="1.0" encoding="utf-8"?>
+<p:sld xmlns:a="http://schemas.openxmlformats.org/drawingml/2006/main" xmlns:r="http://schemas.openxmlformats.org/officeDocument/2006/relationships" xmlns:p="http://schemas.openxmlformats.org/presentationml/2006/main">
+  <p:cSld>
+    <p:spTree>
+      <p:nvGrpSpPr>
+        <p:cNvPr id="1" name=""/>
+        <p:cNvGrpSpPr/>
+        <p:nvPr/>
+      </p:nvGrpSpPr>
+      <p:grpSpPr>
+        <a:xfrm>
+          <a:off x="0" y="0"/>
+          <a:ext cx="0" cy="0"/>
+          <a:chOff x="0" y="0"/>
+          <a:chExt cx="0" cy="0"/>
+        </a:xfrm>
+      </p:grpSpPr>
+      <p:sp>
+        <p:nvSpPr>
+          <p:cNvPr id="2" name="Title 1">
+            <a:extLst>
+              <a:ext uri="{FF2B5EF4-FFF2-40B4-BE49-F238E27FC236}">
+                <a16:creationId xmlns:a16="http://schemas.microsoft.com/office/drawing/2014/main" id="{5FA9819C-79AC-27F4-3633-72EB6B36EFD9}"/>
+              </a:ext>
+            </a:extLst>
+          </p:cNvPr>
+          <p:cNvSpPr>
+            <a:spLocks noGrp="1"/>
+          </p:cNvSpPr>
+          <p:nvPr>
+            <p:ph type="title"/>
+          </p:nvPr>
+        </p:nvSpPr>
+        <p:spPr/>
+        <p:txBody>
+          <a:bodyPr/>
+          <a:lstStyle/>
+          <a:p>
+            <a:r>
+              <a:rPr lang="en-US" dirty="0"/>
+              <a:t>Characters (need to choose new parallels)</a:t>
+            </a:r>
+          </a:p>
+        </p:txBody>
+      </p:sp>
+      <p:sp>
+        <p:nvSpPr>
+          <p:cNvPr id="3" name="Content Placeholder 2">
+            <a:extLst>
+              <a:ext uri="{FF2B5EF4-FFF2-40B4-BE49-F238E27FC236}">
+                <a16:creationId xmlns:a16="http://schemas.microsoft.com/office/drawing/2014/main" id="{5373C7DE-54FD-16FA-8B8D-38A35BC5FDF4}"/>
+              </a:ext>
+            </a:extLst>
+          </p:cNvPr>
+          <p:cNvSpPr>
+            <a:spLocks noGrp="1"/>
+          </p:cNvSpPr>
+          <p:nvPr>
+            <p:ph sz="half" idx="1"/>
+          </p:nvPr>
+        </p:nvSpPr>
+        <p:spPr/>
+        <p:txBody>
+          <a:bodyPr/>
+          <a:lstStyle/>
+          <a:p>
+            <a:r>
+              <a:rPr lang="en-US" dirty="0"/>
+              <a:t>Annette </a:t>
+            </a:r>
+            <a:r>
+              <a:rPr lang="en-US" dirty="0" err="1"/>
+              <a:t>Kord</a:t>
+            </a:r>
+            <a:endParaRPr lang="en-US" dirty="0"/>
+          </a:p>
+          <a:p>
+            <a:r>
+              <a:rPr lang="en-US" dirty="0"/>
+              <a:t>Juan Iron</a:t>
+            </a:r>
+          </a:p>
+          <a:p>
+            <a:r>
+              <a:rPr lang="en-US" dirty="0"/>
+              <a:t>Jim Nast</a:t>
+            </a:r>
+          </a:p>
+          <a:p>
+            <a:r>
+              <a:rPr lang="en-US" dirty="0"/>
+              <a:t>Taylor </a:t>
+            </a:r>
+            <a:r>
+              <a:rPr lang="en-US" dirty="0" err="1"/>
+              <a:t>Stummi</a:t>
+            </a:r>
+            <a:endParaRPr lang="en-US" dirty="0"/>
+          </a:p>
+          <a:p>
+            <a:r>
+              <a:rPr lang="en-US" dirty="0"/>
+              <a:t>Ed </a:t>
+            </a:r>
+            <a:r>
+              <a:rPr lang="en-US" dirty="0" err="1"/>
+              <a:t>Lyne</a:t>
+            </a:r>
+            <a:endParaRPr lang="en-US" dirty="0"/>
+          </a:p>
+          <a:p>
+            <a:r>
+              <a:rPr lang="en-US" dirty="0"/>
+              <a:t>Penny Pincher</a:t>
+            </a:r>
+          </a:p>
+          <a:p>
+            <a:r>
+              <a:rPr lang="en-US" dirty="0"/>
+              <a:t>Steph </a:t>
+            </a:r>
+            <a:r>
+              <a:rPr lang="en-US" dirty="0" err="1"/>
+              <a:t>O’Scope</a:t>
+            </a:r>
+            <a:endParaRPr lang="en-US" dirty="0"/>
+          </a:p>
+          <a:p>
+            <a:r>
+              <a:rPr lang="en-US" dirty="0"/>
+              <a:t>Victoria Sponge</a:t>
+            </a:r>
+          </a:p>
+        </p:txBody>
+      </p:sp>
+      <p:sp>
+        <p:nvSpPr>
+          <p:cNvPr id="4" name="Content Placeholder 3">
+            <a:extLst>
+              <a:ext uri="{FF2B5EF4-FFF2-40B4-BE49-F238E27FC236}">
+                <a16:creationId xmlns:a16="http://schemas.microsoft.com/office/drawing/2014/main" id="{8E3E121C-8DE9-14D6-36C1-CB8E8DAFF5FB}"/>
+              </a:ext>
+            </a:extLst>
+          </p:cNvPr>
+          <p:cNvSpPr>
+            <a:spLocks noGrp="1"/>
+          </p:cNvSpPr>
+          <p:nvPr>
+            <p:ph sz="half" idx="2"/>
+          </p:nvPr>
+        </p:nvSpPr>
+        <p:spPr/>
+        <p:txBody>
+          <a:bodyPr/>
+          <a:lstStyle/>
+          <a:p>
+            <a:r>
+              <a:rPr lang="en-US" dirty="0"/>
+              <a:t>Phil Lee</a:t>
+            </a:r>
+          </a:p>
+          <a:p>
+            <a:r>
+              <a:rPr lang="en-US" dirty="0"/>
+              <a:t>Daff </a:t>
+            </a:r>
+            <a:r>
+              <a:rPr lang="en-US" dirty="0" err="1"/>
+              <a:t>O’Dyll</a:t>
+            </a:r>
+            <a:endParaRPr lang="en-US" dirty="0"/>
+          </a:p>
+          <a:p>
+            <a:r>
+              <a:rPr lang="en-US" dirty="0"/>
+              <a:t>Dusty Silver</a:t>
+            </a:r>
+          </a:p>
+          <a:p>
+            <a:r>
+              <a:rPr lang="en-US" dirty="0"/>
+              <a:t>Sue </a:t>
+            </a:r>
+            <a:r>
+              <a:rPr lang="en-US" dirty="0" err="1"/>
+              <a:t>Zennywon</a:t>
+            </a:r>
+            <a:endParaRPr lang="en-US" dirty="0"/>
+          </a:p>
+          <a:p>
+            <a:endParaRPr lang="en-US" dirty="0"/>
+          </a:p>
+        </p:txBody>
+      </p:sp>
+    </p:spTree>
+    <p:extLst>
+      <p:ext uri="{BB962C8B-B14F-4D97-AF65-F5344CB8AC3E}">
+        <p14:creationId xmlns:p14="http://schemas.microsoft.com/office/powerpoint/2010/main" val="3739980066"/>
+      </p:ext>
+    </p:extLst>
+  </p:cSld>
+  <p:clrMapOvr>
+    <a:masterClrMapping/>
+  </p:clrMapOvr>
+</p:sld>
+</file>
+
+<file path=ppt/slides/slide3.xml><?xml version="1.0" encoding="utf-8"?>
+<p:sld xmlns:a="http://schemas.openxmlformats.org/drawingml/2006/main" xmlns:r="http://schemas.openxmlformats.org/officeDocument/2006/relationships" xmlns:p="http://schemas.openxmlformats.org/presentationml/2006/main">
+  <p:cSld>
+    <p:spTree>
+      <p:nvGrpSpPr>
+        <p:cNvPr id="1" name=""/>
+        <p:cNvGrpSpPr/>
+        <p:nvPr/>
+      </p:nvGrpSpPr>
+      <p:grpSpPr>
+        <a:xfrm>
+          <a:off x="0" y="0"/>
+          <a:ext cx="0" cy="0"/>
+          <a:chOff x="0" y="0"/>
+          <a:chExt cx="0" cy="0"/>
+        </a:xfrm>
+      </p:grpSpPr>
+      <p:sp>
+        <p:nvSpPr>
+          <p:cNvPr id="2" name="Title 1">
+            <a:extLst>
+              <a:ext uri="{FF2B5EF4-FFF2-40B4-BE49-F238E27FC236}">
+                <a16:creationId xmlns:a16="http://schemas.microsoft.com/office/drawing/2014/main" id="{72A2F9CC-9945-473C-C8FA-D08D9ACD2889}"/>
+              </a:ext>
+            </a:extLst>
+          </p:cNvPr>
+          <p:cNvSpPr>
+            <a:spLocks noGrp="1"/>
+          </p:cNvSpPr>
+          <p:nvPr>
+            <p:ph type="title"/>
+          </p:nvPr>
+        </p:nvSpPr>
+        <p:spPr/>
+        <p:txBody>
+          <a:bodyPr/>
+          <a:lstStyle/>
+          <a:p>
+            <a:r>
+              <a:rPr lang="en-US" dirty="0"/>
+              <a:t>Accusations Form – need 1 per player</a:t>
+            </a:r>
+          </a:p>
+        </p:txBody>
+      </p:sp>
+      <p:sp>
+        <p:nvSpPr>
+          <p:cNvPr id="3" name="Text Placeholder 2">
+            <a:extLst>
+              <a:ext uri="{FF2B5EF4-FFF2-40B4-BE49-F238E27FC236}">
+                <a16:creationId xmlns:a16="http://schemas.microsoft.com/office/drawing/2014/main" id="{77277904-6377-7F49-B1D9-0E594F664B5C}"/>
+              </a:ext>
+            </a:extLst>
+          </p:cNvPr>
+          <p:cNvSpPr>
+            <a:spLocks noGrp="1"/>
+          </p:cNvSpPr>
+          <p:nvPr>
+            <p:ph type="body" idx="1"/>
+          </p:nvPr>
+        </p:nvSpPr>
+        <p:spPr/>
+        <p:txBody>
+          <a:bodyPr/>
+          <a:lstStyle/>
+          <a:p>
+            <a:r>
+              <a:rPr lang="en-US" dirty="0"/>
+              <a:t>The Accusation</a:t>
+            </a:r>
+          </a:p>
+        </p:txBody>
+      </p:sp>
+      <p:sp>
+        <p:nvSpPr>
+          <p:cNvPr id="4" name="Content Placeholder 3">
+            <a:extLst>
+              <a:ext uri="{FF2B5EF4-FFF2-40B4-BE49-F238E27FC236}">
+                <a16:creationId xmlns:a16="http://schemas.microsoft.com/office/drawing/2014/main" id="{2002610A-8DD1-D21B-129D-C205F2D57706}"/>
+              </a:ext>
+            </a:extLst>
+          </p:cNvPr>
+          <p:cNvSpPr>
+            <a:spLocks noGrp="1"/>
+          </p:cNvSpPr>
+          <p:nvPr>
+            <p:ph sz="half" idx="2"/>
+          </p:nvPr>
+        </p:nvSpPr>
+        <p:spPr/>
+        <p:txBody>
+          <a:bodyPr/>
+          <a:lstStyle/>
+          <a:p>
+            <a:r>
+              <a:rPr lang="en-US"/>
+              <a:t>Test whatever</a:t>
+            </a:r>
+          </a:p>
+        </p:txBody>
+      </p:sp>
+      <p:sp>
+        <p:nvSpPr>
+          <p:cNvPr id="5" name="Text Placeholder 4">
+            <a:extLst>
+              <a:ext uri="{FF2B5EF4-FFF2-40B4-BE49-F238E27FC236}">
+                <a16:creationId xmlns:a16="http://schemas.microsoft.com/office/drawing/2014/main" id="{881C7D05-CAE3-9694-B4B6-240BE5262F66}"/>
+              </a:ext>
+            </a:extLst>
+          </p:cNvPr>
+          <p:cNvSpPr>
+            <a:spLocks noGrp="1"/>
+          </p:cNvSpPr>
+          <p:nvPr>
+            <p:ph type="body" sz="quarter" idx="3"/>
+          </p:nvPr>
+        </p:nvSpPr>
+        <p:spPr/>
+        <p:txBody>
+          <a:bodyPr/>
+          <a:lstStyle/>
+          <a:p>
+            <a:r>
+              <a:rPr lang="en-US" dirty="0"/>
+              <a:t>The Accusation</a:t>
+            </a:r>
+          </a:p>
+        </p:txBody>
+      </p:sp>
+      <p:sp>
+        <p:nvSpPr>
+          <p:cNvPr id="6" name="Content Placeholder 5">
+            <a:extLst>
+              <a:ext uri="{FF2B5EF4-FFF2-40B4-BE49-F238E27FC236}">
+                <a16:creationId xmlns:a16="http://schemas.microsoft.com/office/drawing/2014/main" id="{92E93F87-76B1-B4F8-EA9D-BB67453C30B3}"/>
+              </a:ext>
+            </a:extLst>
+          </p:cNvPr>
+          <p:cNvSpPr>
+            <a:spLocks noGrp="1"/>
+          </p:cNvSpPr>
+          <p:nvPr>
+            <p:ph sz="quarter" idx="4"/>
+          </p:nvPr>
+        </p:nvSpPr>
+        <p:spPr/>
+        <p:txBody>
+          <a:bodyPr/>
+          <a:lstStyle/>
+          <a:p>
+            <a:endParaRPr lang="en-US"/>
+          </a:p>
+        </p:txBody>
+      </p:sp>
+    </p:spTree>
+    <p:extLst>
+      <p:ext uri="{BB962C8B-B14F-4D97-AF65-F5344CB8AC3E}">
+        <p14:creationId xmlns:p14="http://schemas.microsoft.com/office/powerpoint/2010/main" val="1092256223"/>
+      </p:ext>
+    </p:extLst>
+  </p:cSld>
+  <p:clrMapOvr>
+    <a:masterClrMapping/>
+  </p:clrMapOvr>
+</p:sld>
+</file>
+
+<file path=ppt/slides/slide4.xml><?xml version="1.0" encoding="utf-8"?>
+<p:sld xmlns:a="http://schemas.openxmlformats.org/drawingml/2006/main" xmlns:r="http://schemas.openxmlformats.org/officeDocument/2006/relationships" xmlns:p="http://schemas.openxmlformats.org/presentationml/2006/main">
+  <p:cSld>
+    <p:spTree>
+      <p:nvGrpSpPr>
+        <p:cNvPr id="1" name=""/>
+        <p:cNvGrpSpPr/>
+        <p:nvPr/>
+      </p:nvGrpSpPr>
+      <p:grpSpPr>
+        <a:xfrm>
+          <a:off x="0" y="0"/>
+          <a:ext cx="0" cy="0"/>
+          <a:chOff x="0" y="0"/>
+          <a:chExt cx="0" cy="0"/>
+        </a:xfrm>
+      </p:grpSpPr>
+      <p:sp>
+        <p:nvSpPr>
+          <p:cNvPr id="2" name="Title 1">
+            <a:extLst>
+              <a:ext uri="{FF2B5EF4-FFF2-40B4-BE49-F238E27FC236}">
+                <a16:creationId xmlns:a16="http://schemas.microsoft.com/office/drawing/2014/main" id="{8EFAFA45-6F61-3B35-52A2-04D6DDAF2F6D}"/>
+              </a:ext>
+            </a:extLst>
+          </p:cNvPr>
+          <p:cNvSpPr>
+            <a:spLocks noGrp="1"/>
+          </p:cNvSpPr>
+          <p:nvPr>
+            <p:ph type="title"/>
+          </p:nvPr>
+        </p:nvSpPr>
+        <p:spPr/>
+        <p:txBody>
+          <a:bodyPr/>
+          <a:lstStyle/>
+          <a:p>
+            <a:r>
+              <a:rPr lang="en-US" dirty="0"/>
+              <a:t>Round 1</a:t>
+            </a:r>
+          </a:p>
+        </p:txBody>
+      </p:sp>
+      <p:sp>
+        <p:nvSpPr>
+          <p:cNvPr id="3" name="Text Placeholder 2">
+            <a:extLst>
+              <a:ext uri="{FF2B5EF4-FFF2-40B4-BE49-F238E27FC236}">
+                <a16:creationId xmlns:a16="http://schemas.microsoft.com/office/drawing/2014/main" id="{65E4C042-605D-B353-BFB2-54DB0CB3DB09}"/>
+              </a:ext>
+            </a:extLst>
+          </p:cNvPr>
+          <p:cNvSpPr>
+            <a:spLocks noGrp="1"/>
+          </p:cNvSpPr>
+          <p:nvPr>
+            <p:ph type="body" idx="1"/>
+          </p:nvPr>
+        </p:nvSpPr>
+        <p:spPr/>
+        <p:txBody>
+          <a:bodyPr/>
+          <a:lstStyle/>
+          <a:p>
+            <a:endParaRPr lang="en-US"/>
+          </a:p>
+        </p:txBody>
+      </p:sp>
+      <p:sp>
+        <p:nvSpPr>
+          <p:cNvPr id="4" name="Content Placeholder 3">
+            <a:extLst>
+              <a:ext uri="{FF2B5EF4-FFF2-40B4-BE49-F238E27FC236}">
+                <a16:creationId xmlns:a16="http://schemas.microsoft.com/office/drawing/2014/main" id="{8575DD8F-E28A-B61B-A369-4ED093B57E98}"/>
+              </a:ext>
+            </a:extLst>
+          </p:cNvPr>
+          <p:cNvSpPr>
+            <a:spLocks noGrp="1"/>
+          </p:cNvSpPr>
+          <p:nvPr>
+            <p:ph sz="half" idx="2"/>
+          </p:nvPr>
+        </p:nvSpPr>
+        <p:spPr/>
+        <p:txBody>
+          <a:bodyPr/>
+          <a:lstStyle/>
+          <a:p>
+            <a:endParaRPr lang="en-US"/>
+          </a:p>
+        </p:txBody>
+      </p:sp>
+      <p:sp>
+        <p:nvSpPr>
+          <p:cNvPr id="5" name="Text Placeholder 4">
+            <a:extLst>
+              <a:ext uri="{FF2B5EF4-FFF2-40B4-BE49-F238E27FC236}">
+                <a16:creationId xmlns:a16="http://schemas.microsoft.com/office/drawing/2014/main" id="{BF3F463A-03F1-D768-D054-5E3631CDC63A}"/>
+              </a:ext>
+            </a:extLst>
+          </p:cNvPr>
+          <p:cNvSpPr>
+            <a:spLocks noGrp="1"/>
+          </p:cNvSpPr>
+          <p:nvPr>
+            <p:ph type="body" sz="quarter" idx="3"/>
+          </p:nvPr>
+        </p:nvSpPr>
+        <p:spPr/>
+        <p:txBody>
+          <a:bodyPr/>
+          <a:lstStyle/>
+          <a:p>
+            <a:endParaRPr lang="en-US"/>
+          </a:p>
+        </p:txBody>
+      </p:sp>
+      <p:sp>
+        <p:nvSpPr>
+          <p:cNvPr id="6" name="Content Placeholder 5">
+            <a:extLst>
+              <a:ext uri="{FF2B5EF4-FFF2-40B4-BE49-F238E27FC236}">
+                <a16:creationId xmlns:a16="http://schemas.microsoft.com/office/drawing/2014/main" id="{E202F397-395B-5A40-A7DD-5043700D5BFC}"/>
+              </a:ext>
+            </a:extLst>
+          </p:cNvPr>
+          <p:cNvSpPr>
+            <a:spLocks noGrp="1"/>
+          </p:cNvSpPr>
+          <p:nvPr>
+            <p:ph sz="quarter" idx="4"/>
+          </p:nvPr>
+        </p:nvSpPr>
+        <p:spPr/>
+        <p:txBody>
+          <a:bodyPr/>
+          <a:lstStyle/>
+          <a:p>
+            <a:endParaRPr lang="en-US"/>
+          </a:p>
+        </p:txBody>
+      </p:sp>
+    </p:spTree>
+    <p:extLst>
+      <p:ext uri="{BB962C8B-B14F-4D97-AF65-F5344CB8AC3E}">
+        <p14:creationId xmlns:p14="http://schemas.microsoft.com/office/powerpoint/2010/main" val="731317575"/>
       </p:ext>
     </p:extLst>
   </p:cSld>
@@ -3680,4 +4654,299 @@
     </a:ext>
   </a:extLst>
 </a:theme>
+</file>
+
+<file path=ppt/theme/theme2.xml><?xml version="1.0" encoding="utf-8"?>
+<a:theme xmlns:a="http://schemas.openxmlformats.org/drawingml/2006/main" name="Office Theme">
+  <a:themeElements>
+    <a:clrScheme name="Office">
+      <a:dk1>
+        <a:sysClr val="windowText" lastClr="000000"/>
+      </a:dk1>
+      <a:lt1>
+        <a:sysClr val="window" lastClr="FFFFFF"/>
+      </a:lt1>
+      <a:dk2>
+        <a:srgbClr val="44546A"/>
+      </a:dk2>
+      <a:lt2>
+        <a:srgbClr val="E7E6E6"/>
+      </a:lt2>
+      <a:accent1>
+        <a:srgbClr val="4472C4"/>
+      </a:accent1>
+      <a:accent2>
+        <a:srgbClr val="ED7D31"/>
+      </a:accent2>
+      <a:accent3>
+        <a:srgbClr val="A5A5A5"/>
+      </a:accent3>
+      <a:accent4>
+        <a:srgbClr val="FFC000"/>
+      </a:accent4>
+      <a:accent5>
+        <a:srgbClr val="5B9BD5"/>
+      </a:accent5>
+      <a:accent6>
+        <a:srgbClr val="70AD47"/>
+      </a:accent6>
+      <a:hlink>
+        <a:srgbClr val="0563C1"/>
+      </a:hlink>
+      <a:folHlink>
+        <a:srgbClr val="954F72"/>
+      </a:folHlink>
+    </a:clrScheme>
+    <a:fontScheme name="Office">
+      <a:majorFont>
+        <a:latin typeface="Calibri Light" panose="020F0302020204030204"/>
+        <a:ea typeface=""/>
+        <a:cs typeface=""/>
+        <a:font script="Jpan" typeface="游ゴシック Light"/>
+        <a:font script="Hang" typeface="맑은 고딕"/>
+        <a:font script="Hans" typeface="等线 Light"/>
+        <a:font script="Hant" typeface="新細明體"/>
+        <a:font script="Arab" typeface="Times New Roman"/>
+        <a:font script="Hebr" typeface="Times New Roman"/>
+        <a:font script="Thai" typeface="Angsana New"/>
+        <a:font script="Ethi" typeface="Nyala"/>
+        <a:font script="Beng" typeface="Vrinda"/>
+        <a:font script="Gujr" typeface="Shruti"/>
+        <a:font script="Khmr" typeface="MoolBoran"/>
+        <a:font script="Knda" typeface="Tunga"/>
+        <a:font script="Guru" typeface="Raavi"/>
+        <a:font script="Cans" typeface="Euphemia"/>
+        <a:font script="Cher" typeface="Plantagenet Cherokee"/>
+        <a:font script="Yiii" typeface="Microsoft Yi Baiti"/>
+        <a:font script="Tibt" typeface="Microsoft Himalaya"/>
+        <a:font script="Thaa" typeface="MV Boli"/>
+        <a:font script="Deva" typeface="Mangal"/>
+        <a:font script="Telu" typeface="Gautami"/>
+        <a:font script="Taml" typeface="Latha"/>
+        <a:font script="Syrc" typeface="Estrangelo Edessa"/>
+        <a:font script="Orya" typeface="Kalinga"/>
+        <a:font script="Mlym" typeface="Kartika"/>
+        <a:font script="Laoo" typeface="DokChampa"/>
+        <a:font script="Sinh" typeface="Iskoola Pota"/>
+        <a:font script="Mong" typeface="Mongolian Baiti"/>
+        <a:font script="Viet" typeface="Times New Roman"/>
+        <a:font script="Uigh" typeface="Microsoft Uighur"/>
+        <a:font script="Geor" typeface="Sylfaen"/>
+        <a:font script="Armn" typeface="Arial"/>
+        <a:font script="Bugi" typeface="Leelawadee UI"/>
+        <a:font script="Bopo" typeface="Microsoft JhengHei"/>
+        <a:font script="Java" typeface="Javanese Text"/>
+        <a:font script="Lisu" typeface="Segoe UI"/>
+        <a:font script="Mymr" typeface="Myanmar Text"/>
+        <a:font script="Nkoo" typeface="Ebrima"/>
+        <a:font script="Olck" typeface="Nirmala UI"/>
+        <a:font script="Osma" typeface="Ebrima"/>
+        <a:font script="Phag" typeface="Phagspa"/>
+        <a:font script="Syrn" typeface="Estrangelo Edessa"/>
+        <a:font script="Syrj" typeface="Estrangelo Edessa"/>
+        <a:font script="Syre" typeface="Estrangelo Edessa"/>
+        <a:font script="Sora" typeface="Nirmala UI"/>
+        <a:font script="Tale" typeface="Microsoft Tai Le"/>
+        <a:font script="Talu" typeface="Microsoft New Tai Lue"/>
+        <a:font script="Tfng" typeface="Ebrima"/>
+      </a:majorFont>
+      <a:minorFont>
+        <a:latin typeface="Calibri" panose="020F0502020204030204"/>
+        <a:ea typeface=""/>
+        <a:cs typeface=""/>
+        <a:font script="Jpan" typeface="游ゴシック"/>
+        <a:font script="Hang" typeface="맑은 고딕"/>
+        <a:font script="Hans" typeface="等线"/>
+        <a:font script="Hant" typeface="新細明體"/>
+        <a:font script="Arab" typeface="Arial"/>
+        <a:font script="Hebr" typeface="Arial"/>
+        <a:font script="Thai" typeface="Cordia New"/>
+        <a:font script="Ethi" typeface="Nyala"/>
+        <a:font script="Beng" typeface="Vrinda"/>
+        <a:font script="Gujr" typeface="Shruti"/>
+        <a:font script="Khmr" typeface="DaunPenh"/>
+        <a:font script="Knda" typeface="Tunga"/>
+        <a:font script="Guru" typeface="Raavi"/>
+        <a:font script="Cans" typeface="Euphemia"/>
+        <a:font script="Cher" typeface="Plantagenet Cherokee"/>
+        <a:font script="Yiii" typeface="Microsoft Yi Baiti"/>
+        <a:font script="Tibt" typeface="Microsoft Himalaya"/>
+        <a:font script="Thaa" typeface="MV Boli"/>
+        <a:font script="Deva" typeface="Mangal"/>
+        <a:font script="Telu" typeface="Gautami"/>
+        <a:font script="Taml" typeface="Latha"/>
+        <a:font script="Syrc" typeface="Estrangelo Edessa"/>
+        <a:font script="Orya" typeface="Kalinga"/>
+        <a:font script="Mlym" typeface="Kartika"/>
+        <a:font script="Laoo" typeface="DokChampa"/>
+        <a:font script="Sinh" typeface="Iskoola Pota"/>
+        <a:font script="Mong" typeface="Mongolian Baiti"/>
+        <a:font script="Viet" typeface="Arial"/>
+        <a:font script="Uigh" typeface="Microsoft Uighur"/>
+        <a:font script="Geor" typeface="Sylfaen"/>
+        <a:font script="Armn" typeface="Arial"/>
+        <a:font script="Bugi" typeface="Leelawadee UI"/>
+        <a:font script="Bopo" typeface="Microsoft JhengHei"/>
+        <a:font script="Java" typeface="Javanese Text"/>
+        <a:font script="Lisu" typeface="Segoe UI"/>
+        <a:font script="Mymr" typeface="Myanmar Text"/>
+        <a:font script="Nkoo" typeface="Ebrima"/>
+        <a:font script="Olck" typeface="Nirmala UI"/>
+        <a:font script="Osma" typeface="Ebrima"/>
+        <a:font script="Phag" typeface="Phagspa"/>
+        <a:font script="Syrn" typeface="Estrangelo Edessa"/>
+        <a:font script="Syrj" typeface="Estrangelo Edessa"/>
+        <a:font script="Syre" typeface="Estrangelo Edessa"/>
+        <a:font script="Sora" typeface="Nirmala UI"/>
+        <a:font script="Tale" typeface="Microsoft Tai Le"/>
+        <a:font script="Talu" typeface="Microsoft New Tai Lue"/>
+        <a:font script="Tfng" typeface="Ebrima"/>
+      </a:minorFont>
+    </a:fontScheme>
+    <a:fmtScheme name="Office">
+      <a:fillStyleLst>
+        <a:solidFill>
+          <a:schemeClr val="phClr"/>
+        </a:solidFill>
+        <a:gradFill rotWithShape="1">
+          <a:gsLst>
+            <a:gs pos="0">
+              <a:schemeClr val="phClr">
+                <a:lumMod val="110000"/>
+                <a:satMod val="105000"/>
+                <a:tint val="67000"/>
+              </a:schemeClr>
+            </a:gs>
+            <a:gs pos="50000">
+              <a:schemeClr val="phClr">
+                <a:lumMod val="105000"/>
+                <a:satMod val="103000"/>
+                <a:tint val="73000"/>
+              </a:schemeClr>
+            </a:gs>
+            <a:gs pos="100000">
+              <a:schemeClr val="phClr">
+                <a:lumMod val="105000"/>
+                <a:satMod val="109000"/>
+                <a:tint val="81000"/>
+              </a:schemeClr>
+            </a:gs>
+          </a:gsLst>
+          <a:lin ang="5400000" scaled="0"/>
+        </a:gradFill>
+        <a:gradFill rotWithShape="1">
+          <a:gsLst>
+            <a:gs pos="0">
+              <a:schemeClr val="phClr">
+                <a:satMod val="103000"/>
+                <a:lumMod val="102000"/>
+                <a:tint val="94000"/>
+              </a:schemeClr>
+            </a:gs>
+            <a:gs pos="50000">
+              <a:schemeClr val="phClr">
+                <a:satMod val="110000"/>
+                <a:lumMod val="100000"/>
+                <a:shade val="100000"/>
+              </a:schemeClr>
+            </a:gs>
+            <a:gs pos="100000">
+              <a:schemeClr val="phClr">
+                <a:lumMod val="99000"/>
+                <a:satMod val="120000"/>
+                <a:shade val="78000"/>
+              </a:schemeClr>
+            </a:gs>
+          </a:gsLst>
+          <a:lin ang="5400000" scaled="0"/>
+        </a:gradFill>
+      </a:fillStyleLst>
+      <a:lnStyleLst>
+        <a:ln w="6350" cap="flat" cmpd="sng" algn="ctr">
+          <a:solidFill>
+            <a:schemeClr val="phClr"/>
+          </a:solidFill>
+          <a:prstDash val="solid"/>
+          <a:miter lim="800000"/>
+        </a:ln>
+        <a:ln w="12700" cap="flat" cmpd="sng" algn="ctr">
+          <a:solidFill>
+            <a:schemeClr val="phClr"/>
+          </a:solidFill>
+          <a:prstDash val="solid"/>
+          <a:miter lim="800000"/>
+        </a:ln>
+        <a:ln w="19050" cap="flat" cmpd="sng" algn="ctr">
+          <a:solidFill>
+            <a:schemeClr val="phClr"/>
+          </a:solidFill>
+          <a:prstDash val="solid"/>
+          <a:miter lim="800000"/>
+        </a:ln>
+      </a:lnStyleLst>
+      <a:effectStyleLst>
+        <a:effectStyle>
+          <a:effectLst/>
+        </a:effectStyle>
+        <a:effectStyle>
+          <a:effectLst/>
+        </a:effectStyle>
+        <a:effectStyle>
+          <a:effectLst>
+            <a:outerShdw blurRad="57150" dist="19050" dir="5400000" algn="ctr" rotWithShape="0">
+              <a:srgbClr val="000000">
+                <a:alpha val="63000"/>
+              </a:srgbClr>
+            </a:outerShdw>
+          </a:effectLst>
+        </a:effectStyle>
+      </a:effectStyleLst>
+      <a:bgFillStyleLst>
+        <a:solidFill>
+          <a:schemeClr val="phClr"/>
+        </a:solidFill>
+        <a:solidFill>
+          <a:schemeClr val="phClr">
+            <a:tint val="95000"/>
+            <a:satMod val="170000"/>
+          </a:schemeClr>
+        </a:solidFill>
+        <a:gradFill rotWithShape="1">
+          <a:gsLst>
+            <a:gs pos="0">
+              <a:schemeClr val="phClr">
+                <a:tint val="93000"/>
+                <a:satMod val="150000"/>
+                <a:shade val="98000"/>
+                <a:lumMod val="102000"/>
+              </a:schemeClr>
+            </a:gs>
+            <a:gs pos="50000">
+              <a:schemeClr val="phClr">
+                <a:tint val="98000"/>
+                <a:satMod val="130000"/>
+                <a:shade val="90000"/>
+                <a:lumMod val="103000"/>
+              </a:schemeClr>
+            </a:gs>
+            <a:gs pos="100000">
+              <a:schemeClr val="phClr">
+                <a:shade val="63000"/>
+                <a:satMod val="120000"/>
+              </a:schemeClr>
+            </a:gs>
+          </a:gsLst>
+          <a:lin ang="5400000" scaled="0"/>
+        </a:gradFill>
+      </a:bgFillStyleLst>
+    </a:fmtScheme>
+  </a:themeElements>
+  <a:objectDefaults/>
+  <a:extraClrSchemeLst/>
+  <a:extLst>
+    <a:ext uri="{05A4C25C-085E-4340-85A3-A5531E510DB2}">
+      <thm15:themeFamily xmlns:thm15="http://schemas.microsoft.com/office/thememl/2012/main" name="Office Theme" id="{62F939B6-93AF-4DB8-9C6B-D6C7DFDC589F}" vid="{4A3C46E8-61CC-4603-A589-7422A47A8E4A}"/>
+    </a:ext>
+  </a:extLst>
+</a:theme>
 </file>
--- a/Murder Mystery v1.pptx
+++ b/Murder Mystery v1.pptx
@@ -2,16 +2,21 @@
 <file path=ppt/presentation.xml><?xml version="1.0" encoding="utf-8"?>
 <p:presentation xmlns:a="http://schemas.openxmlformats.org/drawingml/2006/main" xmlns:r="http://schemas.openxmlformats.org/officeDocument/2006/relationships" xmlns:p="http://schemas.openxmlformats.org/presentationml/2006/main" saveSubsetFonts="1" autoCompressPictures="0">
   <p:sldMasterIdLst>
-    <p:sldMasterId id="2147483648" r:id="rId1"/>
+    <p:sldMasterId id="2147483996" r:id="rId1"/>
   </p:sldMasterIdLst>
   <p:notesMasterIdLst>
-    <p:notesMasterId r:id="rId6"/>
+    <p:notesMasterId r:id="rId11"/>
   </p:notesMasterIdLst>
   <p:sldIdLst>
     <p:sldId id="256" r:id="rId2"/>
     <p:sldId id="257" r:id="rId3"/>
     <p:sldId id="258" r:id="rId4"/>
     <p:sldId id="259" r:id="rId5"/>
+    <p:sldId id="261" r:id="rId6"/>
+    <p:sldId id="262" r:id="rId7"/>
+    <p:sldId id="263" r:id="rId8"/>
+    <p:sldId id="264" r:id="rId9"/>
+    <p:sldId id="265" r:id="rId10"/>
   </p:sldIdLst>
   <p:sldSz cx="12192000" cy="6858000"/>
   <p:notesSz cx="6858000" cy="9144000"/>
@@ -506,7 +511,10 @@
           <a:bodyPr/>
           <a:lstStyle/>
           <a:p>
-            <a:endParaRPr lang="en-US"/>
+            <a:r>
+              <a:rPr lang="en-US" dirty="0"/>
+              <a:t>Mandatory Male</a:t>
+            </a:r>
           </a:p>
         </p:txBody>
       </p:sp>
@@ -527,7 +535,7 @@
           <a:p>
             <a:fld id="{EF6F739A-1507-6542-9257-4DD317E627F4}" type="slidenum">
               <a:rPr lang="en-US" smtClean="0"/>
-              <a:t>3</a:t>
+              <a:t>6</a:t>
             </a:fld>
             <a:endParaRPr lang="en-US"/>
           </a:p>
@@ -536,7 +544,268 @@
     </p:spTree>
     <p:extLst>
       <p:ext uri="{BB962C8B-B14F-4D97-AF65-F5344CB8AC3E}">
-        <p14:creationId xmlns:p14="http://schemas.microsoft.com/office/powerpoint/2010/main" val="3854826041"/>
+        <p14:creationId xmlns:p14="http://schemas.microsoft.com/office/powerpoint/2010/main" val="609567518"/>
+      </p:ext>
+    </p:extLst>
+  </p:cSld>
+  <p:clrMapOvr>
+    <a:masterClrMapping/>
+  </p:clrMapOvr>
+</p:notes>
+</file>
+
+<file path=ppt/notesSlides/notesSlide2.xml><?xml version="1.0" encoding="utf-8"?>
+<p:notes xmlns:a="http://schemas.openxmlformats.org/drawingml/2006/main" xmlns:r="http://schemas.openxmlformats.org/officeDocument/2006/relationships" xmlns:p="http://schemas.openxmlformats.org/presentationml/2006/main">
+  <p:cSld>
+    <p:spTree>
+      <p:nvGrpSpPr>
+        <p:cNvPr id="1" name=""/>
+        <p:cNvGrpSpPr/>
+        <p:nvPr/>
+      </p:nvGrpSpPr>
+      <p:grpSpPr>
+        <a:xfrm>
+          <a:off x="0" y="0"/>
+          <a:ext cx="0" cy="0"/>
+          <a:chOff x="0" y="0"/>
+          <a:chExt cx="0" cy="0"/>
+        </a:xfrm>
+      </p:grpSpPr>
+      <p:sp>
+        <p:nvSpPr>
+          <p:cNvPr id="2" name="Slide Image Placeholder 1"/>
+          <p:cNvSpPr>
+            <a:spLocks noGrp="1" noRot="1" noChangeAspect="1"/>
+          </p:cNvSpPr>
+          <p:nvPr>
+            <p:ph type="sldImg"/>
+          </p:nvPr>
+        </p:nvSpPr>
+        <p:spPr/>
+      </p:sp>
+      <p:sp>
+        <p:nvSpPr>
+          <p:cNvPr id="3" name="Notes Placeholder 2"/>
+          <p:cNvSpPr>
+            <a:spLocks noGrp="1"/>
+          </p:cNvSpPr>
+          <p:nvPr>
+            <p:ph type="body" idx="1"/>
+          </p:nvPr>
+        </p:nvSpPr>
+        <p:spPr/>
+        <p:txBody>
+          <a:bodyPr/>
+          <a:lstStyle/>
+          <a:p>
+            <a:r>
+              <a:rPr lang="en-US" dirty="0"/>
+              <a:t>Mandatory Unisex</a:t>
+            </a:r>
+          </a:p>
+        </p:txBody>
+      </p:sp>
+      <p:sp>
+        <p:nvSpPr>
+          <p:cNvPr id="4" name="Slide Number Placeholder 3"/>
+          <p:cNvSpPr>
+            <a:spLocks noGrp="1"/>
+          </p:cNvSpPr>
+          <p:nvPr>
+            <p:ph type="sldNum" sz="quarter" idx="5"/>
+          </p:nvPr>
+        </p:nvSpPr>
+        <p:spPr/>
+        <p:txBody>
+          <a:bodyPr/>
+          <a:lstStyle/>
+          <a:p>
+            <a:fld id="{EF6F739A-1507-6542-9257-4DD317E627F4}" type="slidenum">
+              <a:rPr lang="en-US" smtClean="0"/>
+              <a:t>7</a:t>
+            </a:fld>
+            <a:endParaRPr lang="en-US"/>
+          </a:p>
+        </p:txBody>
+      </p:sp>
+    </p:spTree>
+    <p:extLst>
+      <p:ext uri="{BB962C8B-B14F-4D97-AF65-F5344CB8AC3E}">
+        <p14:creationId xmlns:p14="http://schemas.microsoft.com/office/powerpoint/2010/main" val="2383329602"/>
+      </p:ext>
+    </p:extLst>
+  </p:cSld>
+  <p:clrMapOvr>
+    <a:masterClrMapping/>
+  </p:clrMapOvr>
+</p:notes>
+</file>
+
+<file path=ppt/notesSlides/notesSlide3.xml><?xml version="1.0" encoding="utf-8"?>
+<p:notes xmlns:a="http://schemas.openxmlformats.org/drawingml/2006/main" xmlns:r="http://schemas.openxmlformats.org/officeDocument/2006/relationships" xmlns:p="http://schemas.openxmlformats.org/presentationml/2006/main">
+  <p:cSld>
+    <p:spTree>
+      <p:nvGrpSpPr>
+        <p:cNvPr id="1" name=""/>
+        <p:cNvGrpSpPr/>
+        <p:nvPr/>
+      </p:nvGrpSpPr>
+      <p:grpSpPr>
+        <a:xfrm>
+          <a:off x="0" y="0"/>
+          <a:ext cx="0" cy="0"/>
+          <a:chOff x="0" y="0"/>
+          <a:chExt cx="0" cy="0"/>
+        </a:xfrm>
+      </p:grpSpPr>
+      <p:sp>
+        <p:nvSpPr>
+          <p:cNvPr id="2" name="Slide Image Placeholder 1"/>
+          <p:cNvSpPr>
+            <a:spLocks noGrp="1" noRot="1" noChangeAspect="1"/>
+          </p:cNvSpPr>
+          <p:nvPr>
+            <p:ph type="sldImg"/>
+          </p:nvPr>
+        </p:nvSpPr>
+        <p:spPr/>
+      </p:sp>
+      <p:sp>
+        <p:nvSpPr>
+          <p:cNvPr id="3" name="Notes Placeholder 2"/>
+          <p:cNvSpPr>
+            <a:spLocks noGrp="1"/>
+          </p:cNvSpPr>
+          <p:nvPr>
+            <p:ph type="body" idx="1"/>
+          </p:nvPr>
+        </p:nvSpPr>
+        <p:spPr/>
+        <p:txBody>
+          <a:bodyPr/>
+          <a:lstStyle/>
+          <a:p>
+            <a:r>
+              <a:rPr lang="en-US" dirty="0"/>
+              <a:t>Mandatory Female</a:t>
+            </a:r>
+          </a:p>
+        </p:txBody>
+      </p:sp>
+      <p:sp>
+        <p:nvSpPr>
+          <p:cNvPr id="4" name="Slide Number Placeholder 3"/>
+          <p:cNvSpPr>
+            <a:spLocks noGrp="1"/>
+          </p:cNvSpPr>
+          <p:nvPr>
+            <p:ph type="sldNum" sz="quarter" idx="5"/>
+          </p:nvPr>
+        </p:nvSpPr>
+        <p:spPr/>
+        <p:txBody>
+          <a:bodyPr/>
+          <a:lstStyle/>
+          <a:p>
+            <a:fld id="{EF6F739A-1507-6542-9257-4DD317E627F4}" type="slidenum">
+              <a:rPr lang="en-US" smtClean="0"/>
+              <a:t>8</a:t>
+            </a:fld>
+            <a:endParaRPr lang="en-US"/>
+          </a:p>
+        </p:txBody>
+      </p:sp>
+    </p:spTree>
+    <p:extLst>
+      <p:ext uri="{BB962C8B-B14F-4D97-AF65-F5344CB8AC3E}">
+        <p14:creationId xmlns:p14="http://schemas.microsoft.com/office/powerpoint/2010/main" val="3258140963"/>
+      </p:ext>
+    </p:extLst>
+  </p:cSld>
+  <p:clrMapOvr>
+    <a:masterClrMapping/>
+  </p:clrMapOvr>
+</p:notes>
+</file>
+
+<file path=ppt/notesSlides/notesSlide4.xml><?xml version="1.0" encoding="utf-8"?>
+<p:notes xmlns:a="http://schemas.openxmlformats.org/drawingml/2006/main" xmlns:r="http://schemas.openxmlformats.org/officeDocument/2006/relationships" xmlns:p="http://schemas.openxmlformats.org/presentationml/2006/main">
+  <p:cSld>
+    <p:spTree>
+      <p:nvGrpSpPr>
+        <p:cNvPr id="1" name=""/>
+        <p:cNvGrpSpPr/>
+        <p:nvPr/>
+      </p:nvGrpSpPr>
+      <p:grpSpPr>
+        <a:xfrm>
+          <a:off x="0" y="0"/>
+          <a:ext cx="0" cy="0"/>
+          <a:chOff x="0" y="0"/>
+          <a:chExt cx="0" cy="0"/>
+        </a:xfrm>
+      </p:grpSpPr>
+      <p:sp>
+        <p:nvSpPr>
+          <p:cNvPr id="2" name="Slide Image Placeholder 1"/>
+          <p:cNvSpPr>
+            <a:spLocks noGrp="1" noRot="1" noChangeAspect="1"/>
+          </p:cNvSpPr>
+          <p:nvPr>
+            <p:ph type="sldImg"/>
+          </p:nvPr>
+        </p:nvSpPr>
+        <p:spPr/>
+      </p:sp>
+      <p:sp>
+        <p:nvSpPr>
+          <p:cNvPr id="3" name="Notes Placeholder 2"/>
+          <p:cNvSpPr>
+            <a:spLocks noGrp="1"/>
+          </p:cNvSpPr>
+          <p:nvPr>
+            <p:ph type="body" idx="1"/>
+          </p:nvPr>
+        </p:nvSpPr>
+        <p:spPr/>
+        <p:txBody>
+          <a:bodyPr/>
+          <a:lstStyle/>
+          <a:p>
+            <a:r>
+              <a:rPr lang="en-US" dirty="0"/>
+              <a:t>Mandatory Female</a:t>
+            </a:r>
+          </a:p>
+        </p:txBody>
+      </p:sp>
+      <p:sp>
+        <p:nvSpPr>
+          <p:cNvPr id="4" name="Slide Number Placeholder 3"/>
+          <p:cNvSpPr>
+            <a:spLocks noGrp="1"/>
+          </p:cNvSpPr>
+          <p:nvPr>
+            <p:ph type="sldNum" sz="quarter" idx="5"/>
+          </p:nvPr>
+        </p:nvSpPr>
+        <p:spPr/>
+        <p:txBody>
+          <a:bodyPr/>
+          <a:lstStyle/>
+          <a:p>
+            <a:fld id="{EF6F739A-1507-6542-9257-4DD317E627F4}" type="slidenum">
+              <a:rPr lang="en-US" smtClean="0"/>
+              <a:t>9</a:t>
+            </a:fld>
+            <a:endParaRPr lang="en-US"/>
+          </a:p>
+        </p:txBody>
+      </p:sp>
+    </p:spTree>
+    <p:extLst>
+      <p:ext uri="{BB962C8B-B14F-4D97-AF65-F5344CB8AC3E}">
+        <p14:creationId xmlns:p14="http://schemas.microsoft.com/office/powerpoint/2010/main" val="3720983518"/>
       </p:ext>
     </p:extLst>
   </p:cSld>
@@ -547,7 +816,7 @@
 </file>
 
 <file path=ppt/slideLayouts/slideLayout1.xml><?xml version="1.0" encoding="utf-8"?>
-<p:sldLayout xmlns:a="http://schemas.openxmlformats.org/drawingml/2006/main" xmlns:r="http://schemas.openxmlformats.org/officeDocument/2006/relationships" xmlns:p="http://schemas.openxmlformats.org/presentationml/2006/main" type="title" preserve="1">
+<p:sldLayout xmlns:a="http://schemas.openxmlformats.org/drawingml/2006/main" xmlns:r="http://schemas.openxmlformats.org/officeDocument/2006/relationships" xmlns:p="http://schemas.openxmlformats.org/presentationml/2006/main" showMasterSp="0" type="title" preserve="1">
   <p:cSld name="Title Slide">
     <p:spTree>
       <p:nvGrpSpPr>
@@ -565,31 +834,389 @@
       </p:grpSpPr>
       <p:sp>
         <p:nvSpPr>
-          <p:cNvPr id="2" name="Title 1">
-            <a:extLst>
-              <a:ext uri="{FF2B5EF4-FFF2-40B4-BE49-F238E27FC236}">
-                <a16:creationId xmlns:a16="http://schemas.microsoft.com/office/drawing/2014/main" id="{DE577588-287E-B336-A384-0E4FB3337CA0}"/>
-              </a:ext>
-            </a:extLst>
-          </p:cNvPr>
-          <p:cNvSpPr>
-            <a:spLocks noGrp="1"/>
-          </p:cNvSpPr>
-          <p:nvPr>
-            <p:ph type="ctrTitle"/>
-          </p:nvPr>
+          <p:cNvPr id="7" name="Rectangle 6"/>
+          <p:cNvSpPr/>
+          <p:nvPr/>
         </p:nvSpPr>
         <p:spPr>
           <a:xfrm>
-            <a:off x="1524000" y="1122363"/>
-            <a:ext cx="9144000" cy="2387600"/>
+            <a:off x="920834" y="1346946"/>
+            <a:ext cx="10222992" cy="80683"/>
+          </a:xfrm>
+          <a:prstGeom prst="rect">
+            <a:avLst/>
+          </a:prstGeom>
+          <a:blipFill dpi="0" rotWithShape="1">
+            <a:blip r:embed="rId2">
+              <a:alphaModFix amt="85000"/>
+              <a:lum bright="70000" contrast="-70000"/>
+              <a:extLst>
+                <a:ext uri="{BEBA8EAE-BF5A-486C-A8C5-ECC9F3942E4B}">
+                  <a14:imgProps xmlns:a14="http://schemas.microsoft.com/office/drawing/2010/main">
+                    <a14:imgLayer r:embed="rId3">
+                      <a14:imgEffect>
+                        <a14:sharpenSoften amount="61000"/>
+                      </a14:imgEffect>
+                    </a14:imgLayer>
+                  </a14:imgProps>
+                </a:ext>
+                <a:ext uri="{28A0092B-C50C-407E-A947-70E740481C1C}">
+                  <a14:useLocalDpi xmlns:a14="http://schemas.microsoft.com/office/drawing/2010/main" val="0"/>
+                </a:ext>
+              </a:extLst>
+            </a:blip>
+            <a:srcRect/>
+            <a:tile tx="0" ty="-762000" sx="92000" sy="89000" flip="xy" algn="ctr"/>
+          </a:blipFill>
+          <a:ln>
+            <a:noFill/>
+          </a:ln>
+        </p:spPr>
+        <p:style>
+          <a:lnRef idx="2">
+            <a:schemeClr val="accent1">
+              <a:shade val="50000"/>
+            </a:schemeClr>
+          </a:lnRef>
+          <a:fillRef idx="1">
+            <a:schemeClr val="accent1"/>
+          </a:fillRef>
+          <a:effectRef idx="0">
+            <a:schemeClr val="accent1"/>
+          </a:effectRef>
+          <a:fontRef idx="minor">
+            <a:schemeClr val="lt1"/>
+          </a:fontRef>
+        </p:style>
+        <p:txBody>
+          <a:bodyPr rtlCol="0" anchor="ctr"/>
+          <a:lstStyle/>
+          <a:p>
+            <a:pPr algn="ctr"/>
+            <a:endParaRPr lang="en-US"/>
+          </a:p>
+        </p:txBody>
+      </p:sp>
+      <p:sp>
+        <p:nvSpPr>
+          <p:cNvPr id="8" name="Rectangle 7"/>
+          <p:cNvSpPr/>
+          <p:nvPr/>
+        </p:nvSpPr>
+        <p:spPr>
+          <a:xfrm>
+            <a:off x="920834" y="4299696"/>
+            <a:ext cx="10222992" cy="80683"/>
+          </a:xfrm>
+          <a:prstGeom prst="rect">
+            <a:avLst/>
+          </a:prstGeom>
+          <a:blipFill dpi="0" rotWithShape="1">
+            <a:blip r:embed="rId2">
+              <a:alphaModFix amt="85000"/>
+              <a:lum bright="70000" contrast="-70000"/>
+              <a:extLst>
+                <a:ext uri="{BEBA8EAE-BF5A-486C-A8C5-ECC9F3942E4B}">
+                  <a14:imgProps xmlns:a14="http://schemas.microsoft.com/office/drawing/2010/main">
+                    <a14:imgLayer r:embed="rId3">
+                      <a14:imgEffect>
+                        <a14:sharpenSoften amount="61000"/>
+                      </a14:imgEffect>
+                    </a14:imgLayer>
+                  </a14:imgProps>
+                </a:ext>
+                <a:ext uri="{28A0092B-C50C-407E-A947-70E740481C1C}">
+                  <a14:useLocalDpi xmlns:a14="http://schemas.microsoft.com/office/drawing/2010/main" val="0"/>
+                </a:ext>
+              </a:extLst>
+            </a:blip>
+            <a:srcRect/>
+            <a:tile tx="0" ty="-717550" sx="92000" sy="89000" flip="xy" algn="ctr"/>
+          </a:blipFill>
+          <a:ln>
+            <a:noFill/>
+          </a:ln>
+        </p:spPr>
+        <p:style>
+          <a:lnRef idx="2">
+            <a:schemeClr val="accent1">
+              <a:shade val="50000"/>
+            </a:schemeClr>
+          </a:lnRef>
+          <a:fillRef idx="1">
+            <a:schemeClr val="accent1"/>
+          </a:fillRef>
+          <a:effectRef idx="0">
+            <a:schemeClr val="accent1"/>
+          </a:effectRef>
+          <a:fontRef idx="minor">
+            <a:schemeClr val="lt1"/>
+          </a:fontRef>
+        </p:style>
+        <p:txBody>
+          <a:bodyPr rtlCol="0" anchor="ctr"/>
+          <a:lstStyle/>
+          <a:p>
+            <a:pPr algn="ctr"/>
+            <a:endParaRPr lang="en-US"/>
+          </a:p>
+        </p:txBody>
+      </p:sp>
+      <p:sp>
+        <p:nvSpPr>
+          <p:cNvPr id="9" name="Rectangle 8"/>
+          <p:cNvSpPr/>
+          <p:nvPr/>
+        </p:nvSpPr>
+        <p:spPr>
+          <a:xfrm>
+            <a:off x="920834" y="1484779"/>
+            <a:ext cx="10222992" cy="2743200"/>
+          </a:xfrm>
+          <a:prstGeom prst="rect">
+            <a:avLst/>
+          </a:prstGeom>
+          <a:blipFill dpi="0" rotWithShape="1">
+            <a:blip r:embed="rId2">
+              <a:alphaModFix amt="85000"/>
+              <a:lum bright="70000" contrast="-70000"/>
+              <a:extLst>
+                <a:ext uri="{BEBA8EAE-BF5A-486C-A8C5-ECC9F3942E4B}">
+                  <a14:imgProps xmlns:a14="http://schemas.microsoft.com/office/drawing/2010/main">
+                    <a14:imgLayer r:embed="rId3">
+                      <a14:imgEffect>
+                        <a14:sharpenSoften amount="61000"/>
+                      </a14:imgEffect>
+                    </a14:imgLayer>
+                  </a14:imgProps>
+                </a:ext>
+                <a:ext uri="{28A0092B-C50C-407E-A947-70E740481C1C}">
+                  <a14:useLocalDpi xmlns:a14="http://schemas.microsoft.com/office/drawing/2010/main" val="0"/>
+                </a:ext>
+              </a:extLst>
+            </a:blip>
+            <a:srcRect/>
+            <a:tile tx="0" ty="-704850" sx="92000" sy="89000" flip="xy" algn="ctr"/>
+          </a:blipFill>
+          <a:ln>
+            <a:noFill/>
+          </a:ln>
+        </p:spPr>
+        <p:style>
+          <a:lnRef idx="2">
+            <a:schemeClr val="accent1">
+              <a:shade val="50000"/>
+            </a:schemeClr>
+          </a:lnRef>
+          <a:fillRef idx="1">
+            <a:schemeClr val="accent1"/>
+          </a:fillRef>
+          <a:effectRef idx="0">
+            <a:schemeClr val="accent1"/>
+          </a:effectRef>
+          <a:fontRef idx="minor">
+            <a:schemeClr val="lt1"/>
+          </a:fontRef>
+        </p:style>
+        <p:txBody>
+          <a:bodyPr rtlCol="0" anchor="ctr"/>
+          <a:lstStyle/>
+          <a:p>
+            <a:pPr algn="ctr"/>
+            <a:endParaRPr lang="en-US"/>
+          </a:p>
+        </p:txBody>
+      </p:sp>
+      <p:grpSp>
+        <p:nvGrpSpPr>
+          <p:cNvPr id="10" name="Group 9"/>
+          <p:cNvGrpSpPr/>
+          <p:nvPr/>
+        </p:nvGrpSpPr>
+        <p:grpSpPr>
+          <a:xfrm>
+            <a:off x="9649215" y="4068923"/>
+            <a:ext cx="1080904" cy="1080902"/>
+            <a:chOff x="9685338" y="4460675"/>
+            <a:chExt cx="1080904" cy="1080902"/>
+          </a:xfrm>
+        </p:grpSpPr>
+        <p:sp>
+          <p:nvSpPr>
+            <p:cNvPr id="11" name="Oval 10"/>
+            <p:cNvSpPr/>
+            <p:nvPr/>
+          </p:nvSpPr>
+          <p:spPr>
+            <a:xfrm>
+              <a:off x="9685338" y="4460675"/>
+              <a:ext cx="1080904" cy="1080902"/>
+            </a:xfrm>
+            <a:prstGeom prst="ellipse">
+              <a:avLst/>
+            </a:prstGeom>
+            <a:blipFill dpi="0" rotWithShape="1">
+              <a:blip r:embed="rId4">
+                <a:duotone>
+                  <a:schemeClr val="accent1">
+                    <a:shade val="45000"/>
+                    <a:satMod val="135000"/>
+                  </a:schemeClr>
+                  <a:prstClr val="white"/>
+                </a:duotone>
+                <a:extLst>
+                  <a:ext uri="{BEBA8EAE-BF5A-486C-A8C5-ECC9F3942E4B}">
+                    <a14:imgProps xmlns:a14="http://schemas.microsoft.com/office/drawing/2010/main">
+                      <a14:imgLayer r:embed="rId5">
+                        <a14:imgEffect>
+                          <a14:saturation sat="95000"/>
+                        </a14:imgEffect>
+                      </a14:imgLayer>
+                    </a14:imgProps>
+                  </a:ext>
+                </a:extLst>
+              </a:blip>
+              <a:srcRect/>
+              <a:tile tx="0" ty="0" sx="85000" sy="85000" flip="none" algn="tl"/>
+            </a:blipFill>
+            <a:ln w="25400" cap="flat" cmpd="sng" algn="ctr">
+              <a:noFill/>
+              <a:prstDash val="solid"/>
+            </a:ln>
+            <a:effectLst/>
+          </p:spPr>
+          <p:txBody>
+            <a:bodyPr lIns="0" tIns="0" rIns="0" bIns="0" rtlCol="0" anchor="ctr"/>
+            <a:lstStyle/>
+            <a:p>
+              <a:pPr marL="0" marR="0" lvl="0" indent="0" algn="ctr" defTabSz="914400" eaLnBrk="1" fontAlgn="auto" latinLnBrk="0" hangingPunct="1">
+                <a:lnSpc>
+                  <a:spcPct val="100000"/>
+                </a:lnSpc>
+                <a:spcBef>
+                  <a:spcPts val="0"/>
+                </a:spcBef>
+                <a:spcAft>
+                  <a:spcPts val="0"/>
+                </a:spcAft>
+                <a:buClrTx/>
+                <a:buSzTx/>
+                <a:buFontTx/>
+                <a:buNone/>
+                <a:tabLst/>
+                <a:defRPr/>
+              </a:pPr>
+              <a:endParaRPr kumimoji="0" lang="en-US" sz="2000" b="0" i="0" u="none" strike="noStrike" kern="0" cap="none" spc="0" normalizeH="0" baseline="0" noProof="0" dirty="0">
+                <a:ln>
+                  <a:noFill/>
+                </a:ln>
+                <a:solidFill>
+                  <a:prstClr val="white"/>
+                </a:solidFill>
+                <a:effectLst/>
+                <a:uLnTx/>
+                <a:uFillTx/>
+                <a:latin typeface="Rockwell Extra Bold" pitchFamily="18" charset="0"/>
+                <a:ea typeface="+mn-ea"/>
+                <a:cs typeface="+mn-cs"/>
+              </a:endParaRPr>
+            </a:p>
+          </p:txBody>
+        </p:sp>
+        <p:sp>
+          <p:nvSpPr>
+            <p:cNvPr id="12" name="Oval 11"/>
+            <p:cNvSpPr/>
+            <p:nvPr/>
+          </p:nvSpPr>
+          <p:spPr>
+            <a:xfrm>
+              <a:off x="9793429" y="4568765"/>
+              <a:ext cx="864723" cy="864722"/>
+            </a:xfrm>
+            <a:prstGeom prst="ellipse">
+              <a:avLst/>
+            </a:prstGeom>
+            <a:noFill/>
+            <a:ln w="25400" cap="flat" cmpd="sng" algn="ctr">
+              <a:solidFill>
+                <a:sysClr val="window" lastClr="FFFFFF"/>
+              </a:solidFill>
+              <a:prstDash val="solid"/>
+            </a:ln>
+            <a:effectLst/>
+          </p:spPr>
+          <p:txBody>
+            <a:bodyPr rtlCol="0" anchor="ctr"/>
+            <a:lstStyle/>
+            <a:p>
+              <a:pPr marL="0" marR="0" lvl="0" indent="0" algn="ctr" defTabSz="914400" eaLnBrk="1" fontAlgn="auto" latinLnBrk="0" hangingPunct="1">
+                <a:lnSpc>
+                  <a:spcPct val="100000"/>
+                </a:lnSpc>
+                <a:spcBef>
+                  <a:spcPts val="0"/>
+                </a:spcBef>
+                <a:spcAft>
+                  <a:spcPts val="0"/>
+                </a:spcAft>
+                <a:buClrTx/>
+                <a:buSzTx/>
+                <a:buFontTx/>
+                <a:buNone/>
+                <a:tabLst/>
+                <a:defRPr/>
+              </a:pPr>
+              <a:endParaRPr kumimoji="0" lang="en-US" sz="1800" b="0" i="0" u="none" strike="noStrike" kern="0" cap="none" spc="0" normalizeH="0" baseline="0" noProof="0" dirty="0">
+                <a:ln>
+                  <a:noFill/>
+                </a:ln>
+                <a:solidFill>
+                  <a:prstClr val="white"/>
+                </a:solidFill>
+                <a:effectLst/>
+                <a:uLnTx/>
+                <a:uFillTx/>
+                <a:latin typeface="Calibri"/>
+                <a:ea typeface="+mn-ea"/>
+                <a:cs typeface="+mn-cs"/>
+              </a:endParaRPr>
+            </a:p>
+          </p:txBody>
+        </p:sp>
+      </p:grpSp>
+      <p:sp>
+        <p:nvSpPr>
+          <p:cNvPr id="2" name="Title 1"/>
+          <p:cNvSpPr>
+            <a:spLocks noGrp="1"/>
+          </p:cNvSpPr>
+          <p:nvPr>
+            <p:ph type="ctrTitle"/>
+          </p:nvPr>
+        </p:nvSpPr>
+        <p:spPr>
+          <a:xfrm>
+            <a:off x="1051560" y="1432223"/>
+            <a:ext cx="9966960" cy="3035808"/>
           </a:xfrm>
         </p:spPr>
         <p:txBody>
-          <a:bodyPr anchor="b"/>
+          <a:bodyPr anchor="ctr">
+            <a:noAutofit/>
+          </a:bodyPr>
           <a:lstStyle>
-            <a:lvl1pPr algn="ctr">
-              <a:defRPr sz="6000"/>
+            <a:lvl1pPr algn="l">
+              <a:lnSpc>
+                <a:spcPct val="80000"/>
+              </a:lnSpc>
+              <a:defRPr sz="9600" cap="all" baseline="0">
+                <a:blipFill dpi="0" rotWithShape="1">
+                  <a:blip r:embed="rId4"/>
+                  <a:srcRect/>
+                  <a:tile tx="6350" ty="-127000" sx="65000" sy="64000" flip="none" algn="tl"/>
+                </a:blipFill>
+              </a:defRPr>
             </a:lvl1pPr>
           </a:lstStyle>
           <a:p>
@@ -597,18 +1224,13 @@
               <a:rPr lang="en-US"/>
               <a:t>Click to edit Master title style</a:t>
             </a:r>
-          </a:p>
-        </p:txBody>
-      </p:sp>
-      <p:sp>
-        <p:nvSpPr>
-          <p:cNvPr id="3" name="Subtitle 2">
-            <a:extLst>
-              <a:ext uri="{FF2B5EF4-FFF2-40B4-BE49-F238E27FC236}">
-                <a16:creationId xmlns:a16="http://schemas.microsoft.com/office/drawing/2014/main" id="{89D5CF1A-4B43-CFE3-66EA-2C383B0C39CA}"/>
-              </a:ext>
-            </a:extLst>
-          </p:cNvPr>
+            <a:endParaRPr lang="en-US" dirty="0"/>
+          </a:p>
+        </p:txBody>
+      </p:sp>
+      <p:sp>
+        <p:nvSpPr>
+          <p:cNvPr id="3" name="Subtitle 2"/>
           <p:cNvSpPr>
             <a:spLocks noGrp="1"/>
           </p:cNvSpPr>
@@ -618,48 +1240,54 @@
         </p:nvSpPr>
         <p:spPr>
           <a:xfrm>
-            <a:off x="1524000" y="3602038"/>
-            <a:ext cx="9144000" cy="1655762"/>
+            <a:off x="1069848" y="4389120"/>
+            <a:ext cx="7891272" cy="1069848"/>
           </a:xfrm>
         </p:spPr>
         <p:txBody>
-          <a:bodyPr/>
+          <a:bodyPr>
+            <a:normAutofit/>
+          </a:bodyPr>
           <a:lstStyle>
-            <a:lvl1pPr marL="0" indent="0" algn="ctr">
-              <a:buNone/>
-              <a:defRPr sz="2400"/>
+            <a:lvl1pPr marL="0" indent="0" algn="l">
+              <a:buNone/>
+              <a:defRPr sz="2200">
+                <a:solidFill>
+                  <a:schemeClr val="tx1"/>
+                </a:solidFill>
+              </a:defRPr>
             </a:lvl1pPr>
             <a:lvl2pPr marL="457200" indent="0" algn="ctr">
               <a:buNone/>
-              <a:defRPr sz="2000"/>
+              <a:defRPr sz="2800"/>
             </a:lvl2pPr>
             <a:lvl3pPr marL="914400" indent="0" algn="ctr">
               <a:buNone/>
-              <a:defRPr sz="1800"/>
+              <a:defRPr sz="2400"/>
             </a:lvl3pPr>
             <a:lvl4pPr marL="1371600" indent="0" algn="ctr">
               <a:buNone/>
-              <a:defRPr sz="1600"/>
+              <a:defRPr sz="2000"/>
             </a:lvl4pPr>
             <a:lvl5pPr marL="1828800" indent="0" algn="ctr">
               <a:buNone/>
-              <a:defRPr sz="1600"/>
+              <a:defRPr sz="2000"/>
             </a:lvl5pPr>
             <a:lvl6pPr marL="2286000" indent="0" algn="ctr">
               <a:buNone/>
-              <a:defRPr sz="1600"/>
+              <a:defRPr sz="2000"/>
             </a:lvl6pPr>
             <a:lvl7pPr marL="2743200" indent="0" algn="ctr">
               <a:buNone/>
-              <a:defRPr sz="1600"/>
+              <a:defRPr sz="2000"/>
             </a:lvl7pPr>
             <a:lvl8pPr marL="3200400" indent="0" algn="ctr">
               <a:buNone/>
-              <a:defRPr sz="1600"/>
+              <a:defRPr sz="2000"/>
             </a:lvl8pPr>
             <a:lvl9pPr marL="3657600" indent="0" algn="ctr">
               <a:buNone/>
-              <a:defRPr sz="1600"/>
+              <a:defRPr sz="2000"/>
             </a:lvl9pPr>
           </a:lstStyle>
           <a:p>
@@ -667,18 +1295,13 @@
               <a:rPr lang="en-US"/>
               <a:t>Click to edit Master subtitle style</a:t>
             </a:r>
-          </a:p>
-        </p:txBody>
-      </p:sp>
-      <p:sp>
-        <p:nvSpPr>
-          <p:cNvPr id="4" name="Date Placeholder 3">
-            <a:extLst>
-              <a:ext uri="{FF2B5EF4-FFF2-40B4-BE49-F238E27FC236}">
-                <a16:creationId xmlns:a16="http://schemas.microsoft.com/office/drawing/2014/main" id="{ADDF2CB4-F0A3-D802-5BF3-F4377C48CD7B}"/>
-              </a:ext>
-            </a:extLst>
-          </p:cNvPr>
+            <a:endParaRPr lang="en-US" dirty="0"/>
+          </a:p>
+        </p:txBody>
+      </p:sp>
+      <p:sp>
+        <p:nvSpPr>
+          <p:cNvPr id="4" name="Date Placeholder 3"/>
           <p:cNvSpPr>
             <a:spLocks noGrp="1"/>
           </p:cNvSpPr>
@@ -701,13 +1324,7 @@
       </p:sp>
       <p:sp>
         <p:nvSpPr>
-          <p:cNvPr id="5" name="Footer Placeholder 4">
-            <a:extLst>
-              <a:ext uri="{FF2B5EF4-FFF2-40B4-BE49-F238E27FC236}">
-                <a16:creationId xmlns:a16="http://schemas.microsoft.com/office/drawing/2014/main" id="{BEEA8583-6127-D057-9D62-A6338CAA58FC}"/>
-              </a:ext>
-            </a:extLst>
-          </p:cNvPr>
+          <p:cNvPr id="5" name="Footer Placeholder 4"/>
           <p:cNvSpPr>
             <a:spLocks noGrp="1"/>
           </p:cNvSpPr>
@@ -726,13 +1343,7 @@
       </p:sp>
       <p:sp>
         <p:nvSpPr>
-          <p:cNvPr id="6" name="Slide Number Placeholder 5">
-            <a:extLst>
-              <a:ext uri="{FF2B5EF4-FFF2-40B4-BE49-F238E27FC236}">
-                <a16:creationId xmlns:a16="http://schemas.microsoft.com/office/drawing/2014/main" id="{916F2B38-A036-3B8C-EFB0-5A3A32A176DE}"/>
-              </a:ext>
-            </a:extLst>
-          </p:cNvPr>
+          <p:cNvPr id="6" name="Slide Number Placeholder 5"/>
           <p:cNvSpPr>
             <a:spLocks noGrp="1"/>
           </p:cNvSpPr>
@@ -740,10 +1351,19 @@
             <p:ph type="sldNum" sz="quarter" idx="12"/>
           </p:nvPr>
         </p:nvSpPr>
-        <p:spPr/>
+        <p:spPr>
+          <a:xfrm>
+            <a:off x="9592733" y="4289334"/>
+            <a:ext cx="1193868" cy="640080"/>
+          </a:xfrm>
+        </p:spPr>
         <p:txBody>
           <a:bodyPr/>
-          <a:lstStyle/>
+          <a:lstStyle>
+            <a:lvl1pPr>
+              <a:defRPr sz="2800"/>
+            </a:lvl1pPr>
+          </a:lstStyle>
           <a:p>
             <a:fld id="{11569524-81EC-084D-AE3A-CB346A03B121}" type="slidenum">
               <a:rPr lang="en-US" smtClean="0"/>
@@ -756,7 +1376,7 @@
     </p:spTree>
     <p:extLst>
       <p:ext uri="{BB962C8B-B14F-4D97-AF65-F5344CB8AC3E}">
-        <p14:creationId xmlns:p14="http://schemas.microsoft.com/office/powerpoint/2010/main" val="3141549956"/>
+        <p14:creationId xmlns:p14="http://schemas.microsoft.com/office/powerpoint/2010/main" val="261668408"/>
       </p:ext>
     </p:extLst>
   </p:cSld>
@@ -785,13 +1405,7 @@
       </p:grpSpPr>
       <p:sp>
         <p:nvSpPr>
-          <p:cNvPr id="2" name="Title 1">
-            <a:extLst>
-              <a:ext uri="{FF2B5EF4-FFF2-40B4-BE49-F238E27FC236}">
-                <a16:creationId xmlns:a16="http://schemas.microsoft.com/office/drawing/2014/main" id="{E66D6CDC-8E7F-A801-EE41-D1377B381097}"/>
-              </a:ext>
-            </a:extLst>
-          </p:cNvPr>
+          <p:cNvPr id="2" name="Title 1"/>
           <p:cNvSpPr>
             <a:spLocks noGrp="1"/>
           </p:cNvSpPr>
@@ -813,13 +1427,7 @@
       </p:sp>
       <p:sp>
         <p:nvSpPr>
-          <p:cNvPr id="3" name="Vertical Text Placeholder 2">
-            <a:extLst>
-              <a:ext uri="{FF2B5EF4-FFF2-40B4-BE49-F238E27FC236}">
-                <a16:creationId xmlns:a16="http://schemas.microsoft.com/office/drawing/2014/main" id="{C2D60B21-7029-5B8C-F7D7-8BCB0CED91F8}"/>
-              </a:ext>
-            </a:extLst>
-          </p:cNvPr>
+          <p:cNvPr id="3" name="Vertical Text Placeholder 2"/>
           <p:cNvSpPr>
             <a:spLocks noGrp="1"/>
           </p:cNvSpPr>
@@ -870,13 +1478,7 @@
       </p:sp>
       <p:sp>
         <p:nvSpPr>
-          <p:cNvPr id="4" name="Date Placeholder 3">
-            <a:extLst>
-              <a:ext uri="{FF2B5EF4-FFF2-40B4-BE49-F238E27FC236}">
-                <a16:creationId xmlns:a16="http://schemas.microsoft.com/office/drawing/2014/main" id="{71E9BF50-2877-CEBA-8B7A-F11A897715C6}"/>
-              </a:ext>
-            </a:extLst>
-          </p:cNvPr>
+          <p:cNvPr id="4" name="Date Placeholder 3"/>
           <p:cNvSpPr>
             <a:spLocks noGrp="1"/>
           </p:cNvSpPr>
@@ -899,13 +1501,7 @@
       </p:sp>
       <p:sp>
         <p:nvSpPr>
-          <p:cNvPr id="5" name="Footer Placeholder 4">
-            <a:extLst>
-              <a:ext uri="{FF2B5EF4-FFF2-40B4-BE49-F238E27FC236}">
-                <a16:creationId xmlns:a16="http://schemas.microsoft.com/office/drawing/2014/main" id="{60D41F36-A600-AB97-74B9-448A0A007B27}"/>
-              </a:ext>
-            </a:extLst>
-          </p:cNvPr>
+          <p:cNvPr id="5" name="Footer Placeholder 4"/>
           <p:cNvSpPr>
             <a:spLocks noGrp="1"/>
           </p:cNvSpPr>
@@ -924,13 +1520,7 @@
       </p:sp>
       <p:sp>
         <p:nvSpPr>
-          <p:cNvPr id="6" name="Slide Number Placeholder 5">
-            <a:extLst>
-              <a:ext uri="{FF2B5EF4-FFF2-40B4-BE49-F238E27FC236}">
-                <a16:creationId xmlns:a16="http://schemas.microsoft.com/office/drawing/2014/main" id="{C9A517CE-456B-6CF7-CC41-A8B71A7468D9}"/>
-              </a:ext>
-            </a:extLst>
-          </p:cNvPr>
+          <p:cNvPr id="6" name="Slide Number Placeholder 5"/>
           <p:cNvSpPr>
             <a:spLocks noGrp="1"/>
           </p:cNvSpPr>
@@ -954,7 +1544,7 @@
     </p:spTree>
     <p:extLst>
       <p:ext uri="{BB962C8B-B14F-4D97-AF65-F5344CB8AC3E}">
-        <p14:creationId xmlns:p14="http://schemas.microsoft.com/office/powerpoint/2010/main" val="565602144"/>
+        <p14:creationId xmlns:p14="http://schemas.microsoft.com/office/powerpoint/2010/main" val="2388985946"/>
       </p:ext>
     </p:extLst>
   </p:cSld>
@@ -983,13 +1573,7 @@
       </p:grpSpPr>
       <p:sp>
         <p:nvSpPr>
-          <p:cNvPr id="2" name="Vertical Title 1">
-            <a:extLst>
-              <a:ext uri="{FF2B5EF4-FFF2-40B4-BE49-F238E27FC236}">
-                <a16:creationId xmlns:a16="http://schemas.microsoft.com/office/drawing/2014/main" id="{19EDD3DF-B2DB-79C4-5CDF-9F4220B1B08C}"/>
-              </a:ext>
-            </a:extLst>
-          </p:cNvPr>
+          <p:cNvPr id="2" name="Vertical Title 1"/>
           <p:cNvSpPr>
             <a:spLocks noGrp="1"/>
           </p:cNvSpPr>
@@ -999,8 +1583,8 @@
         </p:nvSpPr>
         <p:spPr>
           <a:xfrm>
-            <a:off x="8724900" y="365125"/>
-            <a:ext cx="2628900" cy="5811838"/>
+            <a:off x="8724900" y="533400"/>
+            <a:ext cx="2552700" cy="5638800"/>
           </a:xfrm>
         </p:spPr>
         <p:txBody>
@@ -1011,18 +1595,13 @@
               <a:rPr lang="en-US"/>
               <a:t>Click to edit Master title style</a:t>
             </a:r>
-          </a:p>
-        </p:txBody>
-      </p:sp>
-      <p:sp>
-        <p:nvSpPr>
-          <p:cNvPr id="3" name="Vertical Text Placeholder 2">
-            <a:extLst>
-              <a:ext uri="{FF2B5EF4-FFF2-40B4-BE49-F238E27FC236}">
-                <a16:creationId xmlns:a16="http://schemas.microsoft.com/office/drawing/2014/main" id="{833BF016-2801-0146-3D05-0F16CC6327F4}"/>
-              </a:ext>
-            </a:extLst>
-          </p:cNvPr>
+            <a:endParaRPr lang="en-US" dirty="0"/>
+          </a:p>
+        </p:txBody>
+      </p:sp>
+      <p:sp>
+        <p:nvSpPr>
+          <p:cNvPr id="3" name="Vertical Text Placeholder 2"/>
           <p:cNvSpPr>
             <a:spLocks noGrp="1"/>
           </p:cNvSpPr>
@@ -1032,8 +1611,8 @@
         </p:nvSpPr>
         <p:spPr>
           <a:xfrm>
-            <a:off x="838200" y="365125"/>
-            <a:ext cx="7734300" cy="5811838"/>
+            <a:off x="1066800" y="533400"/>
+            <a:ext cx="7505700" cy="5638800"/>
           </a:xfrm>
         </p:spPr>
         <p:txBody>
@@ -1073,18 +1652,13 @@
               <a:rPr lang="en-US"/>
               <a:t>Fifth level</a:t>
             </a:r>
-          </a:p>
-        </p:txBody>
-      </p:sp>
-      <p:sp>
-        <p:nvSpPr>
-          <p:cNvPr id="4" name="Date Placeholder 3">
-            <a:extLst>
-              <a:ext uri="{FF2B5EF4-FFF2-40B4-BE49-F238E27FC236}">
-                <a16:creationId xmlns:a16="http://schemas.microsoft.com/office/drawing/2014/main" id="{1C5C981A-CE00-D68B-8B7E-C52D48B30C2E}"/>
-              </a:ext>
-            </a:extLst>
-          </p:cNvPr>
+            <a:endParaRPr lang="en-US" dirty="0"/>
+          </a:p>
+        </p:txBody>
+      </p:sp>
+      <p:sp>
+        <p:nvSpPr>
+          <p:cNvPr id="4" name="Date Placeholder 3"/>
           <p:cNvSpPr>
             <a:spLocks noGrp="1"/>
           </p:cNvSpPr>
@@ -1107,13 +1681,7 @@
       </p:sp>
       <p:sp>
         <p:nvSpPr>
-          <p:cNvPr id="5" name="Footer Placeholder 4">
-            <a:extLst>
-              <a:ext uri="{FF2B5EF4-FFF2-40B4-BE49-F238E27FC236}">
-                <a16:creationId xmlns:a16="http://schemas.microsoft.com/office/drawing/2014/main" id="{BCD2515B-6F56-9B0C-CDCA-1DBFC8984FBF}"/>
-              </a:ext>
-            </a:extLst>
-          </p:cNvPr>
+          <p:cNvPr id="5" name="Footer Placeholder 4"/>
           <p:cNvSpPr>
             <a:spLocks noGrp="1"/>
           </p:cNvSpPr>
@@ -1132,13 +1700,7 @@
       </p:sp>
       <p:sp>
         <p:nvSpPr>
-          <p:cNvPr id="6" name="Slide Number Placeholder 5">
-            <a:extLst>
-              <a:ext uri="{FF2B5EF4-FFF2-40B4-BE49-F238E27FC236}">
-                <a16:creationId xmlns:a16="http://schemas.microsoft.com/office/drawing/2014/main" id="{E601C336-EA8B-8313-B992-A6632E70BD11}"/>
-              </a:ext>
-            </a:extLst>
-          </p:cNvPr>
+          <p:cNvPr id="6" name="Slide Number Placeholder 5"/>
           <p:cNvSpPr>
             <a:spLocks noGrp="1"/>
           </p:cNvSpPr>
@@ -1162,7 +1724,7 @@
     </p:spTree>
     <p:extLst>
       <p:ext uri="{BB962C8B-B14F-4D97-AF65-F5344CB8AC3E}">
-        <p14:creationId xmlns:p14="http://schemas.microsoft.com/office/powerpoint/2010/main" val="2499908430"/>
+        <p14:creationId xmlns:p14="http://schemas.microsoft.com/office/powerpoint/2010/main" val="509851836"/>
       </p:ext>
     </p:extLst>
   </p:cSld>
@@ -1191,13 +1753,7 @@
       </p:grpSpPr>
       <p:sp>
         <p:nvSpPr>
-          <p:cNvPr id="2" name="Title 1">
-            <a:extLst>
-              <a:ext uri="{FF2B5EF4-FFF2-40B4-BE49-F238E27FC236}">
-                <a16:creationId xmlns:a16="http://schemas.microsoft.com/office/drawing/2014/main" id="{8AC9A24D-8DEB-6857-C7C8-0CD44C8C704C}"/>
-              </a:ext>
-            </a:extLst>
-          </p:cNvPr>
+          <p:cNvPr id="2" name="Title 1"/>
           <p:cNvSpPr>
             <a:spLocks noGrp="1"/>
           </p:cNvSpPr>
@@ -1214,18 +1770,13 @@
               <a:rPr lang="en-US"/>
               <a:t>Click to edit Master title style</a:t>
             </a:r>
-          </a:p>
-        </p:txBody>
-      </p:sp>
-      <p:sp>
-        <p:nvSpPr>
-          <p:cNvPr id="3" name="Content Placeholder 2">
-            <a:extLst>
-              <a:ext uri="{FF2B5EF4-FFF2-40B4-BE49-F238E27FC236}">
-                <a16:creationId xmlns:a16="http://schemas.microsoft.com/office/drawing/2014/main" id="{0E6BC0CF-23DC-6DD2-C894-7A41CD6EC4B8}"/>
-              </a:ext>
-            </a:extLst>
-          </p:cNvPr>
+            <a:endParaRPr lang="en-US" dirty="0"/>
+          </a:p>
+        </p:txBody>
+      </p:sp>
+      <p:sp>
+        <p:nvSpPr>
+          <p:cNvPr id="3" name="Content Placeholder 2"/>
           <p:cNvSpPr>
             <a:spLocks noGrp="1"/>
           </p:cNvSpPr>
@@ -1271,18 +1822,13 @@
               <a:rPr lang="en-US"/>
               <a:t>Fifth level</a:t>
             </a:r>
-          </a:p>
-        </p:txBody>
-      </p:sp>
-      <p:sp>
-        <p:nvSpPr>
-          <p:cNvPr id="4" name="Date Placeholder 3">
-            <a:extLst>
-              <a:ext uri="{FF2B5EF4-FFF2-40B4-BE49-F238E27FC236}">
-                <a16:creationId xmlns:a16="http://schemas.microsoft.com/office/drawing/2014/main" id="{3D1F312C-402C-27A4-5E73-DED503F8AEFC}"/>
-              </a:ext>
-            </a:extLst>
-          </p:cNvPr>
+            <a:endParaRPr lang="en-US" dirty="0"/>
+          </a:p>
+        </p:txBody>
+      </p:sp>
+      <p:sp>
+        <p:nvSpPr>
+          <p:cNvPr id="4" name="Date Placeholder 3"/>
           <p:cNvSpPr>
             <a:spLocks noGrp="1"/>
           </p:cNvSpPr>
@@ -1305,13 +1851,7 @@
       </p:sp>
       <p:sp>
         <p:nvSpPr>
-          <p:cNvPr id="5" name="Footer Placeholder 4">
-            <a:extLst>
-              <a:ext uri="{FF2B5EF4-FFF2-40B4-BE49-F238E27FC236}">
-                <a16:creationId xmlns:a16="http://schemas.microsoft.com/office/drawing/2014/main" id="{0420D4C1-6387-D37E-3057-1BAC3B7E8668}"/>
-              </a:ext>
-            </a:extLst>
-          </p:cNvPr>
+          <p:cNvPr id="5" name="Footer Placeholder 4"/>
           <p:cNvSpPr>
             <a:spLocks noGrp="1"/>
           </p:cNvSpPr>
@@ -1330,13 +1870,7 @@
       </p:sp>
       <p:sp>
         <p:nvSpPr>
-          <p:cNvPr id="6" name="Slide Number Placeholder 5">
-            <a:extLst>
-              <a:ext uri="{FF2B5EF4-FFF2-40B4-BE49-F238E27FC236}">
-                <a16:creationId xmlns:a16="http://schemas.microsoft.com/office/drawing/2014/main" id="{6CB11D29-BE71-E9FC-69AE-069E47E54046}"/>
-              </a:ext>
-            </a:extLst>
-          </p:cNvPr>
+          <p:cNvPr id="6" name="Slide Number Placeholder 5"/>
           <p:cNvSpPr>
             <a:spLocks noGrp="1"/>
           </p:cNvSpPr>
@@ -1360,7 +1894,7 @@
     </p:spTree>
     <p:extLst>
       <p:ext uri="{BB962C8B-B14F-4D97-AF65-F5344CB8AC3E}">
-        <p14:creationId xmlns:p14="http://schemas.microsoft.com/office/powerpoint/2010/main" val="3985628572"/>
+        <p14:creationId xmlns:p14="http://schemas.microsoft.com/office/powerpoint/2010/main" val="2407553561"/>
       </p:ext>
     </p:extLst>
   </p:cSld>
@@ -1371,7 +1905,7 @@
 </file>
 
 <file path=ppt/slideLayouts/slideLayout3.xml><?xml version="1.0" encoding="utf-8"?>
-<p:sldLayout xmlns:a="http://schemas.openxmlformats.org/drawingml/2006/main" xmlns:r="http://schemas.openxmlformats.org/officeDocument/2006/relationships" xmlns:p="http://schemas.openxmlformats.org/presentationml/2006/main" type="secHead" preserve="1">
+<p:sldLayout xmlns:a="http://schemas.openxmlformats.org/drawingml/2006/main" xmlns:r="http://schemas.openxmlformats.org/officeDocument/2006/relationships" xmlns:p="http://schemas.openxmlformats.org/presentationml/2006/main" showMasterSp="0" type="secHead" preserve="1">
   <p:cSld name="Section Header">
     <p:spTree>
       <p:nvGrpSpPr>
@@ -1389,31 +1923,95 @@
       </p:grpSpPr>
       <p:sp>
         <p:nvSpPr>
-          <p:cNvPr id="2" name="Title 1">
-            <a:extLst>
-              <a:ext uri="{FF2B5EF4-FFF2-40B4-BE49-F238E27FC236}">
-                <a16:creationId xmlns:a16="http://schemas.microsoft.com/office/drawing/2014/main" id="{3E966979-FD78-1DF8-5DBB-1F297DF4A997}"/>
-              </a:ext>
-            </a:extLst>
-          </p:cNvPr>
-          <p:cNvSpPr>
-            <a:spLocks noGrp="1"/>
-          </p:cNvSpPr>
-          <p:nvPr>
-            <p:ph type="title"/>
-          </p:nvPr>
+          <p:cNvPr id="7" name="Rectangle 6"/>
+          <p:cNvSpPr/>
+          <p:nvPr/>
         </p:nvSpPr>
         <p:spPr>
           <a:xfrm>
-            <a:off x="831850" y="1709738"/>
-            <a:ext cx="10515600" cy="2852737"/>
+            <a:off x="0" y="4917989"/>
+            <a:ext cx="12192000" cy="1940010"/>
+          </a:xfrm>
+          <a:prstGeom prst="rect">
+            <a:avLst/>
+          </a:prstGeom>
+          <a:blipFill dpi="0" rotWithShape="1">
+            <a:blip r:embed="rId2">
+              <a:alphaModFix amt="85000"/>
+              <a:lum bright="70000" contrast="-70000"/>
+              <a:extLst>
+                <a:ext uri="{BEBA8EAE-BF5A-486C-A8C5-ECC9F3942E4B}">
+                  <a14:imgProps xmlns:a14="http://schemas.microsoft.com/office/drawing/2010/main">
+                    <a14:imgLayer r:embed="rId3">
+                      <a14:imgEffect>
+                        <a14:sharpenSoften amount="61000"/>
+                      </a14:imgEffect>
+                    </a14:imgLayer>
+                  </a14:imgProps>
+                </a:ext>
+                <a:ext uri="{28A0092B-C50C-407E-A947-70E740481C1C}">
+                  <a14:useLocalDpi xmlns:a14="http://schemas.microsoft.com/office/drawing/2010/main" val="0"/>
+                </a:ext>
+              </a:extLst>
+            </a:blip>
+            <a:srcRect/>
+            <a:tile tx="0" ty="-704850" sx="92000" sy="89000" flip="xy" algn="ctr"/>
+          </a:blipFill>
+          <a:ln>
+            <a:noFill/>
+          </a:ln>
+        </p:spPr>
+        <p:style>
+          <a:lnRef idx="2">
+            <a:schemeClr val="accent1">
+              <a:shade val="50000"/>
+            </a:schemeClr>
+          </a:lnRef>
+          <a:fillRef idx="1">
+            <a:schemeClr val="accent1"/>
+          </a:fillRef>
+          <a:effectRef idx="0">
+            <a:schemeClr val="accent1"/>
+          </a:effectRef>
+          <a:fontRef idx="minor">
+            <a:schemeClr val="lt1"/>
+          </a:fontRef>
+        </p:style>
+        <p:txBody>
+          <a:bodyPr rtlCol="0" anchor="ctr"/>
+          <a:lstStyle/>
+          <a:p>
+            <a:pPr algn="ctr"/>
+            <a:endParaRPr lang="en-US"/>
+          </a:p>
+        </p:txBody>
+      </p:sp>
+      <p:sp>
+        <p:nvSpPr>
+          <p:cNvPr id="2" name="Title 1"/>
+          <p:cNvSpPr>
+            <a:spLocks noGrp="1"/>
+          </p:cNvSpPr>
+          <p:nvPr>
+            <p:ph type="title"/>
+          </p:nvPr>
+        </p:nvSpPr>
+        <p:spPr>
+          <a:xfrm>
+            <a:off x="2167128" y="1225296"/>
+            <a:ext cx="9281160" cy="3520440"/>
           </a:xfrm>
         </p:spPr>
         <p:txBody>
-          <a:bodyPr anchor="b"/>
+          <a:bodyPr anchor="ctr">
+            <a:normAutofit/>
+          </a:bodyPr>
           <a:lstStyle>
             <a:lvl1pPr>
-              <a:defRPr sz="6000"/>
+              <a:lnSpc>
+                <a:spcPct val="80000"/>
+              </a:lnSpc>
+              <a:defRPr sz="8000" b="0"/>
             </a:lvl1pPr>
           </a:lstStyle>
           <a:p>
@@ -1421,18 +2019,13 @@
               <a:rPr lang="en-US"/>
               <a:t>Click to edit Master title style</a:t>
             </a:r>
-          </a:p>
-        </p:txBody>
-      </p:sp>
-      <p:sp>
-        <p:nvSpPr>
-          <p:cNvPr id="3" name="Text Placeholder 2">
-            <a:extLst>
-              <a:ext uri="{FF2B5EF4-FFF2-40B4-BE49-F238E27FC236}">
-                <a16:creationId xmlns:a16="http://schemas.microsoft.com/office/drawing/2014/main" id="{33F35F6B-6113-3C41-EFDC-A6A7675371E4}"/>
-              </a:ext>
-            </a:extLst>
-          </p:cNvPr>
+            <a:endParaRPr lang="en-US" dirty="0"/>
+          </a:p>
+        </p:txBody>
+      </p:sp>
+      <p:sp>
+        <p:nvSpPr>
+          <p:cNvPr id="3" name="Text Placeholder 2"/>
           <p:cNvSpPr>
             <a:spLocks noGrp="1"/>
           </p:cNvSpPr>
@@ -1442,26 +2035,26 @@
         </p:nvSpPr>
         <p:spPr>
           <a:xfrm>
-            <a:off x="831850" y="4589463"/>
-            <a:ext cx="10515600" cy="1500187"/>
+            <a:off x="2165774" y="5020056"/>
+            <a:ext cx="9052560" cy="1066800"/>
           </a:xfrm>
         </p:spPr>
         <p:txBody>
-          <a:bodyPr/>
+          <a:bodyPr anchor="t">
+            <a:normAutofit/>
+          </a:bodyPr>
           <a:lstStyle>
             <a:lvl1pPr marL="0" indent="0">
               <a:buNone/>
-              <a:defRPr sz="2400">
+              <a:defRPr sz="2000">
                 <a:solidFill>
-                  <a:schemeClr val="tx1">
-                    <a:tint val="75000"/>
-                  </a:schemeClr>
+                  <a:schemeClr val="tx1"/>
                 </a:solidFill>
               </a:defRPr>
             </a:lvl1pPr>
             <a:lvl2pPr marL="457200" indent="0">
               <a:buNone/>
-              <a:defRPr sz="2000">
+              <a:defRPr sz="1800">
                 <a:solidFill>
                   <a:schemeClr val="tx1">
                     <a:tint val="75000"/>
@@ -1471,7 +2064,7 @@
             </a:lvl2pPr>
             <a:lvl3pPr marL="914400" indent="0">
               <a:buNone/>
-              <a:defRPr sz="1800">
+              <a:defRPr sz="1600">
                 <a:solidFill>
                   <a:schemeClr val="tx1">
                     <a:tint val="75000"/>
@@ -1481,7 +2074,7 @@
             </a:lvl3pPr>
             <a:lvl4pPr marL="1371600" indent="0">
               <a:buNone/>
-              <a:defRPr sz="1600">
+              <a:defRPr sz="1400">
                 <a:solidFill>
                   <a:schemeClr val="tx1">
                     <a:tint val="75000"/>
@@ -1491,7 +2084,7 @@
             </a:lvl4pPr>
             <a:lvl5pPr marL="1828800" indent="0">
               <a:buNone/>
-              <a:defRPr sz="1600">
+              <a:defRPr sz="1400">
                 <a:solidFill>
                   <a:schemeClr val="tx1">
                     <a:tint val="75000"/>
@@ -1501,7 +2094,7 @@
             </a:lvl5pPr>
             <a:lvl6pPr marL="2286000" indent="0">
               <a:buNone/>
-              <a:defRPr sz="1600">
+              <a:defRPr sz="1400">
                 <a:solidFill>
                   <a:schemeClr val="tx1">
                     <a:tint val="75000"/>
@@ -1511,7 +2104,7 @@
             </a:lvl6pPr>
             <a:lvl7pPr marL="2743200" indent="0">
               <a:buNone/>
-              <a:defRPr sz="1600">
+              <a:defRPr sz="1400">
                 <a:solidFill>
                   <a:schemeClr val="tx1">
                     <a:tint val="75000"/>
@@ -1521,7 +2114,7 @@
             </a:lvl7pPr>
             <a:lvl8pPr marL="3200400" indent="0">
               <a:buNone/>
-              <a:defRPr sz="1600">
+              <a:defRPr sz="1400">
                 <a:solidFill>
                   <a:schemeClr val="tx1">
                     <a:tint val="75000"/>
@@ -1531,7 +2124,7 @@
             </a:lvl8pPr>
             <a:lvl9pPr marL="3657600" indent="0">
               <a:buNone/>
-              <a:defRPr sz="1600">
+              <a:defRPr sz="1400">
                 <a:solidFill>
                   <a:schemeClr val="tx1">
                     <a:tint val="75000"/>
@@ -1551,13 +2144,7 @@
       </p:sp>
       <p:sp>
         <p:nvSpPr>
-          <p:cNvPr id="4" name="Date Placeholder 3">
-            <a:extLst>
-              <a:ext uri="{FF2B5EF4-FFF2-40B4-BE49-F238E27FC236}">
-                <a16:creationId xmlns:a16="http://schemas.microsoft.com/office/drawing/2014/main" id="{01112049-A1F2-5474-0C44-625D677E99F9}"/>
-              </a:ext>
-            </a:extLst>
-          </p:cNvPr>
+          <p:cNvPr id="4" name="Date Placeholder 3"/>
           <p:cNvSpPr>
             <a:spLocks noGrp="1"/>
           </p:cNvSpPr>
@@ -1565,7 +2152,12 @@
             <p:ph type="dt" sz="half" idx="10"/>
           </p:nvPr>
         </p:nvSpPr>
-        <p:spPr/>
+        <p:spPr>
+          <a:xfrm>
+            <a:off x="8593667" y="6272784"/>
+            <a:ext cx="2644309" cy="365125"/>
+          </a:xfrm>
+        </p:spPr>
         <p:txBody>
           <a:bodyPr/>
           <a:lstStyle/>
@@ -1580,13 +2172,7 @@
       </p:sp>
       <p:sp>
         <p:nvSpPr>
-          <p:cNvPr id="5" name="Footer Placeholder 4">
-            <a:extLst>
-              <a:ext uri="{FF2B5EF4-FFF2-40B4-BE49-F238E27FC236}">
-                <a16:creationId xmlns:a16="http://schemas.microsoft.com/office/drawing/2014/main" id="{B1F049B2-F274-A8DE-95FD-D25A7F69A3E7}"/>
-              </a:ext>
-            </a:extLst>
-          </p:cNvPr>
+          <p:cNvPr id="5" name="Footer Placeholder 4"/>
           <p:cNvSpPr>
             <a:spLocks noGrp="1"/>
           </p:cNvSpPr>
@@ -1594,7 +2180,12 @@
             <p:ph type="ftr" sz="quarter" idx="11"/>
           </p:nvPr>
         </p:nvSpPr>
-        <p:spPr/>
+        <p:spPr>
+          <a:xfrm>
+            <a:off x="2182708" y="6272784"/>
+            <a:ext cx="6327648" cy="365125"/>
+          </a:xfrm>
+        </p:spPr>
         <p:txBody>
           <a:bodyPr/>
           <a:lstStyle/>
@@ -1603,15 +2194,167 @@
           </a:p>
         </p:txBody>
       </p:sp>
-      <p:sp>
-        <p:nvSpPr>
-          <p:cNvPr id="6" name="Slide Number Placeholder 5">
-            <a:extLst>
-              <a:ext uri="{FF2B5EF4-FFF2-40B4-BE49-F238E27FC236}">
-                <a16:creationId xmlns:a16="http://schemas.microsoft.com/office/drawing/2014/main" id="{1E583844-2417-E333-D8A9-D4CBF184FBC7}"/>
-              </a:ext>
-            </a:extLst>
-          </p:cNvPr>
+      <p:grpSp>
+        <p:nvGrpSpPr>
+          <p:cNvPr id="8" name="Group 7"/>
+          <p:cNvGrpSpPr/>
+          <p:nvPr/>
+        </p:nvGrpSpPr>
+        <p:grpSpPr>
+          <a:xfrm>
+            <a:off x="897399" y="2325848"/>
+            <a:ext cx="1080904" cy="1080902"/>
+            <a:chOff x="9685338" y="4460675"/>
+            <a:chExt cx="1080904" cy="1080902"/>
+          </a:xfrm>
+        </p:grpSpPr>
+        <p:sp>
+          <p:nvSpPr>
+            <p:cNvPr id="9" name="Oval 8"/>
+            <p:cNvSpPr/>
+            <p:nvPr/>
+          </p:nvSpPr>
+          <p:spPr>
+            <a:xfrm>
+              <a:off x="9685338" y="4460675"/>
+              <a:ext cx="1080904" cy="1080902"/>
+            </a:xfrm>
+            <a:prstGeom prst="ellipse">
+              <a:avLst/>
+            </a:prstGeom>
+            <a:blipFill dpi="0" rotWithShape="1">
+              <a:blip r:embed="rId4">
+                <a:duotone>
+                  <a:schemeClr val="accent1">
+                    <a:shade val="45000"/>
+                    <a:satMod val="135000"/>
+                  </a:schemeClr>
+                  <a:prstClr val="white"/>
+                </a:duotone>
+                <a:extLst>
+                  <a:ext uri="{BEBA8EAE-BF5A-486C-A8C5-ECC9F3942E4B}">
+                    <a14:imgProps xmlns:a14="http://schemas.microsoft.com/office/drawing/2010/main">
+                      <a14:imgLayer r:embed="rId5">
+                        <a14:imgEffect>
+                          <a14:saturation sat="95000"/>
+                        </a14:imgEffect>
+                      </a14:imgLayer>
+                    </a14:imgProps>
+                  </a:ext>
+                </a:extLst>
+              </a:blip>
+              <a:srcRect/>
+              <a:tile tx="0" ty="0" sx="85000" sy="85000" flip="none" algn="tl"/>
+            </a:blipFill>
+            <a:ln w="25400" cap="flat" cmpd="sng" algn="ctr">
+              <a:noFill/>
+              <a:prstDash val="solid"/>
+            </a:ln>
+            <a:effectLst/>
+          </p:spPr>
+          <p:txBody>
+            <a:bodyPr lIns="0" tIns="0" rIns="0" bIns="0" rtlCol="0" anchor="ctr"/>
+            <a:lstStyle/>
+            <a:p>
+              <a:pPr marL="0" marR="0" lvl="0" indent="0" algn="ctr" defTabSz="914400" eaLnBrk="1" fontAlgn="auto" latinLnBrk="0" hangingPunct="1">
+                <a:lnSpc>
+                  <a:spcPct val="100000"/>
+                </a:lnSpc>
+                <a:spcBef>
+                  <a:spcPts val="0"/>
+                </a:spcBef>
+                <a:spcAft>
+                  <a:spcPts val="0"/>
+                </a:spcAft>
+                <a:buClrTx/>
+                <a:buSzTx/>
+                <a:buFontTx/>
+                <a:buNone/>
+                <a:tabLst/>
+                <a:defRPr/>
+              </a:pPr>
+              <a:endParaRPr kumimoji="0" lang="en-US" sz="2000" b="0" i="0" u="none" strike="noStrike" kern="0" cap="none" spc="0" normalizeH="0" baseline="0" noProof="0" dirty="0">
+                <a:ln>
+                  <a:noFill/>
+                </a:ln>
+                <a:solidFill>
+                  <a:prstClr val="white"/>
+                </a:solidFill>
+                <a:effectLst/>
+                <a:uLnTx/>
+                <a:uFillTx/>
+                <a:latin typeface="Rockwell Extra Bold" pitchFamily="18" charset="0"/>
+                <a:ea typeface="+mn-ea"/>
+                <a:cs typeface="+mn-cs"/>
+              </a:endParaRPr>
+            </a:p>
+          </p:txBody>
+        </p:sp>
+        <p:sp>
+          <p:nvSpPr>
+            <p:cNvPr id="10" name="Oval 9"/>
+            <p:cNvSpPr/>
+            <p:nvPr/>
+          </p:nvSpPr>
+          <p:spPr>
+            <a:xfrm>
+              <a:off x="9793429" y="4568765"/>
+              <a:ext cx="864723" cy="864722"/>
+            </a:xfrm>
+            <a:prstGeom prst="ellipse">
+              <a:avLst/>
+            </a:prstGeom>
+            <a:noFill/>
+            <a:ln w="25400" cap="flat" cmpd="sng" algn="ctr">
+              <a:solidFill>
+                <a:sysClr val="window" lastClr="FFFFFF"/>
+              </a:solidFill>
+              <a:prstDash val="solid"/>
+            </a:ln>
+            <a:effectLst/>
+          </p:spPr>
+          <p:txBody>
+            <a:bodyPr rtlCol="0" anchor="ctr"/>
+            <a:lstStyle/>
+            <a:p>
+              <a:pPr marL="0" marR="0" lvl="0" indent="0" algn="ctr" defTabSz="914400" eaLnBrk="1" fontAlgn="auto" latinLnBrk="0" hangingPunct="1">
+                <a:lnSpc>
+                  <a:spcPct val="100000"/>
+                </a:lnSpc>
+                <a:spcBef>
+                  <a:spcPts val="0"/>
+                </a:spcBef>
+                <a:spcAft>
+                  <a:spcPts val="0"/>
+                </a:spcAft>
+                <a:buClrTx/>
+                <a:buSzTx/>
+                <a:buFontTx/>
+                <a:buNone/>
+                <a:tabLst/>
+                <a:defRPr/>
+              </a:pPr>
+              <a:endParaRPr kumimoji="0" lang="en-US" sz="1800" b="0" i="0" u="none" strike="noStrike" kern="0" cap="none" spc="0" normalizeH="0" baseline="0" noProof="0" dirty="0">
+                <a:ln>
+                  <a:noFill/>
+                </a:ln>
+                <a:solidFill>
+                  <a:prstClr val="white"/>
+                </a:solidFill>
+                <a:effectLst/>
+                <a:uLnTx/>
+                <a:uFillTx/>
+                <a:latin typeface="Calibri"/>
+                <a:ea typeface="+mn-ea"/>
+                <a:cs typeface="+mn-cs"/>
+              </a:endParaRPr>
+            </a:p>
+          </p:txBody>
+        </p:sp>
+      </p:grpSp>
+      <p:sp>
+        <p:nvSpPr>
+          <p:cNvPr id="6" name="Slide Number Placeholder 5"/>
           <p:cNvSpPr>
             <a:spLocks noGrp="1"/>
           </p:cNvSpPr>
@@ -1619,10 +2362,19 @@
             <p:ph type="sldNum" sz="quarter" idx="12"/>
           </p:nvPr>
         </p:nvSpPr>
-        <p:spPr/>
+        <p:spPr>
+          <a:xfrm>
+            <a:off x="843702" y="2506133"/>
+            <a:ext cx="1188298" cy="720332"/>
+          </a:xfrm>
+        </p:spPr>
         <p:txBody>
           <a:bodyPr/>
-          <a:lstStyle/>
+          <a:lstStyle>
+            <a:lvl1pPr>
+              <a:defRPr sz="2800"/>
+            </a:lvl1pPr>
+          </a:lstStyle>
           <a:p>
             <a:fld id="{11569524-81EC-084D-AE3A-CB346A03B121}" type="slidenum">
               <a:rPr lang="en-US" smtClean="0"/>
@@ -1635,7 +2387,7 @@
     </p:spTree>
     <p:extLst>
       <p:ext uri="{BB962C8B-B14F-4D97-AF65-F5344CB8AC3E}">
-        <p14:creationId xmlns:p14="http://schemas.microsoft.com/office/powerpoint/2010/main" val="1782855528"/>
+        <p14:creationId xmlns:p14="http://schemas.microsoft.com/office/powerpoint/2010/main" val="1012750147"/>
       </p:ext>
     </p:extLst>
   </p:cSld>
@@ -1664,13 +2416,7 @@
       </p:grpSpPr>
       <p:sp>
         <p:nvSpPr>
-          <p:cNvPr id="2" name="Title 1">
-            <a:extLst>
-              <a:ext uri="{FF2B5EF4-FFF2-40B4-BE49-F238E27FC236}">
-                <a16:creationId xmlns:a16="http://schemas.microsoft.com/office/drawing/2014/main" id="{0E6D70D6-8D88-4039-7051-10C56DC02092}"/>
-              </a:ext>
-            </a:extLst>
-          </p:cNvPr>
+          <p:cNvPr id="2" name="Title 1"/>
           <p:cNvSpPr>
             <a:spLocks noGrp="1"/>
           </p:cNvSpPr>
@@ -1687,18 +2433,13 @@
               <a:rPr lang="en-US"/>
               <a:t>Click to edit Master title style</a:t>
             </a:r>
-          </a:p>
-        </p:txBody>
-      </p:sp>
-      <p:sp>
-        <p:nvSpPr>
-          <p:cNvPr id="3" name="Content Placeholder 2">
-            <a:extLst>
-              <a:ext uri="{FF2B5EF4-FFF2-40B4-BE49-F238E27FC236}">
-                <a16:creationId xmlns:a16="http://schemas.microsoft.com/office/drawing/2014/main" id="{0598BA04-127D-B492-3944-58C26D76458F}"/>
-              </a:ext>
-            </a:extLst>
-          </p:cNvPr>
+            <a:endParaRPr lang="en-US" dirty="0"/>
+          </a:p>
+        </p:txBody>
+      </p:sp>
+      <p:sp>
+        <p:nvSpPr>
+          <p:cNvPr id="3" name="Content Placeholder 2"/>
           <p:cNvSpPr>
             <a:spLocks noGrp="1"/>
           </p:cNvSpPr>
@@ -1708,13 +2449,41 @@
         </p:nvSpPr>
         <p:spPr>
           <a:xfrm>
-            <a:off x="838200" y="1825625"/>
-            <a:ext cx="5181600" cy="4351338"/>
+            <a:off x="1069848" y="2194560"/>
+            <a:ext cx="4754880" cy="3977640"/>
           </a:xfrm>
         </p:spPr>
         <p:txBody>
           <a:bodyPr/>
-          <a:lstStyle/>
+          <a:lstStyle>
+            <a:lvl1pPr>
+              <a:defRPr sz="2000"/>
+            </a:lvl1pPr>
+            <a:lvl2pPr>
+              <a:defRPr sz="1800"/>
+            </a:lvl2pPr>
+            <a:lvl3pPr>
+              <a:defRPr sz="1600"/>
+            </a:lvl3pPr>
+            <a:lvl4pPr>
+              <a:defRPr sz="1600"/>
+            </a:lvl4pPr>
+            <a:lvl5pPr>
+              <a:defRPr sz="1600"/>
+            </a:lvl5pPr>
+            <a:lvl6pPr>
+              <a:defRPr sz="1800"/>
+            </a:lvl6pPr>
+            <a:lvl7pPr>
+              <a:defRPr sz="1800"/>
+            </a:lvl7pPr>
+            <a:lvl8pPr>
+              <a:defRPr sz="1800"/>
+            </a:lvl8pPr>
+            <a:lvl9pPr>
+              <a:defRPr sz="1800"/>
+            </a:lvl9pPr>
+          </a:lstStyle>
           <a:p>
             <a:pPr lvl="0"/>
             <a:r>
@@ -1749,18 +2518,13 @@
               <a:rPr lang="en-US"/>
               <a:t>Fifth level</a:t>
             </a:r>
-          </a:p>
-        </p:txBody>
-      </p:sp>
-      <p:sp>
-        <p:nvSpPr>
-          <p:cNvPr id="4" name="Content Placeholder 3">
-            <a:extLst>
-              <a:ext uri="{FF2B5EF4-FFF2-40B4-BE49-F238E27FC236}">
-                <a16:creationId xmlns:a16="http://schemas.microsoft.com/office/drawing/2014/main" id="{AAF82A7E-72C3-DC73-1D57-B214996964E3}"/>
-              </a:ext>
-            </a:extLst>
-          </p:cNvPr>
+            <a:endParaRPr lang="en-US" dirty="0"/>
+          </a:p>
+        </p:txBody>
+      </p:sp>
+      <p:sp>
+        <p:nvSpPr>
+          <p:cNvPr id="4" name="Content Placeholder 3"/>
           <p:cNvSpPr>
             <a:spLocks noGrp="1"/>
           </p:cNvSpPr>
@@ -1770,13 +2534,41 @@
         </p:nvSpPr>
         <p:spPr>
           <a:xfrm>
-            <a:off x="6172200" y="1825625"/>
-            <a:ext cx="5181600" cy="4351338"/>
+            <a:off x="6364224" y="2194560"/>
+            <a:ext cx="4754880" cy="3977640"/>
           </a:xfrm>
         </p:spPr>
         <p:txBody>
           <a:bodyPr/>
-          <a:lstStyle/>
+          <a:lstStyle>
+            <a:lvl1pPr>
+              <a:defRPr sz="2000"/>
+            </a:lvl1pPr>
+            <a:lvl2pPr>
+              <a:defRPr sz="1800"/>
+            </a:lvl2pPr>
+            <a:lvl3pPr>
+              <a:defRPr sz="1600"/>
+            </a:lvl3pPr>
+            <a:lvl4pPr>
+              <a:defRPr sz="1600"/>
+            </a:lvl4pPr>
+            <a:lvl5pPr>
+              <a:defRPr sz="1600"/>
+            </a:lvl5pPr>
+            <a:lvl6pPr>
+              <a:defRPr sz="1800"/>
+            </a:lvl6pPr>
+            <a:lvl7pPr>
+              <a:defRPr sz="1800"/>
+            </a:lvl7pPr>
+            <a:lvl8pPr>
+              <a:defRPr sz="1800"/>
+            </a:lvl8pPr>
+            <a:lvl9pPr>
+              <a:defRPr sz="1800"/>
+            </a:lvl9pPr>
+          </a:lstStyle>
           <a:p>
             <a:pPr lvl="0"/>
             <a:r>
@@ -1811,18 +2603,13 @@
               <a:rPr lang="en-US"/>
               <a:t>Fifth level</a:t>
             </a:r>
-          </a:p>
-        </p:txBody>
-      </p:sp>
-      <p:sp>
-        <p:nvSpPr>
-          <p:cNvPr id="5" name="Date Placeholder 4">
-            <a:extLst>
-              <a:ext uri="{FF2B5EF4-FFF2-40B4-BE49-F238E27FC236}">
-                <a16:creationId xmlns:a16="http://schemas.microsoft.com/office/drawing/2014/main" id="{DB3C1BE5-C142-83D2-BD43-21F52E6F5479}"/>
-              </a:ext>
-            </a:extLst>
-          </p:cNvPr>
+            <a:endParaRPr lang="en-US" dirty="0"/>
+          </a:p>
+        </p:txBody>
+      </p:sp>
+      <p:sp>
+        <p:nvSpPr>
+          <p:cNvPr id="5" name="Date Placeholder 4"/>
           <p:cNvSpPr>
             <a:spLocks noGrp="1"/>
           </p:cNvSpPr>
@@ -1845,13 +2632,7 @@
       </p:sp>
       <p:sp>
         <p:nvSpPr>
-          <p:cNvPr id="6" name="Footer Placeholder 5">
-            <a:extLst>
-              <a:ext uri="{FF2B5EF4-FFF2-40B4-BE49-F238E27FC236}">
-                <a16:creationId xmlns:a16="http://schemas.microsoft.com/office/drawing/2014/main" id="{49631240-31FA-6E69-59ED-D66A0081AF38}"/>
-              </a:ext>
-            </a:extLst>
-          </p:cNvPr>
+          <p:cNvPr id="6" name="Footer Placeholder 5"/>
           <p:cNvSpPr>
             <a:spLocks noGrp="1"/>
           </p:cNvSpPr>
@@ -1870,13 +2651,7 @@
       </p:sp>
       <p:sp>
         <p:nvSpPr>
-          <p:cNvPr id="7" name="Slide Number Placeholder 6">
-            <a:extLst>
-              <a:ext uri="{FF2B5EF4-FFF2-40B4-BE49-F238E27FC236}">
-                <a16:creationId xmlns:a16="http://schemas.microsoft.com/office/drawing/2014/main" id="{BD1CBBEF-707F-5909-7671-73FECDD78776}"/>
-              </a:ext>
-            </a:extLst>
-          </p:cNvPr>
+          <p:cNvPr id="7" name="Slide Number Placeholder 6"/>
           <p:cNvSpPr>
             <a:spLocks noGrp="1"/>
           </p:cNvSpPr>
@@ -1900,7 +2675,7 @@
     </p:spTree>
     <p:extLst>
       <p:ext uri="{BB962C8B-B14F-4D97-AF65-F5344CB8AC3E}">
-        <p14:creationId xmlns:p14="http://schemas.microsoft.com/office/powerpoint/2010/main" val="2945839746"/>
+        <p14:creationId xmlns:p14="http://schemas.microsoft.com/office/powerpoint/2010/main" val="3086029976"/>
       </p:ext>
     </p:extLst>
   </p:cSld>
@@ -1911,7 +2686,7 @@
 </file>
 
 <file path=ppt/slideLayouts/slideLayout5.xml><?xml version="1.0" encoding="utf-8"?>
-<p:sldLayout xmlns:a="http://schemas.openxmlformats.org/drawingml/2006/main" xmlns:r="http://schemas.openxmlformats.org/officeDocument/2006/relationships" xmlns:p="http://schemas.openxmlformats.org/presentationml/2006/main" type="twoTxTwoObj" preserve="1">
+<p:sldLayout xmlns:a="http://schemas.openxmlformats.org/drawingml/2006/main" xmlns:r="http://schemas.openxmlformats.org/officeDocument/2006/relationships" xmlns:p="http://schemas.openxmlformats.org/presentationml/2006/main" preserve="1">
   <p:cSld name="Comparison">
     <p:spTree>
       <p:nvGrpSpPr>
@@ -1929,65 +2704,34 @@
       </p:grpSpPr>
       <p:sp>
         <p:nvSpPr>
-          <p:cNvPr id="2" name="Title 1">
-            <a:extLst>
-              <a:ext uri="{FF2B5EF4-FFF2-40B4-BE49-F238E27FC236}">
-                <a16:creationId xmlns:a16="http://schemas.microsoft.com/office/drawing/2014/main" id="{AC72038C-0870-6933-0520-375964BC883C}"/>
-              </a:ext>
-            </a:extLst>
-          </p:cNvPr>
+          <p:cNvPr id="3" name="Text Placeholder 2"/>
           <p:cNvSpPr>
             <a:spLocks noGrp="1"/>
           </p:cNvSpPr>
           <p:nvPr>
-            <p:ph type="title"/>
+            <p:ph type="body" idx="1"/>
           </p:nvPr>
         </p:nvSpPr>
         <p:spPr>
           <a:xfrm>
-            <a:off x="839788" y="365125"/>
-            <a:ext cx="10515600" cy="1325563"/>
+            <a:off x="1066800" y="2048256"/>
+            <a:ext cx="4754880" cy="640080"/>
           </a:xfrm>
         </p:spPr>
         <p:txBody>
-          <a:bodyPr/>
-          <a:lstStyle/>
-          <a:p>
-            <a:r>
-              <a:rPr lang="en-US"/>
-              <a:t>Click to edit Master title style</a:t>
-            </a:r>
-          </a:p>
-        </p:txBody>
-      </p:sp>
-      <p:sp>
-        <p:nvSpPr>
-          <p:cNvPr id="3" name="Text Placeholder 2">
-            <a:extLst>
-              <a:ext uri="{FF2B5EF4-FFF2-40B4-BE49-F238E27FC236}">
-                <a16:creationId xmlns:a16="http://schemas.microsoft.com/office/drawing/2014/main" id="{B2925C27-8C17-9D8A-F9BA-045870F93E26}"/>
-              </a:ext>
-            </a:extLst>
-          </p:cNvPr>
-          <p:cNvSpPr>
-            <a:spLocks noGrp="1"/>
-          </p:cNvSpPr>
-          <p:nvPr>
-            <p:ph type="body" idx="1"/>
-          </p:nvPr>
-        </p:nvSpPr>
-        <p:spPr>
-          <a:xfrm>
-            <a:off x="839788" y="1681163"/>
-            <a:ext cx="5157787" cy="823912"/>
-          </a:xfrm>
-        </p:spPr>
-        <p:txBody>
-          <a:bodyPr anchor="b"/>
+          <a:bodyPr anchor="ctr">
+            <a:normAutofit/>
+          </a:bodyPr>
           <a:lstStyle>
             <a:lvl1pPr marL="0" indent="0">
               <a:buNone/>
-              <a:defRPr sz="2400" b="1"/>
+              <a:defRPr sz="2000" b="1">
+                <a:solidFill>
+                  <a:schemeClr val="accent1">
+                    <a:lumMod val="75000"/>
+                  </a:schemeClr>
+                </a:solidFill>
+              </a:defRPr>
             </a:lvl1pPr>
             <a:lvl2pPr marL="457200" indent="0">
               <a:buNone/>
@@ -2033,13 +2777,7 @@
       </p:sp>
       <p:sp>
         <p:nvSpPr>
-          <p:cNvPr id="4" name="Content Placeholder 3">
-            <a:extLst>
-              <a:ext uri="{FF2B5EF4-FFF2-40B4-BE49-F238E27FC236}">
-                <a16:creationId xmlns:a16="http://schemas.microsoft.com/office/drawing/2014/main" id="{365BD4B1-F8C7-8DB7-92FB-8DA2849C9461}"/>
-              </a:ext>
-            </a:extLst>
-          </p:cNvPr>
+          <p:cNvPr id="4" name="Content Placeholder 3"/>
           <p:cNvSpPr>
             <a:spLocks noGrp="1"/>
           </p:cNvSpPr>
@@ -2049,13 +2787,41 @@
         </p:nvSpPr>
         <p:spPr>
           <a:xfrm>
-            <a:off x="839788" y="2505075"/>
-            <a:ext cx="5157787" cy="3684588"/>
+            <a:off x="1069848" y="2743200"/>
+            <a:ext cx="4754880" cy="3291840"/>
           </a:xfrm>
         </p:spPr>
         <p:txBody>
           <a:bodyPr/>
-          <a:lstStyle/>
+          <a:lstStyle>
+            <a:lvl1pPr>
+              <a:defRPr sz="2000"/>
+            </a:lvl1pPr>
+            <a:lvl2pPr>
+              <a:defRPr sz="1800"/>
+            </a:lvl2pPr>
+            <a:lvl3pPr>
+              <a:defRPr sz="1600"/>
+            </a:lvl3pPr>
+            <a:lvl4pPr>
+              <a:defRPr sz="1600"/>
+            </a:lvl4pPr>
+            <a:lvl5pPr>
+              <a:defRPr sz="1600"/>
+            </a:lvl5pPr>
+            <a:lvl6pPr>
+              <a:defRPr sz="1600"/>
+            </a:lvl6pPr>
+            <a:lvl7pPr>
+              <a:defRPr sz="1600"/>
+            </a:lvl7pPr>
+            <a:lvl8pPr>
+              <a:defRPr sz="1600"/>
+            </a:lvl8pPr>
+            <a:lvl9pPr>
+              <a:defRPr sz="1600"/>
+            </a:lvl9pPr>
+          </a:lstStyle>
           <a:p>
             <a:pPr lvl="0"/>
             <a:r>
@@ -2090,18 +2856,13 @@
               <a:rPr lang="en-US"/>
               <a:t>Fifth level</a:t>
             </a:r>
-          </a:p>
-        </p:txBody>
-      </p:sp>
-      <p:sp>
-        <p:nvSpPr>
-          <p:cNvPr id="5" name="Text Placeholder 4">
-            <a:extLst>
-              <a:ext uri="{FF2B5EF4-FFF2-40B4-BE49-F238E27FC236}">
-                <a16:creationId xmlns:a16="http://schemas.microsoft.com/office/drawing/2014/main" id="{8121B678-0713-95AC-01CF-EA2F8CC2D66F}"/>
-              </a:ext>
-            </a:extLst>
-          </p:cNvPr>
+            <a:endParaRPr lang="en-US" dirty="0"/>
+          </a:p>
+        </p:txBody>
+      </p:sp>
+      <p:sp>
+        <p:nvSpPr>
+          <p:cNvPr id="5" name="Text Placeholder 4"/>
           <p:cNvSpPr>
             <a:spLocks noGrp="1"/>
           </p:cNvSpPr>
@@ -2111,16 +2872,24 @@
         </p:nvSpPr>
         <p:spPr>
           <a:xfrm>
-            <a:off x="6172200" y="1681163"/>
-            <a:ext cx="5183188" cy="823912"/>
+            <a:off x="6364224" y="2048256"/>
+            <a:ext cx="4754880" cy="640080"/>
           </a:xfrm>
         </p:spPr>
         <p:txBody>
-          <a:bodyPr anchor="b"/>
+          <a:bodyPr anchor="ctr">
+            <a:normAutofit/>
+          </a:bodyPr>
           <a:lstStyle>
             <a:lvl1pPr marL="0" indent="0">
               <a:buNone/>
-              <a:defRPr sz="2400" b="1"/>
+              <a:defRPr sz="2000" b="1">
+                <a:solidFill>
+                  <a:schemeClr val="accent1">
+                    <a:lumMod val="75000"/>
+                  </a:schemeClr>
+                </a:solidFill>
+              </a:defRPr>
             </a:lvl1pPr>
             <a:lvl2pPr marL="457200" indent="0">
               <a:buNone/>
@@ -2166,13 +2935,7 @@
       </p:sp>
       <p:sp>
         <p:nvSpPr>
-          <p:cNvPr id="6" name="Content Placeholder 5">
-            <a:extLst>
-              <a:ext uri="{FF2B5EF4-FFF2-40B4-BE49-F238E27FC236}">
-                <a16:creationId xmlns:a16="http://schemas.microsoft.com/office/drawing/2014/main" id="{B47D939B-7EF2-5B86-C5C8-2E434B4B124D}"/>
-              </a:ext>
-            </a:extLst>
-          </p:cNvPr>
+          <p:cNvPr id="6" name="Content Placeholder 5"/>
           <p:cNvSpPr>
             <a:spLocks noGrp="1"/>
           </p:cNvSpPr>
@@ -2182,13 +2945,41 @@
         </p:nvSpPr>
         <p:spPr>
           <a:xfrm>
-            <a:off x="6172200" y="2505075"/>
-            <a:ext cx="5183188" cy="3684588"/>
+            <a:off x="6364224" y="2743200"/>
+            <a:ext cx="4754880" cy="3291840"/>
           </a:xfrm>
         </p:spPr>
         <p:txBody>
           <a:bodyPr/>
-          <a:lstStyle/>
+          <a:lstStyle>
+            <a:lvl1pPr>
+              <a:defRPr sz="2000"/>
+            </a:lvl1pPr>
+            <a:lvl2pPr>
+              <a:defRPr sz="1800"/>
+            </a:lvl2pPr>
+            <a:lvl3pPr>
+              <a:defRPr sz="1600"/>
+            </a:lvl3pPr>
+            <a:lvl4pPr>
+              <a:defRPr sz="1600"/>
+            </a:lvl4pPr>
+            <a:lvl5pPr>
+              <a:defRPr sz="1600"/>
+            </a:lvl5pPr>
+            <a:lvl6pPr>
+              <a:defRPr sz="1600"/>
+            </a:lvl6pPr>
+            <a:lvl7pPr>
+              <a:defRPr sz="1600"/>
+            </a:lvl7pPr>
+            <a:lvl8pPr>
+              <a:defRPr sz="1600"/>
+            </a:lvl8pPr>
+            <a:lvl9pPr>
+              <a:defRPr sz="1600"/>
+            </a:lvl9pPr>
+          </a:lstStyle>
           <a:p>
             <a:pPr lvl="0"/>
             <a:r>
@@ -2223,18 +3014,13 @@
               <a:rPr lang="en-US"/>
               <a:t>Fifth level</a:t>
             </a:r>
-          </a:p>
-        </p:txBody>
-      </p:sp>
-      <p:sp>
-        <p:nvSpPr>
-          <p:cNvPr id="7" name="Date Placeholder 6">
-            <a:extLst>
-              <a:ext uri="{FF2B5EF4-FFF2-40B4-BE49-F238E27FC236}">
-                <a16:creationId xmlns:a16="http://schemas.microsoft.com/office/drawing/2014/main" id="{338ECEFD-CC84-F942-EFAF-4641FEBDF474}"/>
-              </a:ext>
-            </a:extLst>
-          </p:cNvPr>
+            <a:endParaRPr lang="en-US" dirty="0"/>
+          </a:p>
+        </p:txBody>
+      </p:sp>
+      <p:sp>
+        <p:nvSpPr>
+          <p:cNvPr id="7" name="Date Placeholder 6"/>
           <p:cNvSpPr>
             <a:spLocks noGrp="1"/>
           </p:cNvSpPr>
@@ -2257,13 +3043,7 @@
       </p:sp>
       <p:sp>
         <p:nvSpPr>
-          <p:cNvPr id="8" name="Footer Placeholder 7">
-            <a:extLst>
-              <a:ext uri="{FF2B5EF4-FFF2-40B4-BE49-F238E27FC236}">
-                <a16:creationId xmlns:a16="http://schemas.microsoft.com/office/drawing/2014/main" id="{AD704838-9838-E18C-A554-070AA17AD445}"/>
-              </a:ext>
-            </a:extLst>
-          </p:cNvPr>
+          <p:cNvPr id="8" name="Footer Placeholder 7"/>
           <p:cNvSpPr>
             <a:spLocks noGrp="1"/>
           </p:cNvSpPr>
@@ -2282,13 +3062,7 @@
       </p:sp>
       <p:sp>
         <p:nvSpPr>
-          <p:cNvPr id="9" name="Slide Number Placeholder 8">
-            <a:extLst>
-              <a:ext uri="{FF2B5EF4-FFF2-40B4-BE49-F238E27FC236}">
-                <a16:creationId xmlns:a16="http://schemas.microsoft.com/office/drawing/2014/main" id="{92DC5D25-E5A0-D42C-4058-BDC29A95353B}"/>
-              </a:ext>
-            </a:extLst>
-          </p:cNvPr>
+          <p:cNvPr id="9" name="Slide Number Placeholder 8"/>
           <p:cNvSpPr>
             <a:spLocks noGrp="1"/>
           </p:cNvSpPr>
@@ -2309,10 +3083,33 @@
           </a:p>
         </p:txBody>
       </p:sp>
+      <p:sp>
+        <p:nvSpPr>
+          <p:cNvPr id="10" name="Title 9"/>
+          <p:cNvSpPr>
+            <a:spLocks noGrp="1"/>
+          </p:cNvSpPr>
+          <p:nvPr>
+            <p:ph type="title"/>
+          </p:nvPr>
+        </p:nvSpPr>
+        <p:spPr/>
+        <p:txBody>
+          <a:bodyPr/>
+          <a:lstStyle/>
+          <a:p>
+            <a:r>
+              <a:rPr lang="en-US"/>
+              <a:t>Click to edit Master title style</a:t>
+            </a:r>
+            <a:endParaRPr lang="en-US" dirty="0"/>
+          </a:p>
+        </p:txBody>
+      </p:sp>
     </p:spTree>
     <p:extLst>
       <p:ext uri="{BB962C8B-B14F-4D97-AF65-F5344CB8AC3E}">
-        <p14:creationId xmlns:p14="http://schemas.microsoft.com/office/powerpoint/2010/main" val="696894136"/>
+        <p14:creationId xmlns:p14="http://schemas.microsoft.com/office/powerpoint/2010/main" val="334169003"/>
       </p:ext>
     </p:extLst>
   </p:cSld>
@@ -2323,7 +3120,7 @@
 </file>
 
 <file path=ppt/slideLayouts/slideLayout6.xml><?xml version="1.0" encoding="utf-8"?>
-<p:sldLayout xmlns:a="http://schemas.openxmlformats.org/drawingml/2006/main" xmlns:r="http://schemas.openxmlformats.org/officeDocument/2006/relationships" xmlns:p="http://schemas.openxmlformats.org/presentationml/2006/main" type="titleOnly" preserve="1">
+<p:sldLayout xmlns:a="http://schemas.openxmlformats.org/drawingml/2006/main" xmlns:r="http://schemas.openxmlformats.org/officeDocument/2006/relationships" xmlns:p="http://schemas.openxmlformats.org/presentationml/2006/main" preserve="1">
   <p:cSld name="Title Only">
     <p:spTree>
       <p:nvGrpSpPr>
@@ -2341,41 +3138,7 @@
       </p:grpSpPr>
       <p:sp>
         <p:nvSpPr>
-          <p:cNvPr id="2" name="Title 1">
-            <a:extLst>
-              <a:ext uri="{FF2B5EF4-FFF2-40B4-BE49-F238E27FC236}">
-                <a16:creationId xmlns:a16="http://schemas.microsoft.com/office/drawing/2014/main" id="{7496EC10-4CBF-8081-F45D-C9377F9FC057}"/>
-              </a:ext>
-            </a:extLst>
-          </p:cNvPr>
-          <p:cNvSpPr>
-            <a:spLocks noGrp="1"/>
-          </p:cNvSpPr>
-          <p:nvPr>
-            <p:ph type="title"/>
-          </p:nvPr>
-        </p:nvSpPr>
-        <p:spPr/>
-        <p:txBody>
-          <a:bodyPr/>
-          <a:lstStyle/>
-          <a:p>
-            <a:r>
-              <a:rPr lang="en-US"/>
-              <a:t>Click to edit Master title style</a:t>
-            </a:r>
-          </a:p>
-        </p:txBody>
-      </p:sp>
-      <p:sp>
-        <p:nvSpPr>
-          <p:cNvPr id="3" name="Date Placeholder 2">
-            <a:extLst>
-              <a:ext uri="{FF2B5EF4-FFF2-40B4-BE49-F238E27FC236}">
-                <a16:creationId xmlns:a16="http://schemas.microsoft.com/office/drawing/2014/main" id="{78FEC5E9-20C8-D30D-8B23-D23382FED9BD}"/>
-              </a:ext>
-            </a:extLst>
-          </p:cNvPr>
+          <p:cNvPr id="3" name="Date Placeholder 2"/>
           <p:cNvSpPr>
             <a:spLocks noGrp="1"/>
           </p:cNvSpPr>
@@ -2398,13 +3161,7 @@
       </p:sp>
       <p:sp>
         <p:nvSpPr>
-          <p:cNvPr id="4" name="Footer Placeholder 3">
-            <a:extLst>
-              <a:ext uri="{FF2B5EF4-FFF2-40B4-BE49-F238E27FC236}">
-                <a16:creationId xmlns:a16="http://schemas.microsoft.com/office/drawing/2014/main" id="{CAE32375-DB5C-7BC9-E3EE-9EB9B2A001E6}"/>
-              </a:ext>
-            </a:extLst>
-          </p:cNvPr>
+          <p:cNvPr id="4" name="Footer Placeholder 3"/>
           <p:cNvSpPr>
             <a:spLocks noGrp="1"/>
           </p:cNvSpPr>
@@ -2423,13 +3180,7 @@
       </p:sp>
       <p:sp>
         <p:nvSpPr>
-          <p:cNvPr id="5" name="Slide Number Placeholder 4">
-            <a:extLst>
-              <a:ext uri="{FF2B5EF4-FFF2-40B4-BE49-F238E27FC236}">
-                <a16:creationId xmlns:a16="http://schemas.microsoft.com/office/drawing/2014/main" id="{E73DCE37-8249-0FAB-692D-85102542AF43}"/>
-              </a:ext>
-            </a:extLst>
-          </p:cNvPr>
+          <p:cNvPr id="5" name="Slide Number Placeholder 4"/>
           <p:cNvSpPr>
             <a:spLocks noGrp="1"/>
           </p:cNvSpPr>
@@ -2450,10 +3201,32 @@
           </a:p>
         </p:txBody>
       </p:sp>
+      <p:sp>
+        <p:nvSpPr>
+          <p:cNvPr id="6" name="Title 5"/>
+          <p:cNvSpPr>
+            <a:spLocks noGrp="1"/>
+          </p:cNvSpPr>
+          <p:nvPr>
+            <p:ph type="title"/>
+          </p:nvPr>
+        </p:nvSpPr>
+        <p:spPr/>
+        <p:txBody>
+          <a:bodyPr/>
+          <a:lstStyle/>
+          <a:p>
+            <a:r>
+              <a:rPr lang="en-US"/>
+              <a:t>Click to edit Master title style</a:t>
+            </a:r>
+          </a:p>
+        </p:txBody>
+      </p:sp>
     </p:spTree>
     <p:extLst>
       <p:ext uri="{BB962C8B-B14F-4D97-AF65-F5344CB8AC3E}">
-        <p14:creationId xmlns:p14="http://schemas.microsoft.com/office/powerpoint/2010/main" val="3543476736"/>
+        <p14:creationId xmlns:p14="http://schemas.microsoft.com/office/powerpoint/2010/main" val="1524702243"/>
       </p:ext>
     </p:extLst>
   </p:cSld>
@@ -2482,13 +3255,7 @@
       </p:grpSpPr>
       <p:sp>
         <p:nvSpPr>
-          <p:cNvPr id="2" name="Date Placeholder 1">
-            <a:extLst>
-              <a:ext uri="{FF2B5EF4-FFF2-40B4-BE49-F238E27FC236}">
-                <a16:creationId xmlns:a16="http://schemas.microsoft.com/office/drawing/2014/main" id="{E4C19BAC-12C2-D04A-3D45-AA6953FFFBC2}"/>
-              </a:ext>
-            </a:extLst>
-          </p:cNvPr>
+          <p:cNvPr id="2" name="Date Placeholder 1"/>
           <p:cNvSpPr>
             <a:spLocks noGrp="1"/>
           </p:cNvSpPr>
@@ -2511,13 +3278,7 @@
       </p:sp>
       <p:sp>
         <p:nvSpPr>
-          <p:cNvPr id="3" name="Footer Placeholder 2">
-            <a:extLst>
-              <a:ext uri="{FF2B5EF4-FFF2-40B4-BE49-F238E27FC236}">
-                <a16:creationId xmlns:a16="http://schemas.microsoft.com/office/drawing/2014/main" id="{7ED8B1A2-4961-C02E-894D-7E117A52D787}"/>
-              </a:ext>
-            </a:extLst>
-          </p:cNvPr>
+          <p:cNvPr id="3" name="Footer Placeholder 2"/>
           <p:cNvSpPr>
             <a:spLocks noGrp="1"/>
           </p:cNvSpPr>
@@ -2536,13 +3297,7 @@
       </p:sp>
       <p:sp>
         <p:nvSpPr>
-          <p:cNvPr id="4" name="Slide Number Placeholder 3">
-            <a:extLst>
-              <a:ext uri="{FF2B5EF4-FFF2-40B4-BE49-F238E27FC236}">
-                <a16:creationId xmlns:a16="http://schemas.microsoft.com/office/drawing/2014/main" id="{4765B893-DE0F-1C7F-5207-5EFEF8D38615}"/>
-              </a:ext>
-            </a:extLst>
-          </p:cNvPr>
+          <p:cNvPr id="4" name="Slide Number Placeholder 3"/>
           <p:cNvSpPr>
             <a:spLocks noGrp="1"/>
           </p:cNvSpPr>
@@ -2566,7 +3321,7 @@
     </p:spTree>
     <p:extLst>
       <p:ext uri="{BB962C8B-B14F-4D97-AF65-F5344CB8AC3E}">
-        <p14:creationId xmlns:p14="http://schemas.microsoft.com/office/powerpoint/2010/main" val="3946317644"/>
+        <p14:creationId xmlns:p14="http://schemas.microsoft.com/office/powerpoint/2010/main" val="2947662309"/>
       </p:ext>
     </p:extLst>
   </p:cSld>
@@ -2577,7 +3332,7 @@
 </file>
 
 <file path=ppt/slideLayouts/slideLayout8.xml><?xml version="1.0" encoding="utf-8"?>
-<p:sldLayout xmlns:a="http://schemas.openxmlformats.org/drawingml/2006/main" xmlns:r="http://schemas.openxmlformats.org/officeDocument/2006/relationships" xmlns:p="http://schemas.openxmlformats.org/presentationml/2006/main" type="objTx" preserve="1">
+<p:sldLayout xmlns:a="http://schemas.openxmlformats.org/drawingml/2006/main" xmlns:r="http://schemas.openxmlformats.org/officeDocument/2006/relationships" xmlns:p="http://schemas.openxmlformats.org/presentationml/2006/main" showMasterSp="0" type="objTx" preserve="1">
   <p:cSld name="Content with Caption">
     <p:spTree>
       <p:nvGrpSpPr>
@@ -2595,31 +3350,92 @@
       </p:grpSpPr>
       <p:sp>
         <p:nvSpPr>
-          <p:cNvPr id="2" name="Title 1">
-            <a:extLst>
-              <a:ext uri="{FF2B5EF4-FFF2-40B4-BE49-F238E27FC236}">
-                <a16:creationId xmlns:a16="http://schemas.microsoft.com/office/drawing/2014/main" id="{AB9CB541-7217-3A7A-CE37-51E1F01A9630}"/>
-              </a:ext>
-            </a:extLst>
-          </p:cNvPr>
-          <p:cNvSpPr>
-            <a:spLocks noGrp="1"/>
-          </p:cNvSpPr>
-          <p:nvPr>
-            <p:ph type="title"/>
-          </p:nvPr>
+          <p:cNvPr id="8" name="Rectangle 7"/>
+          <p:cNvSpPr/>
+          <p:nvPr/>
         </p:nvSpPr>
         <p:spPr>
           <a:xfrm>
-            <a:off x="839788" y="457200"/>
-            <a:ext cx="3932237" cy="1600200"/>
+            <a:off x="8303740" y="0"/>
+            <a:ext cx="3888259" cy="6857999"/>
+          </a:xfrm>
+          <a:prstGeom prst="rect">
+            <a:avLst/>
+          </a:prstGeom>
+          <a:blipFill dpi="0" rotWithShape="1">
+            <a:blip r:embed="rId2">
+              <a:alphaModFix amt="60000"/>
+              <a:lum bright="70000" contrast="-70000"/>
+              <a:extLst>
+                <a:ext uri="{BEBA8EAE-BF5A-486C-A8C5-ECC9F3942E4B}">
+                  <a14:imgProps xmlns:a14="http://schemas.microsoft.com/office/drawing/2010/main">
+                    <a14:imgLayer r:embed="rId3">
+                      <a14:imgEffect>
+                        <a14:sharpenSoften amount="61000"/>
+                      </a14:imgEffect>
+                    </a14:imgLayer>
+                  </a14:imgProps>
+                </a:ext>
+                <a:ext uri="{28A0092B-C50C-407E-A947-70E740481C1C}">
+                  <a14:useLocalDpi xmlns:a14="http://schemas.microsoft.com/office/drawing/2010/main" val="0"/>
+                </a:ext>
+              </a:extLst>
+            </a:blip>
+            <a:srcRect/>
+            <a:tile tx="0" ty="-704850" sx="92000" sy="89000" flip="xy" algn="ctr"/>
+          </a:blipFill>
+          <a:ln>
+            <a:noFill/>
+          </a:ln>
+        </p:spPr>
+        <p:style>
+          <a:lnRef idx="2">
+            <a:schemeClr val="accent1">
+              <a:shade val="50000"/>
+            </a:schemeClr>
+          </a:lnRef>
+          <a:fillRef idx="1">
+            <a:schemeClr val="accent1"/>
+          </a:fillRef>
+          <a:effectRef idx="0">
+            <a:schemeClr val="accent1"/>
+          </a:effectRef>
+          <a:fontRef idx="minor">
+            <a:schemeClr val="lt1"/>
+          </a:fontRef>
+        </p:style>
+        <p:txBody>
+          <a:bodyPr rtlCol="0" anchor="ctr"/>
+          <a:lstStyle/>
+          <a:p>
+            <a:pPr algn="ctr"/>
+            <a:endParaRPr lang="en-US"/>
+          </a:p>
+        </p:txBody>
+      </p:sp>
+      <p:sp>
+        <p:nvSpPr>
+          <p:cNvPr id="2" name="Title 1"/>
+          <p:cNvSpPr>
+            <a:spLocks noGrp="1"/>
+          </p:cNvSpPr>
+          <p:nvPr>
+            <p:ph type="title"/>
+          </p:nvPr>
+        </p:nvSpPr>
+        <p:spPr>
+          <a:xfrm>
+            <a:off x="8549640" y="685800"/>
+            <a:ext cx="3200400" cy="1737360"/>
           </a:xfrm>
         </p:spPr>
         <p:txBody>
-          <a:bodyPr anchor="b"/>
+          <a:bodyPr anchor="b">
+            <a:normAutofit/>
+          </a:bodyPr>
           <a:lstStyle>
             <a:lvl1pPr>
-              <a:defRPr sz="3200"/>
+              <a:defRPr sz="3200" b="1"/>
             </a:lvl1pPr>
           </a:lstStyle>
           <a:p>
@@ -2627,18 +3443,13 @@
               <a:rPr lang="en-US"/>
               <a:t>Click to edit Master title style</a:t>
             </a:r>
-          </a:p>
-        </p:txBody>
-      </p:sp>
-      <p:sp>
-        <p:nvSpPr>
-          <p:cNvPr id="3" name="Content Placeholder 2">
-            <a:extLst>
-              <a:ext uri="{FF2B5EF4-FFF2-40B4-BE49-F238E27FC236}">
-                <a16:creationId xmlns:a16="http://schemas.microsoft.com/office/drawing/2014/main" id="{15674B5E-800C-13F0-3488-8259E2C9A2AC}"/>
-              </a:ext>
-            </a:extLst>
-          </p:cNvPr>
+            <a:endParaRPr lang="en-US" dirty="0"/>
+          </a:p>
+        </p:txBody>
+      </p:sp>
+      <p:sp>
+        <p:nvSpPr>
+          <p:cNvPr id="3" name="Content Placeholder 2"/>
           <p:cNvSpPr>
             <a:spLocks noGrp="1"/>
           </p:cNvSpPr>
@@ -2648,27 +3459,27 @@
         </p:nvSpPr>
         <p:spPr>
           <a:xfrm>
-            <a:off x="5183188" y="987425"/>
-            <a:ext cx="6172200" cy="4873625"/>
+            <a:off x="838200" y="685800"/>
+            <a:ext cx="6711696" cy="5020056"/>
           </a:xfrm>
         </p:spPr>
         <p:txBody>
           <a:bodyPr/>
           <a:lstStyle>
             <a:lvl1pPr>
-              <a:defRPr sz="3200"/>
+              <a:defRPr sz="2000"/>
             </a:lvl1pPr>
             <a:lvl2pPr>
-              <a:defRPr sz="2800"/>
+              <a:defRPr sz="1800"/>
             </a:lvl2pPr>
             <a:lvl3pPr>
-              <a:defRPr sz="2400"/>
+              <a:defRPr sz="1600"/>
             </a:lvl3pPr>
             <a:lvl4pPr>
-              <a:defRPr sz="2000"/>
+              <a:defRPr sz="1600"/>
             </a:lvl4pPr>
             <a:lvl5pPr>
-              <a:defRPr sz="2000"/>
+              <a:defRPr sz="1600"/>
             </a:lvl5pPr>
             <a:lvl6pPr>
               <a:defRPr sz="2000"/>
@@ -2717,18 +3528,13 @@
               <a:rPr lang="en-US"/>
               <a:t>Fifth level</a:t>
             </a:r>
-          </a:p>
-        </p:txBody>
-      </p:sp>
-      <p:sp>
-        <p:nvSpPr>
-          <p:cNvPr id="4" name="Text Placeholder 3">
-            <a:extLst>
-              <a:ext uri="{FF2B5EF4-FFF2-40B4-BE49-F238E27FC236}">
-                <a16:creationId xmlns:a16="http://schemas.microsoft.com/office/drawing/2014/main" id="{CC9ED3E8-2C51-9244-C094-A48E3B0AD54D}"/>
-              </a:ext>
-            </a:extLst>
-          </p:cNvPr>
+            <a:endParaRPr lang="en-US" dirty="0"/>
+          </a:p>
+        </p:txBody>
+      </p:sp>
+      <p:sp>
+        <p:nvSpPr>
+          <p:cNvPr id="4" name="Text Placeholder 3"/>
           <p:cNvSpPr>
             <a:spLocks noGrp="1"/>
           </p:cNvSpPr>
@@ -2738,48 +3544,62 @@
         </p:nvSpPr>
         <p:spPr>
           <a:xfrm>
-            <a:off x="839788" y="2057400"/>
-            <a:ext cx="3932237" cy="3811588"/>
+            <a:off x="8549640" y="2423160"/>
+            <a:ext cx="3200400" cy="3291840"/>
           </a:xfrm>
         </p:spPr>
         <p:txBody>
-          <a:bodyPr/>
+          <a:bodyPr>
+            <a:normAutofit/>
+          </a:bodyPr>
           <a:lstStyle>
             <a:lvl1pPr marL="0" indent="0">
-              <a:buNone/>
-              <a:defRPr sz="1600"/>
+              <a:lnSpc>
+                <a:spcPct val="100000"/>
+              </a:lnSpc>
+              <a:spcBef>
+                <a:spcPts val="1000"/>
+              </a:spcBef>
+              <a:buNone/>
+              <a:defRPr sz="1400">
+                <a:solidFill>
+                  <a:schemeClr val="accent1">
+                    <a:lumMod val="75000"/>
+                  </a:schemeClr>
+                </a:solidFill>
+              </a:defRPr>
             </a:lvl1pPr>
             <a:lvl2pPr marL="457200" indent="0">
               <a:buNone/>
-              <a:defRPr sz="1400"/>
+              <a:defRPr sz="1200"/>
             </a:lvl2pPr>
             <a:lvl3pPr marL="914400" indent="0">
               <a:buNone/>
-              <a:defRPr sz="1200"/>
+              <a:defRPr sz="1000"/>
             </a:lvl3pPr>
             <a:lvl4pPr marL="1371600" indent="0">
               <a:buNone/>
-              <a:defRPr sz="1000"/>
+              <a:defRPr sz="900"/>
             </a:lvl4pPr>
             <a:lvl5pPr marL="1828800" indent="0">
               <a:buNone/>
-              <a:defRPr sz="1000"/>
+              <a:defRPr sz="900"/>
             </a:lvl5pPr>
             <a:lvl6pPr marL="2286000" indent="0">
               <a:buNone/>
-              <a:defRPr sz="1000"/>
+              <a:defRPr sz="900"/>
             </a:lvl6pPr>
             <a:lvl7pPr marL="2743200" indent="0">
               <a:buNone/>
-              <a:defRPr sz="1000"/>
+              <a:defRPr sz="900"/>
             </a:lvl7pPr>
             <a:lvl8pPr marL="3200400" indent="0">
               <a:buNone/>
-              <a:defRPr sz="1000"/>
+              <a:defRPr sz="900"/>
             </a:lvl8pPr>
             <a:lvl9pPr marL="3657600" indent="0">
               <a:buNone/>
-              <a:defRPr sz="1000"/>
+              <a:defRPr sz="900"/>
             </a:lvl9pPr>
           </a:lstStyle>
           <a:p>
@@ -2793,13 +3613,7 @@
       </p:sp>
       <p:sp>
         <p:nvSpPr>
-          <p:cNvPr id="5" name="Date Placeholder 4">
-            <a:extLst>
-              <a:ext uri="{FF2B5EF4-FFF2-40B4-BE49-F238E27FC236}">
-                <a16:creationId xmlns:a16="http://schemas.microsoft.com/office/drawing/2014/main" id="{1D88E49E-C4F3-10FD-7727-7235D292B2A6}"/>
-              </a:ext>
-            </a:extLst>
-          </p:cNvPr>
+          <p:cNvPr id="5" name="Date Placeholder 4"/>
           <p:cNvSpPr>
             <a:spLocks noGrp="1"/>
           </p:cNvSpPr>
@@ -2822,13 +3636,7 @@
       </p:sp>
       <p:sp>
         <p:nvSpPr>
-          <p:cNvPr id="6" name="Footer Placeholder 5">
-            <a:extLst>
-              <a:ext uri="{FF2B5EF4-FFF2-40B4-BE49-F238E27FC236}">
-                <a16:creationId xmlns:a16="http://schemas.microsoft.com/office/drawing/2014/main" id="{21BACC78-CDFA-1E9C-E730-3FDF49B42D30}"/>
-              </a:ext>
-            </a:extLst>
-          </p:cNvPr>
+          <p:cNvPr id="6" name="Footer Placeholder 5"/>
           <p:cNvSpPr>
             <a:spLocks noGrp="1"/>
           </p:cNvSpPr>
@@ -2845,15 +3653,172 @@
           </a:p>
         </p:txBody>
       </p:sp>
-      <p:sp>
-        <p:nvSpPr>
-          <p:cNvPr id="7" name="Slide Number Placeholder 6">
-            <a:extLst>
-              <a:ext uri="{FF2B5EF4-FFF2-40B4-BE49-F238E27FC236}">
-                <a16:creationId xmlns:a16="http://schemas.microsoft.com/office/drawing/2014/main" id="{11D992A9-D903-AB9D-2F28-52B272C508D2}"/>
-              </a:ext>
-            </a:extLst>
-          </p:cNvPr>
+      <p:grpSp>
+        <p:nvGrpSpPr>
+          <p:cNvPr id="9" name="Group 8"/>
+          <p:cNvGrpSpPr>
+            <a:grpSpLocks noChangeAspect="1"/>
+          </p:cNvGrpSpPr>
+          <p:nvPr/>
+        </p:nvGrpSpPr>
+        <p:grpSpPr>
+          <a:xfrm>
+            <a:off x="11401725" y="6229681"/>
+            <a:ext cx="457200" cy="457200"/>
+            <a:chOff x="11361456" y="6195813"/>
+            <a:chExt cx="548640" cy="548640"/>
+          </a:xfrm>
+        </p:grpSpPr>
+        <p:sp>
+          <p:nvSpPr>
+            <p:cNvPr id="10" name="Oval 9"/>
+            <p:cNvSpPr/>
+            <p:nvPr/>
+          </p:nvSpPr>
+          <p:spPr>
+            <a:xfrm>
+              <a:off x="11361456" y="6195813"/>
+              <a:ext cx="548640" cy="548640"/>
+            </a:xfrm>
+            <a:prstGeom prst="ellipse">
+              <a:avLst/>
+            </a:prstGeom>
+            <a:blipFill dpi="0" rotWithShape="1">
+              <a:blip r:embed="rId4">
+                <a:duotone>
+                  <a:schemeClr val="accent1">
+                    <a:shade val="45000"/>
+                    <a:satMod val="135000"/>
+                  </a:schemeClr>
+                  <a:prstClr val="white"/>
+                </a:duotone>
+                <a:extLst>
+                  <a:ext uri="{BEBA8EAE-BF5A-486C-A8C5-ECC9F3942E4B}">
+                    <a14:imgProps xmlns:a14="http://schemas.microsoft.com/office/drawing/2010/main">
+                      <a14:imgLayer r:embed="rId5">
+                        <a14:imgEffect>
+                          <a14:saturation sat="95000"/>
+                        </a14:imgEffect>
+                        <a14:imgEffect>
+                          <a14:brightnessContrast bright="-40000" contrast="20000"/>
+                        </a14:imgEffect>
+                      </a14:imgLayer>
+                    </a14:imgProps>
+                  </a:ext>
+                </a:extLst>
+              </a:blip>
+              <a:srcRect/>
+              <a:tile tx="50800" ty="0" sx="85000" sy="85000" flip="none" algn="tl"/>
+            </a:blipFill>
+            <a:ln w="25400" cap="flat" cmpd="sng" algn="ctr">
+              <a:noFill/>
+              <a:prstDash val="solid"/>
+            </a:ln>
+            <a:effectLst/>
+          </p:spPr>
+          <p:txBody>
+            <a:bodyPr lIns="0" tIns="0" rIns="0" bIns="0" rtlCol="0" anchor="ctr"/>
+            <a:lstStyle/>
+            <a:p>
+              <a:pPr marL="0" marR="0" lvl="0" indent="0" algn="ctr" defTabSz="914400" eaLnBrk="1" fontAlgn="auto" latinLnBrk="0" hangingPunct="1">
+                <a:lnSpc>
+                  <a:spcPct val="100000"/>
+                </a:lnSpc>
+                <a:spcBef>
+                  <a:spcPts val="0"/>
+                </a:spcBef>
+                <a:spcAft>
+                  <a:spcPts val="0"/>
+                </a:spcAft>
+                <a:buClrTx/>
+                <a:buSzTx/>
+                <a:buFontTx/>
+                <a:buNone/>
+                <a:tabLst/>
+                <a:defRPr/>
+              </a:pPr>
+              <a:endParaRPr kumimoji="0" lang="en-US" sz="2000" b="0" i="0" u="none" strike="noStrike" kern="0" cap="none" spc="0" normalizeH="0" baseline="0" noProof="0" dirty="0">
+                <a:ln>
+                  <a:noFill/>
+                </a:ln>
+                <a:solidFill>
+                  <a:prstClr val="white"/>
+                </a:solidFill>
+                <a:effectLst/>
+                <a:uLnTx/>
+                <a:uFillTx/>
+                <a:latin typeface="Rockwell Extra Bold" pitchFamily="18" charset="0"/>
+                <a:ea typeface="+mn-ea"/>
+                <a:cs typeface="+mn-cs"/>
+              </a:endParaRPr>
+            </a:p>
+          </p:txBody>
+        </p:sp>
+        <p:sp>
+          <p:nvSpPr>
+            <p:cNvPr id="11" name="Oval 10"/>
+            <p:cNvSpPr/>
+            <p:nvPr/>
+          </p:nvSpPr>
+          <p:spPr>
+            <a:xfrm>
+              <a:off x="11396488" y="6230844"/>
+              <a:ext cx="478576" cy="478578"/>
+            </a:xfrm>
+            <a:prstGeom prst="ellipse">
+              <a:avLst/>
+            </a:prstGeom>
+            <a:noFill/>
+            <a:ln w="12700" cap="flat" cmpd="sng" algn="ctr">
+              <a:solidFill>
+                <a:sysClr val="window" lastClr="FFFFFF"/>
+              </a:solidFill>
+              <a:prstDash val="solid"/>
+            </a:ln>
+            <a:effectLst/>
+          </p:spPr>
+          <p:txBody>
+            <a:bodyPr rtlCol="0" anchor="ctr"/>
+            <a:lstStyle/>
+            <a:p>
+              <a:pPr marL="0" marR="0" lvl="0" indent="0" algn="ctr" defTabSz="914400" eaLnBrk="1" fontAlgn="auto" latinLnBrk="0" hangingPunct="1">
+                <a:lnSpc>
+                  <a:spcPct val="100000"/>
+                </a:lnSpc>
+                <a:spcBef>
+                  <a:spcPts val="0"/>
+                </a:spcBef>
+                <a:spcAft>
+                  <a:spcPts val="0"/>
+                </a:spcAft>
+                <a:buClrTx/>
+                <a:buSzTx/>
+                <a:buFontTx/>
+                <a:buNone/>
+                <a:tabLst/>
+                <a:defRPr/>
+              </a:pPr>
+              <a:endParaRPr kumimoji="0" lang="en-US" sz="1800" b="0" i="0" u="none" strike="noStrike" kern="0" cap="none" spc="0" normalizeH="0" baseline="0" noProof="0" dirty="0">
+                <a:ln>
+                  <a:noFill/>
+                </a:ln>
+                <a:solidFill>
+                  <a:prstClr val="white"/>
+                </a:solidFill>
+                <a:effectLst/>
+                <a:uLnTx/>
+                <a:uFillTx/>
+                <a:latin typeface="Calibri"/>
+                <a:ea typeface="+mn-ea"/>
+                <a:cs typeface="+mn-cs"/>
+              </a:endParaRPr>
+            </a:p>
+          </p:txBody>
+        </p:sp>
+      </p:grpSp>
+      <p:sp>
+        <p:nvSpPr>
+          <p:cNvPr id="7" name="Slide Number Placeholder 6"/>
           <p:cNvSpPr>
             <a:spLocks noGrp="1"/>
           </p:cNvSpPr>
@@ -2877,7 +3842,7 @@
     </p:spTree>
     <p:extLst>
       <p:ext uri="{BB962C8B-B14F-4D97-AF65-F5344CB8AC3E}">
-        <p14:creationId xmlns:p14="http://schemas.microsoft.com/office/powerpoint/2010/main" val="2507861476"/>
+        <p14:creationId xmlns:p14="http://schemas.microsoft.com/office/powerpoint/2010/main" val="2866131646"/>
       </p:ext>
     </p:extLst>
   </p:cSld>
@@ -2888,7 +3853,7 @@
 </file>
 
 <file path=ppt/slideLayouts/slideLayout9.xml><?xml version="1.0" encoding="utf-8"?>
-<p:sldLayout xmlns:a="http://schemas.openxmlformats.org/drawingml/2006/main" xmlns:r="http://schemas.openxmlformats.org/officeDocument/2006/relationships" xmlns:p="http://schemas.openxmlformats.org/presentationml/2006/main" type="picTx" preserve="1">
+<p:sldLayout xmlns:a="http://schemas.openxmlformats.org/drawingml/2006/main" xmlns:r="http://schemas.openxmlformats.org/officeDocument/2006/relationships" xmlns:p="http://schemas.openxmlformats.org/presentationml/2006/main" showMasterSp="0" type="picTx" preserve="1">
   <p:cSld name="Picture with Caption">
     <p:spTree>
       <p:nvGrpSpPr>
@@ -2906,31 +3871,92 @@
       </p:grpSpPr>
       <p:sp>
         <p:nvSpPr>
-          <p:cNvPr id="2" name="Title 1">
-            <a:extLst>
-              <a:ext uri="{FF2B5EF4-FFF2-40B4-BE49-F238E27FC236}">
-                <a16:creationId xmlns:a16="http://schemas.microsoft.com/office/drawing/2014/main" id="{CB2A2864-9FB7-36B8-F7B2-8CA800B807C4}"/>
-              </a:ext>
-            </a:extLst>
-          </p:cNvPr>
-          <p:cNvSpPr>
-            <a:spLocks noGrp="1"/>
-          </p:cNvSpPr>
-          <p:nvPr>
-            <p:ph type="title"/>
-          </p:nvPr>
+          <p:cNvPr id="11" name="Rectangle 10"/>
+          <p:cNvSpPr/>
+          <p:nvPr/>
         </p:nvSpPr>
         <p:spPr>
           <a:xfrm>
-            <a:off x="839788" y="457200"/>
-            <a:ext cx="3932237" cy="1600200"/>
+            <a:off x="8303740" y="0"/>
+            <a:ext cx="3888259" cy="6857999"/>
+          </a:xfrm>
+          <a:prstGeom prst="rect">
+            <a:avLst/>
+          </a:prstGeom>
+          <a:blipFill dpi="0" rotWithShape="1">
+            <a:blip r:embed="rId2">
+              <a:alphaModFix amt="60000"/>
+              <a:lum bright="70000" contrast="-70000"/>
+              <a:extLst>
+                <a:ext uri="{BEBA8EAE-BF5A-486C-A8C5-ECC9F3942E4B}">
+                  <a14:imgProps xmlns:a14="http://schemas.microsoft.com/office/drawing/2010/main">
+                    <a14:imgLayer r:embed="rId3">
+                      <a14:imgEffect>
+                        <a14:sharpenSoften amount="61000"/>
+                      </a14:imgEffect>
+                    </a14:imgLayer>
+                  </a14:imgProps>
+                </a:ext>
+                <a:ext uri="{28A0092B-C50C-407E-A947-70E740481C1C}">
+                  <a14:useLocalDpi xmlns:a14="http://schemas.microsoft.com/office/drawing/2010/main" val="0"/>
+                </a:ext>
+              </a:extLst>
+            </a:blip>
+            <a:srcRect/>
+            <a:tile tx="0" ty="-704850" sx="92000" sy="89000" flip="xy" algn="ctr"/>
+          </a:blipFill>
+          <a:ln>
+            <a:noFill/>
+          </a:ln>
+        </p:spPr>
+        <p:style>
+          <a:lnRef idx="2">
+            <a:schemeClr val="accent1">
+              <a:shade val="50000"/>
+            </a:schemeClr>
+          </a:lnRef>
+          <a:fillRef idx="1">
+            <a:schemeClr val="accent1"/>
+          </a:fillRef>
+          <a:effectRef idx="0">
+            <a:schemeClr val="accent1"/>
+          </a:effectRef>
+          <a:fontRef idx="minor">
+            <a:schemeClr val="lt1"/>
+          </a:fontRef>
+        </p:style>
+        <p:txBody>
+          <a:bodyPr rtlCol="0" anchor="ctr"/>
+          <a:lstStyle/>
+          <a:p>
+            <a:pPr algn="ctr"/>
+            <a:endParaRPr lang="en-US"/>
+          </a:p>
+        </p:txBody>
+      </p:sp>
+      <p:sp>
+        <p:nvSpPr>
+          <p:cNvPr id="2" name="Title 1"/>
+          <p:cNvSpPr>
+            <a:spLocks noGrp="1"/>
+          </p:cNvSpPr>
+          <p:nvPr>
+            <p:ph type="title"/>
+          </p:nvPr>
+        </p:nvSpPr>
+        <p:spPr>
+          <a:xfrm>
+            <a:off x="8549640" y="685800"/>
+            <a:ext cx="3200400" cy="1737360"/>
           </a:xfrm>
         </p:spPr>
         <p:txBody>
-          <a:bodyPr anchor="b"/>
+          <a:bodyPr anchor="b">
+            <a:normAutofit/>
+          </a:bodyPr>
           <a:lstStyle>
             <a:lvl1pPr>
-              <a:defRPr sz="3200"/>
+              <a:defRPr sz="3200" b="1"/>
             </a:lvl1pPr>
           </a:lstStyle>
           <a:p>
@@ -2938,18 +3964,13 @@
               <a:rPr lang="en-US"/>
               <a:t>Click to edit Master title style</a:t>
             </a:r>
-          </a:p>
-        </p:txBody>
-      </p:sp>
-      <p:sp>
-        <p:nvSpPr>
-          <p:cNvPr id="3" name="Picture Placeholder 2">
-            <a:extLst>
-              <a:ext uri="{FF2B5EF4-FFF2-40B4-BE49-F238E27FC236}">
-                <a16:creationId xmlns:a16="http://schemas.microsoft.com/office/drawing/2014/main" id="{871B7755-FEC2-9AA0-3DF3-AC1A7A1A729A}"/>
-              </a:ext>
-            </a:extLst>
-          </p:cNvPr>
+            <a:endParaRPr lang="en-US" dirty="0"/>
+          </a:p>
+        </p:txBody>
+      </p:sp>
+      <p:sp>
+        <p:nvSpPr>
+          <p:cNvPr id="3" name="Picture Placeholder 2"/>
           <p:cNvSpPr>
             <a:spLocks noGrp="1"/>
           </p:cNvSpPr>
@@ -2959,9 +3980,15 @@
         </p:nvSpPr>
         <p:spPr>
           <a:xfrm>
-            <a:off x="5183188" y="987425"/>
-            <a:ext cx="6172200" cy="4873625"/>
+            <a:off x="0" y="0"/>
+            <a:ext cx="8303740" cy="6858000"/>
           </a:xfrm>
+          <a:solidFill>
+            <a:schemeClr val="tx2">
+              <a:lumMod val="20000"/>
+              <a:lumOff val="80000"/>
+            </a:schemeClr>
+          </a:solidFill>
         </p:spPr>
         <p:txBody>
           <a:bodyPr/>
@@ -3004,19 +4031,17 @@
             </a:lvl9pPr>
           </a:lstStyle>
           <a:p>
-            <a:endParaRPr lang="en-US"/>
-          </a:p>
-        </p:txBody>
-      </p:sp>
-      <p:sp>
-        <p:nvSpPr>
-          <p:cNvPr id="4" name="Text Placeholder 3">
-            <a:extLst>
-              <a:ext uri="{FF2B5EF4-FFF2-40B4-BE49-F238E27FC236}">
-                <a16:creationId xmlns:a16="http://schemas.microsoft.com/office/drawing/2014/main" id="{60263BF3-7489-6479-5DEA-C5AED55C700A}"/>
-              </a:ext>
-            </a:extLst>
-          </p:cNvPr>
+            <a:r>
+              <a:rPr lang="en-US"/>
+              <a:t>Click icon to add picture</a:t>
+            </a:r>
+            <a:endParaRPr lang="en-US" dirty="0"/>
+          </a:p>
+        </p:txBody>
+      </p:sp>
+      <p:sp>
+        <p:nvSpPr>
+          <p:cNvPr id="4" name="Text Placeholder 3"/>
           <p:cNvSpPr>
             <a:spLocks noGrp="1"/>
           </p:cNvSpPr>
@@ -3026,48 +4051,62 @@
         </p:nvSpPr>
         <p:spPr>
           <a:xfrm>
-            <a:off x="839788" y="2057400"/>
-            <a:ext cx="3932237" cy="3811588"/>
+            <a:off x="8549640" y="2423160"/>
+            <a:ext cx="3200400" cy="3291840"/>
           </a:xfrm>
         </p:spPr>
         <p:txBody>
-          <a:bodyPr/>
+          <a:bodyPr>
+            <a:normAutofit/>
+          </a:bodyPr>
           <a:lstStyle>
             <a:lvl1pPr marL="0" indent="0">
-              <a:buNone/>
-              <a:defRPr sz="1600"/>
+              <a:lnSpc>
+                <a:spcPct val="100000"/>
+              </a:lnSpc>
+              <a:spcBef>
+                <a:spcPts val="1000"/>
+              </a:spcBef>
+              <a:buNone/>
+              <a:defRPr sz="1400">
+                <a:solidFill>
+                  <a:schemeClr val="accent1">
+                    <a:lumMod val="75000"/>
+                  </a:schemeClr>
+                </a:solidFill>
+              </a:defRPr>
             </a:lvl1pPr>
             <a:lvl2pPr marL="457200" indent="0">
               <a:buNone/>
-              <a:defRPr sz="1400"/>
+              <a:defRPr sz="1200"/>
             </a:lvl2pPr>
             <a:lvl3pPr marL="914400" indent="0">
               <a:buNone/>
-              <a:defRPr sz="1200"/>
+              <a:defRPr sz="1000"/>
             </a:lvl3pPr>
             <a:lvl4pPr marL="1371600" indent="0">
               <a:buNone/>
-              <a:defRPr sz="1000"/>
+              <a:defRPr sz="900"/>
             </a:lvl4pPr>
             <a:lvl5pPr marL="1828800" indent="0">
               <a:buNone/>
-              <a:defRPr sz="1000"/>
+              <a:defRPr sz="900"/>
             </a:lvl5pPr>
             <a:lvl6pPr marL="2286000" indent="0">
               <a:buNone/>
-              <a:defRPr sz="1000"/>
+              <a:defRPr sz="900"/>
             </a:lvl6pPr>
             <a:lvl7pPr marL="2743200" indent="0">
               <a:buNone/>
-              <a:defRPr sz="1000"/>
+              <a:defRPr sz="900"/>
             </a:lvl7pPr>
             <a:lvl8pPr marL="3200400" indent="0">
               <a:buNone/>
-              <a:defRPr sz="1000"/>
+              <a:defRPr sz="900"/>
             </a:lvl8pPr>
             <a:lvl9pPr marL="3657600" indent="0">
               <a:buNone/>
-              <a:defRPr sz="1000"/>
+              <a:defRPr sz="900"/>
             </a:lvl9pPr>
           </a:lstStyle>
           <a:p>
@@ -3081,13 +4120,7 @@
       </p:sp>
       <p:sp>
         <p:nvSpPr>
-          <p:cNvPr id="5" name="Date Placeholder 4">
-            <a:extLst>
-              <a:ext uri="{FF2B5EF4-FFF2-40B4-BE49-F238E27FC236}">
-                <a16:creationId xmlns:a16="http://schemas.microsoft.com/office/drawing/2014/main" id="{BBC4D3D1-6836-A695-4682-F08A29DFEDD9}"/>
-              </a:ext>
-            </a:extLst>
-          </p:cNvPr>
+          <p:cNvPr id="5" name="Date Placeholder 4"/>
           <p:cNvSpPr>
             <a:spLocks noGrp="1"/>
           </p:cNvSpPr>
@@ -3108,40 +4141,172 @@
           </a:p>
         </p:txBody>
       </p:sp>
-      <p:sp>
-        <p:nvSpPr>
-          <p:cNvPr id="6" name="Footer Placeholder 5">
-            <a:extLst>
-              <a:ext uri="{FF2B5EF4-FFF2-40B4-BE49-F238E27FC236}">
-                <a16:creationId xmlns:a16="http://schemas.microsoft.com/office/drawing/2014/main" id="{08327DD3-4E3C-4548-0981-93FA2D23E753}"/>
-              </a:ext>
-            </a:extLst>
-          </p:cNvPr>
-          <p:cNvSpPr>
-            <a:spLocks noGrp="1"/>
-          </p:cNvSpPr>
-          <p:nvPr>
-            <p:ph type="ftr" sz="quarter" idx="11"/>
-          </p:nvPr>
-        </p:nvSpPr>
-        <p:spPr/>
-        <p:txBody>
-          <a:bodyPr/>
-          <a:lstStyle/>
-          <a:p>
-            <a:endParaRPr lang="en-US"/>
-          </a:p>
-        </p:txBody>
-      </p:sp>
-      <p:sp>
-        <p:nvSpPr>
-          <p:cNvPr id="7" name="Slide Number Placeholder 6">
-            <a:extLst>
-              <a:ext uri="{FF2B5EF4-FFF2-40B4-BE49-F238E27FC236}">
-                <a16:creationId xmlns:a16="http://schemas.microsoft.com/office/drawing/2014/main" id="{D6CF6205-7E05-2899-7C21-699FCAB4551B}"/>
-              </a:ext>
-            </a:extLst>
-          </p:cNvPr>
+      <p:grpSp>
+        <p:nvGrpSpPr>
+          <p:cNvPr id="8" name="Group 7"/>
+          <p:cNvGrpSpPr>
+            <a:grpSpLocks noChangeAspect="1"/>
+          </p:cNvGrpSpPr>
+          <p:nvPr/>
+        </p:nvGrpSpPr>
+        <p:grpSpPr>
+          <a:xfrm>
+            <a:off x="11401725" y="6229681"/>
+            <a:ext cx="457200" cy="457200"/>
+            <a:chOff x="11361456" y="6195813"/>
+            <a:chExt cx="548640" cy="548640"/>
+          </a:xfrm>
+        </p:grpSpPr>
+        <p:sp>
+          <p:nvSpPr>
+            <p:cNvPr id="9" name="Oval 8"/>
+            <p:cNvSpPr/>
+            <p:nvPr/>
+          </p:nvSpPr>
+          <p:spPr>
+            <a:xfrm>
+              <a:off x="11361456" y="6195813"/>
+              <a:ext cx="548640" cy="548640"/>
+            </a:xfrm>
+            <a:prstGeom prst="ellipse">
+              <a:avLst/>
+            </a:prstGeom>
+            <a:blipFill dpi="0" rotWithShape="1">
+              <a:blip r:embed="rId4">
+                <a:duotone>
+                  <a:schemeClr val="accent1">
+                    <a:shade val="45000"/>
+                    <a:satMod val="135000"/>
+                  </a:schemeClr>
+                  <a:prstClr val="white"/>
+                </a:duotone>
+                <a:extLst>
+                  <a:ext uri="{BEBA8EAE-BF5A-486C-A8C5-ECC9F3942E4B}">
+                    <a14:imgProps xmlns:a14="http://schemas.microsoft.com/office/drawing/2010/main">
+                      <a14:imgLayer r:embed="rId5">
+                        <a14:imgEffect>
+                          <a14:saturation sat="95000"/>
+                        </a14:imgEffect>
+                        <a14:imgEffect>
+                          <a14:brightnessContrast bright="-40000" contrast="20000"/>
+                        </a14:imgEffect>
+                      </a14:imgLayer>
+                    </a14:imgProps>
+                  </a:ext>
+                </a:extLst>
+              </a:blip>
+              <a:srcRect/>
+              <a:tile tx="50800" ty="0" sx="85000" sy="85000" flip="none" algn="tl"/>
+            </a:blipFill>
+            <a:ln w="25400" cap="flat" cmpd="sng" algn="ctr">
+              <a:noFill/>
+              <a:prstDash val="solid"/>
+            </a:ln>
+            <a:effectLst/>
+          </p:spPr>
+          <p:txBody>
+            <a:bodyPr lIns="0" tIns="0" rIns="0" bIns="0" rtlCol="0" anchor="ctr"/>
+            <a:lstStyle/>
+            <a:p>
+              <a:pPr marL="0" marR="0" lvl="0" indent="0" algn="ctr" defTabSz="914400" eaLnBrk="1" fontAlgn="auto" latinLnBrk="0" hangingPunct="1">
+                <a:lnSpc>
+                  <a:spcPct val="100000"/>
+                </a:lnSpc>
+                <a:spcBef>
+                  <a:spcPts val="0"/>
+                </a:spcBef>
+                <a:spcAft>
+                  <a:spcPts val="0"/>
+                </a:spcAft>
+                <a:buClrTx/>
+                <a:buSzTx/>
+                <a:buFontTx/>
+                <a:buNone/>
+                <a:tabLst/>
+                <a:defRPr/>
+              </a:pPr>
+              <a:endParaRPr kumimoji="0" lang="en-US" sz="2000" b="0" i="0" u="none" strike="noStrike" kern="0" cap="none" spc="0" normalizeH="0" baseline="0" noProof="0" dirty="0">
+                <a:ln>
+                  <a:noFill/>
+                </a:ln>
+                <a:solidFill>
+                  <a:prstClr val="white"/>
+                </a:solidFill>
+                <a:effectLst/>
+                <a:uLnTx/>
+                <a:uFillTx/>
+                <a:latin typeface="Rockwell Extra Bold" pitchFamily="18" charset="0"/>
+                <a:ea typeface="+mn-ea"/>
+                <a:cs typeface="+mn-cs"/>
+              </a:endParaRPr>
+            </a:p>
+          </p:txBody>
+        </p:sp>
+        <p:sp>
+          <p:nvSpPr>
+            <p:cNvPr id="10" name="Oval 9"/>
+            <p:cNvSpPr/>
+            <p:nvPr/>
+          </p:nvSpPr>
+          <p:spPr>
+            <a:xfrm>
+              <a:off x="11396488" y="6230844"/>
+              <a:ext cx="478576" cy="478578"/>
+            </a:xfrm>
+            <a:prstGeom prst="ellipse">
+              <a:avLst/>
+            </a:prstGeom>
+            <a:noFill/>
+            <a:ln w="12700" cap="flat" cmpd="sng" algn="ctr">
+              <a:solidFill>
+                <a:sysClr val="window" lastClr="FFFFFF"/>
+              </a:solidFill>
+              <a:prstDash val="solid"/>
+            </a:ln>
+            <a:effectLst/>
+          </p:spPr>
+          <p:txBody>
+            <a:bodyPr rtlCol="0" anchor="ctr"/>
+            <a:lstStyle/>
+            <a:p>
+              <a:pPr marL="0" marR="0" lvl="0" indent="0" algn="ctr" defTabSz="914400" eaLnBrk="1" fontAlgn="auto" latinLnBrk="0" hangingPunct="1">
+                <a:lnSpc>
+                  <a:spcPct val="100000"/>
+                </a:lnSpc>
+                <a:spcBef>
+                  <a:spcPts val="0"/>
+                </a:spcBef>
+                <a:spcAft>
+                  <a:spcPts val="0"/>
+                </a:spcAft>
+                <a:buClrTx/>
+                <a:buSzTx/>
+                <a:buFontTx/>
+                <a:buNone/>
+                <a:tabLst/>
+                <a:defRPr/>
+              </a:pPr>
+              <a:endParaRPr kumimoji="0" lang="en-US" sz="1800" b="0" i="0" u="none" strike="noStrike" kern="0" cap="none" spc="0" normalizeH="0" baseline="0" noProof="0" dirty="0">
+                <a:ln>
+                  <a:noFill/>
+                </a:ln>
+                <a:solidFill>
+                  <a:prstClr val="white"/>
+                </a:solidFill>
+                <a:effectLst/>
+                <a:uLnTx/>
+                <a:uFillTx/>
+                <a:latin typeface="Calibri"/>
+                <a:ea typeface="+mn-ea"/>
+                <a:cs typeface="+mn-cs"/>
+              </a:endParaRPr>
+            </a:p>
+          </p:txBody>
+        </p:sp>
+      </p:grpSp>
+      <p:sp>
+        <p:nvSpPr>
+          <p:cNvPr id="7" name="Slide Number Placeholder 6"/>
           <p:cNvSpPr>
             <a:spLocks noGrp="1"/>
           </p:cNvSpPr>
@@ -3165,7 +4330,7 @@
     </p:spTree>
     <p:extLst>
       <p:ext uri="{BB962C8B-B14F-4D97-AF65-F5344CB8AC3E}">
-        <p14:creationId xmlns:p14="http://schemas.microsoft.com/office/powerpoint/2010/main" val="2300934153"/>
+        <p14:creationId xmlns:p14="http://schemas.microsoft.com/office/powerpoint/2010/main" val="117612026"/>
       </p:ext>
     </p:extLst>
   </p:cSld>
@@ -3199,13 +4364,7 @@
       </p:grpSpPr>
       <p:sp>
         <p:nvSpPr>
-          <p:cNvPr id="2" name="Title Placeholder 1">
-            <a:extLst>
-              <a:ext uri="{FF2B5EF4-FFF2-40B4-BE49-F238E27FC236}">
-                <a16:creationId xmlns:a16="http://schemas.microsoft.com/office/drawing/2014/main" id="{ACA13267-16F1-8A61-7E46-D492810E817F}"/>
-              </a:ext>
-            </a:extLst>
-          </p:cNvPr>
+          <p:cNvPr id="2" name="Title Placeholder 1"/>
           <p:cNvSpPr>
             <a:spLocks noGrp="1"/>
           </p:cNvSpPr>
@@ -3215,8 +4374,8 @@
         </p:nvSpPr>
         <p:spPr>
           <a:xfrm>
-            <a:off x="838200" y="365125"/>
-            <a:ext cx="10515600" cy="1325563"/>
+            <a:off x="1069848" y="484632"/>
+            <a:ext cx="10058400" cy="1609344"/>
           </a:xfrm>
           <a:prstGeom prst="rect">
             <a:avLst/>
@@ -3232,18 +4391,13 @@
               <a:rPr lang="en-US"/>
               <a:t>Click to edit Master title style</a:t>
             </a:r>
-          </a:p>
-        </p:txBody>
-      </p:sp>
-      <p:sp>
-        <p:nvSpPr>
-          <p:cNvPr id="3" name="Text Placeholder 2">
-            <a:extLst>
-              <a:ext uri="{FF2B5EF4-FFF2-40B4-BE49-F238E27FC236}">
-                <a16:creationId xmlns:a16="http://schemas.microsoft.com/office/drawing/2014/main" id="{C2E59F87-4D8B-762A-6EBD-83561E951039}"/>
-              </a:ext>
-            </a:extLst>
-          </p:cNvPr>
+            <a:endParaRPr lang="en-US" dirty="0"/>
+          </a:p>
+        </p:txBody>
+      </p:sp>
+      <p:sp>
+        <p:nvSpPr>
+          <p:cNvPr id="3" name="Text Placeholder 2"/>
           <p:cNvSpPr>
             <a:spLocks noGrp="1"/>
           </p:cNvSpPr>
@@ -3253,8 +4407,8 @@
         </p:nvSpPr>
         <p:spPr>
           <a:xfrm>
-            <a:off x="838200" y="1825625"/>
-            <a:ext cx="10515600" cy="4351338"/>
+            <a:off x="1069848" y="2121408"/>
+            <a:ext cx="10058400" cy="4050792"/>
           </a:xfrm>
           <a:prstGeom prst="rect">
             <a:avLst/>
@@ -3299,18 +4453,13 @@
               <a:rPr lang="en-US"/>
               <a:t>Fifth level</a:t>
             </a:r>
-          </a:p>
-        </p:txBody>
-      </p:sp>
-      <p:sp>
-        <p:nvSpPr>
-          <p:cNvPr id="4" name="Date Placeholder 3">
-            <a:extLst>
-              <a:ext uri="{FF2B5EF4-FFF2-40B4-BE49-F238E27FC236}">
-                <a16:creationId xmlns:a16="http://schemas.microsoft.com/office/drawing/2014/main" id="{E1C6691C-65E6-8DB0-1859-F8C682AB13DB}"/>
-              </a:ext>
-            </a:extLst>
-          </p:cNvPr>
+            <a:endParaRPr lang="en-US" dirty="0"/>
+          </a:p>
+        </p:txBody>
+      </p:sp>
+      <p:sp>
+        <p:nvSpPr>
+          <p:cNvPr id="4" name="Date Placeholder 3"/>
           <p:cNvSpPr>
             <a:spLocks noGrp="1"/>
           </p:cNvSpPr>
@@ -3320,8 +4469,8 @@
         </p:nvSpPr>
         <p:spPr>
           <a:xfrm>
-            <a:off x="838200" y="6356350"/>
-            <a:ext cx="2743200" cy="365125"/>
+            <a:off x="7964424" y="6272784"/>
+            <a:ext cx="3273552" cy="365125"/>
           </a:xfrm>
           <a:prstGeom prst="rect">
             <a:avLst/>
@@ -3330,12 +4479,10 @@
         <p:txBody>
           <a:bodyPr vert="horz" lIns="91440" tIns="45720" rIns="91440" bIns="45720" rtlCol="0" anchor="ctr"/>
           <a:lstStyle>
-            <a:lvl1pPr algn="l">
-              <a:defRPr sz="1200">
+            <a:lvl1pPr algn="r">
+              <a:defRPr sz="1100">
                 <a:solidFill>
-                  <a:schemeClr val="tx1">
-                    <a:tint val="75000"/>
-                  </a:schemeClr>
+                  <a:schemeClr val="tx2"/>
                 </a:solidFill>
               </a:defRPr>
             </a:lvl1pPr>
@@ -3351,13 +4498,7 @@
       </p:sp>
       <p:sp>
         <p:nvSpPr>
-          <p:cNvPr id="5" name="Footer Placeholder 4">
-            <a:extLst>
-              <a:ext uri="{FF2B5EF4-FFF2-40B4-BE49-F238E27FC236}">
-                <a16:creationId xmlns:a16="http://schemas.microsoft.com/office/drawing/2014/main" id="{3CC77BD5-11E9-352A-C7BE-4FAE1CEE0987}"/>
-              </a:ext>
-            </a:extLst>
-          </p:cNvPr>
+          <p:cNvPr id="5" name="Footer Placeholder 4"/>
           <p:cNvSpPr>
             <a:spLocks noGrp="1"/>
           </p:cNvSpPr>
@@ -3367,8 +4508,8 @@
         </p:nvSpPr>
         <p:spPr>
           <a:xfrm>
-            <a:off x="4038600" y="6356350"/>
-            <a:ext cx="4114800" cy="365125"/>
+            <a:off x="1088136" y="6272784"/>
+            <a:ext cx="6327648" cy="365125"/>
           </a:xfrm>
           <a:prstGeom prst="rect">
             <a:avLst/>
@@ -3377,12 +4518,10 @@
         <p:txBody>
           <a:bodyPr vert="horz" lIns="91440" tIns="45720" rIns="91440" bIns="45720" rtlCol="0" anchor="ctr"/>
           <a:lstStyle>
-            <a:lvl1pPr algn="ctr">
-              <a:defRPr sz="1200">
+            <a:lvl1pPr algn="l">
+              <a:defRPr sz="1100">
                 <a:solidFill>
-                  <a:schemeClr val="tx1">
-                    <a:tint val="75000"/>
-                  </a:schemeClr>
+                  <a:schemeClr val="tx2"/>
                 </a:solidFill>
               </a:defRPr>
             </a:lvl1pPr>
@@ -3392,15 +4531,172 @@
           </a:p>
         </p:txBody>
       </p:sp>
-      <p:sp>
-        <p:nvSpPr>
-          <p:cNvPr id="6" name="Slide Number Placeholder 5">
-            <a:extLst>
-              <a:ext uri="{FF2B5EF4-FFF2-40B4-BE49-F238E27FC236}">
-                <a16:creationId xmlns:a16="http://schemas.microsoft.com/office/drawing/2014/main" id="{8D30C601-C381-12A7-DED9-6CE5E67EA495}"/>
-              </a:ext>
-            </a:extLst>
-          </p:cNvPr>
+      <p:grpSp>
+        <p:nvGrpSpPr>
+          <p:cNvPr id="7" name="Group 6"/>
+          <p:cNvGrpSpPr>
+            <a:grpSpLocks noChangeAspect="1"/>
+          </p:cNvGrpSpPr>
+          <p:nvPr/>
+        </p:nvGrpSpPr>
+        <p:grpSpPr>
+          <a:xfrm>
+            <a:off x="11401725" y="6229681"/>
+            <a:ext cx="457200" cy="457200"/>
+            <a:chOff x="11361456" y="6195813"/>
+            <a:chExt cx="548640" cy="548640"/>
+          </a:xfrm>
+        </p:grpSpPr>
+        <p:sp>
+          <p:nvSpPr>
+            <p:cNvPr id="8" name="Oval 7"/>
+            <p:cNvSpPr/>
+            <p:nvPr/>
+          </p:nvSpPr>
+          <p:spPr>
+            <a:xfrm>
+              <a:off x="11361456" y="6195813"/>
+              <a:ext cx="548640" cy="548640"/>
+            </a:xfrm>
+            <a:prstGeom prst="ellipse">
+              <a:avLst/>
+            </a:prstGeom>
+            <a:blipFill dpi="0" rotWithShape="1">
+              <a:blip r:embed="rId13">
+                <a:duotone>
+                  <a:schemeClr val="accent1">
+                    <a:shade val="45000"/>
+                    <a:satMod val="135000"/>
+                  </a:schemeClr>
+                  <a:prstClr val="white"/>
+                </a:duotone>
+                <a:extLst>
+                  <a:ext uri="{BEBA8EAE-BF5A-486C-A8C5-ECC9F3942E4B}">
+                    <a14:imgProps xmlns:a14="http://schemas.microsoft.com/office/drawing/2010/main">
+                      <a14:imgLayer r:embed="rId14">
+                        <a14:imgEffect>
+                          <a14:saturation sat="95000"/>
+                        </a14:imgEffect>
+                        <a14:imgEffect>
+                          <a14:brightnessContrast bright="-40000" contrast="20000"/>
+                        </a14:imgEffect>
+                      </a14:imgLayer>
+                    </a14:imgProps>
+                  </a:ext>
+                </a:extLst>
+              </a:blip>
+              <a:srcRect/>
+              <a:tile tx="50800" ty="0" sx="85000" sy="85000" flip="none" algn="tl"/>
+            </a:blipFill>
+            <a:ln w="25400" cap="flat" cmpd="sng" algn="ctr">
+              <a:noFill/>
+              <a:prstDash val="solid"/>
+            </a:ln>
+            <a:effectLst/>
+          </p:spPr>
+          <p:txBody>
+            <a:bodyPr lIns="0" tIns="0" rIns="0" bIns="0" rtlCol="0" anchor="ctr"/>
+            <a:lstStyle/>
+            <a:p>
+              <a:pPr marL="0" marR="0" lvl="0" indent="0" algn="ctr" defTabSz="914400" eaLnBrk="1" fontAlgn="auto" latinLnBrk="0" hangingPunct="1">
+                <a:lnSpc>
+                  <a:spcPct val="100000"/>
+                </a:lnSpc>
+                <a:spcBef>
+                  <a:spcPts val="0"/>
+                </a:spcBef>
+                <a:spcAft>
+                  <a:spcPts val="0"/>
+                </a:spcAft>
+                <a:buClrTx/>
+                <a:buSzTx/>
+                <a:buFontTx/>
+                <a:buNone/>
+                <a:tabLst/>
+                <a:defRPr/>
+              </a:pPr>
+              <a:endParaRPr kumimoji="0" lang="en-US" sz="2000" b="0" i="0" u="none" strike="noStrike" kern="0" cap="none" spc="0" normalizeH="0" baseline="0" noProof="0" dirty="0">
+                <a:ln>
+                  <a:noFill/>
+                </a:ln>
+                <a:solidFill>
+                  <a:prstClr val="white"/>
+                </a:solidFill>
+                <a:effectLst/>
+                <a:uLnTx/>
+                <a:uFillTx/>
+                <a:latin typeface="Rockwell Extra Bold" pitchFamily="18" charset="0"/>
+                <a:ea typeface="+mn-ea"/>
+                <a:cs typeface="+mn-cs"/>
+              </a:endParaRPr>
+            </a:p>
+          </p:txBody>
+        </p:sp>
+        <p:sp>
+          <p:nvSpPr>
+            <p:cNvPr id="9" name="Oval 8"/>
+            <p:cNvSpPr/>
+            <p:nvPr/>
+          </p:nvSpPr>
+          <p:spPr>
+            <a:xfrm>
+              <a:off x="11396488" y="6230844"/>
+              <a:ext cx="478576" cy="478578"/>
+            </a:xfrm>
+            <a:prstGeom prst="ellipse">
+              <a:avLst/>
+            </a:prstGeom>
+            <a:noFill/>
+            <a:ln w="12700" cap="flat" cmpd="sng" algn="ctr">
+              <a:solidFill>
+                <a:srgbClr val="FFFFFF"/>
+              </a:solidFill>
+              <a:prstDash val="solid"/>
+            </a:ln>
+            <a:effectLst/>
+          </p:spPr>
+          <p:txBody>
+            <a:bodyPr rtlCol="0" anchor="ctr"/>
+            <a:lstStyle/>
+            <a:p>
+              <a:pPr marL="0" marR="0" lvl="0" indent="0" algn="ctr" defTabSz="914400" eaLnBrk="1" fontAlgn="auto" latinLnBrk="0" hangingPunct="1">
+                <a:lnSpc>
+                  <a:spcPct val="100000"/>
+                </a:lnSpc>
+                <a:spcBef>
+                  <a:spcPts val="0"/>
+                </a:spcBef>
+                <a:spcAft>
+                  <a:spcPts val="0"/>
+                </a:spcAft>
+                <a:buClrTx/>
+                <a:buSzTx/>
+                <a:buFontTx/>
+                <a:buNone/>
+                <a:tabLst/>
+                <a:defRPr/>
+              </a:pPr>
+              <a:endParaRPr kumimoji="0" lang="en-US" sz="1800" b="0" i="0" u="none" strike="noStrike" kern="0" cap="none" spc="0" normalizeH="0" baseline="0" noProof="0" dirty="0">
+                <a:ln>
+                  <a:noFill/>
+                </a:ln>
+                <a:solidFill>
+                  <a:prstClr val="white"/>
+                </a:solidFill>
+                <a:effectLst/>
+                <a:uLnTx/>
+                <a:uFillTx/>
+                <a:latin typeface="Calibri"/>
+                <a:ea typeface="+mn-ea"/>
+                <a:cs typeface="+mn-cs"/>
+              </a:endParaRPr>
+            </a:p>
+          </p:txBody>
+        </p:sp>
+      </p:grpSp>
+      <p:sp>
+        <p:nvSpPr>
+          <p:cNvPr id="6" name="Slide Number Placeholder 5"/>
           <p:cNvSpPr>
             <a:spLocks noGrp="1"/>
           </p:cNvSpPr>
@@ -3410,8 +4706,8 @@
         </p:nvSpPr>
         <p:spPr>
           <a:xfrm>
-            <a:off x="8610600" y="6356350"/>
-            <a:ext cx="2743200" cy="365125"/>
+            <a:off x="11311128" y="6272784"/>
+            <a:ext cx="640080" cy="365125"/>
           </a:xfrm>
           <a:prstGeom prst="rect">
             <a:avLst/>
@@ -3420,13 +4716,12 @@
         <p:txBody>
           <a:bodyPr vert="horz" lIns="91440" tIns="45720" rIns="91440" bIns="45720" rtlCol="0" anchor="ctr"/>
           <a:lstStyle>
-            <a:lvl1pPr algn="r">
-              <a:defRPr sz="1200">
+            <a:lvl1pPr algn="ctr">
+              <a:defRPr sz="1400" b="1">
                 <a:solidFill>
-                  <a:schemeClr val="tx1">
-                    <a:tint val="75000"/>
-                  </a:schemeClr>
+                  <a:srgbClr val="FFFFFF"/>
                 </a:solidFill>
+                <a:latin typeface="+mj-lt"/>
               </a:defRPr>
             </a:lvl1pPr>
           </a:lstStyle>
@@ -3442,23 +4737,23 @@
     </p:spTree>
     <p:extLst>
       <p:ext uri="{BB962C8B-B14F-4D97-AF65-F5344CB8AC3E}">
-        <p14:creationId xmlns:p14="http://schemas.microsoft.com/office/powerpoint/2010/main" val="1563945748"/>
+        <p14:creationId xmlns:p14="http://schemas.microsoft.com/office/powerpoint/2010/main" val="3262736506"/>
       </p:ext>
     </p:extLst>
   </p:cSld>
   <p:clrMap bg1="lt1" tx1="dk1" bg2="lt2" tx2="dk2" accent1="accent1" accent2="accent2" accent3="accent3" accent4="accent4" accent5="accent5" accent6="accent6" hlink="hlink" folHlink="folHlink"/>
   <p:sldLayoutIdLst>
-    <p:sldLayoutId id="2147483649" r:id="rId1"/>
-    <p:sldLayoutId id="2147483650" r:id="rId2"/>
-    <p:sldLayoutId id="2147483651" r:id="rId3"/>
-    <p:sldLayoutId id="2147483652" r:id="rId4"/>
-    <p:sldLayoutId id="2147483653" r:id="rId5"/>
-    <p:sldLayoutId id="2147483654" r:id="rId6"/>
-    <p:sldLayoutId id="2147483655" r:id="rId7"/>
-    <p:sldLayoutId id="2147483656" r:id="rId8"/>
-    <p:sldLayoutId id="2147483657" r:id="rId9"/>
-    <p:sldLayoutId id="2147483658" r:id="rId10"/>
-    <p:sldLayoutId id="2147483659" r:id="rId11"/>
+    <p:sldLayoutId id="2147483997" r:id="rId1"/>
+    <p:sldLayoutId id="2147483998" r:id="rId2"/>
+    <p:sldLayoutId id="2147483999" r:id="rId3"/>
+    <p:sldLayoutId id="2147484000" r:id="rId4"/>
+    <p:sldLayoutId id="2147484001" r:id="rId5"/>
+    <p:sldLayoutId id="2147484002" r:id="rId6"/>
+    <p:sldLayoutId id="2147484003" r:id="rId7"/>
+    <p:sldLayoutId id="2147484004" r:id="rId8"/>
+    <p:sldLayoutId id="2147484005" r:id="rId9"/>
+    <p:sldLayoutId id="2147484006" r:id="rId10"/>
+    <p:sldLayoutId id="2147484007" r:id="rId11"/>
   </p:sldLayoutIdLst>
   <p:txStyles>
     <p:titleStyle>
@@ -3470,10 +4765,17 @@
           <a:spcPct val="0"/>
         </a:spcBef>
         <a:buNone/>
-        <a:defRPr sz="4400" kern="1200">
-          <a:solidFill>
-            <a:schemeClr val="tx1"/>
-          </a:solidFill>
+        <a:defRPr sz="5400" kern="1200" cap="all" baseline="0">
+          <a:blipFill>
+            <a:blip r:embed="rId15">
+              <a:extLst>
+                <a:ext uri="{28A0092B-C50C-407E-A947-70E740481C1C}">
+                  <a14:useLocalDpi xmlns:a14="http://schemas.microsoft.com/office/drawing/2010/main" val="0"/>
+                </a:ext>
+              </a:extLst>
+            </a:blip>
+            <a:tile tx="6350" ty="-127000" sx="65000" sy="64000" flip="none" algn="tl"/>
+          </a:blipFill>
           <a:latin typeface="+mj-lt"/>
           <a:ea typeface="+mj-ea"/>
           <a:cs typeface="+mj-cs"/>
@@ -3481,16 +4783,22 @@
       </a:lvl1pPr>
     </p:titleStyle>
     <p:bodyStyle>
-      <a:lvl1pPr marL="228600" indent="-228600" algn="l" defTabSz="914400" rtl="0" eaLnBrk="1" latinLnBrk="0" hangingPunct="1">
+      <a:lvl1pPr marL="182880" indent="-182880" algn="l" defTabSz="914400" rtl="0" eaLnBrk="1" latinLnBrk="0" hangingPunct="1">
         <a:lnSpc>
           <a:spcPct val="90000"/>
         </a:lnSpc>
         <a:spcBef>
-          <a:spcPts val="1000"/>
+          <a:spcPts val="1200"/>
         </a:spcBef>
-        <a:buFont typeface="Arial" panose="020B0604020202020204" pitchFamily="34" charset="0"/>
-        <a:buChar char="•"/>
-        <a:defRPr sz="2800" kern="1200">
+        <a:buClr>
+          <a:schemeClr val="accent1">
+            <a:lumMod val="75000"/>
+          </a:schemeClr>
+        </a:buClr>
+        <a:buSzPct val="85000"/>
+        <a:buFont typeface="Wingdings" pitchFamily="2" charset="2"/>
+        <a:buChar char="§"/>
+        <a:defRPr sz="2000" kern="1200">
           <a:solidFill>
             <a:schemeClr val="tx1"/>
           </a:solidFill>
@@ -3499,16 +4807,25 @@
           <a:cs typeface="+mn-cs"/>
         </a:defRPr>
       </a:lvl1pPr>
-      <a:lvl2pPr marL="685800" indent="-228600" algn="l" defTabSz="914400" rtl="0" eaLnBrk="1" latinLnBrk="0" hangingPunct="1">
+      <a:lvl2pPr marL="457200" indent="-182880" algn="l" defTabSz="914400" rtl="0" eaLnBrk="1" latinLnBrk="0" hangingPunct="1">
         <a:lnSpc>
           <a:spcPct val="90000"/>
         </a:lnSpc>
         <a:spcBef>
-          <a:spcPts val="500"/>
+          <a:spcPts val="400"/>
         </a:spcBef>
-        <a:buFont typeface="Arial" panose="020B0604020202020204" pitchFamily="34" charset="0"/>
-        <a:buChar char="•"/>
-        <a:defRPr sz="2400" kern="1200">
+        <a:spcAft>
+          <a:spcPts val="200"/>
+        </a:spcAft>
+        <a:buClr>
+          <a:schemeClr val="accent1">
+            <a:lumMod val="75000"/>
+          </a:schemeClr>
+        </a:buClr>
+        <a:buSzPct val="85000"/>
+        <a:buFont typeface="Wingdings" pitchFamily="2" charset="2"/>
+        <a:buChar char="§"/>
+        <a:defRPr sz="1800" kern="1200">
           <a:solidFill>
             <a:schemeClr val="tx1"/>
           </a:solidFill>
@@ -3517,16 +4834,25 @@
           <a:cs typeface="+mn-cs"/>
         </a:defRPr>
       </a:lvl2pPr>
-      <a:lvl3pPr marL="1143000" indent="-228600" algn="l" defTabSz="914400" rtl="0" eaLnBrk="1" latinLnBrk="0" hangingPunct="1">
+      <a:lvl3pPr marL="731520" indent="-182880" algn="l" defTabSz="914400" rtl="0" eaLnBrk="1" latinLnBrk="0" hangingPunct="1">
         <a:lnSpc>
           <a:spcPct val="90000"/>
         </a:lnSpc>
         <a:spcBef>
-          <a:spcPts val="500"/>
+          <a:spcPts val="400"/>
         </a:spcBef>
-        <a:buFont typeface="Arial" panose="020B0604020202020204" pitchFamily="34" charset="0"/>
-        <a:buChar char="•"/>
-        <a:defRPr sz="2000" kern="1200">
+        <a:spcAft>
+          <a:spcPts val="200"/>
+        </a:spcAft>
+        <a:buClr>
+          <a:schemeClr val="accent1">
+            <a:lumMod val="75000"/>
+          </a:schemeClr>
+        </a:buClr>
+        <a:buSzPct val="85000"/>
+        <a:buFont typeface="Wingdings" pitchFamily="2" charset="2"/>
+        <a:buChar char="§"/>
+        <a:defRPr sz="1600" kern="1200">
           <a:solidFill>
             <a:schemeClr val="tx1"/>
           </a:solidFill>
@@ -3535,16 +4861,25 @@
           <a:cs typeface="+mn-cs"/>
         </a:defRPr>
       </a:lvl3pPr>
-      <a:lvl4pPr marL="1600200" indent="-228600" algn="l" defTabSz="914400" rtl="0" eaLnBrk="1" latinLnBrk="0" hangingPunct="1">
+      <a:lvl4pPr marL="1005840" indent="-182880" algn="l" defTabSz="914400" rtl="0" eaLnBrk="1" latinLnBrk="0" hangingPunct="1">
         <a:lnSpc>
           <a:spcPct val="90000"/>
         </a:lnSpc>
         <a:spcBef>
-          <a:spcPts val="500"/>
+          <a:spcPts val="400"/>
         </a:spcBef>
-        <a:buFont typeface="Arial" panose="020B0604020202020204" pitchFamily="34" charset="0"/>
-        <a:buChar char="•"/>
-        <a:defRPr sz="1800" kern="1200">
+        <a:spcAft>
+          <a:spcPts val="200"/>
+        </a:spcAft>
+        <a:buClr>
+          <a:schemeClr val="accent1">
+            <a:lumMod val="75000"/>
+          </a:schemeClr>
+        </a:buClr>
+        <a:buSzPct val="85000"/>
+        <a:buFont typeface="Wingdings" pitchFamily="2" charset="2"/>
+        <a:buChar char="§"/>
+        <a:defRPr sz="1600" kern="1200">
           <a:solidFill>
             <a:schemeClr val="tx1"/>
           </a:solidFill>
@@ -3553,16 +4888,25 @@
           <a:cs typeface="+mn-cs"/>
         </a:defRPr>
       </a:lvl4pPr>
-      <a:lvl5pPr marL="2057400" indent="-228600" algn="l" defTabSz="914400" rtl="0" eaLnBrk="1" latinLnBrk="0" hangingPunct="1">
+      <a:lvl5pPr marL="1280160" indent="-182880" algn="l" defTabSz="914400" rtl="0" eaLnBrk="1" latinLnBrk="0" hangingPunct="1">
         <a:lnSpc>
           <a:spcPct val="90000"/>
         </a:lnSpc>
         <a:spcBef>
-          <a:spcPts val="500"/>
+          <a:spcPts val="400"/>
         </a:spcBef>
-        <a:buFont typeface="Arial" panose="020B0604020202020204" pitchFamily="34" charset="0"/>
-        <a:buChar char="•"/>
-        <a:defRPr sz="1800" kern="1200">
+        <a:spcAft>
+          <a:spcPts val="200"/>
+        </a:spcAft>
+        <a:buClr>
+          <a:schemeClr val="accent1">
+            <a:lumMod val="75000"/>
+          </a:schemeClr>
+        </a:buClr>
+        <a:buSzPct val="85000"/>
+        <a:buFont typeface="Wingdings" pitchFamily="2" charset="2"/>
+        <a:buChar char="§"/>
+        <a:defRPr sz="1600" kern="1200">
           <a:solidFill>
             <a:schemeClr val="tx1"/>
           </a:solidFill>
@@ -3571,16 +4915,25 @@
           <a:cs typeface="+mn-cs"/>
         </a:defRPr>
       </a:lvl5pPr>
-      <a:lvl6pPr marL="2514600" indent="-228600" algn="l" defTabSz="914400" rtl="0" eaLnBrk="1" latinLnBrk="0" hangingPunct="1">
+      <a:lvl6pPr marL="1600000" indent="-228600" algn="l" defTabSz="914400" rtl="0" eaLnBrk="1" latinLnBrk="0" hangingPunct="1">
         <a:lnSpc>
           <a:spcPct val="90000"/>
         </a:lnSpc>
         <a:spcBef>
-          <a:spcPts val="500"/>
+          <a:spcPts val="400"/>
         </a:spcBef>
-        <a:buFont typeface="Arial" panose="020B0604020202020204" pitchFamily="34" charset="0"/>
-        <a:buChar char="•"/>
-        <a:defRPr sz="1800" kern="1200">
+        <a:spcAft>
+          <a:spcPts val="200"/>
+        </a:spcAft>
+        <a:buClr>
+          <a:schemeClr val="accent1">
+            <a:lumMod val="75000"/>
+          </a:schemeClr>
+        </a:buClr>
+        <a:buSzPct val="85000"/>
+        <a:buFont typeface="Wingdings" pitchFamily="2" charset="2"/>
+        <a:buChar char="§"/>
+        <a:defRPr sz="1600" kern="1200">
           <a:solidFill>
             <a:schemeClr val="tx1"/>
           </a:solidFill>
@@ -3589,16 +4942,25 @@
           <a:cs typeface="+mn-cs"/>
         </a:defRPr>
       </a:lvl6pPr>
-      <a:lvl7pPr marL="2971800" indent="-228600" algn="l" defTabSz="914400" rtl="0" eaLnBrk="1" latinLnBrk="0" hangingPunct="1">
+      <a:lvl7pPr marL="1900000" indent="-228600" algn="l" defTabSz="914400" rtl="0" eaLnBrk="1" latinLnBrk="0" hangingPunct="1">
         <a:lnSpc>
           <a:spcPct val="90000"/>
         </a:lnSpc>
         <a:spcBef>
-          <a:spcPts val="500"/>
+          <a:spcPts val="400"/>
         </a:spcBef>
-        <a:buFont typeface="Arial" panose="020B0604020202020204" pitchFamily="34" charset="0"/>
-        <a:buChar char="•"/>
-        <a:defRPr sz="1800" kern="1200">
+        <a:spcAft>
+          <a:spcPts val="200"/>
+        </a:spcAft>
+        <a:buClr>
+          <a:schemeClr val="accent1">
+            <a:lumMod val="75000"/>
+          </a:schemeClr>
+        </a:buClr>
+        <a:buSzPct val="85000"/>
+        <a:buFont typeface="Wingdings" pitchFamily="2" charset="2"/>
+        <a:buChar char="§"/>
+        <a:defRPr sz="1600" kern="1200">
           <a:solidFill>
             <a:schemeClr val="tx1"/>
           </a:solidFill>
@@ -3607,16 +4969,25 @@
           <a:cs typeface="+mn-cs"/>
         </a:defRPr>
       </a:lvl7pPr>
-      <a:lvl8pPr marL="3429000" indent="-228600" algn="l" defTabSz="914400" rtl="0" eaLnBrk="1" latinLnBrk="0" hangingPunct="1">
+      <a:lvl8pPr marL="2200000" indent="-228600" algn="l" defTabSz="914400" rtl="0" eaLnBrk="1" latinLnBrk="0" hangingPunct="1">
         <a:lnSpc>
           <a:spcPct val="90000"/>
         </a:lnSpc>
         <a:spcBef>
-          <a:spcPts val="500"/>
+          <a:spcPts val="400"/>
         </a:spcBef>
-        <a:buFont typeface="Arial" panose="020B0604020202020204" pitchFamily="34" charset="0"/>
-        <a:buChar char="•"/>
-        <a:defRPr sz="1800" kern="1200">
+        <a:spcAft>
+          <a:spcPts val="200"/>
+        </a:spcAft>
+        <a:buClr>
+          <a:schemeClr val="accent1">
+            <a:lumMod val="75000"/>
+          </a:schemeClr>
+        </a:buClr>
+        <a:buSzPct val="85000"/>
+        <a:buFont typeface="Wingdings" pitchFamily="2" charset="2"/>
+        <a:buChar char="§"/>
+        <a:defRPr sz="1600" kern="1200">
           <a:solidFill>
             <a:schemeClr val="tx1"/>
           </a:solidFill>
@@ -3625,16 +4996,25 @@
           <a:cs typeface="+mn-cs"/>
         </a:defRPr>
       </a:lvl8pPr>
-      <a:lvl9pPr marL="3886200" indent="-228600" algn="l" defTabSz="914400" rtl="0" eaLnBrk="1" latinLnBrk="0" hangingPunct="1">
+      <a:lvl9pPr marL="2500000" indent="-228600" algn="l" defTabSz="914400" rtl="0" eaLnBrk="1" latinLnBrk="0" hangingPunct="1">
         <a:lnSpc>
           <a:spcPct val="90000"/>
         </a:lnSpc>
         <a:spcBef>
-          <a:spcPts val="500"/>
+          <a:spcPts val="400"/>
         </a:spcBef>
-        <a:buFont typeface="Arial" panose="020B0604020202020204" pitchFamily="34" charset="0"/>
-        <a:buChar char="•"/>
-        <a:defRPr sz="1800" kern="1200">
+        <a:spcAft>
+          <a:spcPts val="200"/>
+        </a:spcAft>
+        <a:buClr>
+          <a:schemeClr val="accent1">
+            <a:lumMod val="75000"/>
+          </a:schemeClr>
+        </a:buClr>
+        <a:buSzPct val="85000"/>
+        <a:buFont typeface="Wingdings" pitchFamily="2" charset="2"/>
+        <a:buChar char="§"/>
+        <a:defRPr sz="1600" kern="1200">
           <a:solidFill>
             <a:schemeClr val="tx1"/>
           </a:solidFill>
@@ -3740,12 +5120,25 @@
       </a:lvl9pPr>
     </p:otherStyle>
   </p:txStyles>
+  <p:extLst>
+    <p:ext uri="{27BBF7A9-308A-43DC-89C8-2F10F3537804}">
+      <p15:sldGuideLst xmlns:p15="http://schemas.microsoft.com/office/powerpoint/2012/main"/>
+    </p:ext>
+  </p:extLst>
 </p:sldMaster>
 </file>
 
 <file path=ppt/slides/slide1.xml><?xml version="1.0" encoding="utf-8"?>
 <p:sld xmlns:a="http://schemas.openxmlformats.org/drawingml/2006/main" xmlns:r="http://schemas.openxmlformats.org/officeDocument/2006/relationships" xmlns:p="http://schemas.openxmlformats.org/presentationml/2006/main">
   <p:cSld>
+    <p:bg>
+      <p:bgPr>
+        <a:solidFill>
+          <a:schemeClr val="bg1"/>
+        </a:solidFill>
+        <a:effectLst/>
+      </p:bgPr>
+    </p:bg>
     <p:spTree>
       <p:nvGrpSpPr>
         <p:cNvPr id="1" name=""/>
@@ -3760,6 +5153,165 @@
           <a:chExt cx="0" cy="0"/>
         </a:xfrm>
       </p:grpSpPr>
+      <p:sp useBgFill="1">
+        <p:nvSpPr>
+          <p:cNvPr id="8" name="Rectangle 7">
+            <a:extLst>
+              <a:ext uri="{FF2B5EF4-FFF2-40B4-BE49-F238E27FC236}">
+                <a16:creationId xmlns:a16="http://schemas.microsoft.com/office/drawing/2014/main" id="{E8035907-EB9C-4E11-8A9B-D25B0AD8D749}"/>
+              </a:ext>
+              <a:ext uri="{C183D7F6-B498-43B3-948B-1728B52AA6E4}">
+                <adec:decorative xmlns:adec="http://schemas.microsoft.com/office/drawing/2017/decorative" val="1"/>
+              </a:ext>
+            </a:extLst>
+          </p:cNvPr>
+          <p:cNvSpPr>
+            <a:spLocks noGrp="1" noRot="1" noChangeAspect="1" noMove="1" noResize="1" noEditPoints="1" noAdjustHandles="1" noChangeArrowheads="1" noChangeShapeType="1" noTextEdit="1"/>
+          </p:cNvSpPr>
+          <p:nvPr>
+            <p:extLst>
+              <p:ext uri="{386F3935-93C4-4BCD-93E2-E3B085C9AB24}">
+                <p16:designElem xmlns:p16="http://schemas.microsoft.com/office/powerpoint/2015/main" val="1"/>
+              </p:ext>
+            </p:extLst>
+          </p:nvPr>
+        </p:nvSpPr>
+        <p:spPr bwMode="white">
+          <a:xfrm>
+            <a:off x="0" y="0"/>
+            <a:ext cx="12188952" cy="6858001"/>
+          </a:xfrm>
+          <a:prstGeom prst="rect">
+            <a:avLst/>
+          </a:prstGeom>
+          <a:ln>
+            <a:noFill/>
+          </a:ln>
+        </p:spPr>
+        <p:style>
+          <a:lnRef idx="2">
+            <a:schemeClr val="accent1">
+              <a:shade val="50000"/>
+            </a:schemeClr>
+          </a:lnRef>
+          <a:fillRef idx="1">
+            <a:schemeClr val="accent1"/>
+          </a:fillRef>
+          <a:effectRef idx="0">
+            <a:schemeClr val="accent1"/>
+          </a:effectRef>
+          <a:fontRef idx="minor">
+            <a:schemeClr val="lt1"/>
+          </a:fontRef>
+        </p:style>
+        <p:txBody>
+          <a:bodyPr rot="0" spcFirstLastPara="0" vert="horz" wrap="square" lIns="91440" tIns="45720" rIns="91440" bIns="45720" numCol="1" spcCol="0" rtlCol="0" fromWordArt="0" anchor="ctr" anchorCtr="0" forceAA="0" compatLnSpc="1">
+            <a:prstTxWarp prst="textNoShape">
+              <a:avLst/>
+            </a:prstTxWarp>
+            <a:noAutofit/>
+          </a:bodyPr>
+          <a:lstStyle>
+            <a:defPPr>
+              <a:defRPr lang="en-US"/>
+            </a:defPPr>
+            <a:lvl1pPr marL="0" algn="l" defTabSz="914400" rtl="0" eaLnBrk="1" latinLnBrk="0" hangingPunct="1">
+              <a:defRPr sz="1800" kern="1200">
+                <a:solidFill>
+                  <a:schemeClr val="lt1"/>
+                </a:solidFill>
+                <a:latin typeface="+mn-lt"/>
+                <a:ea typeface="+mn-ea"/>
+                <a:cs typeface="+mn-cs"/>
+              </a:defRPr>
+            </a:lvl1pPr>
+            <a:lvl2pPr marL="457200" algn="l" defTabSz="914400" rtl="0" eaLnBrk="1" latinLnBrk="0" hangingPunct="1">
+              <a:defRPr sz="1800" kern="1200">
+                <a:solidFill>
+                  <a:schemeClr val="lt1"/>
+                </a:solidFill>
+                <a:latin typeface="+mn-lt"/>
+                <a:ea typeface="+mn-ea"/>
+                <a:cs typeface="+mn-cs"/>
+              </a:defRPr>
+            </a:lvl2pPr>
+            <a:lvl3pPr marL="914400" algn="l" defTabSz="914400" rtl="0" eaLnBrk="1" latinLnBrk="0" hangingPunct="1">
+              <a:defRPr sz="1800" kern="1200">
+                <a:solidFill>
+                  <a:schemeClr val="lt1"/>
+                </a:solidFill>
+                <a:latin typeface="+mn-lt"/>
+                <a:ea typeface="+mn-ea"/>
+                <a:cs typeface="+mn-cs"/>
+              </a:defRPr>
+            </a:lvl3pPr>
+            <a:lvl4pPr marL="1371600" algn="l" defTabSz="914400" rtl="0" eaLnBrk="1" latinLnBrk="0" hangingPunct="1">
+              <a:defRPr sz="1800" kern="1200">
+                <a:solidFill>
+                  <a:schemeClr val="lt1"/>
+                </a:solidFill>
+                <a:latin typeface="+mn-lt"/>
+                <a:ea typeface="+mn-ea"/>
+                <a:cs typeface="+mn-cs"/>
+              </a:defRPr>
+            </a:lvl4pPr>
+            <a:lvl5pPr marL="1828800" algn="l" defTabSz="914400" rtl="0" eaLnBrk="1" latinLnBrk="0" hangingPunct="1">
+              <a:defRPr sz="1800" kern="1200">
+                <a:solidFill>
+                  <a:schemeClr val="lt1"/>
+                </a:solidFill>
+                <a:latin typeface="+mn-lt"/>
+                <a:ea typeface="+mn-ea"/>
+                <a:cs typeface="+mn-cs"/>
+              </a:defRPr>
+            </a:lvl5pPr>
+            <a:lvl6pPr marL="2286000" algn="l" defTabSz="914400" rtl="0" eaLnBrk="1" latinLnBrk="0" hangingPunct="1">
+              <a:defRPr sz="1800" kern="1200">
+                <a:solidFill>
+                  <a:schemeClr val="lt1"/>
+                </a:solidFill>
+                <a:latin typeface="+mn-lt"/>
+                <a:ea typeface="+mn-ea"/>
+                <a:cs typeface="+mn-cs"/>
+              </a:defRPr>
+            </a:lvl6pPr>
+            <a:lvl7pPr marL="2743200" algn="l" defTabSz="914400" rtl="0" eaLnBrk="1" latinLnBrk="0" hangingPunct="1">
+              <a:defRPr sz="1800" kern="1200">
+                <a:solidFill>
+                  <a:schemeClr val="lt1"/>
+                </a:solidFill>
+                <a:latin typeface="+mn-lt"/>
+                <a:ea typeface="+mn-ea"/>
+                <a:cs typeface="+mn-cs"/>
+              </a:defRPr>
+            </a:lvl7pPr>
+            <a:lvl8pPr marL="3200400" algn="l" defTabSz="914400" rtl="0" eaLnBrk="1" latinLnBrk="0" hangingPunct="1">
+              <a:defRPr sz="1800" kern="1200">
+                <a:solidFill>
+                  <a:schemeClr val="lt1"/>
+                </a:solidFill>
+                <a:latin typeface="+mn-lt"/>
+                <a:ea typeface="+mn-ea"/>
+                <a:cs typeface="+mn-cs"/>
+              </a:defRPr>
+            </a:lvl8pPr>
+            <a:lvl9pPr marL="3657600" algn="l" defTabSz="914400" rtl="0" eaLnBrk="1" latinLnBrk="0" hangingPunct="1">
+              <a:defRPr sz="1800" kern="1200">
+                <a:solidFill>
+                  <a:schemeClr val="lt1"/>
+                </a:solidFill>
+                <a:latin typeface="+mn-lt"/>
+                <a:ea typeface="+mn-ea"/>
+                <a:cs typeface="+mn-cs"/>
+              </a:defRPr>
+            </a:lvl9pPr>
+          </a:lstStyle>
+          <a:p>
+            <a:pPr algn="ctr"/>
+            <a:endParaRPr lang="en-US"/>
+          </a:p>
+        </p:txBody>
+      </p:sp>
       <p:sp>
         <p:nvSpPr>
           <p:cNvPr id="2" name="Title 1">
@@ -3776,18 +5328,308 @@
             <p:ph type="ctrTitle"/>
           </p:nvPr>
         </p:nvSpPr>
-        <p:spPr/>
-        <p:txBody>
-          <a:bodyPr/>
+        <p:spPr>
+          <a:xfrm>
+            <a:off x="643467" y="643467"/>
+            <a:ext cx="6516241" cy="5571066"/>
+          </a:xfrm>
+        </p:spPr>
+        <p:txBody>
+          <a:bodyPr>
+            <a:normAutofit/>
+          </a:bodyPr>
           <a:lstStyle/>
           <a:p>
-            <a:r>
-              <a:rPr lang="en-US" dirty="0"/>
+            <a:pPr algn="r"/>
+            <a:r>
+              <a:rPr lang="en-US" sz="8800"/>
               <a:t>Murder Mystery</a:t>
             </a:r>
           </a:p>
         </p:txBody>
       </p:sp>
+      <p:sp>
+        <p:nvSpPr>
+          <p:cNvPr id="10" name="Rectangle 9">
+            <a:extLst>
+              <a:ext uri="{FF2B5EF4-FFF2-40B4-BE49-F238E27FC236}">
+                <a16:creationId xmlns:a16="http://schemas.microsoft.com/office/drawing/2014/main" id="{D9C69FA7-0958-4ED9-A0DF-E87A0C137BF5}"/>
+              </a:ext>
+              <a:ext uri="{C183D7F6-B498-43B3-948B-1728B52AA6E4}">
+                <adec:decorative xmlns:adec="http://schemas.microsoft.com/office/drawing/2017/decorative" val="1"/>
+              </a:ext>
+            </a:extLst>
+          </p:cNvPr>
+          <p:cNvSpPr>
+            <a:spLocks noGrp="1" noRot="1" noChangeAspect="1" noMove="1" noResize="1" noEditPoints="1" noAdjustHandles="1" noChangeArrowheads="1" noChangeShapeType="1" noTextEdit="1"/>
+          </p:cNvSpPr>
+          <p:nvPr>
+            <p:extLst>
+              <p:ext uri="{386F3935-93C4-4BCD-93E2-E3B085C9AB24}">
+                <p16:designElem xmlns:p16="http://schemas.microsoft.com/office/powerpoint/2015/main" val="1"/>
+              </p:ext>
+            </p:extLst>
+          </p:nvPr>
+        </p:nvSpPr>
+        <p:spPr>
+          <a:xfrm rot="5400000">
+            <a:off x="5702709" y="3388657"/>
+            <a:ext cx="3657600" cy="80683"/>
+          </a:xfrm>
+          <a:prstGeom prst="rect">
+            <a:avLst/>
+          </a:prstGeom>
+          <a:blipFill dpi="0" rotWithShape="1">
+            <a:blip r:embed="rId2">
+              <a:alphaModFix amt="85000"/>
+              <a:lum bright="70000" contrast="-70000"/>
+              <a:extLst>
+                <a:ext uri="{BEBA8EAE-BF5A-486C-A8C5-ECC9F3942E4B}">
+                  <a14:imgProps xmlns:a14="http://schemas.microsoft.com/office/drawing/2010/main">
+                    <a14:imgLayer r:embed="rId3">
+                      <a14:imgEffect>
+                        <a14:sharpenSoften amount="61000"/>
+                      </a14:imgEffect>
+                    </a14:imgLayer>
+                  </a14:imgProps>
+                </a:ext>
+                <a:ext uri="{28A0092B-C50C-407E-A947-70E740481C1C}">
+                  <a14:useLocalDpi xmlns:a14="http://schemas.microsoft.com/office/drawing/2010/main" val="0"/>
+                </a:ext>
+              </a:extLst>
+            </a:blip>
+            <a:srcRect/>
+            <a:tile tx="0" ty="-717550" sx="92000" sy="89000" flip="xy" algn="ctr"/>
+          </a:blipFill>
+          <a:ln>
+            <a:noFill/>
+          </a:ln>
+        </p:spPr>
+        <p:style>
+          <a:lnRef idx="2">
+            <a:schemeClr val="accent1">
+              <a:shade val="50000"/>
+            </a:schemeClr>
+          </a:lnRef>
+          <a:fillRef idx="1">
+            <a:schemeClr val="accent1"/>
+          </a:fillRef>
+          <a:effectRef idx="0">
+            <a:schemeClr val="accent1"/>
+          </a:effectRef>
+          <a:fontRef idx="minor">
+            <a:schemeClr val="lt1"/>
+          </a:fontRef>
+        </p:style>
+      </p:sp>
+      <p:grpSp>
+        <p:nvGrpSpPr>
+          <p:cNvPr id="12" name="Group 11">
+            <a:extLst>
+              <a:ext uri="{FF2B5EF4-FFF2-40B4-BE49-F238E27FC236}">
+                <a16:creationId xmlns:a16="http://schemas.microsoft.com/office/drawing/2014/main" id="{FDB0A998-A5C6-45CB-ACF3-1CF6399202AB}"/>
+              </a:ext>
+              <a:ext uri="{C183D7F6-B498-43B3-948B-1728B52AA6E4}">
+                <adec:decorative xmlns:adec="http://schemas.microsoft.com/office/drawing/2017/decorative" val="1"/>
+              </a:ext>
+            </a:extLst>
+          </p:cNvPr>
+          <p:cNvGrpSpPr>
+            <a:grpSpLocks noGrp="1" noUngrp="1" noRot="1" noChangeAspect="1" noMove="1" noResize="1"/>
+          </p:cNvGrpSpPr>
+          <p:nvPr>
+            <p:extLst>
+              <p:ext uri="{386F3935-93C4-4BCD-93E2-E3B085C9AB24}">
+                <p16:designElem xmlns:p16="http://schemas.microsoft.com/office/powerpoint/2015/main" val="1"/>
+              </p:ext>
+            </p:extLst>
+          </p:nvPr>
+        </p:nvGrpSpPr>
+        <p:grpSpPr>
+          <a:xfrm>
+            <a:off x="7933595" y="1903304"/>
+            <a:ext cx="3051394" cy="3051388"/>
+            <a:chOff x="7933595" y="1903304"/>
+            <a:chExt cx="3051394" cy="3051388"/>
+          </a:xfrm>
+        </p:grpSpPr>
+        <p:sp>
+          <p:nvSpPr>
+            <p:cNvPr id="13" name="Oval 12">
+              <a:extLst>
+                <a:ext uri="{FF2B5EF4-FFF2-40B4-BE49-F238E27FC236}">
+                  <a16:creationId xmlns:a16="http://schemas.microsoft.com/office/drawing/2014/main" id="{4AB5B6FA-7B4F-437A-9C78-144C7DCD1EC6}"/>
+                </a:ext>
+                <a:ext uri="{C183D7F6-B498-43B3-948B-1728B52AA6E4}">
+                  <adec:decorative xmlns:adec="http://schemas.microsoft.com/office/drawing/2017/decorative" val="1"/>
+                </a:ext>
+              </a:extLst>
+            </p:cNvPr>
+            <p:cNvSpPr/>
+            <p:nvPr>
+              <p:extLst>
+                <p:ext uri="{386F3935-93C4-4BCD-93E2-E3B085C9AB24}">
+                  <p16:designElem xmlns:p16="http://schemas.microsoft.com/office/powerpoint/2015/main" val="1"/>
+                </p:ext>
+              </p:extLst>
+            </p:nvPr>
+          </p:nvSpPr>
+          <p:spPr>
+            <a:xfrm>
+              <a:off x="7933595" y="1903304"/>
+              <a:ext cx="3051394" cy="3051388"/>
+            </a:xfrm>
+            <a:prstGeom prst="ellipse">
+              <a:avLst/>
+            </a:prstGeom>
+            <a:blipFill dpi="0" rotWithShape="1">
+              <a:blip r:embed="rId4">
+                <a:duotone>
+                  <a:schemeClr val="accent1">
+                    <a:shade val="45000"/>
+                    <a:satMod val="135000"/>
+                  </a:schemeClr>
+                  <a:prstClr val="white"/>
+                </a:duotone>
+                <a:extLst>
+                  <a:ext uri="{BEBA8EAE-BF5A-486C-A8C5-ECC9F3942E4B}">
+                    <a14:imgProps xmlns:a14="http://schemas.microsoft.com/office/drawing/2010/main">
+                      <a14:imgLayer r:embed="rId5">
+                        <a14:imgEffect>
+                          <a14:saturation sat="400000"/>
+                        </a14:imgEffect>
+                        <a14:imgEffect>
+                          <a14:brightnessContrast bright="-40000" contrast="40000"/>
+                        </a14:imgEffect>
+                      </a14:imgLayer>
+                    </a14:imgProps>
+                  </a:ext>
+                </a:extLst>
+              </a:blip>
+              <a:srcRect/>
+              <a:tile tx="0" ty="0" sx="85000" sy="85000" flip="none" algn="tl"/>
+            </a:blipFill>
+            <a:ln w="25400" cap="flat" cmpd="sng" algn="ctr">
+              <a:noFill/>
+              <a:prstDash val="solid"/>
+            </a:ln>
+            <a:effectLst/>
+          </p:spPr>
+          <p:txBody>
+            <a:bodyPr lIns="0" tIns="0" rIns="0" bIns="0" rtlCol="0" anchor="ctr"/>
+            <a:lstStyle/>
+            <a:p>
+              <a:pPr marL="0" marR="0" lvl="0" indent="0" algn="ctr" defTabSz="914400" eaLnBrk="1" fontAlgn="auto" latinLnBrk="0" hangingPunct="1">
+                <a:lnSpc>
+                  <a:spcPct val="100000"/>
+                </a:lnSpc>
+                <a:spcBef>
+                  <a:spcPts val="0"/>
+                </a:spcBef>
+                <a:spcAft>
+                  <a:spcPts val="0"/>
+                </a:spcAft>
+                <a:buClrTx/>
+                <a:buSzTx/>
+                <a:buFontTx/>
+                <a:buNone/>
+                <a:tabLst/>
+                <a:defRPr/>
+              </a:pPr>
+              <a:endParaRPr kumimoji="0" lang="en-US" sz="2000" b="0" i="0" u="none" strike="noStrike" kern="0" cap="none" spc="0" normalizeH="0" baseline="0" noProof="0" dirty="0">
+                <a:ln>
+                  <a:noFill/>
+                </a:ln>
+                <a:solidFill>
+                  <a:prstClr val="white"/>
+                </a:solidFill>
+                <a:effectLst/>
+                <a:uLnTx/>
+                <a:uFillTx/>
+                <a:latin typeface="Rockwell Extra Bold" pitchFamily="18" charset="0"/>
+                <a:ea typeface="+mn-ea"/>
+                <a:cs typeface="+mn-cs"/>
+              </a:endParaRPr>
+            </a:p>
+          </p:txBody>
+        </p:sp>
+        <p:sp>
+          <p:nvSpPr>
+            <p:cNvPr id="14" name="Oval 13">
+              <a:extLst>
+                <a:ext uri="{FF2B5EF4-FFF2-40B4-BE49-F238E27FC236}">
+                  <a16:creationId xmlns:a16="http://schemas.microsoft.com/office/drawing/2014/main" id="{A4199C21-6AE0-4F6F-AA96-6FFF97BB95EB}"/>
+                </a:ext>
+                <a:ext uri="{C183D7F6-B498-43B3-948B-1728B52AA6E4}">
+                  <adec:decorative xmlns:adec="http://schemas.microsoft.com/office/drawing/2017/decorative" val="1"/>
+                </a:ext>
+              </a:extLst>
+            </p:cNvPr>
+            <p:cNvSpPr/>
+            <p:nvPr>
+              <p:extLst>
+                <p:ext uri="{386F3935-93C4-4BCD-93E2-E3B085C9AB24}">
+                  <p16:designElem xmlns:p16="http://schemas.microsoft.com/office/powerpoint/2015/main" val="1"/>
+                </p:ext>
+              </p:extLst>
+            </p:nvPr>
+          </p:nvSpPr>
+          <p:spPr>
+            <a:xfrm>
+              <a:off x="8095024" y="2064730"/>
+              <a:ext cx="2728540" cy="2728536"/>
+            </a:xfrm>
+            <a:prstGeom prst="ellipse">
+              <a:avLst/>
+            </a:prstGeom>
+            <a:noFill/>
+            <a:ln w="25400" cap="flat" cmpd="sng" algn="ctr">
+              <a:solidFill>
+                <a:sysClr val="window" lastClr="FFFFFF"/>
+              </a:solidFill>
+              <a:prstDash val="solid"/>
+            </a:ln>
+            <a:effectLst/>
+          </p:spPr>
+          <p:txBody>
+            <a:bodyPr rtlCol="0" anchor="ctr"/>
+            <a:lstStyle/>
+            <a:p>
+              <a:pPr marL="0" marR="0" lvl="0" indent="0" algn="ctr" defTabSz="914400" eaLnBrk="1" fontAlgn="auto" latinLnBrk="0" hangingPunct="1">
+                <a:lnSpc>
+                  <a:spcPct val="100000"/>
+                </a:lnSpc>
+                <a:spcBef>
+                  <a:spcPts val="0"/>
+                </a:spcBef>
+                <a:spcAft>
+                  <a:spcPts val="0"/>
+                </a:spcAft>
+                <a:buClrTx/>
+                <a:buSzTx/>
+                <a:buFontTx/>
+                <a:buNone/>
+                <a:tabLst/>
+                <a:defRPr/>
+              </a:pPr>
+              <a:endParaRPr kumimoji="0" lang="en-US" sz="1800" b="0" i="0" u="none" strike="noStrike" kern="0" cap="none" spc="0" normalizeH="0" baseline="0" noProof="0" dirty="0">
+                <a:ln>
+                  <a:noFill/>
+                </a:ln>
+                <a:solidFill>
+                  <a:prstClr val="white"/>
+                </a:solidFill>
+                <a:effectLst/>
+                <a:uLnTx/>
+                <a:uFillTx/>
+                <a:latin typeface="Calibri"/>
+                <a:ea typeface="+mn-ea"/>
+                <a:cs typeface="+mn-cs"/>
+              </a:endParaRPr>
+            </a:p>
+          </p:txBody>
+        </p:sp>
+      </p:grpSp>
       <p:sp>
         <p:nvSpPr>
           <p:cNvPr id="3" name="Subtitle 2">
@@ -3804,13 +5646,25 @@
             <p:ph type="subTitle" idx="1"/>
           </p:nvPr>
         </p:nvSpPr>
-        <p:spPr/>
-        <p:txBody>
-          <a:bodyPr/>
+        <p:spPr>
+          <a:xfrm>
+            <a:off x="8095025" y="2064730"/>
+            <a:ext cx="2728540" cy="2728536"/>
+          </a:xfrm>
+        </p:spPr>
+        <p:txBody>
+          <a:bodyPr anchor="ctr">
+            <a:normAutofit/>
+          </a:bodyPr>
           <a:lstStyle/>
           <a:p>
-            <a:r>
-              <a:rPr lang="en-US" dirty="0"/>
+            <a:pPr algn="ctr"/>
+            <a:r>
+              <a:rPr lang="en-US" dirty="0">
+                <a:solidFill>
+                  <a:srgbClr val="FFFFFF"/>
+                </a:solidFill>
+              </a:rPr>
               <a:t>Trailer Park Version</a:t>
             </a:r>
           </a:p>
@@ -3864,12 +5718,14 @@
         </p:nvSpPr>
         <p:spPr/>
         <p:txBody>
-          <a:bodyPr/>
+          <a:bodyPr>
+            <a:normAutofit/>
+          </a:bodyPr>
           <a:lstStyle/>
           <a:p>
             <a:r>
               <a:rPr lang="en-US" dirty="0"/>
-              <a:t>Characters (need to choose new parallels)</a:t>
+              <a:t>Characters</a:t>
             </a:r>
           </a:p>
         </p:txBody>
@@ -3892,7 +5748,9 @@
         </p:nvSpPr>
         <p:spPr/>
         <p:txBody>
-          <a:bodyPr/>
+          <a:bodyPr>
+            <a:normAutofit/>
+          </a:bodyPr>
           <a:lstStyle/>
           <a:p>
             <a:r>
@@ -3908,7 +5766,7 @@
           <a:p>
             <a:r>
               <a:rPr lang="en-US" dirty="0"/>
-              <a:t>Juan Iron</a:t>
+              <a:t>** Juan Iron</a:t>
             </a:r>
           </a:p>
           <a:p>
@@ -3920,7 +5778,7 @@
           <a:p>
             <a:r>
               <a:rPr lang="en-US" dirty="0"/>
-              <a:t>Taylor </a:t>
+              <a:t>** Taylor </a:t>
             </a:r>
             <a:r>
               <a:rPr lang="en-US" dirty="0" err="1"/>
@@ -3959,7 +5817,7 @@
           <a:p>
             <a:r>
               <a:rPr lang="en-US" dirty="0"/>
-              <a:t>Victoria Sponge</a:t>
+              <a:t>** Victoria Sponge</a:t>
             </a:r>
           </a:p>
         </p:txBody>
@@ -3982,7 +5840,9 @@
         </p:nvSpPr>
         <p:spPr/>
         <p:txBody>
-          <a:bodyPr/>
+          <a:bodyPr>
+            <a:normAutofit/>
+          </a:bodyPr>
           <a:lstStyle/>
           <a:p>
             <a:r>
@@ -4010,7 +5870,7 @@
           <a:p>
             <a:r>
               <a:rPr lang="en-US" dirty="0"/>
-              <a:t>Sue </a:t>
+              <a:t>** Sue </a:t>
             </a:r>
             <a:r>
               <a:rPr lang="en-US" dirty="0" err="1"/>
@@ -4020,6 +5880,41 @@
           </a:p>
           <a:p>
             <a:endParaRPr lang="en-US" dirty="0"/>
+          </a:p>
+        </p:txBody>
+      </p:sp>
+      <p:sp>
+        <p:nvSpPr>
+          <p:cNvPr id="6" name="TextBox 5">
+            <a:extLst>
+              <a:ext uri="{FF2B5EF4-FFF2-40B4-BE49-F238E27FC236}">
+                <a16:creationId xmlns:a16="http://schemas.microsoft.com/office/drawing/2014/main" id="{ECD6CC27-9F6C-B273-4F64-201FE4936CA0}"/>
+              </a:ext>
+            </a:extLst>
+          </p:cNvPr>
+          <p:cNvSpPr txBox="1"/>
+          <p:nvPr/>
+        </p:nvSpPr>
+        <p:spPr>
+          <a:xfrm>
+            <a:off x="1094704" y="6336406"/>
+            <a:ext cx="2113271" cy="369332"/>
+          </a:xfrm>
+          <a:prstGeom prst="rect">
+            <a:avLst/>
+          </a:prstGeom>
+          <a:noFill/>
+        </p:spPr>
+        <p:txBody>
+          <a:bodyPr wrap="none" rtlCol="0">
+            <a:spAutoFit/>
+          </a:bodyPr>
+          <a:lstStyle/>
+          <a:p>
+            <a:r>
+              <a:rPr lang="en-US" dirty="0"/>
+              <a:t>** Needed to play</a:t>
+            </a:r>
           </a:p>
         </p:txBody>
       </p:sp>
@@ -4039,6 +5934,14 @@
 <file path=ppt/slides/slide3.xml><?xml version="1.0" encoding="utf-8"?>
 <p:sld xmlns:a="http://schemas.openxmlformats.org/drawingml/2006/main" xmlns:r="http://schemas.openxmlformats.org/officeDocument/2006/relationships" xmlns:p="http://schemas.openxmlformats.org/presentationml/2006/main">
   <p:cSld>
+    <p:bg>
+      <p:bgPr>
+        <a:solidFill>
+          <a:schemeClr val="bg1"/>
+        </a:solidFill>
+        <a:effectLst/>
+      </p:bgPr>
+    </p:bg>
     <p:spTree>
       <p:nvGrpSpPr>
         <p:cNvPr id="1" name=""/>
@@ -4053,12 +5956,294 @@
           <a:chExt cx="0" cy="0"/>
         </a:xfrm>
       </p:grpSpPr>
+      <p:sp useBgFill="1">
+        <p:nvSpPr>
+          <p:cNvPr id="8" name="Rectangle 7">
+            <a:extLst>
+              <a:ext uri="{FF2B5EF4-FFF2-40B4-BE49-F238E27FC236}">
+                <a16:creationId xmlns:a16="http://schemas.microsoft.com/office/drawing/2014/main" id="{E009DD9B-5EE2-4C0D-8B2B-351C8C102205}"/>
+              </a:ext>
+              <a:ext uri="{C183D7F6-B498-43B3-948B-1728B52AA6E4}">
+                <adec:decorative xmlns:adec="http://schemas.microsoft.com/office/drawing/2017/decorative" val="1"/>
+              </a:ext>
+            </a:extLst>
+          </p:cNvPr>
+          <p:cNvSpPr>
+            <a:spLocks noGrp="1" noRot="1" noChangeAspect="1" noMove="1" noResize="1" noEditPoints="1" noAdjustHandles="1" noChangeArrowheads="1" noChangeShapeType="1" noTextEdit="1"/>
+          </p:cNvSpPr>
+          <p:nvPr>
+            <p:extLst>
+              <p:ext uri="{386F3935-93C4-4BCD-93E2-E3B085C9AB24}">
+                <p16:designElem xmlns:p16="http://schemas.microsoft.com/office/powerpoint/2015/main" val="1"/>
+              </p:ext>
+            </p:extLst>
+          </p:nvPr>
+        </p:nvSpPr>
+        <p:spPr>
+          <a:xfrm>
+            <a:off x="0" y="0"/>
+            <a:ext cx="12192000" cy="6858000"/>
+          </a:xfrm>
+          <a:prstGeom prst="rect">
+            <a:avLst/>
+          </a:prstGeom>
+          <a:ln>
+            <a:noFill/>
+          </a:ln>
+        </p:spPr>
+        <p:style>
+          <a:lnRef idx="2">
+            <a:schemeClr val="accent1">
+              <a:shade val="50000"/>
+            </a:schemeClr>
+          </a:lnRef>
+          <a:fillRef idx="1">
+            <a:schemeClr val="accent1"/>
+          </a:fillRef>
+          <a:effectRef idx="0">
+            <a:schemeClr val="accent1"/>
+          </a:effectRef>
+          <a:fontRef idx="minor">
+            <a:schemeClr val="lt1"/>
+          </a:fontRef>
+        </p:style>
+        <p:txBody>
+          <a:bodyPr rtlCol="0" anchor="ctr"/>
+          <a:lstStyle/>
+          <a:p>
+            <a:pPr algn="ctr"/>
+            <a:endParaRPr lang="en-US"/>
+          </a:p>
+        </p:txBody>
+      </p:sp>
+      <p:sp>
+        <p:nvSpPr>
+          <p:cNvPr id="10" name="Rectangle 9">
+            <a:extLst>
+              <a:ext uri="{FF2B5EF4-FFF2-40B4-BE49-F238E27FC236}">
+                <a16:creationId xmlns:a16="http://schemas.microsoft.com/office/drawing/2014/main" id="{E720DB99-7745-4E75-9D96-AAB6D55C531E}"/>
+              </a:ext>
+              <a:ext uri="{C183D7F6-B498-43B3-948B-1728B52AA6E4}">
+                <adec:decorative xmlns:adec="http://schemas.microsoft.com/office/drawing/2017/decorative" val="1"/>
+              </a:ext>
+            </a:extLst>
+          </p:cNvPr>
+          <p:cNvSpPr>
+            <a:spLocks noGrp="1" noRot="1" noChangeAspect="1" noMove="1" noResize="1" noEditPoints="1" noAdjustHandles="1" noChangeArrowheads="1" noChangeShapeType="1" noTextEdit="1"/>
+          </p:cNvSpPr>
+          <p:nvPr>
+            <p:extLst>
+              <p:ext uri="{386F3935-93C4-4BCD-93E2-E3B085C9AB24}">
+                <p16:designElem xmlns:p16="http://schemas.microsoft.com/office/powerpoint/2015/main" val="1"/>
+              </p:ext>
+            </p:extLst>
+          </p:nvPr>
+        </p:nvSpPr>
+        <p:spPr>
+          <a:xfrm>
+            <a:off x="984504" y="464119"/>
+            <a:ext cx="10222992" cy="80683"/>
+          </a:xfrm>
+          <a:prstGeom prst="rect">
+            <a:avLst/>
+          </a:prstGeom>
+          <a:blipFill dpi="0" rotWithShape="1">
+            <a:blip r:embed="rId2">
+              <a:alphaModFix amt="85000"/>
+              <a:lum bright="70000" contrast="-70000"/>
+              <a:extLst>
+                <a:ext uri="{BEBA8EAE-BF5A-486C-A8C5-ECC9F3942E4B}">
+                  <a14:imgProps xmlns:a14="http://schemas.microsoft.com/office/drawing/2010/main">
+                    <a14:imgLayer r:embed="rId3">
+                      <a14:imgEffect>
+                        <a14:sharpenSoften amount="61000"/>
+                      </a14:imgEffect>
+                    </a14:imgLayer>
+                  </a14:imgProps>
+                </a:ext>
+                <a:ext uri="{28A0092B-C50C-407E-A947-70E740481C1C}">
+                  <a14:useLocalDpi xmlns:a14="http://schemas.microsoft.com/office/drawing/2010/main" val="0"/>
+                </a:ext>
+              </a:extLst>
+            </a:blip>
+            <a:srcRect/>
+            <a:tile tx="0" ty="-762000" sx="92000" sy="89000" flip="xy" algn="ctr"/>
+          </a:blipFill>
+          <a:ln>
+            <a:noFill/>
+          </a:ln>
+        </p:spPr>
+        <p:style>
+          <a:lnRef idx="2">
+            <a:schemeClr val="accent1">
+              <a:shade val="50000"/>
+            </a:schemeClr>
+          </a:lnRef>
+          <a:fillRef idx="1">
+            <a:schemeClr val="accent1"/>
+          </a:fillRef>
+          <a:effectRef idx="0">
+            <a:schemeClr val="accent1"/>
+          </a:effectRef>
+          <a:fontRef idx="minor">
+            <a:schemeClr val="lt1"/>
+          </a:fontRef>
+        </p:style>
+      </p:sp>
+      <p:sp>
+        <p:nvSpPr>
+          <p:cNvPr id="12" name="Rectangle 11">
+            <a:extLst>
+              <a:ext uri="{FF2B5EF4-FFF2-40B4-BE49-F238E27FC236}">
+                <a16:creationId xmlns:a16="http://schemas.microsoft.com/office/drawing/2014/main" id="{D68803C4-E159-4360-B7BB-74205C8F782D}"/>
+              </a:ext>
+              <a:ext uri="{C183D7F6-B498-43B3-948B-1728B52AA6E4}">
+                <adec:decorative xmlns:adec="http://schemas.microsoft.com/office/drawing/2017/decorative" val="1"/>
+              </a:ext>
+            </a:extLst>
+          </p:cNvPr>
+          <p:cNvSpPr>
+            <a:spLocks noGrp="1" noRot="1" noChangeAspect="1" noMove="1" noResize="1" noEditPoints="1" noAdjustHandles="1" noChangeArrowheads="1" noChangeShapeType="1" noTextEdit="1"/>
+          </p:cNvSpPr>
+          <p:nvPr>
+            <p:extLst>
+              <p:ext uri="{386F3935-93C4-4BCD-93E2-E3B085C9AB24}">
+                <p16:designElem xmlns:p16="http://schemas.microsoft.com/office/powerpoint/2015/main" val="1"/>
+              </p:ext>
+            </p:extLst>
+          </p:nvPr>
+        </p:nvSpPr>
+        <p:spPr>
+          <a:xfrm>
+            <a:off x="984504" y="601952"/>
+            <a:ext cx="10222992" cy="1385874"/>
+          </a:xfrm>
+          <a:prstGeom prst="rect">
+            <a:avLst/>
+          </a:prstGeom>
+          <a:blipFill dpi="0" rotWithShape="1">
+            <a:blip r:embed="rId2">
+              <a:alphaModFix amt="85000"/>
+              <a:lum bright="70000" contrast="-70000"/>
+              <a:extLst>
+                <a:ext uri="{BEBA8EAE-BF5A-486C-A8C5-ECC9F3942E4B}">
+                  <a14:imgProps xmlns:a14="http://schemas.microsoft.com/office/drawing/2010/main">
+                    <a14:imgLayer r:embed="rId3">
+                      <a14:imgEffect>
+                        <a14:sharpenSoften amount="61000"/>
+                      </a14:imgEffect>
+                    </a14:imgLayer>
+                  </a14:imgProps>
+                </a:ext>
+                <a:ext uri="{28A0092B-C50C-407E-A947-70E740481C1C}">
+                  <a14:useLocalDpi xmlns:a14="http://schemas.microsoft.com/office/drawing/2010/main" val="0"/>
+                </a:ext>
+              </a:extLst>
+            </a:blip>
+            <a:srcRect/>
+            <a:tile tx="0" ty="-704850" sx="92000" sy="89000" flip="xy" algn="ctr"/>
+          </a:blipFill>
+          <a:ln>
+            <a:noFill/>
+          </a:ln>
+        </p:spPr>
+        <p:style>
+          <a:lnRef idx="2">
+            <a:schemeClr val="accent1">
+              <a:shade val="50000"/>
+            </a:schemeClr>
+          </a:lnRef>
+          <a:fillRef idx="1">
+            <a:schemeClr val="accent1"/>
+          </a:fillRef>
+          <a:effectRef idx="0">
+            <a:schemeClr val="accent1"/>
+          </a:effectRef>
+          <a:fontRef idx="minor">
+            <a:schemeClr val="lt1"/>
+          </a:fontRef>
+        </p:style>
+      </p:sp>
+      <p:sp>
+        <p:nvSpPr>
+          <p:cNvPr id="14" name="Rectangle 13">
+            <a:extLst>
+              <a:ext uri="{FF2B5EF4-FFF2-40B4-BE49-F238E27FC236}">
+                <a16:creationId xmlns:a16="http://schemas.microsoft.com/office/drawing/2014/main" id="{504B0465-3B07-49BF-BEA7-D81476246293}"/>
+              </a:ext>
+              <a:ext uri="{C183D7F6-B498-43B3-948B-1728B52AA6E4}">
+                <adec:decorative xmlns:adec="http://schemas.microsoft.com/office/drawing/2017/decorative" val="1"/>
+              </a:ext>
+            </a:extLst>
+          </p:cNvPr>
+          <p:cNvSpPr>
+            <a:spLocks noGrp="1" noRot="1" noChangeAspect="1" noMove="1" noResize="1" noEditPoints="1" noAdjustHandles="1" noChangeArrowheads="1" noChangeShapeType="1" noTextEdit="1"/>
+          </p:cNvSpPr>
+          <p:nvPr>
+            <p:extLst>
+              <p:ext uri="{386F3935-93C4-4BCD-93E2-E3B085C9AB24}">
+                <p16:designElem xmlns:p16="http://schemas.microsoft.com/office/powerpoint/2015/main" val="1"/>
+              </p:ext>
+            </p:extLst>
+          </p:nvPr>
+        </p:nvSpPr>
+        <p:spPr>
+          <a:xfrm>
+            <a:off x="984504" y="2038655"/>
+            <a:ext cx="10222992" cy="80683"/>
+          </a:xfrm>
+          <a:prstGeom prst="rect">
+            <a:avLst/>
+          </a:prstGeom>
+          <a:blipFill dpi="0" rotWithShape="1">
+            <a:blip r:embed="rId2">
+              <a:alphaModFix amt="85000"/>
+              <a:lum bright="70000" contrast="-70000"/>
+              <a:extLst>
+                <a:ext uri="{BEBA8EAE-BF5A-486C-A8C5-ECC9F3942E4B}">
+                  <a14:imgProps xmlns:a14="http://schemas.microsoft.com/office/drawing/2010/main">
+                    <a14:imgLayer r:embed="rId3">
+                      <a14:imgEffect>
+                        <a14:sharpenSoften amount="61000"/>
+                      </a14:imgEffect>
+                    </a14:imgLayer>
+                  </a14:imgProps>
+                </a:ext>
+                <a:ext uri="{28A0092B-C50C-407E-A947-70E740481C1C}">
+                  <a14:useLocalDpi xmlns:a14="http://schemas.microsoft.com/office/drawing/2010/main" val="0"/>
+                </a:ext>
+              </a:extLst>
+            </a:blip>
+            <a:srcRect/>
+            <a:tile tx="0" ty="-717550" sx="92000" sy="89000" flip="xy" algn="ctr"/>
+          </a:blipFill>
+          <a:ln>
+            <a:noFill/>
+          </a:ln>
+        </p:spPr>
+        <p:style>
+          <a:lnRef idx="2">
+            <a:schemeClr val="accent1">
+              <a:shade val="50000"/>
+            </a:schemeClr>
+          </a:lnRef>
+          <a:fillRef idx="1">
+            <a:schemeClr val="accent1"/>
+          </a:fillRef>
+          <a:effectRef idx="0">
+            <a:schemeClr val="accent1"/>
+          </a:effectRef>
+          <a:fontRef idx="minor">
+            <a:schemeClr val="lt1"/>
+          </a:fontRef>
+        </p:style>
+      </p:sp>
       <p:sp>
         <p:nvSpPr>
           <p:cNvPr id="2" name="Title 1">
             <a:extLst>
               <a:ext uri="{FF2B5EF4-FFF2-40B4-BE49-F238E27FC236}">
-                <a16:creationId xmlns:a16="http://schemas.microsoft.com/office/drawing/2014/main" id="{72A2F9CC-9945-473C-C8FA-D08D9ACD2889}"/>
+                <a16:creationId xmlns:a16="http://schemas.microsoft.com/office/drawing/2014/main" id="{5A606781-D461-C9E2-D670-1FFA6638974C}"/>
               </a:ext>
             </a:extLst>
           </p:cNvPr>
@@ -4069,24 +6254,31 @@
             <p:ph type="title"/>
           </p:nvPr>
         </p:nvSpPr>
-        <p:spPr/>
-        <p:txBody>
-          <a:bodyPr/>
+        <p:spPr>
+          <a:xfrm>
+            <a:off x="1069848" y="484632"/>
+            <a:ext cx="10058400" cy="1609344"/>
+          </a:xfrm>
+        </p:spPr>
+        <p:txBody>
+          <a:bodyPr>
+            <a:normAutofit/>
+          </a:bodyPr>
           <a:lstStyle/>
           <a:p>
             <a:r>
               <a:rPr lang="en-US" dirty="0"/>
-              <a:t>Accusations Form – need 1 per player</a:t>
-            </a:r>
-          </a:p>
-        </p:txBody>
-      </p:sp>
-      <p:sp>
-        <p:nvSpPr>
-          <p:cNvPr id="3" name="Text Placeholder 2">
+              <a:t>Detective Notes</a:t>
+            </a:r>
+          </a:p>
+        </p:txBody>
+      </p:sp>
+      <p:sp>
+        <p:nvSpPr>
+          <p:cNvPr id="3" name="Content Placeholder 2">
             <a:extLst>
               <a:ext uri="{FF2B5EF4-FFF2-40B4-BE49-F238E27FC236}">
-                <a16:creationId xmlns:a16="http://schemas.microsoft.com/office/drawing/2014/main" id="{77277904-6377-7F49-B1D9-0E594F664B5C}"/>
+                <a16:creationId xmlns:a16="http://schemas.microsoft.com/office/drawing/2014/main" id="{0B2D9568-EA0F-97B9-7078-71CA395C35E3}"/>
               </a:ext>
             </a:extLst>
           </p:cNvPr>
@@ -4094,106 +6286,195 @@
             <a:spLocks noGrp="1"/>
           </p:cNvSpPr>
           <p:nvPr>
-            <p:ph type="body" idx="1"/>
-          </p:nvPr>
-        </p:nvSpPr>
-        <p:spPr/>
-        <p:txBody>
-          <a:bodyPr/>
+            <p:ph idx="1"/>
+          </p:nvPr>
+        </p:nvSpPr>
+        <p:spPr>
+          <a:xfrm>
+            <a:off x="1069848" y="2320412"/>
+            <a:ext cx="10058400" cy="3851787"/>
+          </a:xfrm>
+        </p:spPr>
+        <p:txBody>
+          <a:bodyPr>
+            <a:normAutofit/>
+          </a:bodyPr>
           <a:lstStyle/>
           <a:p>
-            <a:r>
-              <a:rPr lang="en-US" dirty="0"/>
-              <a:t>The Accusation</a:t>
-            </a:r>
-          </a:p>
-        </p:txBody>
-      </p:sp>
-      <p:sp>
-        <p:nvSpPr>
-          <p:cNvPr id="4" name="Content Placeholder 3">
+            <a:endParaRPr lang="en-US"/>
+          </a:p>
+        </p:txBody>
+      </p:sp>
+      <p:sp>
+        <p:nvSpPr>
+          <p:cNvPr id="16" name="Oval 15">
             <a:extLst>
               <a:ext uri="{FF2B5EF4-FFF2-40B4-BE49-F238E27FC236}">
-                <a16:creationId xmlns:a16="http://schemas.microsoft.com/office/drawing/2014/main" id="{2002610A-8DD1-D21B-129D-C205F2D57706}"/>
+                <a16:creationId xmlns:a16="http://schemas.microsoft.com/office/drawing/2014/main" id="{49B7FFA5-14CB-4A4F-9BCC-CA3AA5D9D276}"/>
+              </a:ext>
+              <a:ext uri="{C183D7F6-B498-43B3-948B-1728B52AA6E4}">
+                <adec:decorative xmlns:adec="http://schemas.microsoft.com/office/drawing/2017/decorative" val="1"/>
               </a:ext>
             </a:extLst>
           </p:cNvPr>
           <p:cNvSpPr>
-            <a:spLocks noGrp="1"/>
-          </p:cNvSpPr>
-          <p:nvPr>
-            <p:ph sz="half" idx="2"/>
-          </p:nvPr>
-        </p:nvSpPr>
-        <p:spPr/>
-        <p:txBody>
-          <a:bodyPr/>
+            <a:spLocks noGrp="1" noRot="1" noChangeAspect="1" noMove="1" noResize="1" noEditPoints="1" noAdjustHandles="1" noChangeArrowheads="1" noChangeShapeType="1" noTextEdit="1"/>
+          </p:cNvSpPr>
+          <p:nvPr>
+            <p:extLst>
+              <p:ext uri="{386F3935-93C4-4BCD-93E2-E3B085C9AB24}">
+                <p16:designElem xmlns:p16="http://schemas.microsoft.com/office/powerpoint/2015/main" val="1"/>
+              </p:ext>
+            </p:extLst>
+          </p:nvPr>
+        </p:nvSpPr>
+        <p:spPr>
+          <a:xfrm>
+            <a:off x="11401725" y="6229681"/>
+            <a:ext cx="457200" cy="457200"/>
+          </a:xfrm>
+          <a:prstGeom prst="ellipse">
+            <a:avLst/>
+          </a:prstGeom>
+          <a:blipFill dpi="0" rotWithShape="1">
+            <a:blip r:embed="rId4">
+              <a:duotone>
+                <a:schemeClr val="accent1">
+                  <a:shade val="45000"/>
+                  <a:satMod val="135000"/>
+                </a:schemeClr>
+                <a:prstClr val="white"/>
+              </a:duotone>
+            </a:blip>
+            <a:srcRect/>
+            <a:tile tx="50800" ty="0" sx="85000" sy="85000" flip="none" algn="tl"/>
+          </a:blipFill>
+          <a:ln w="25400" cap="flat" cmpd="sng" algn="ctr">
+            <a:noFill/>
+            <a:prstDash val="solid"/>
+          </a:ln>
+          <a:effectLst/>
+        </p:spPr>
+        <p:txBody>
+          <a:bodyPr lIns="0" tIns="0" rIns="0" bIns="0" rtlCol="0" anchor="ctr"/>
           <a:lstStyle/>
           <a:p>
-            <a:r>
-              <a:rPr lang="en-US"/>
-              <a:t>Test whatever</a:t>
-            </a:r>
-          </a:p>
-        </p:txBody>
-      </p:sp>
-      <p:sp>
-        <p:nvSpPr>
-          <p:cNvPr id="5" name="Text Placeholder 4">
+            <a:pPr marL="0" marR="0" lvl="0" indent="0" algn="ctr" defTabSz="914400" eaLnBrk="1" fontAlgn="auto" latinLnBrk="0" hangingPunct="1">
+              <a:lnSpc>
+                <a:spcPct val="100000"/>
+              </a:lnSpc>
+              <a:spcBef>
+                <a:spcPts val="0"/>
+              </a:spcBef>
+              <a:spcAft>
+                <a:spcPts val="0"/>
+              </a:spcAft>
+              <a:buClrTx/>
+              <a:buSzTx/>
+              <a:buFontTx/>
+              <a:buNone/>
+              <a:tabLst/>
+              <a:defRPr/>
+            </a:pPr>
+            <a:endParaRPr kumimoji="0" lang="en-US" sz="2000" b="0" i="0" u="none" strike="noStrike" kern="0" cap="none" spc="0" normalizeH="0" baseline="0" noProof="0" dirty="0">
+              <a:ln>
+                <a:noFill/>
+              </a:ln>
+              <a:solidFill>
+                <a:prstClr val="white"/>
+              </a:solidFill>
+              <a:effectLst/>
+              <a:uLnTx/>
+              <a:uFillTx/>
+              <a:latin typeface="Rockwell Extra Bold" pitchFamily="18" charset="0"/>
+              <a:ea typeface="+mn-ea"/>
+              <a:cs typeface="+mn-cs"/>
+            </a:endParaRPr>
+          </a:p>
+        </p:txBody>
+      </p:sp>
+      <p:sp>
+        <p:nvSpPr>
+          <p:cNvPr id="18" name="Oval 17">
             <a:extLst>
               <a:ext uri="{FF2B5EF4-FFF2-40B4-BE49-F238E27FC236}">
-                <a16:creationId xmlns:a16="http://schemas.microsoft.com/office/drawing/2014/main" id="{881C7D05-CAE3-9694-B4B6-240BE5262F66}"/>
+                <a16:creationId xmlns:a16="http://schemas.microsoft.com/office/drawing/2014/main" id="{04E48745-7512-4EC2-9E20-9092D12150CA}"/>
+              </a:ext>
+              <a:ext uri="{C183D7F6-B498-43B3-948B-1728B52AA6E4}">
+                <adec:decorative xmlns:adec="http://schemas.microsoft.com/office/drawing/2017/decorative" val="1"/>
               </a:ext>
             </a:extLst>
           </p:cNvPr>
           <p:cNvSpPr>
-            <a:spLocks noGrp="1"/>
-          </p:cNvSpPr>
-          <p:nvPr>
-            <p:ph type="body" sz="quarter" idx="3"/>
-          </p:nvPr>
-        </p:nvSpPr>
-        <p:spPr/>
-        <p:txBody>
-          <a:bodyPr/>
+            <a:spLocks noGrp="1" noRot="1" noChangeAspect="1" noMove="1" noResize="1" noEditPoints="1" noAdjustHandles="1" noChangeArrowheads="1" noChangeShapeType="1" noTextEdit="1"/>
+          </p:cNvSpPr>
+          <p:nvPr>
+            <p:extLst>
+              <p:ext uri="{386F3935-93C4-4BCD-93E2-E3B085C9AB24}">
+                <p16:designElem xmlns:p16="http://schemas.microsoft.com/office/powerpoint/2015/main" val="1"/>
+              </p:ext>
+            </p:extLst>
+          </p:nvPr>
+        </p:nvSpPr>
+        <p:spPr>
+          <a:xfrm>
+            <a:off x="11430918" y="6258874"/>
+            <a:ext cx="398813" cy="398815"/>
+          </a:xfrm>
+          <a:prstGeom prst="ellipse">
+            <a:avLst/>
+          </a:prstGeom>
+          <a:noFill/>
+          <a:ln w="12700" cap="flat" cmpd="sng" algn="ctr">
+            <a:solidFill>
+              <a:srgbClr val="FFFFFF"/>
+            </a:solidFill>
+            <a:prstDash val="solid"/>
+          </a:ln>
+          <a:effectLst/>
+        </p:spPr>
+        <p:txBody>
+          <a:bodyPr rtlCol="0" anchor="ctr"/>
           <a:lstStyle/>
           <a:p>
-            <a:r>
-              <a:rPr lang="en-US" dirty="0"/>
-              <a:t>The Accusation</a:t>
-            </a:r>
-          </a:p>
-        </p:txBody>
-      </p:sp>
-      <p:sp>
-        <p:nvSpPr>
-          <p:cNvPr id="6" name="Content Placeholder 5">
-            <a:extLst>
-              <a:ext uri="{FF2B5EF4-FFF2-40B4-BE49-F238E27FC236}">
-                <a16:creationId xmlns:a16="http://schemas.microsoft.com/office/drawing/2014/main" id="{92E93F87-76B1-B4F8-EA9D-BB67453C30B3}"/>
-              </a:ext>
-            </a:extLst>
-          </p:cNvPr>
-          <p:cNvSpPr>
-            <a:spLocks noGrp="1"/>
-          </p:cNvSpPr>
-          <p:nvPr>
-            <p:ph sz="quarter" idx="4"/>
-          </p:nvPr>
-        </p:nvSpPr>
-        <p:spPr/>
-        <p:txBody>
-          <a:bodyPr/>
-          <a:lstStyle/>
-          <a:p>
-            <a:endParaRPr lang="en-US"/>
+            <a:pPr marL="0" marR="0" lvl="0" indent="0" algn="ctr" defTabSz="914400" eaLnBrk="1" fontAlgn="auto" latinLnBrk="0" hangingPunct="1">
+              <a:lnSpc>
+                <a:spcPct val="100000"/>
+              </a:lnSpc>
+              <a:spcBef>
+                <a:spcPts val="0"/>
+              </a:spcBef>
+              <a:spcAft>
+                <a:spcPts val="0"/>
+              </a:spcAft>
+              <a:buClrTx/>
+              <a:buSzTx/>
+              <a:buFontTx/>
+              <a:buNone/>
+              <a:tabLst/>
+              <a:defRPr/>
+            </a:pPr>
+            <a:endParaRPr kumimoji="0" lang="en-US" sz="1800" b="0" i="0" u="none" strike="noStrike" kern="0" cap="none" spc="0" normalizeH="0" baseline="0" noProof="0" dirty="0">
+              <a:ln>
+                <a:noFill/>
+              </a:ln>
+              <a:solidFill>
+                <a:prstClr val="white"/>
+              </a:solidFill>
+              <a:effectLst/>
+              <a:uLnTx/>
+              <a:uFillTx/>
+              <a:latin typeface="Calibri"/>
+              <a:ea typeface="+mn-ea"/>
+              <a:cs typeface="+mn-cs"/>
+            </a:endParaRPr>
           </a:p>
         </p:txBody>
       </p:sp>
     </p:spTree>
     <p:extLst>
       <p:ext uri="{BB962C8B-B14F-4D97-AF65-F5344CB8AC3E}">
-        <p14:creationId xmlns:p14="http://schemas.microsoft.com/office/powerpoint/2010/main" val="1092256223"/>
+        <p14:creationId xmlns:p14="http://schemas.microsoft.com/office/powerpoint/2010/main" val="3745133965"/>
       </p:ext>
     </p:extLst>
   </p:cSld>
@@ -4204,6 +6485,1924 @@
 </file>
 
 <file path=ppt/slides/slide4.xml><?xml version="1.0" encoding="utf-8"?>
+<p:sld xmlns:a="http://schemas.openxmlformats.org/drawingml/2006/main" xmlns:r="http://schemas.openxmlformats.org/officeDocument/2006/relationships" xmlns:p="http://schemas.openxmlformats.org/presentationml/2006/main">
+  <p:cSld>
+    <p:bg>
+      <p:bgPr>
+        <a:solidFill>
+          <a:schemeClr val="bg1"/>
+        </a:solidFill>
+        <a:effectLst/>
+      </p:bgPr>
+    </p:bg>
+    <p:spTree>
+      <p:nvGrpSpPr>
+        <p:cNvPr id="1" name=""/>
+        <p:cNvGrpSpPr/>
+        <p:nvPr/>
+      </p:nvGrpSpPr>
+      <p:grpSpPr>
+        <a:xfrm>
+          <a:off x="0" y="0"/>
+          <a:ext cx="0" cy="0"/>
+          <a:chOff x="0" y="0"/>
+          <a:chExt cx="0" cy="0"/>
+        </a:xfrm>
+      </p:grpSpPr>
+      <p:sp useBgFill="1">
+        <p:nvSpPr>
+          <p:cNvPr id="8" name="Rectangle 7">
+            <a:extLst>
+              <a:ext uri="{FF2B5EF4-FFF2-40B4-BE49-F238E27FC236}">
+                <a16:creationId xmlns:a16="http://schemas.microsoft.com/office/drawing/2014/main" id="{E009DD9B-5EE2-4C0D-8B2B-351C8C102205}"/>
+              </a:ext>
+              <a:ext uri="{C183D7F6-B498-43B3-948B-1728B52AA6E4}">
+                <adec:decorative xmlns:adec="http://schemas.microsoft.com/office/drawing/2017/decorative" val="1"/>
+              </a:ext>
+            </a:extLst>
+          </p:cNvPr>
+          <p:cNvSpPr>
+            <a:spLocks noGrp="1" noRot="1" noChangeAspect="1" noMove="1" noResize="1" noEditPoints="1" noAdjustHandles="1" noChangeArrowheads="1" noChangeShapeType="1" noTextEdit="1"/>
+          </p:cNvSpPr>
+          <p:nvPr>
+            <p:extLst>
+              <p:ext uri="{386F3935-93C4-4BCD-93E2-E3B085C9AB24}">
+                <p16:designElem xmlns:p16="http://schemas.microsoft.com/office/powerpoint/2015/main" val="1"/>
+              </p:ext>
+            </p:extLst>
+          </p:nvPr>
+        </p:nvSpPr>
+        <p:spPr>
+          <a:xfrm>
+            <a:off x="0" y="0"/>
+            <a:ext cx="12192000" cy="6858000"/>
+          </a:xfrm>
+          <a:prstGeom prst="rect">
+            <a:avLst/>
+          </a:prstGeom>
+          <a:ln>
+            <a:noFill/>
+          </a:ln>
+        </p:spPr>
+        <p:style>
+          <a:lnRef idx="2">
+            <a:schemeClr val="accent1">
+              <a:shade val="50000"/>
+            </a:schemeClr>
+          </a:lnRef>
+          <a:fillRef idx="1">
+            <a:schemeClr val="accent1"/>
+          </a:fillRef>
+          <a:effectRef idx="0">
+            <a:schemeClr val="accent1"/>
+          </a:effectRef>
+          <a:fontRef idx="minor">
+            <a:schemeClr val="lt1"/>
+          </a:fontRef>
+        </p:style>
+        <p:txBody>
+          <a:bodyPr rtlCol="0" anchor="ctr"/>
+          <a:lstStyle/>
+          <a:p>
+            <a:pPr algn="ctr"/>
+            <a:endParaRPr lang="en-US"/>
+          </a:p>
+        </p:txBody>
+      </p:sp>
+      <p:sp>
+        <p:nvSpPr>
+          <p:cNvPr id="10" name="Rectangle 9">
+            <a:extLst>
+              <a:ext uri="{FF2B5EF4-FFF2-40B4-BE49-F238E27FC236}">
+                <a16:creationId xmlns:a16="http://schemas.microsoft.com/office/drawing/2014/main" id="{E720DB99-7745-4E75-9D96-AAB6D55C531E}"/>
+              </a:ext>
+              <a:ext uri="{C183D7F6-B498-43B3-948B-1728B52AA6E4}">
+                <adec:decorative xmlns:adec="http://schemas.microsoft.com/office/drawing/2017/decorative" val="1"/>
+              </a:ext>
+            </a:extLst>
+          </p:cNvPr>
+          <p:cNvSpPr>
+            <a:spLocks noGrp="1" noRot="1" noChangeAspect="1" noMove="1" noResize="1" noEditPoints="1" noAdjustHandles="1" noChangeArrowheads="1" noChangeShapeType="1" noTextEdit="1"/>
+          </p:cNvSpPr>
+          <p:nvPr>
+            <p:extLst>
+              <p:ext uri="{386F3935-93C4-4BCD-93E2-E3B085C9AB24}">
+                <p16:designElem xmlns:p16="http://schemas.microsoft.com/office/powerpoint/2015/main" val="1"/>
+              </p:ext>
+            </p:extLst>
+          </p:nvPr>
+        </p:nvSpPr>
+        <p:spPr>
+          <a:xfrm>
+            <a:off x="984504" y="464119"/>
+            <a:ext cx="10222992" cy="80683"/>
+          </a:xfrm>
+          <a:prstGeom prst="rect">
+            <a:avLst/>
+          </a:prstGeom>
+          <a:blipFill dpi="0" rotWithShape="1">
+            <a:blip r:embed="rId2">
+              <a:alphaModFix amt="85000"/>
+              <a:lum bright="70000" contrast="-70000"/>
+              <a:extLst>
+                <a:ext uri="{BEBA8EAE-BF5A-486C-A8C5-ECC9F3942E4B}">
+                  <a14:imgProps xmlns:a14="http://schemas.microsoft.com/office/drawing/2010/main">
+                    <a14:imgLayer r:embed="rId3">
+                      <a14:imgEffect>
+                        <a14:sharpenSoften amount="61000"/>
+                      </a14:imgEffect>
+                    </a14:imgLayer>
+                  </a14:imgProps>
+                </a:ext>
+                <a:ext uri="{28A0092B-C50C-407E-A947-70E740481C1C}">
+                  <a14:useLocalDpi xmlns:a14="http://schemas.microsoft.com/office/drawing/2010/main" val="0"/>
+                </a:ext>
+              </a:extLst>
+            </a:blip>
+            <a:srcRect/>
+            <a:tile tx="0" ty="-762000" sx="92000" sy="89000" flip="xy" algn="ctr"/>
+          </a:blipFill>
+          <a:ln>
+            <a:noFill/>
+          </a:ln>
+        </p:spPr>
+        <p:style>
+          <a:lnRef idx="2">
+            <a:schemeClr val="accent1">
+              <a:shade val="50000"/>
+            </a:schemeClr>
+          </a:lnRef>
+          <a:fillRef idx="1">
+            <a:schemeClr val="accent1"/>
+          </a:fillRef>
+          <a:effectRef idx="0">
+            <a:schemeClr val="accent1"/>
+          </a:effectRef>
+          <a:fontRef idx="minor">
+            <a:schemeClr val="lt1"/>
+          </a:fontRef>
+        </p:style>
+      </p:sp>
+      <p:sp>
+        <p:nvSpPr>
+          <p:cNvPr id="12" name="Rectangle 11">
+            <a:extLst>
+              <a:ext uri="{FF2B5EF4-FFF2-40B4-BE49-F238E27FC236}">
+                <a16:creationId xmlns:a16="http://schemas.microsoft.com/office/drawing/2014/main" id="{D68803C4-E159-4360-B7BB-74205C8F782D}"/>
+              </a:ext>
+              <a:ext uri="{C183D7F6-B498-43B3-948B-1728B52AA6E4}">
+                <adec:decorative xmlns:adec="http://schemas.microsoft.com/office/drawing/2017/decorative" val="1"/>
+              </a:ext>
+            </a:extLst>
+          </p:cNvPr>
+          <p:cNvSpPr>
+            <a:spLocks noGrp="1" noRot="1" noChangeAspect="1" noMove="1" noResize="1" noEditPoints="1" noAdjustHandles="1" noChangeArrowheads="1" noChangeShapeType="1" noTextEdit="1"/>
+          </p:cNvSpPr>
+          <p:nvPr>
+            <p:extLst>
+              <p:ext uri="{386F3935-93C4-4BCD-93E2-E3B085C9AB24}">
+                <p16:designElem xmlns:p16="http://schemas.microsoft.com/office/powerpoint/2015/main" val="1"/>
+              </p:ext>
+            </p:extLst>
+          </p:nvPr>
+        </p:nvSpPr>
+        <p:spPr>
+          <a:xfrm>
+            <a:off x="984504" y="601952"/>
+            <a:ext cx="10222992" cy="1385874"/>
+          </a:xfrm>
+          <a:prstGeom prst="rect">
+            <a:avLst/>
+          </a:prstGeom>
+          <a:blipFill dpi="0" rotWithShape="1">
+            <a:blip r:embed="rId2">
+              <a:alphaModFix amt="85000"/>
+              <a:lum bright="70000" contrast="-70000"/>
+              <a:extLst>
+                <a:ext uri="{BEBA8EAE-BF5A-486C-A8C5-ECC9F3942E4B}">
+                  <a14:imgProps xmlns:a14="http://schemas.microsoft.com/office/drawing/2010/main">
+                    <a14:imgLayer r:embed="rId3">
+                      <a14:imgEffect>
+                        <a14:sharpenSoften amount="61000"/>
+                      </a14:imgEffect>
+                    </a14:imgLayer>
+                  </a14:imgProps>
+                </a:ext>
+                <a:ext uri="{28A0092B-C50C-407E-A947-70E740481C1C}">
+                  <a14:useLocalDpi xmlns:a14="http://schemas.microsoft.com/office/drawing/2010/main" val="0"/>
+                </a:ext>
+              </a:extLst>
+            </a:blip>
+            <a:srcRect/>
+            <a:tile tx="0" ty="-704850" sx="92000" sy="89000" flip="xy" algn="ctr"/>
+          </a:blipFill>
+          <a:ln>
+            <a:noFill/>
+          </a:ln>
+        </p:spPr>
+        <p:style>
+          <a:lnRef idx="2">
+            <a:schemeClr val="accent1">
+              <a:shade val="50000"/>
+            </a:schemeClr>
+          </a:lnRef>
+          <a:fillRef idx="1">
+            <a:schemeClr val="accent1"/>
+          </a:fillRef>
+          <a:effectRef idx="0">
+            <a:schemeClr val="accent1"/>
+          </a:effectRef>
+          <a:fontRef idx="minor">
+            <a:schemeClr val="lt1"/>
+          </a:fontRef>
+        </p:style>
+      </p:sp>
+      <p:sp>
+        <p:nvSpPr>
+          <p:cNvPr id="14" name="Rectangle 13">
+            <a:extLst>
+              <a:ext uri="{FF2B5EF4-FFF2-40B4-BE49-F238E27FC236}">
+                <a16:creationId xmlns:a16="http://schemas.microsoft.com/office/drawing/2014/main" id="{504B0465-3B07-49BF-BEA7-D81476246293}"/>
+              </a:ext>
+              <a:ext uri="{C183D7F6-B498-43B3-948B-1728B52AA6E4}">
+                <adec:decorative xmlns:adec="http://schemas.microsoft.com/office/drawing/2017/decorative" val="1"/>
+              </a:ext>
+            </a:extLst>
+          </p:cNvPr>
+          <p:cNvSpPr>
+            <a:spLocks noGrp="1" noRot="1" noChangeAspect="1" noMove="1" noResize="1" noEditPoints="1" noAdjustHandles="1" noChangeArrowheads="1" noChangeShapeType="1" noTextEdit="1"/>
+          </p:cNvSpPr>
+          <p:nvPr>
+            <p:extLst>
+              <p:ext uri="{386F3935-93C4-4BCD-93E2-E3B085C9AB24}">
+                <p16:designElem xmlns:p16="http://schemas.microsoft.com/office/powerpoint/2015/main" val="1"/>
+              </p:ext>
+            </p:extLst>
+          </p:nvPr>
+        </p:nvSpPr>
+        <p:spPr>
+          <a:xfrm>
+            <a:off x="984504" y="2038655"/>
+            <a:ext cx="10222992" cy="80683"/>
+          </a:xfrm>
+          <a:prstGeom prst="rect">
+            <a:avLst/>
+          </a:prstGeom>
+          <a:blipFill dpi="0" rotWithShape="1">
+            <a:blip r:embed="rId2">
+              <a:alphaModFix amt="85000"/>
+              <a:lum bright="70000" contrast="-70000"/>
+              <a:extLst>
+                <a:ext uri="{BEBA8EAE-BF5A-486C-A8C5-ECC9F3942E4B}">
+                  <a14:imgProps xmlns:a14="http://schemas.microsoft.com/office/drawing/2010/main">
+                    <a14:imgLayer r:embed="rId3">
+                      <a14:imgEffect>
+                        <a14:sharpenSoften amount="61000"/>
+                      </a14:imgEffect>
+                    </a14:imgLayer>
+                  </a14:imgProps>
+                </a:ext>
+                <a:ext uri="{28A0092B-C50C-407E-A947-70E740481C1C}">
+                  <a14:useLocalDpi xmlns:a14="http://schemas.microsoft.com/office/drawing/2010/main" val="0"/>
+                </a:ext>
+              </a:extLst>
+            </a:blip>
+            <a:srcRect/>
+            <a:tile tx="0" ty="-717550" sx="92000" sy="89000" flip="xy" algn="ctr"/>
+          </a:blipFill>
+          <a:ln>
+            <a:noFill/>
+          </a:ln>
+        </p:spPr>
+        <p:style>
+          <a:lnRef idx="2">
+            <a:schemeClr val="accent1">
+              <a:shade val="50000"/>
+            </a:schemeClr>
+          </a:lnRef>
+          <a:fillRef idx="1">
+            <a:schemeClr val="accent1"/>
+          </a:fillRef>
+          <a:effectRef idx="0">
+            <a:schemeClr val="accent1"/>
+          </a:effectRef>
+          <a:fontRef idx="minor">
+            <a:schemeClr val="lt1"/>
+          </a:fontRef>
+        </p:style>
+      </p:sp>
+      <p:sp>
+        <p:nvSpPr>
+          <p:cNvPr id="2" name="Title 1">
+            <a:extLst>
+              <a:ext uri="{FF2B5EF4-FFF2-40B4-BE49-F238E27FC236}">
+                <a16:creationId xmlns:a16="http://schemas.microsoft.com/office/drawing/2014/main" id="{5A606781-D461-C9E2-D670-1FFA6638974C}"/>
+              </a:ext>
+            </a:extLst>
+          </p:cNvPr>
+          <p:cNvSpPr>
+            <a:spLocks noGrp="1"/>
+          </p:cNvSpPr>
+          <p:nvPr>
+            <p:ph type="title"/>
+          </p:nvPr>
+        </p:nvSpPr>
+        <p:spPr>
+          <a:xfrm>
+            <a:off x="1069848" y="484632"/>
+            <a:ext cx="10058400" cy="1609344"/>
+          </a:xfrm>
+        </p:spPr>
+        <p:txBody>
+          <a:bodyPr>
+            <a:normAutofit/>
+          </a:bodyPr>
+          <a:lstStyle/>
+          <a:p>
+            <a:r>
+              <a:rPr lang="en-US" dirty="0"/>
+              <a:t>The Accusation </a:t>
+            </a:r>
+          </a:p>
+        </p:txBody>
+      </p:sp>
+      <p:sp>
+        <p:nvSpPr>
+          <p:cNvPr id="3" name="Content Placeholder 2">
+            <a:extLst>
+              <a:ext uri="{FF2B5EF4-FFF2-40B4-BE49-F238E27FC236}">
+                <a16:creationId xmlns:a16="http://schemas.microsoft.com/office/drawing/2014/main" id="{0B2D9568-EA0F-97B9-7078-71CA395C35E3}"/>
+              </a:ext>
+            </a:extLst>
+          </p:cNvPr>
+          <p:cNvSpPr>
+            <a:spLocks noGrp="1"/>
+          </p:cNvSpPr>
+          <p:nvPr>
+            <p:ph idx="1"/>
+          </p:nvPr>
+        </p:nvSpPr>
+        <p:spPr>
+          <a:xfrm>
+            <a:off x="1069848" y="2320412"/>
+            <a:ext cx="10058400" cy="3851787"/>
+          </a:xfrm>
+        </p:spPr>
+        <p:txBody>
+          <a:bodyPr>
+            <a:normAutofit/>
+          </a:bodyPr>
+          <a:lstStyle/>
+          <a:p>
+            <a:endParaRPr lang="en-US" dirty="0"/>
+          </a:p>
+        </p:txBody>
+      </p:sp>
+      <p:sp>
+        <p:nvSpPr>
+          <p:cNvPr id="16" name="Oval 15">
+            <a:extLst>
+              <a:ext uri="{FF2B5EF4-FFF2-40B4-BE49-F238E27FC236}">
+                <a16:creationId xmlns:a16="http://schemas.microsoft.com/office/drawing/2014/main" id="{49B7FFA5-14CB-4A4F-9BCC-CA3AA5D9D276}"/>
+              </a:ext>
+              <a:ext uri="{C183D7F6-B498-43B3-948B-1728B52AA6E4}">
+                <adec:decorative xmlns:adec="http://schemas.microsoft.com/office/drawing/2017/decorative" val="1"/>
+              </a:ext>
+            </a:extLst>
+          </p:cNvPr>
+          <p:cNvSpPr>
+            <a:spLocks noGrp="1" noRot="1" noChangeAspect="1" noMove="1" noResize="1" noEditPoints="1" noAdjustHandles="1" noChangeArrowheads="1" noChangeShapeType="1" noTextEdit="1"/>
+          </p:cNvSpPr>
+          <p:nvPr>
+            <p:extLst>
+              <p:ext uri="{386F3935-93C4-4BCD-93E2-E3B085C9AB24}">
+                <p16:designElem xmlns:p16="http://schemas.microsoft.com/office/powerpoint/2015/main" val="1"/>
+              </p:ext>
+            </p:extLst>
+          </p:nvPr>
+        </p:nvSpPr>
+        <p:spPr>
+          <a:xfrm>
+            <a:off x="11401725" y="6229681"/>
+            <a:ext cx="457200" cy="457200"/>
+          </a:xfrm>
+          <a:prstGeom prst="ellipse">
+            <a:avLst/>
+          </a:prstGeom>
+          <a:blipFill dpi="0" rotWithShape="1">
+            <a:blip r:embed="rId4">
+              <a:duotone>
+                <a:schemeClr val="accent1">
+                  <a:shade val="45000"/>
+                  <a:satMod val="135000"/>
+                </a:schemeClr>
+                <a:prstClr val="white"/>
+              </a:duotone>
+            </a:blip>
+            <a:srcRect/>
+            <a:tile tx="50800" ty="0" sx="85000" sy="85000" flip="none" algn="tl"/>
+          </a:blipFill>
+          <a:ln w="25400" cap="flat" cmpd="sng" algn="ctr">
+            <a:noFill/>
+            <a:prstDash val="solid"/>
+          </a:ln>
+          <a:effectLst/>
+        </p:spPr>
+        <p:txBody>
+          <a:bodyPr lIns="0" tIns="0" rIns="0" bIns="0" rtlCol="0" anchor="ctr"/>
+          <a:lstStyle/>
+          <a:p>
+            <a:pPr marL="0" marR="0" lvl="0" indent="0" algn="ctr" defTabSz="914400" eaLnBrk="1" fontAlgn="auto" latinLnBrk="0" hangingPunct="1">
+              <a:lnSpc>
+                <a:spcPct val="100000"/>
+              </a:lnSpc>
+              <a:spcBef>
+                <a:spcPts val="0"/>
+              </a:spcBef>
+              <a:spcAft>
+                <a:spcPts val="0"/>
+              </a:spcAft>
+              <a:buClrTx/>
+              <a:buSzTx/>
+              <a:buFontTx/>
+              <a:buNone/>
+              <a:tabLst/>
+              <a:defRPr/>
+            </a:pPr>
+            <a:endParaRPr kumimoji="0" lang="en-US" sz="2000" b="0" i="0" u="none" strike="noStrike" kern="0" cap="none" spc="0" normalizeH="0" baseline="0" noProof="0" dirty="0">
+              <a:ln>
+                <a:noFill/>
+              </a:ln>
+              <a:solidFill>
+                <a:prstClr val="white"/>
+              </a:solidFill>
+              <a:effectLst/>
+              <a:uLnTx/>
+              <a:uFillTx/>
+              <a:latin typeface="Rockwell Extra Bold" pitchFamily="18" charset="0"/>
+              <a:ea typeface="+mn-ea"/>
+              <a:cs typeface="+mn-cs"/>
+            </a:endParaRPr>
+          </a:p>
+        </p:txBody>
+      </p:sp>
+      <p:sp>
+        <p:nvSpPr>
+          <p:cNvPr id="18" name="Oval 17">
+            <a:extLst>
+              <a:ext uri="{FF2B5EF4-FFF2-40B4-BE49-F238E27FC236}">
+                <a16:creationId xmlns:a16="http://schemas.microsoft.com/office/drawing/2014/main" id="{04E48745-7512-4EC2-9E20-9092D12150CA}"/>
+              </a:ext>
+              <a:ext uri="{C183D7F6-B498-43B3-948B-1728B52AA6E4}">
+                <adec:decorative xmlns:adec="http://schemas.microsoft.com/office/drawing/2017/decorative" val="1"/>
+              </a:ext>
+            </a:extLst>
+          </p:cNvPr>
+          <p:cNvSpPr>
+            <a:spLocks noGrp="1" noRot="1" noChangeAspect="1" noMove="1" noResize="1" noEditPoints="1" noAdjustHandles="1" noChangeArrowheads="1" noChangeShapeType="1" noTextEdit="1"/>
+          </p:cNvSpPr>
+          <p:nvPr>
+            <p:extLst>
+              <p:ext uri="{386F3935-93C4-4BCD-93E2-E3B085C9AB24}">
+                <p16:designElem xmlns:p16="http://schemas.microsoft.com/office/powerpoint/2015/main" val="1"/>
+              </p:ext>
+            </p:extLst>
+          </p:nvPr>
+        </p:nvSpPr>
+        <p:spPr>
+          <a:xfrm>
+            <a:off x="11430918" y="6258874"/>
+            <a:ext cx="398813" cy="398815"/>
+          </a:xfrm>
+          <a:prstGeom prst="ellipse">
+            <a:avLst/>
+          </a:prstGeom>
+          <a:noFill/>
+          <a:ln w="12700" cap="flat" cmpd="sng" algn="ctr">
+            <a:solidFill>
+              <a:srgbClr val="FFFFFF"/>
+            </a:solidFill>
+            <a:prstDash val="solid"/>
+          </a:ln>
+          <a:effectLst/>
+        </p:spPr>
+        <p:txBody>
+          <a:bodyPr rtlCol="0" anchor="ctr"/>
+          <a:lstStyle/>
+          <a:p>
+            <a:pPr marL="0" marR="0" lvl="0" indent="0" algn="ctr" defTabSz="914400" eaLnBrk="1" fontAlgn="auto" latinLnBrk="0" hangingPunct="1">
+              <a:lnSpc>
+                <a:spcPct val="100000"/>
+              </a:lnSpc>
+              <a:spcBef>
+                <a:spcPts val="0"/>
+              </a:spcBef>
+              <a:spcAft>
+                <a:spcPts val="0"/>
+              </a:spcAft>
+              <a:buClrTx/>
+              <a:buSzTx/>
+              <a:buFontTx/>
+              <a:buNone/>
+              <a:tabLst/>
+              <a:defRPr/>
+            </a:pPr>
+            <a:endParaRPr kumimoji="0" lang="en-US" sz="1800" b="0" i="0" u="none" strike="noStrike" kern="0" cap="none" spc="0" normalizeH="0" baseline="0" noProof="0" dirty="0">
+              <a:ln>
+                <a:noFill/>
+              </a:ln>
+              <a:solidFill>
+                <a:prstClr val="white"/>
+              </a:solidFill>
+              <a:effectLst/>
+              <a:uLnTx/>
+              <a:uFillTx/>
+              <a:latin typeface="Calibri"/>
+              <a:ea typeface="+mn-ea"/>
+              <a:cs typeface="+mn-cs"/>
+            </a:endParaRPr>
+          </a:p>
+        </p:txBody>
+      </p:sp>
+    </p:spTree>
+    <p:extLst>
+      <p:ext uri="{BB962C8B-B14F-4D97-AF65-F5344CB8AC3E}">
+        <p14:creationId xmlns:p14="http://schemas.microsoft.com/office/powerpoint/2010/main" val="3799967394"/>
+      </p:ext>
+    </p:extLst>
+  </p:cSld>
+  <p:clrMapOvr>
+    <a:masterClrMapping/>
+  </p:clrMapOvr>
+</p:sld>
+</file>
+
+<file path=ppt/slides/slide5.xml><?xml version="1.0" encoding="utf-8"?>
+<p:sld xmlns:a="http://schemas.openxmlformats.org/drawingml/2006/main" xmlns:r="http://schemas.openxmlformats.org/officeDocument/2006/relationships" xmlns:p="http://schemas.openxmlformats.org/presentationml/2006/main" show="0">
+  <p:cSld>
+    <p:bg>
+      <p:bgPr>
+        <a:solidFill>
+          <a:schemeClr val="bg1"/>
+        </a:solidFill>
+        <a:effectLst/>
+      </p:bgPr>
+    </p:bg>
+    <p:spTree>
+      <p:nvGrpSpPr>
+        <p:cNvPr id="1" name=""/>
+        <p:cNvGrpSpPr/>
+        <p:nvPr/>
+      </p:nvGrpSpPr>
+      <p:grpSpPr>
+        <a:xfrm>
+          <a:off x="0" y="0"/>
+          <a:ext cx="0" cy="0"/>
+          <a:chOff x="0" y="0"/>
+          <a:chExt cx="0" cy="0"/>
+        </a:xfrm>
+      </p:grpSpPr>
+      <p:sp useBgFill="1">
+        <p:nvSpPr>
+          <p:cNvPr id="8" name="Rectangle 7">
+            <a:extLst>
+              <a:ext uri="{FF2B5EF4-FFF2-40B4-BE49-F238E27FC236}">
+                <a16:creationId xmlns:a16="http://schemas.microsoft.com/office/drawing/2014/main" id="{E009DD9B-5EE2-4C0D-8B2B-351C8C102205}"/>
+              </a:ext>
+              <a:ext uri="{C183D7F6-B498-43B3-948B-1728B52AA6E4}">
+                <adec:decorative xmlns:adec="http://schemas.microsoft.com/office/drawing/2017/decorative" val="1"/>
+              </a:ext>
+            </a:extLst>
+          </p:cNvPr>
+          <p:cNvSpPr>
+            <a:spLocks noGrp="1" noRot="1" noChangeAspect="1" noMove="1" noResize="1" noEditPoints="1" noAdjustHandles="1" noChangeArrowheads="1" noChangeShapeType="1" noTextEdit="1"/>
+          </p:cNvSpPr>
+          <p:nvPr>
+            <p:extLst>
+              <p:ext uri="{386F3935-93C4-4BCD-93E2-E3B085C9AB24}">
+                <p16:designElem xmlns:p16="http://schemas.microsoft.com/office/powerpoint/2015/main" val="1"/>
+              </p:ext>
+            </p:extLst>
+          </p:nvPr>
+        </p:nvSpPr>
+        <p:spPr>
+          <a:xfrm>
+            <a:off x="0" y="0"/>
+            <a:ext cx="12192000" cy="6858000"/>
+          </a:xfrm>
+          <a:prstGeom prst="rect">
+            <a:avLst/>
+          </a:prstGeom>
+          <a:ln>
+            <a:noFill/>
+          </a:ln>
+        </p:spPr>
+        <p:style>
+          <a:lnRef idx="2">
+            <a:schemeClr val="accent1">
+              <a:shade val="50000"/>
+            </a:schemeClr>
+          </a:lnRef>
+          <a:fillRef idx="1">
+            <a:schemeClr val="accent1"/>
+          </a:fillRef>
+          <a:effectRef idx="0">
+            <a:schemeClr val="accent1"/>
+          </a:effectRef>
+          <a:fontRef idx="minor">
+            <a:schemeClr val="lt1"/>
+          </a:fontRef>
+        </p:style>
+        <p:txBody>
+          <a:bodyPr rtlCol="0" anchor="ctr"/>
+          <a:lstStyle/>
+          <a:p>
+            <a:pPr algn="ctr"/>
+            <a:endParaRPr lang="en-US"/>
+          </a:p>
+        </p:txBody>
+      </p:sp>
+      <p:sp>
+        <p:nvSpPr>
+          <p:cNvPr id="10" name="Rectangle 9">
+            <a:extLst>
+              <a:ext uri="{FF2B5EF4-FFF2-40B4-BE49-F238E27FC236}">
+                <a16:creationId xmlns:a16="http://schemas.microsoft.com/office/drawing/2014/main" id="{E720DB99-7745-4E75-9D96-AAB6D55C531E}"/>
+              </a:ext>
+              <a:ext uri="{C183D7F6-B498-43B3-948B-1728B52AA6E4}">
+                <adec:decorative xmlns:adec="http://schemas.microsoft.com/office/drawing/2017/decorative" val="1"/>
+              </a:ext>
+            </a:extLst>
+          </p:cNvPr>
+          <p:cNvSpPr>
+            <a:spLocks noGrp="1" noRot="1" noChangeAspect="1" noMove="1" noResize="1" noEditPoints="1" noAdjustHandles="1" noChangeArrowheads="1" noChangeShapeType="1" noTextEdit="1"/>
+          </p:cNvSpPr>
+          <p:nvPr>
+            <p:extLst>
+              <p:ext uri="{386F3935-93C4-4BCD-93E2-E3B085C9AB24}">
+                <p16:designElem xmlns:p16="http://schemas.microsoft.com/office/powerpoint/2015/main" val="1"/>
+              </p:ext>
+            </p:extLst>
+          </p:nvPr>
+        </p:nvSpPr>
+        <p:spPr>
+          <a:xfrm>
+            <a:off x="984504" y="464119"/>
+            <a:ext cx="10222992" cy="80683"/>
+          </a:xfrm>
+          <a:prstGeom prst="rect">
+            <a:avLst/>
+          </a:prstGeom>
+          <a:blipFill dpi="0" rotWithShape="1">
+            <a:blip r:embed="rId2">
+              <a:alphaModFix amt="85000"/>
+              <a:lum bright="70000" contrast="-70000"/>
+              <a:extLst>
+                <a:ext uri="{BEBA8EAE-BF5A-486C-A8C5-ECC9F3942E4B}">
+                  <a14:imgProps xmlns:a14="http://schemas.microsoft.com/office/drawing/2010/main">
+                    <a14:imgLayer r:embed="rId3">
+                      <a14:imgEffect>
+                        <a14:sharpenSoften amount="61000"/>
+                      </a14:imgEffect>
+                    </a14:imgLayer>
+                  </a14:imgProps>
+                </a:ext>
+                <a:ext uri="{28A0092B-C50C-407E-A947-70E740481C1C}">
+                  <a14:useLocalDpi xmlns:a14="http://schemas.microsoft.com/office/drawing/2010/main" val="0"/>
+                </a:ext>
+              </a:extLst>
+            </a:blip>
+            <a:srcRect/>
+            <a:tile tx="0" ty="-762000" sx="92000" sy="89000" flip="xy" algn="ctr"/>
+          </a:blipFill>
+          <a:ln>
+            <a:noFill/>
+          </a:ln>
+        </p:spPr>
+        <p:style>
+          <a:lnRef idx="2">
+            <a:schemeClr val="accent1">
+              <a:shade val="50000"/>
+            </a:schemeClr>
+          </a:lnRef>
+          <a:fillRef idx="1">
+            <a:schemeClr val="accent1"/>
+          </a:fillRef>
+          <a:effectRef idx="0">
+            <a:schemeClr val="accent1"/>
+          </a:effectRef>
+          <a:fontRef idx="minor">
+            <a:schemeClr val="lt1"/>
+          </a:fontRef>
+        </p:style>
+      </p:sp>
+      <p:sp>
+        <p:nvSpPr>
+          <p:cNvPr id="12" name="Rectangle 11">
+            <a:extLst>
+              <a:ext uri="{FF2B5EF4-FFF2-40B4-BE49-F238E27FC236}">
+                <a16:creationId xmlns:a16="http://schemas.microsoft.com/office/drawing/2014/main" id="{D68803C4-E159-4360-B7BB-74205C8F782D}"/>
+              </a:ext>
+              <a:ext uri="{C183D7F6-B498-43B3-948B-1728B52AA6E4}">
+                <adec:decorative xmlns:adec="http://schemas.microsoft.com/office/drawing/2017/decorative" val="1"/>
+              </a:ext>
+            </a:extLst>
+          </p:cNvPr>
+          <p:cNvSpPr>
+            <a:spLocks noGrp="1" noRot="1" noChangeAspect="1" noMove="1" noResize="1" noEditPoints="1" noAdjustHandles="1" noChangeArrowheads="1" noChangeShapeType="1" noTextEdit="1"/>
+          </p:cNvSpPr>
+          <p:nvPr>
+            <p:extLst>
+              <p:ext uri="{386F3935-93C4-4BCD-93E2-E3B085C9AB24}">
+                <p16:designElem xmlns:p16="http://schemas.microsoft.com/office/powerpoint/2015/main" val="1"/>
+              </p:ext>
+            </p:extLst>
+          </p:nvPr>
+        </p:nvSpPr>
+        <p:spPr>
+          <a:xfrm>
+            <a:off x="984504" y="601952"/>
+            <a:ext cx="10222992" cy="1385874"/>
+          </a:xfrm>
+          <a:prstGeom prst="rect">
+            <a:avLst/>
+          </a:prstGeom>
+          <a:blipFill dpi="0" rotWithShape="1">
+            <a:blip r:embed="rId2">
+              <a:alphaModFix amt="85000"/>
+              <a:lum bright="70000" contrast="-70000"/>
+              <a:extLst>
+                <a:ext uri="{BEBA8EAE-BF5A-486C-A8C5-ECC9F3942E4B}">
+                  <a14:imgProps xmlns:a14="http://schemas.microsoft.com/office/drawing/2010/main">
+                    <a14:imgLayer r:embed="rId3">
+                      <a14:imgEffect>
+                        <a14:sharpenSoften amount="61000"/>
+                      </a14:imgEffect>
+                    </a14:imgLayer>
+                  </a14:imgProps>
+                </a:ext>
+                <a:ext uri="{28A0092B-C50C-407E-A947-70E740481C1C}">
+                  <a14:useLocalDpi xmlns:a14="http://schemas.microsoft.com/office/drawing/2010/main" val="0"/>
+                </a:ext>
+              </a:extLst>
+            </a:blip>
+            <a:srcRect/>
+            <a:tile tx="0" ty="-704850" sx="92000" sy="89000" flip="xy" algn="ctr"/>
+          </a:blipFill>
+          <a:ln>
+            <a:noFill/>
+          </a:ln>
+        </p:spPr>
+        <p:style>
+          <a:lnRef idx="2">
+            <a:schemeClr val="accent1">
+              <a:shade val="50000"/>
+            </a:schemeClr>
+          </a:lnRef>
+          <a:fillRef idx="1">
+            <a:schemeClr val="accent1"/>
+          </a:fillRef>
+          <a:effectRef idx="0">
+            <a:schemeClr val="accent1"/>
+          </a:effectRef>
+          <a:fontRef idx="minor">
+            <a:schemeClr val="lt1"/>
+          </a:fontRef>
+        </p:style>
+      </p:sp>
+      <p:sp>
+        <p:nvSpPr>
+          <p:cNvPr id="14" name="Rectangle 13">
+            <a:extLst>
+              <a:ext uri="{FF2B5EF4-FFF2-40B4-BE49-F238E27FC236}">
+                <a16:creationId xmlns:a16="http://schemas.microsoft.com/office/drawing/2014/main" id="{504B0465-3B07-49BF-BEA7-D81476246293}"/>
+              </a:ext>
+              <a:ext uri="{C183D7F6-B498-43B3-948B-1728B52AA6E4}">
+                <adec:decorative xmlns:adec="http://schemas.microsoft.com/office/drawing/2017/decorative" val="1"/>
+              </a:ext>
+            </a:extLst>
+          </p:cNvPr>
+          <p:cNvSpPr>
+            <a:spLocks noGrp="1" noRot="1" noChangeAspect="1" noMove="1" noResize="1" noEditPoints="1" noAdjustHandles="1" noChangeArrowheads="1" noChangeShapeType="1" noTextEdit="1"/>
+          </p:cNvSpPr>
+          <p:nvPr>
+            <p:extLst>
+              <p:ext uri="{386F3935-93C4-4BCD-93E2-E3B085C9AB24}">
+                <p16:designElem xmlns:p16="http://schemas.microsoft.com/office/powerpoint/2015/main" val="1"/>
+              </p:ext>
+            </p:extLst>
+          </p:nvPr>
+        </p:nvSpPr>
+        <p:spPr>
+          <a:xfrm>
+            <a:off x="984504" y="2038655"/>
+            <a:ext cx="10222992" cy="80683"/>
+          </a:xfrm>
+          <a:prstGeom prst="rect">
+            <a:avLst/>
+          </a:prstGeom>
+          <a:blipFill dpi="0" rotWithShape="1">
+            <a:blip r:embed="rId2">
+              <a:alphaModFix amt="85000"/>
+              <a:lum bright="70000" contrast="-70000"/>
+              <a:extLst>
+                <a:ext uri="{BEBA8EAE-BF5A-486C-A8C5-ECC9F3942E4B}">
+                  <a14:imgProps xmlns:a14="http://schemas.microsoft.com/office/drawing/2010/main">
+                    <a14:imgLayer r:embed="rId3">
+                      <a14:imgEffect>
+                        <a14:sharpenSoften amount="61000"/>
+                      </a14:imgEffect>
+                    </a14:imgLayer>
+                  </a14:imgProps>
+                </a:ext>
+                <a:ext uri="{28A0092B-C50C-407E-A947-70E740481C1C}">
+                  <a14:useLocalDpi xmlns:a14="http://schemas.microsoft.com/office/drawing/2010/main" val="0"/>
+                </a:ext>
+              </a:extLst>
+            </a:blip>
+            <a:srcRect/>
+            <a:tile tx="0" ty="-717550" sx="92000" sy="89000" flip="xy" algn="ctr"/>
+          </a:blipFill>
+          <a:ln>
+            <a:noFill/>
+          </a:ln>
+        </p:spPr>
+        <p:style>
+          <a:lnRef idx="2">
+            <a:schemeClr val="accent1">
+              <a:shade val="50000"/>
+            </a:schemeClr>
+          </a:lnRef>
+          <a:fillRef idx="1">
+            <a:schemeClr val="accent1"/>
+          </a:fillRef>
+          <a:effectRef idx="0">
+            <a:schemeClr val="accent1"/>
+          </a:effectRef>
+          <a:fontRef idx="minor">
+            <a:schemeClr val="lt1"/>
+          </a:fontRef>
+        </p:style>
+      </p:sp>
+      <p:sp>
+        <p:nvSpPr>
+          <p:cNvPr id="2" name="Title 1">
+            <a:extLst>
+              <a:ext uri="{FF2B5EF4-FFF2-40B4-BE49-F238E27FC236}">
+                <a16:creationId xmlns:a16="http://schemas.microsoft.com/office/drawing/2014/main" id="{5B3F46C4-B0D6-8975-180E-796ACDCACDC9}"/>
+              </a:ext>
+            </a:extLst>
+          </p:cNvPr>
+          <p:cNvSpPr>
+            <a:spLocks noGrp="1"/>
+          </p:cNvSpPr>
+          <p:nvPr>
+            <p:ph type="title"/>
+          </p:nvPr>
+        </p:nvSpPr>
+        <p:spPr>
+          <a:xfrm>
+            <a:off x="1069848" y="484632"/>
+            <a:ext cx="10058400" cy="1609344"/>
+          </a:xfrm>
+        </p:spPr>
+        <p:txBody>
+          <a:bodyPr>
+            <a:normAutofit/>
+          </a:bodyPr>
+          <a:lstStyle/>
+          <a:p>
+            <a:r>
+              <a:rPr lang="en-US" sz="6000" dirty="0"/>
+              <a:t>Your Character</a:t>
+            </a:r>
+          </a:p>
+        </p:txBody>
+      </p:sp>
+      <p:sp>
+        <p:nvSpPr>
+          <p:cNvPr id="3" name="Content Placeholder 2">
+            <a:extLst>
+              <a:ext uri="{FF2B5EF4-FFF2-40B4-BE49-F238E27FC236}">
+                <a16:creationId xmlns:a16="http://schemas.microsoft.com/office/drawing/2014/main" id="{0B2C822E-B911-23CE-AA67-BF57812AA9F0}"/>
+              </a:ext>
+            </a:extLst>
+          </p:cNvPr>
+          <p:cNvSpPr>
+            <a:spLocks noGrp="1"/>
+          </p:cNvSpPr>
+          <p:nvPr>
+            <p:ph idx="1"/>
+          </p:nvPr>
+        </p:nvSpPr>
+        <p:spPr>
+          <a:xfrm>
+            <a:off x="1069848" y="2320412"/>
+            <a:ext cx="10058400" cy="4337277"/>
+          </a:xfrm>
+        </p:spPr>
+        <p:txBody>
+          <a:bodyPr>
+            <a:noAutofit/>
+          </a:bodyPr>
+          <a:lstStyle/>
+          <a:p>
+            <a:pPr marL="0" indent="0">
+              <a:spcBef>
+                <a:spcPts val="0"/>
+              </a:spcBef>
+              <a:buNone/>
+            </a:pPr>
+            <a:r>
+              <a:rPr lang="en-US" i="1" dirty="0"/>
+              <a:t>Read out the below to introduce yourself:</a:t>
+            </a:r>
+          </a:p>
+          <a:p>
+            <a:pPr marL="0" indent="0">
+              <a:spcBef>
+                <a:spcPts val="0"/>
+              </a:spcBef>
+              <a:buNone/>
+            </a:pPr>
+            <a:endParaRPr lang="en-US" sz="1600" dirty="0"/>
+          </a:p>
+          <a:p>
+            <a:pPr marL="0" indent="0">
+              <a:spcBef>
+                <a:spcPts val="0"/>
+              </a:spcBef>
+              <a:spcAft>
+                <a:spcPts val="600"/>
+              </a:spcAft>
+              <a:buNone/>
+            </a:pPr>
+            <a:r>
+              <a:rPr lang="en-US" i="1" dirty="0"/>
+              <a:t>Name:</a:t>
+            </a:r>
+          </a:p>
+          <a:p>
+            <a:pPr marL="0" indent="0">
+              <a:spcBef>
+                <a:spcPts val="0"/>
+              </a:spcBef>
+              <a:buNone/>
+            </a:pPr>
+            <a:r>
+              <a:rPr lang="en-US" sz="2800" dirty="0">
+                <a:solidFill>
+                  <a:schemeClr val="accent2"/>
+                </a:solidFill>
+              </a:rPr>
+              <a:t>Joe Della Maggiore</a:t>
+            </a:r>
+          </a:p>
+          <a:p>
+            <a:pPr marL="0" indent="0">
+              <a:spcBef>
+                <a:spcPts val="0"/>
+              </a:spcBef>
+              <a:buNone/>
+            </a:pPr>
+            <a:endParaRPr lang="en-US" sz="1600" dirty="0"/>
+          </a:p>
+          <a:p>
+            <a:pPr marL="0" indent="0">
+              <a:spcBef>
+                <a:spcPts val="0"/>
+              </a:spcBef>
+              <a:spcAft>
+                <a:spcPts val="600"/>
+              </a:spcAft>
+              <a:buNone/>
+            </a:pPr>
+            <a:r>
+              <a:rPr lang="en-US" i="1" dirty="0"/>
+              <a:t>Occupation:</a:t>
+            </a:r>
+          </a:p>
+          <a:p>
+            <a:pPr marL="0" indent="0">
+              <a:spcBef>
+                <a:spcPts val="0"/>
+              </a:spcBef>
+              <a:buNone/>
+            </a:pPr>
+            <a:r>
+              <a:rPr lang="en-US" sz="2800" dirty="0">
+                <a:solidFill>
+                  <a:schemeClr val="accent2"/>
+                </a:solidFill>
+              </a:rPr>
+              <a:t>Mechanic</a:t>
+            </a:r>
+          </a:p>
+          <a:p>
+            <a:pPr marL="0" indent="0">
+              <a:spcBef>
+                <a:spcPts val="0"/>
+              </a:spcBef>
+              <a:buNone/>
+            </a:pPr>
+            <a:endParaRPr lang="en-US" sz="1600" dirty="0"/>
+          </a:p>
+          <a:p>
+            <a:pPr marL="0" indent="0">
+              <a:spcBef>
+                <a:spcPts val="0"/>
+              </a:spcBef>
+              <a:spcAft>
+                <a:spcPts val="600"/>
+              </a:spcAft>
+              <a:buNone/>
+            </a:pPr>
+            <a:r>
+              <a:rPr lang="en-US" i="1" dirty="0"/>
+              <a:t>Background:</a:t>
+            </a:r>
+          </a:p>
+          <a:p>
+            <a:pPr marL="0" indent="0">
+              <a:spcBef>
+                <a:spcPts val="0"/>
+              </a:spcBef>
+              <a:buNone/>
+            </a:pPr>
+            <a:r>
+              <a:rPr lang="en-US" sz="2400" dirty="0">
+                <a:solidFill>
+                  <a:schemeClr val="accent2"/>
+                </a:solidFill>
+              </a:rPr>
+              <a:t>If you ever imagines acting earlier in your life, even though you always likes to play pretend as a child, but now you’ve taken to it wholeheartedly. One day, you’d like to travel the world with a theater group. You live your whole life as if you were overacting in a play.</a:t>
+            </a:r>
+          </a:p>
+        </p:txBody>
+      </p:sp>
+      <p:sp>
+        <p:nvSpPr>
+          <p:cNvPr id="16" name="Oval 15">
+            <a:extLst>
+              <a:ext uri="{FF2B5EF4-FFF2-40B4-BE49-F238E27FC236}">
+                <a16:creationId xmlns:a16="http://schemas.microsoft.com/office/drawing/2014/main" id="{49B7FFA5-14CB-4A4F-9BCC-CA3AA5D9D276}"/>
+              </a:ext>
+              <a:ext uri="{C183D7F6-B498-43B3-948B-1728B52AA6E4}">
+                <adec:decorative xmlns:adec="http://schemas.microsoft.com/office/drawing/2017/decorative" val="1"/>
+              </a:ext>
+            </a:extLst>
+          </p:cNvPr>
+          <p:cNvSpPr>
+            <a:spLocks noGrp="1" noRot="1" noChangeAspect="1" noMove="1" noResize="1" noEditPoints="1" noAdjustHandles="1" noChangeArrowheads="1" noChangeShapeType="1" noTextEdit="1"/>
+          </p:cNvSpPr>
+          <p:nvPr>
+            <p:extLst>
+              <p:ext uri="{386F3935-93C4-4BCD-93E2-E3B085C9AB24}">
+                <p16:designElem xmlns:p16="http://schemas.microsoft.com/office/powerpoint/2015/main" val="1"/>
+              </p:ext>
+            </p:extLst>
+          </p:nvPr>
+        </p:nvSpPr>
+        <p:spPr>
+          <a:xfrm>
+            <a:off x="11401725" y="6229681"/>
+            <a:ext cx="457200" cy="457200"/>
+          </a:xfrm>
+          <a:prstGeom prst="ellipse">
+            <a:avLst/>
+          </a:prstGeom>
+          <a:blipFill dpi="0" rotWithShape="1">
+            <a:blip r:embed="rId4">
+              <a:duotone>
+                <a:schemeClr val="accent1">
+                  <a:shade val="45000"/>
+                  <a:satMod val="135000"/>
+                </a:schemeClr>
+                <a:prstClr val="white"/>
+              </a:duotone>
+            </a:blip>
+            <a:srcRect/>
+            <a:tile tx="50800" ty="0" sx="85000" sy="85000" flip="none" algn="tl"/>
+          </a:blipFill>
+          <a:ln w="25400" cap="flat" cmpd="sng" algn="ctr">
+            <a:noFill/>
+            <a:prstDash val="solid"/>
+          </a:ln>
+          <a:effectLst/>
+        </p:spPr>
+        <p:txBody>
+          <a:bodyPr lIns="0" tIns="0" rIns="0" bIns="0" rtlCol="0" anchor="ctr"/>
+          <a:lstStyle/>
+          <a:p>
+            <a:pPr marL="0" marR="0" lvl="0" indent="0" algn="ctr" defTabSz="914400" eaLnBrk="1" fontAlgn="auto" latinLnBrk="0" hangingPunct="1">
+              <a:lnSpc>
+                <a:spcPct val="100000"/>
+              </a:lnSpc>
+              <a:spcBef>
+                <a:spcPts val="0"/>
+              </a:spcBef>
+              <a:spcAft>
+                <a:spcPts val="0"/>
+              </a:spcAft>
+              <a:buClrTx/>
+              <a:buSzTx/>
+              <a:buFontTx/>
+              <a:buNone/>
+              <a:tabLst/>
+              <a:defRPr/>
+            </a:pPr>
+            <a:endParaRPr kumimoji="0" lang="en-US" sz="2000" b="0" i="0" u="none" strike="noStrike" kern="0" cap="none" spc="0" normalizeH="0" baseline="0" noProof="0" dirty="0">
+              <a:ln>
+                <a:noFill/>
+              </a:ln>
+              <a:solidFill>
+                <a:prstClr val="white"/>
+              </a:solidFill>
+              <a:effectLst/>
+              <a:uLnTx/>
+              <a:uFillTx/>
+              <a:latin typeface="Rockwell Extra Bold" pitchFamily="18" charset="0"/>
+              <a:ea typeface="+mn-ea"/>
+              <a:cs typeface="+mn-cs"/>
+            </a:endParaRPr>
+          </a:p>
+        </p:txBody>
+      </p:sp>
+      <p:sp>
+        <p:nvSpPr>
+          <p:cNvPr id="18" name="Oval 17">
+            <a:extLst>
+              <a:ext uri="{FF2B5EF4-FFF2-40B4-BE49-F238E27FC236}">
+                <a16:creationId xmlns:a16="http://schemas.microsoft.com/office/drawing/2014/main" id="{04E48745-7512-4EC2-9E20-9092D12150CA}"/>
+              </a:ext>
+              <a:ext uri="{C183D7F6-B498-43B3-948B-1728B52AA6E4}">
+                <adec:decorative xmlns:adec="http://schemas.microsoft.com/office/drawing/2017/decorative" val="1"/>
+              </a:ext>
+            </a:extLst>
+          </p:cNvPr>
+          <p:cNvSpPr>
+            <a:spLocks noGrp="1" noRot="1" noChangeAspect="1" noMove="1" noResize="1" noEditPoints="1" noAdjustHandles="1" noChangeArrowheads="1" noChangeShapeType="1" noTextEdit="1"/>
+          </p:cNvSpPr>
+          <p:nvPr>
+            <p:extLst>
+              <p:ext uri="{386F3935-93C4-4BCD-93E2-E3B085C9AB24}">
+                <p16:designElem xmlns:p16="http://schemas.microsoft.com/office/powerpoint/2015/main" val="1"/>
+              </p:ext>
+            </p:extLst>
+          </p:nvPr>
+        </p:nvSpPr>
+        <p:spPr>
+          <a:xfrm>
+            <a:off x="11430918" y="6258874"/>
+            <a:ext cx="398813" cy="398815"/>
+          </a:xfrm>
+          <a:prstGeom prst="ellipse">
+            <a:avLst/>
+          </a:prstGeom>
+          <a:noFill/>
+          <a:ln w="12700" cap="flat" cmpd="sng" algn="ctr">
+            <a:solidFill>
+              <a:srgbClr val="FFFFFF"/>
+            </a:solidFill>
+            <a:prstDash val="solid"/>
+          </a:ln>
+          <a:effectLst/>
+        </p:spPr>
+        <p:txBody>
+          <a:bodyPr rtlCol="0" anchor="ctr"/>
+          <a:lstStyle/>
+          <a:p>
+            <a:pPr marL="0" marR="0" lvl="0" indent="0" algn="ctr" defTabSz="914400" eaLnBrk="1" fontAlgn="auto" latinLnBrk="0" hangingPunct="1">
+              <a:lnSpc>
+                <a:spcPct val="100000"/>
+              </a:lnSpc>
+              <a:spcBef>
+                <a:spcPts val="0"/>
+              </a:spcBef>
+              <a:spcAft>
+                <a:spcPts val="0"/>
+              </a:spcAft>
+              <a:buClrTx/>
+              <a:buSzTx/>
+              <a:buFontTx/>
+              <a:buNone/>
+              <a:tabLst/>
+              <a:defRPr/>
+            </a:pPr>
+            <a:endParaRPr kumimoji="0" lang="en-US" sz="1800" b="0" i="0" u="none" strike="noStrike" kern="0" cap="none" spc="0" normalizeH="0" baseline="0" noProof="0" dirty="0">
+              <a:ln>
+                <a:noFill/>
+              </a:ln>
+              <a:solidFill>
+                <a:prstClr val="white"/>
+              </a:solidFill>
+              <a:effectLst/>
+              <a:uLnTx/>
+              <a:uFillTx/>
+              <a:latin typeface="Calibri"/>
+              <a:ea typeface="+mn-ea"/>
+              <a:cs typeface="+mn-cs"/>
+            </a:endParaRPr>
+          </a:p>
+        </p:txBody>
+      </p:sp>
+    </p:spTree>
+    <p:extLst>
+      <p:ext uri="{BB962C8B-B14F-4D97-AF65-F5344CB8AC3E}">
+        <p14:creationId xmlns:p14="http://schemas.microsoft.com/office/powerpoint/2010/main" val="3645064277"/>
+      </p:ext>
+    </p:extLst>
+  </p:cSld>
+  <p:clrMapOvr>
+    <a:masterClrMapping/>
+  </p:clrMapOvr>
+</p:sld>
+</file>
+
+<file path=ppt/slides/slide6.xml><?xml version="1.0" encoding="utf-8"?>
+<p:sld xmlns:a="http://schemas.openxmlformats.org/drawingml/2006/main" xmlns:r="http://schemas.openxmlformats.org/officeDocument/2006/relationships" xmlns:p="http://schemas.openxmlformats.org/presentationml/2006/main">
+  <p:cSld>
+    <p:bg>
+      <p:bgPr>
+        <a:solidFill>
+          <a:schemeClr val="bg1"/>
+        </a:solidFill>
+        <a:effectLst/>
+      </p:bgPr>
+    </p:bg>
+    <p:spTree>
+      <p:nvGrpSpPr>
+        <p:cNvPr id="1" name=""/>
+        <p:cNvGrpSpPr/>
+        <p:nvPr/>
+      </p:nvGrpSpPr>
+      <p:grpSpPr>
+        <a:xfrm>
+          <a:off x="0" y="0"/>
+          <a:ext cx="0" cy="0"/>
+          <a:chOff x="0" y="0"/>
+          <a:chExt cx="0" cy="0"/>
+        </a:xfrm>
+      </p:grpSpPr>
+      <p:sp useBgFill="1">
+        <p:nvSpPr>
+          <p:cNvPr id="8" name="Rectangle 7">
+            <a:extLst>
+              <a:ext uri="{FF2B5EF4-FFF2-40B4-BE49-F238E27FC236}">
+                <a16:creationId xmlns:a16="http://schemas.microsoft.com/office/drawing/2014/main" id="{E009DD9B-5EE2-4C0D-8B2B-351C8C102205}"/>
+              </a:ext>
+              <a:ext uri="{C183D7F6-B498-43B3-948B-1728B52AA6E4}">
+                <adec:decorative xmlns:adec="http://schemas.microsoft.com/office/drawing/2017/decorative" val="1"/>
+              </a:ext>
+            </a:extLst>
+          </p:cNvPr>
+          <p:cNvSpPr>
+            <a:spLocks noGrp="1" noRot="1" noChangeAspect="1" noMove="1" noResize="1" noEditPoints="1" noAdjustHandles="1" noChangeArrowheads="1" noChangeShapeType="1" noTextEdit="1"/>
+          </p:cNvSpPr>
+          <p:nvPr>
+            <p:extLst>
+              <p:ext uri="{386F3935-93C4-4BCD-93E2-E3B085C9AB24}">
+                <p16:designElem xmlns:p16="http://schemas.microsoft.com/office/powerpoint/2015/main" val="1"/>
+              </p:ext>
+            </p:extLst>
+          </p:nvPr>
+        </p:nvSpPr>
+        <p:spPr>
+          <a:xfrm>
+            <a:off x="0" y="0"/>
+            <a:ext cx="12192000" cy="6858000"/>
+          </a:xfrm>
+          <a:prstGeom prst="rect">
+            <a:avLst/>
+          </a:prstGeom>
+          <a:ln>
+            <a:noFill/>
+          </a:ln>
+        </p:spPr>
+        <p:style>
+          <a:lnRef idx="2">
+            <a:schemeClr val="accent1">
+              <a:shade val="50000"/>
+            </a:schemeClr>
+          </a:lnRef>
+          <a:fillRef idx="1">
+            <a:schemeClr val="accent1"/>
+          </a:fillRef>
+          <a:effectRef idx="0">
+            <a:schemeClr val="accent1"/>
+          </a:effectRef>
+          <a:fontRef idx="minor">
+            <a:schemeClr val="lt1"/>
+          </a:fontRef>
+        </p:style>
+        <p:txBody>
+          <a:bodyPr rtlCol="0" anchor="ctr"/>
+          <a:lstStyle/>
+          <a:p>
+            <a:pPr algn="ctr"/>
+            <a:endParaRPr lang="en-US"/>
+          </a:p>
+        </p:txBody>
+      </p:sp>
+      <p:sp>
+        <p:nvSpPr>
+          <p:cNvPr id="10" name="Rectangle 9">
+            <a:extLst>
+              <a:ext uri="{FF2B5EF4-FFF2-40B4-BE49-F238E27FC236}">
+                <a16:creationId xmlns:a16="http://schemas.microsoft.com/office/drawing/2014/main" id="{E720DB99-7745-4E75-9D96-AAB6D55C531E}"/>
+              </a:ext>
+              <a:ext uri="{C183D7F6-B498-43B3-948B-1728B52AA6E4}">
+                <adec:decorative xmlns:adec="http://schemas.microsoft.com/office/drawing/2017/decorative" val="1"/>
+              </a:ext>
+            </a:extLst>
+          </p:cNvPr>
+          <p:cNvSpPr>
+            <a:spLocks noGrp="1" noRot="1" noChangeAspect="1" noMove="1" noResize="1" noEditPoints="1" noAdjustHandles="1" noChangeArrowheads="1" noChangeShapeType="1" noTextEdit="1"/>
+          </p:cNvSpPr>
+          <p:nvPr>
+            <p:extLst>
+              <p:ext uri="{386F3935-93C4-4BCD-93E2-E3B085C9AB24}">
+                <p16:designElem xmlns:p16="http://schemas.microsoft.com/office/powerpoint/2015/main" val="1"/>
+              </p:ext>
+            </p:extLst>
+          </p:nvPr>
+        </p:nvSpPr>
+        <p:spPr>
+          <a:xfrm>
+            <a:off x="984504" y="464119"/>
+            <a:ext cx="10222992" cy="80683"/>
+          </a:xfrm>
+          <a:prstGeom prst="rect">
+            <a:avLst/>
+          </a:prstGeom>
+          <a:blipFill dpi="0" rotWithShape="1">
+            <a:blip r:embed="rId3">
+              <a:alphaModFix amt="85000"/>
+              <a:lum bright="70000" contrast="-70000"/>
+              <a:extLst>
+                <a:ext uri="{BEBA8EAE-BF5A-486C-A8C5-ECC9F3942E4B}">
+                  <a14:imgProps xmlns:a14="http://schemas.microsoft.com/office/drawing/2010/main">
+                    <a14:imgLayer r:embed="rId4">
+                      <a14:imgEffect>
+                        <a14:sharpenSoften amount="61000"/>
+                      </a14:imgEffect>
+                    </a14:imgLayer>
+                  </a14:imgProps>
+                </a:ext>
+                <a:ext uri="{28A0092B-C50C-407E-A947-70E740481C1C}">
+                  <a14:useLocalDpi xmlns:a14="http://schemas.microsoft.com/office/drawing/2010/main" val="0"/>
+                </a:ext>
+              </a:extLst>
+            </a:blip>
+            <a:srcRect/>
+            <a:tile tx="0" ty="-762000" sx="92000" sy="89000" flip="xy" algn="ctr"/>
+          </a:blipFill>
+          <a:ln>
+            <a:noFill/>
+          </a:ln>
+        </p:spPr>
+        <p:style>
+          <a:lnRef idx="2">
+            <a:schemeClr val="accent1">
+              <a:shade val="50000"/>
+            </a:schemeClr>
+          </a:lnRef>
+          <a:fillRef idx="1">
+            <a:schemeClr val="accent1"/>
+          </a:fillRef>
+          <a:effectRef idx="0">
+            <a:schemeClr val="accent1"/>
+          </a:effectRef>
+          <a:fontRef idx="minor">
+            <a:schemeClr val="lt1"/>
+          </a:fontRef>
+        </p:style>
+      </p:sp>
+      <p:sp>
+        <p:nvSpPr>
+          <p:cNvPr id="12" name="Rectangle 11">
+            <a:extLst>
+              <a:ext uri="{FF2B5EF4-FFF2-40B4-BE49-F238E27FC236}">
+                <a16:creationId xmlns:a16="http://schemas.microsoft.com/office/drawing/2014/main" id="{D68803C4-E159-4360-B7BB-74205C8F782D}"/>
+              </a:ext>
+              <a:ext uri="{C183D7F6-B498-43B3-948B-1728B52AA6E4}">
+                <adec:decorative xmlns:adec="http://schemas.microsoft.com/office/drawing/2017/decorative" val="1"/>
+              </a:ext>
+            </a:extLst>
+          </p:cNvPr>
+          <p:cNvSpPr>
+            <a:spLocks noGrp="1" noRot="1" noChangeAspect="1" noMove="1" noResize="1" noEditPoints="1" noAdjustHandles="1" noChangeArrowheads="1" noChangeShapeType="1" noTextEdit="1"/>
+          </p:cNvSpPr>
+          <p:nvPr>
+            <p:extLst>
+              <p:ext uri="{386F3935-93C4-4BCD-93E2-E3B085C9AB24}">
+                <p16:designElem xmlns:p16="http://schemas.microsoft.com/office/powerpoint/2015/main" val="1"/>
+              </p:ext>
+            </p:extLst>
+          </p:nvPr>
+        </p:nvSpPr>
+        <p:spPr>
+          <a:xfrm>
+            <a:off x="984504" y="601952"/>
+            <a:ext cx="10222992" cy="1385874"/>
+          </a:xfrm>
+          <a:prstGeom prst="rect">
+            <a:avLst/>
+          </a:prstGeom>
+          <a:blipFill dpi="0" rotWithShape="1">
+            <a:blip r:embed="rId3">
+              <a:alphaModFix amt="85000"/>
+              <a:lum bright="70000" contrast="-70000"/>
+              <a:extLst>
+                <a:ext uri="{BEBA8EAE-BF5A-486C-A8C5-ECC9F3942E4B}">
+                  <a14:imgProps xmlns:a14="http://schemas.microsoft.com/office/drawing/2010/main">
+                    <a14:imgLayer r:embed="rId4">
+                      <a14:imgEffect>
+                        <a14:sharpenSoften amount="61000"/>
+                      </a14:imgEffect>
+                    </a14:imgLayer>
+                  </a14:imgProps>
+                </a:ext>
+                <a:ext uri="{28A0092B-C50C-407E-A947-70E740481C1C}">
+                  <a14:useLocalDpi xmlns:a14="http://schemas.microsoft.com/office/drawing/2010/main" val="0"/>
+                </a:ext>
+              </a:extLst>
+            </a:blip>
+            <a:srcRect/>
+            <a:tile tx="0" ty="-704850" sx="92000" sy="89000" flip="xy" algn="ctr"/>
+          </a:blipFill>
+          <a:ln>
+            <a:noFill/>
+          </a:ln>
+        </p:spPr>
+        <p:style>
+          <a:lnRef idx="2">
+            <a:schemeClr val="accent1">
+              <a:shade val="50000"/>
+            </a:schemeClr>
+          </a:lnRef>
+          <a:fillRef idx="1">
+            <a:schemeClr val="accent1"/>
+          </a:fillRef>
+          <a:effectRef idx="0">
+            <a:schemeClr val="accent1"/>
+          </a:effectRef>
+          <a:fontRef idx="minor">
+            <a:schemeClr val="lt1"/>
+          </a:fontRef>
+        </p:style>
+      </p:sp>
+      <p:sp>
+        <p:nvSpPr>
+          <p:cNvPr id="14" name="Rectangle 13">
+            <a:extLst>
+              <a:ext uri="{FF2B5EF4-FFF2-40B4-BE49-F238E27FC236}">
+                <a16:creationId xmlns:a16="http://schemas.microsoft.com/office/drawing/2014/main" id="{504B0465-3B07-49BF-BEA7-D81476246293}"/>
+              </a:ext>
+              <a:ext uri="{C183D7F6-B498-43B3-948B-1728B52AA6E4}">
+                <adec:decorative xmlns:adec="http://schemas.microsoft.com/office/drawing/2017/decorative" val="1"/>
+              </a:ext>
+            </a:extLst>
+          </p:cNvPr>
+          <p:cNvSpPr>
+            <a:spLocks noGrp="1" noRot="1" noChangeAspect="1" noMove="1" noResize="1" noEditPoints="1" noAdjustHandles="1" noChangeArrowheads="1" noChangeShapeType="1" noTextEdit="1"/>
+          </p:cNvSpPr>
+          <p:nvPr>
+            <p:extLst>
+              <p:ext uri="{386F3935-93C4-4BCD-93E2-E3B085C9AB24}">
+                <p16:designElem xmlns:p16="http://schemas.microsoft.com/office/powerpoint/2015/main" val="1"/>
+              </p:ext>
+            </p:extLst>
+          </p:nvPr>
+        </p:nvSpPr>
+        <p:spPr>
+          <a:xfrm>
+            <a:off x="984504" y="2038655"/>
+            <a:ext cx="10222992" cy="80683"/>
+          </a:xfrm>
+          <a:prstGeom prst="rect">
+            <a:avLst/>
+          </a:prstGeom>
+          <a:blipFill dpi="0" rotWithShape="1">
+            <a:blip r:embed="rId3">
+              <a:alphaModFix amt="85000"/>
+              <a:lum bright="70000" contrast="-70000"/>
+              <a:extLst>
+                <a:ext uri="{BEBA8EAE-BF5A-486C-A8C5-ECC9F3942E4B}">
+                  <a14:imgProps xmlns:a14="http://schemas.microsoft.com/office/drawing/2010/main">
+                    <a14:imgLayer r:embed="rId4">
+                      <a14:imgEffect>
+                        <a14:sharpenSoften amount="61000"/>
+                      </a14:imgEffect>
+                    </a14:imgLayer>
+                  </a14:imgProps>
+                </a:ext>
+                <a:ext uri="{28A0092B-C50C-407E-A947-70E740481C1C}">
+                  <a14:useLocalDpi xmlns:a14="http://schemas.microsoft.com/office/drawing/2010/main" val="0"/>
+                </a:ext>
+              </a:extLst>
+            </a:blip>
+            <a:srcRect/>
+            <a:tile tx="0" ty="-717550" sx="92000" sy="89000" flip="xy" algn="ctr"/>
+          </a:blipFill>
+          <a:ln>
+            <a:noFill/>
+          </a:ln>
+        </p:spPr>
+        <p:style>
+          <a:lnRef idx="2">
+            <a:schemeClr val="accent1">
+              <a:shade val="50000"/>
+            </a:schemeClr>
+          </a:lnRef>
+          <a:fillRef idx="1">
+            <a:schemeClr val="accent1"/>
+          </a:fillRef>
+          <a:effectRef idx="0">
+            <a:schemeClr val="accent1"/>
+          </a:effectRef>
+          <a:fontRef idx="minor">
+            <a:schemeClr val="lt1"/>
+          </a:fontRef>
+        </p:style>
+      </p:sp>
+      <p:sp>
+        <p:nvSpPr>
+          <p:cNvPr id="2" name="Title 1">
+            <a:extLst>
+              <a:ext uri="{FF2B5EF4-FFF2-40B4-BE49-F238E27FC236}">
+                <a16:creationId xmlns:a16="http://schemas.microsoft.com/office/drawing/2014/main" id="{5B3F46C4-B0D6-8975-180E-796ACDCACDC9}"/>
+              </a:ext>
+            </a:extLst>
+          </p:cNvPr>
+          <p:cNvSpPr>
+            <a:spLocks noGrp="1"/>
+          </p:cNvSpPr>
+          <p:nvPr>
+            <p:ph type="title"/>
+          </p:nvPr>
+        </p:nvSpPr>
+        <p:spPr>
+          <a:xfrm>
+            <a:off x="1069848" y="484632"/>
+            <a:ext cx="10058400" cy="1609344"/>
+          </a:xfrm>
+        </p:spPr>
+        <p:txBody>
+          <a:bodyPr>
+            <a:normAutofit/>
+          </a:bodyPr>
+          <a:lstStyle/>
+          <a:p>
+            <a:pPr algn="ctr"/>
+            <a:r>
+              <a:rPr lang="en-US" sz="6000" dirty="0"/>
+              <a:t>Your Character</a:t>
+            </a:r>
+          </a:p>
+        </p:txBody>
+      </p:sp>
+      <p:sp>
+        <p:nvSpPr>
+          <p:cNvPr id="3" name="Content Placeholder 2">
+            <a:extLst>
+              <a:ext uri="{FF2B5EF4-FFF2-40B4-BE49-F238E27FC236}">
+                <a16:creationId xmlns:a16="http://schemas.microsoft.com/office/drawing/2014/main" id="{0B2C822E-B911-23CE-AA67-BF57812AA9F0}"/>
+              </a:ext>
+            </a:extLst>
+          </p:cNvPr>
+          <p:cNvSpPr>
+            <a:spLocks noGrp="1"/>
+          </p:cNvSpPr>
+          <p:nvPr>
+            <p:ph idx="1"/>
+          </p:nvPr>
+        </p:nvSpPr>
+        <p:spPr>
+          <a:xfrm>
+            <a:off x="334851" y="2320412"/>
+            <a:ext cx="11524074" cy="4337277"/>
+          </a:xfrm>
+        </p:spPr>
+        <p:txBody>
+          <a:bodyPr>
+            <a:noAutofit/>
+          </a:bodyPr>
+          <a:lstStyle/>
+          <a:p>
+            <a:pPr marL="0" indent="0" algn="ctr">
+              <a:spcBef>
+                <a:spcPts val="0"/>
+              </a:spcBef>
+              <a:buNone/>
+            </a:pPr>
+            <a:r>
+              <a:rPr lang="en-US" i="1" dirty="0"/>
+              <a:t>Read out the below to introduce yourself:</a:t>
+            </a:r>
+          </a:p>
+          <a:p>
+            <a:pPr marL="0" indent="0" algn="ctr">
+              <a:spcBef>
+                <a:spcPts val="0"/>
+              </a:spcBef>
+              <a:buNone/>
+            </a:pPr>
+            <a:endParaRPr lang="en-US" dirty="0"/>
+          </a:p>
+          <a:p>
+            <a:pPr marL="0" indent="0" algn="ctr">
+              <a:spcBef>
+                <a:spcPts val="0"/>
+              </a:spcBef>
+              <a:spcAft>
+                <a:spcPts val="600"/>
+              </a:spcAft>
+              <a:buNone/>
+            </a:pPr>
+            <a:r>
+              <a:rPr lang="en-US" i="1" dirty="0"/>
+              <a:t>Name:</a:t>
+            </a:r>
+          </a:p>
+          <a:p>
+            <a:pPr marL="0" indent="0" algn="ctr">
+              <a:spcBef>
+                <a:spcPts val="0"/>
+              </a:spcBef>
+              <a:buNone/>
+            </a:pPr>
+            <a:r>
+              <a:rPr lang="en-US" sz="2800" dirty="0">
+                <a:solidFill>
+                  <a:schemeClr val="accent2"/>
+                </a:solidFill>
+              </a:rPr>
+              <a:t>Dale Holland Jr.</a:t>
+            </a:r>
+          </a:p>
+          <a:p>
+            <a:pPr marL="0" indent="0" algn="ctr">
+              <a:spcBef>
+                <a:spcPts val="0"/>
+              </a:spcBef>
+              <a:buNone/>
+            </a:pPr>
+            <a:endParaRPr lang="en-US" dirty="0"/>
+          </a:p>
+          <a:p>
+            <a:pPr marL="0" indent="0" algn="ctr">
+              <a:spcBef>
+                <a:spcPts val="0"/>
+              </a:spcBef>
+              <a:spcAft>
+                <a:spcPts val="600"/>
+              </a:spcAft>
+              <a:buNone/>
+            </a:pPr>
+            <a:r>
+              <a:rPr lang="en-US" i="1" dirty="0"/>
+              <a:t>Occupation:</a:t>
+            </a:r>
+          </a:p>
+          <a:p>
+            <a:pPr marL="0" indent="0" algn="ctr">
+              <a:spcBef>
+                <a:spcPts val="0"/>
+              </a:spcBef>
+              <a:buNone/>
+            </a:pPr>
+            <a:r>
+              <a:rPr lang="en-US" sz="2800" dirty="0">
+                <a:solidFill>
+                  <a:schemeClr val="accent2"/>
+                </a:solidFill>
+              </a:rPr>
+              <a:t>Mechanic</a:t>
+            </a:r>
+          </a:p>
+          <a:p>
+            <a:pPr marL="0" indent="0" algn="ctr">
+              <a:spcBef>
+                <a:spcPts val="0"/>
+              </a:spcBef>
+              <a:buNone/>
+            </a:pPr>
+            <a:endParaRPr lang="en-US" dirty="0"/>
+          </a:p>
+          <a:p>
+            <a:pPr marL="0" indent="0" algn="ctr">
+              <a:spcBef>
+                <a:spcPts val="0"/>
+              </a:spcBef>
+              <a:spcAft>
+                <a:spcPts val="600"/>
+              </a:spcAft>
+              <a:buNone/>
+            </a:pPr>
+            <a:r>
+              <a:rPr lang="en-US" i="1" dirty="0"/>
+              <a:t>Background:</a:t>
+            </a:r>
+          </a:p>
+          <a:p>
+            <a:pPr marL="0" indent="0" algn="ctr">
+              <a:spcBef>
+                <a:spcPts val="0"/>
+              </a:spcBef>
+              <a:buNone/>
+            </a:pPr>
+            <a:r>
+              <a:rPr lang="en-US" sz="2400" dirty="0">
+                <a:solidFill>
+                  <a:schemeClr val="accent2"/>
+                </a:solidFill>
+              </a:rPr>
+              <a:t>If you ever imagines acting earlier in your life, even though you always likes to play pretend as a child, but now you’ve taken to it wholeheartedly. One day, you’d like to travel the world with a theater group. You live your whole life as if you were overacting in a play.</a:t>
+            </a:r>
+          </a:p>
+        </p:txBody>
+      </p:sp>
+      <p:sp>
+        <p:nvSpPr>
+          <p:cNvPr id="16" name="Oval 15">
+            <a:extLst>
+              <a:ext uri="{FF2B5EF4-FFF2-40B4-BE49-F238E27FC236}">
+                <a16:creationId xmlns:a16="http://schemas.microsoft.com/office/drawing/2014/main" id="{49B7FFA5-14CB-4A4F-9BCC-CA3AA5D9D276}"/>
+              </a:ext>
+              <a:ext uri="{C183D7F6-B498-43B3-948B-1728B52AA6E4}">
+                <adec:decorative xmlns:adec="http://schemas.microsoft.com/office/drawing/2017/decorative" val="1"/>
+              </a:ext>
+            </a:extLst>
+          </p:cNvPr>
+          <p:cNvSpPr>
+            <a:spLocks noGrp="1" noRot="1" noChangeAspect="1" noMove="1" noResize="1" noEditPoints="1" noAdjustHandles="1" noChangeArrowheads="1" noChangeShapeType="1" noTextEdit="1"/>
+          </p:cNvSpPr>
+          <p:nvPr>
+            <p:extLst>
+              <p:ext uri="{386F3935-93C4-4BCD-93E2-E3B085C9AB24}">
+                <p16:designElem xmlns:p16="http://schemas.microsoft.com/office/powerpoint/2015/main" val="1"/>
+              </p:ext>
+            </p:extLst>
+          </p:nvPr>
+        </p:nvSpPr>
+        <p:spPr>
+          <a:xfrm>
+            <a:off x="11401725" y="6229681"/>
+            <a:ext cx="457200" cy="457200"/>
+          </a:xfrm>
+          <a:prstGeom prst="ellipse">
+            <a:avLst/>
+          </a:prstGeom>
+          <a:blipFill dpi="0" rotWithShape="1">
+            <a:blip r:embed="rId5">
+              <a:duotone>
+                <a:schemeClr val="accent1">
+                  <a:shade val="45000"/>
+                  <a:satMod val="135000"/>
+                </a:schemeClr>
+                <a:prstClr val="white"/>
+              </a:duotone>
+            </a:blip>
+            <a:srcRect/>
+            <a:tile tx="50800" ty="0" sx="85000" sy="85000" flip="none" algn="tl"/>
+          </a:blipFill>
+          <a:ln w="25400" cap="flat" cmpd="sng" algn="ctr">
+            <a:noFill/>
+            <a:prstDash val="solid"/>
+          </a:ln>
+          <a:effectLst/>
+        </p:spPr>
+        <p:txBody>
+          <a:bodyPr lIns="0" tIns="0" rIns="0" bIns="0" rtlCol="0" anchor="ctr"/>
+          <a:lstStyle/>
+          <a:p>
+            <a:pPr marL="0" marR="0" lvl="0" indent="0" algn="ctr" defTabSz="914400" eaLnBrk="1" fontAlgn="auto" latinLnBrk="0" hangingPunct="1">
+              <a:lnSpc>
+                <a:spcPct val="100000"/>
+              </a:lnSpc>
+              <a:spcBef>
+                <a:spcPts val="0"/>
+              </a:spcBef>
+              <a:spcAft>
+                <a:spcPts val="0"/>
+              </a:spcAft>
+              <a:buClrTx/>
+              <a:buSzTx/>
+              <a:buFontTx/>
+              <a:buNone/>
+              <a:tabLst/>
+              <a:defRPr/>
+            </a:pPr>
+            <a:endParaRPr kumimoji="0" lang="en-US" sz="2000" b="0" i="0" u="none" strike="noStrike" kern="0" cap="none" spc="0" normalizeH="0" baseline="0" noProof="0" dirty="0">
+              <a:ln>
+                <a:noFill/>
+              </a:ln>
+              <a:solidFill>
+                <a:prstClr val="white"/>
+              </a:solidFill>
+              <a:effectLst/>
+              <a:uLnTx/>
+              <a:uFillTx/>
+              <a:latin typeface="Rockwell Extra Bold" pitchFamily="18" charset="0"/>
+              <a:ea typeface="+mn-ea"/>
+              <a:cs typeface="+mn-cs"/>
+            </a:endParaRPr>
+          </a:p>
+        </p:txBody>
+      </p:sp>
+      <p:sp>
+        <p:nvSpPr>
+          <p:cNvPr id="18" name="Oval 17">
+            <a:extLst>
+              <a:ext uri="{FF2B5EF4-FFF2-40B4-BE49-F238E27FC236}">
+                <a16:creationId xmlns:a16="http://schemas.microsoft.com/office/drawing/2014/main" id="{04E48745-7512-4EC2-9E20-9092D12150CA}"/>
+              </a:ext>
+              <a:ext uri="{C183D7F6-B498-43B3-948B-1728B52AA6E4}">
+                <adec:decorative xmlns:adec="http://schemas.microsoft.com/office/drawing/2017/decorative" val="1"/>
+              </a:ext>
+            </a:extLst>
+          </p:cNvPr>
+          <p:cNvSpPr>
+            <a:spLocks noGrp="1" noRot="1" noChangeAspect="1" noMove="1" noResize="1" noEditPoints="1" noAdjustHandles="1" noChangeArrowheads="1" noChangeShapeType="1" noTextEdit="1"/>
+          </p:cNvSpPr>
+          <p:nvPr>
+            <p:extLst>
+              <p:ext uri="{386F3935-93C4-4BCD-93E2-E3B085C9AB24}">
+                <p16:designElem xmlns:p16="http://schemas.microsoft.com/office/powerpoint/2015/main" val="1"/>
+              </p:ext>
+            </p:extLst>
+          </p:nvPr>
+        </p:nvSpPr>
+        <p:spPr>
+          <a:xfrm>
+            <a:off x="11430918" y="6258874"/>
+            <a:ext cx="398813" cy="398815"/>
+          </a:xfrm>
+          <a:prstGeom prst="ellipse">
+            <a:avLst/>
+          </a:prstGeom>
+          <a:noFill/>
+          <a:ln w="12700" cap="flat" cmpd="sng" algn="ctr">
+            <a:solidFill>
+              <a:srgbClr val="FFFFFF"/>
+            </a:solidFill>
+            <a:prstDash val="solid"/>
+          </a:ln>
+          <a:effectLst/>
+        </p:spPr>
+        <p:txBody>
+          <a:bodyPr rtlCol="0" anchor="ctr"/>
+          <a:lstStyle/>
+          <a:p>
+            <a:pPr marL="0" marR="0" lvl="0" indent="0" algn="ctr" defTabSz="914400" eaLnBrk="1" fontAlgn="auto" latinLnBrk="0" hangingPunct="1">
+              <a:lnSpc>
+                <a:spcPct val="100000"/>
+              </a:lnSpc>
+              <a:spcBef>
+                <a:spcPts val="0"/>
+              </a:spcBef>
+              <a:spcAft>
+                <a:spcPts val="0"/>
+              </a:spcAft>
+              <a:buClrTx/>
+              <a:buSzTx/>
+              <a:buFontTx/>
+              <a:buNone/>
+              <a:tabLst/>
+              <a:defRPr/>
+            </a:pPr>
+            <a:endParaRPr kumimoji="0" lang="en-US" sz="1800" b="0" i="0" u="none" strike="noStrike" kern="0" cap="none" spc="0" normalizeH="0" baseline="0" noProof="0" dirty="0">
+              <a:ln>
+                <a:noFill/>
+              </a:ln>
+              <a:solidFill>
+                <a:prstClr val="white"/>
+              </a:solidFill>
+              <a:effectLst/>
+              <a:uLnTx/>
+              <a:uFillTx/>
+              <a:latin typeface="Calibri"/>
+              <a:ea typeface="+mn-ea"/>
+              <a:cs typeface="+mn-cs"/>
+            </a:endParaRPr>
+          </a:p>
+        </p:txBody>
+      </p:sp>
+    </p:spTree>
+    <p:extLst>
+      <p:ext uri="{BB962C8B-B14F-4D97-AF65-F5344CB8AC3E}">
+        <p14:creationId xmlns:p14="http://schemas.microsoft.com/office/powerpoint/2010/main" val="2766096151"/>
+      </p:ext>
+    </p:extLst>
+  </p:cSld>
+  <p:clrMapOvr>
+    <a:masterClrMapping/>
+  </p:clrMapOvr>
+</p:sld>
+</file>
+
+<file path=ppt/slides/slide7.xml><?xml version="1.0" encoding="utf-8"?>
 <p:sld xmlns:a="http://schemas.openxmlformats.org/drawingml/2006/main" xmlns:r="http://schemas.openxmlformats.org/officeDocument/2006/relationships" xmlns:p="http://schemas.openxmlformats.org/presentationml/2006/main">
   <p:cSld>
     <p:spTree>
@@ -4225,7 +8424,7 @@
           <p:cNvPr id="2" name="Title 1">
             <a:extLst>
               <a:ext uri="{FF2B5EF4-FFF2-40B4-BE49-F238E27FC236}">
-                <a16:creationId xmlns:a16="http://schemas.microsoft.com/office/drawing/2014/main" id="{8EFAFA45-6F61-3B35-52A2-04D6DDAF2F6D}"/>
+                <a16:creationId xmlns:a16="http://schemas.microsoft.com/office/drawing/2014/main" id="{5B3F46C4-B0D6-8975-180E-796ACDCACDC9}"/>
               </a:ext>
             </a:extLst>
           </p:cNvPr>
@@ -4236,24 +8435,33 @@
             <p:ph type="title"/>
           </p:nvPr>
         </p:nvSpPr>
-        <p:spPr/>
-        <p:txBody>
-          <a:bodyPr/>
+        <p:spPr>
+          <a:xfrm>
+            <a:off x="1069848" y="484632"/>
+            <a:ext cx="10058400" cy="1609344"/>
+          </a:xfrm>
+        </p:spPr>
+        <p:txBody>
+          <a:bodyPr>
+            <a:normAutofit/>
+          </a:bodyPr>
           <a:lstStyle/>
           <a:p>
-            <a:r>
-              <a:rPr lang="en-US" dirty="0"/>
-              <a:t>Round 1</a:t>
-            </a:r>
-          </a:p>
-        </p:txBody>
-      </p:sp>
-      <p:sp>
-        <p:nvSpPr>
-          <p:cNvPr id="3" name="Text Placeholder 2">
+            <a:pPr algn="ctr"/>
+            <a:r>
+              <a:rPr lang="en-US" sz="6000"/>
+              <a:t>Your Character</a:t>
+            </a:r>
+            <a:endParaRPr lang="en-US" sz="6000" dirty="0"/>
+          </a:p>
+        </p:txBody>
+      </p:sp>
+      <p:sp>
+        <p:nvSpPr>
+          <p:cNvPr id="3" name="Content Placeholder 2">
             <a:extLst>
               <a:ext uri="{FF2B5EF4-FFF2-40B4-BE49-F238E27FC236}">
-                <a16:creationId xmlns:a16="http://schemas.microsoft.com/office/drawing/2014/main" id="{65E4C042-605D-B353-BFB2-54DB0CB3DB09}"/>
+                <a16:creationId xmlns:a16="http://schemas.microsoft.com/office/drawing/2014/main" id="{0B2C822E-B911-23CE-AA67-BF57812AA9F0}"/>
               </a:ext>
             </a:extLst>
           </p:cNvPr>
@@ -4261,24 +8469,195 @@
             <a:spLocks noGrp="1"/>
           </p:cNvSpPr>
           <p:nvPr>
-            <p:ph type="body" idx="1"/>
-          </p:nvPr>
-        </p:nvSpPr>
-        <p:spPr/>
-        <p:txBody>
-          <a:bodyPr/>
+            <p:ph idx="1"/>
+          </p:nvPr>
+        </p:nvSpPr>
+        <p:spPr>
+          <a:xfrm>
+            <a:off x="334851" y="2320412"/>
+            <a:ext cx="11524074" cy="4337277"/>
+          </a:xfrm>
+        </p:spPr>
+        <p:txBody>
+          <a:bodyPr>
+            <a:noAutofit/>
+          </a:bodyPr>
           <a:lstStyle/>
           <a:p>
-            <a:endParaRPr lang="en-US"/>
-          </a:p>
-        </p:txBody>
-      </p:sp>
-      <p:sp>
-        <p:nvSpPr>
-          <p:cNvPr id="4" name="Content Placeholder 3">
+            <a:pPr marL="0" indent="0" algn="ctr">
+              <a:spcBef>
+                <a:spcPts val="0"/>
+              </a:spcBef>
+              <a:buNone/>
+            </a:pPr>
+            <a:r>
+              <a:rPr lang="en-US" i="1" dirty="0"/>
+              <a:t>Read out the below to introduce yourself:</a:t>
+            </a:r>
+          </a:p>
+          <a:p>
+            <a:pPr marL="0" indent="0" algn="ctr">
+              <a:spcBef>
+                <a:spcPts val="0"/>
+              </a:spcBef>
+              <a:buNone/>
+            </a:pPr>
+            <a:endParaRPr lang="en-US" dirty="0"/>
+          </a:p>
+          <a:p>
+            <a:pPr marL="0" indent="0" algn="ctr">
+              <a:spcBef>
+                <a:spcPts val="0"/>
+              </a:spcBef>
+              <a:spcAft>
+                <a:spcPts val="600"/>
+              </a:spcAft>
+              <a:buNone/>
+            </a:pPr>
+            <a:r>
+              <a:rPr lang="en-US" i="1" dirty="0"/>
+              <a:t>Name:</a:t>
+            </a:r>
+          </a:p>
+          <a:p>
+            <a:pPr marL="0" indent="0" algn="ctr">
+              <a:spcBef>
+                <a:spcPts val="0"/>
+              </a:spcBef>
+              <a:buNone/>
+            </a:pPr>
+            <a:r>
+              <a:rPr lang="en-US" sz="2800" dirty="0">
+                <a:solidFill>
+                  <a:schemeClr val="accent2"/>
+                </a:solidFill>
+              </a:rPr>
+              <a:t>Joe Della Maggiore</a:t>
+            </a:r>
+          </a:p>
+          <a:p>
+            <a:pPr marL="0" indent="0" algn="ctr">
+              <a:spcBef>
+                <a:spcPts val="0"/>
+              </a:spcBef>
+              <a:buNone/>
+            </a:pPr>
+            <a:endParaRPr lang="en-US" dirty="0"/>
+          </a:p>
+          <a:p>
+            <a:pPr marL="0" indent="0" algn="ctr">
+              <a:spcBef>
+                <a:spcPts val="0"/>
+              </a:spcBef>
+              <a:spcAft>
+                <a:spcPts val="600"/>
+              </a:spcAft>
+              <a:buNone/>
+            </a:pPr>
+            <a:r>
+              <a:rPr lang="en-US" i="1" dirty="0"/>
+              <a:t>Occupation:</a:t>
+            </a:r>
+          </a:p>
+          <a:p>
+            <a:pPr marL="0" indent="0" algn="ctr">
+              <a:spcBef>
+                <a:spcPts val="0"/>
+              </a:spcBef>
+              <a:buNone/>
+            </a:pPr>
+            <a:r>
+              <a:rPr lang="en-US" sz="2800">
+                <a:solidFill>
+                  <a:schemeClr val="accent2"/>
+                </a:solidFill>
+              </a:rPr>
+              <a:t>Stripper</a:t>
+            </a:r>
+            <a:endParaRPr lang="en-US" sz="2800" dirty="0">
+              <a:solidFill>
+                <a:schemeClr val="accent2"/>
+              </a:solidFill>
+            </a:endParaRPr>
+          </a:p>
+          <a:p>
+            <a:pPr marL="0" indent="0" algn="ctr">
+              <a:spcBef>
+                <a:spcPts val="0"/>
+              </a:spcBef>
+              <a:buNone/>
+            </a:pPr>
+            <a:endParaRPr lang="en-US" dirty="0"/>
+          </a:p>
+          <a:p>
+            <a:pPr marL="0" indent="0" algn="ctr">
+              <a:spcBef>
+                <a:spcPts val="0"/>
+              </a:spcBef>
+              <a:spcAft>
+                <a:spcPts val="600"/>
+              </a:spcAft>
+              <a:buNone/>
+            </a:pPr>
+            <a:r>
+              <a:rPr lang="en-US" i="1" dirty="0"/>
+              <a:t>Background:</a:t>
+            </a:r>
+          </a:p>
+          <a:p>
+            <a:pPr marL="0" indent="0" algn="ctr">
+              <a:spcBef>
+                <a:spcPts val="0"/>
+              </a:spcBef>
+              <a:buNone/>
+            </a:pPr>
+            <a:r>
+              <a:rPr lang="en-US" sz="2400" dirty="0">
+                <a:solidFill>
+                  <a:schemeClr val="accent2"/>
+                </a:solidFill>
+              </a:rPr>
+              <a:t>If you ever imagines acting earlier in your life, even though you always likes to play pretend as a child, but now you’ve taken to it wholeheartedly. One day, you’d like to travel the world with a theater group. You live your whole life as if you were overacting in a play.</a:t>
+            </a:r>
+          </a:p>
+        </p:txBody>
+      </p:sp>
+    </p:spTree>
+    <p:extLst>
+      <p:ext uri="{BB962C8B-B14F-4D97-AF65-F5344CB8AC3E}">
+        <p14:creationId xmlns:p14="http://schemas.microsoft.com/office/powerpoint/2010/main" val="4260132259"/>
+      </p:ext>
+    </p:extLst>
+  </p:cSld>
+  <p:clrMapOvr>
+    <a:masterClrMapping/>
+  </p:clrMapOvr>
+</p:sld>
+</file>
+
+<file path=ppt/slides/slide8.xml><?xml version="1.0" encoding="utf-8"?>
+<p:sld xmlns:a="http://schemas.openxmlformats.org/drawingml/2006/main" xmlns:r="http://schemas.openxmlformats.org/officeDocument/2006/relationships" xmlns:p="http://schemas.openxmlformats.org/presentationml/2006/main">
+  <p:cSld>
+    <p:spTree>
+      <p:nvGrpSpPr>
+        <p:cNvPr id="1" name=""/>
+        <p:cNvGrpSpPr/>
+        <p:nvPr/>
+      </p:nvGrpSpPr>
+      <p:grpSpPr>
+        <a:xfrm>
+          <a:off x="0" y="0"/>
+          <a:ext cx="0" cy="0"/>
+          <a:chOff x="0" y="0"/>
+          <a:chExt cx="0" cy="0"/>
+        </a:xfrm>
+      </p:grpSpPr>
+      <p:sp>
+        <p:nvSpPr>
+          <p:cNvPr id="2" name="Title 1">
             <a:extLst>
               <a:ext uri="{FF2B5EF4-FFF2-40B4-BE49-F238E27FC236}">
-                <a16:creationId xmlns:a16="http://schemas.microsoft.com/office/drawing/2014/main" id="{8575DD8F-E28A-B61B-A369-4ED093B57E98}"/>
+                <a16:creationId xmlns:a16="http://schemas.microsoft.com/office/drawing/2014/main" id="{5B3F46C4-B0D6-8975-180E-796ACDCACDC9}"/>
               </a:ext>
             </a:extLst>
           </p:cNvPr>
@@ -4286,24 +8665,35 @@
             <a:spLocks noGrp="1"/>
           </p:cNvSpPr>
           <p:nvPr>
-            <p:ph sz="half" idx="2"/>
-          </p:nvPr>
-        </p:nvSpPr>
-        <p:spPr/>
-        <p:txBody>
-          <a:bodyPr/>
+            <p:ph type="title"/>
+          </p:nvPr>
+        </p:nvSpPr>
+        <p:spPr>
+          <a:xfrm>
+            <a:off x="1069848" y="484632"/>
+            <a:ext cx="10058400" cy="1609344"/>
+          </a:xfrm>
+        </p:spPr>
+        <p:txBody>
+          <a:bodyPr>
+            <a:normAutofit/>
+          </a:bodyPr>
           <a:lstStyle/>
           <a:p>
-            <a:endParaRPr lang="en-US"/>
-          </a:p>
-        </p:txBody>
-      </p:sp>
-      <p:sp>
-        <p:nvSpPr>
-          <p:cNvPr id="5" name="Text Placeholder 4">
+            <a:pPr algn="ctr"/>
+            <a:r>
+              <a:rPr lang="en-US" sz="6000" dirty="0"/>
+              <a:t>Your Character</a:t>
+            </a:r>
+          </a:p>
+        </p:txBody>
+      </p:sp>
+      <p:sp>
+        <p:nvSpPr>
+          <p:cNvPr id="3" name="Content Placeholder 2">
             <a:extLst>
               <a:ext uri="{FF2B5EF4-FFF2-40B4-BE49-F238E27FC236}">
-                <a16:creationId xmlns:a16="http://schemas.microsoft.com/office/drawing/2014/main" id="{BF3F463A-03F1-D768-D054-5E3631CDC63A}"/>
+                <a16:creationId xmlns:a16="http://schemas.microsoft.com/office/drawing/2014/main" id="{0B2C822E-B911-23CE-AA67-BF57812AA9F0}"/>
               </a:ext>
             </a:extLst>
           </p:cNvPr>
@@ -4311,24 +8701,190 @@
             <a:spLocks noGrp="1"/>
           </p:cNvSpPr>
           <p:nvPr>
-            <p:ph type="body" sz="quarter" idx="3"/>
-          </p:nvPr>
-        </p:nvSpPr>
-        <p:spPr/>
-        <p:txBody>
-          <a:bodyPr/>
+            <p:ph idx="1"/>
+          </p:nvPr>
+        </p:nvSpPr>
+        <p:spPr>
+          <a:xfrm>
+            <a:off x="334851" y="2320412"/>
+            <a:ext cx="11524074" cy="4337277"/>
+          </a:xfrm>
+        </p:spPr>
+        <p:txBody>
+          <a:bodyPr>
+            <a:noAutofit/>
+          </a:bodyPr>
           <a:lstStyle/>
           <a:p>
-            <a:endParaRPr lang="en-US"/>
-          </a:p>
-        </p:txBody>
-      </p:sp>
-      <p:sp>
-        <p:nvSpPr>
-          <p:cNvPr id="6" name="Content Placeholder 5">
+            <a:pPr marL="0" indent="0" algn="ctr">
+              <a:spcBef>
+                <a:spcPts val="0"/>
+              </a:spcBef>
+              <a:buNone/>
+            </a:pPr>
+            <a:r>
+              <a:rPr lang="en-US" i="1" dirty="0"/>
+              <a:t>Read out the below to introduce yourself:</a:t>
+            </a:r>
+          </a:p>
+          <a:p>
+            <a:pPr marL="0" indent="0" algn="ctr">
+              <a:spcBef>
+                <a:spcPts val="0"/>
+              </a:spcBef>
+              <a:buNone/>
+            </a:pPr>
+            <a:endParaRPr lang="en-US" dirty="0"/>
+          </a:p>
+          <a:p>
+            <a:pPr marL="0" indent="0" algn="ctr">
+              <a:spcBef>
+                <a:spcPts val="0"/>
+              </a:spcBef>
+              <a:spcAft>
+                <a:spcPts val="600"/>
+              </a:spcAft>
+              <a:buNone/>
+            </a:pPr>
+            <a:r>
+              <a:rPr lang="en-US" i="1" dirty="0"/>
+              <a:t>Name:</a:t>
+            </a:r>
+          </a:p>
+          <a:p>
+            <a:pPr marL="0" indent="0" algn="ctr">
+              <a:spcBef>
+                <a:spcPts val="0"/>
+              </a:spcBef>
+              <a:buNone/>
+            </a:pPr>
+            <a:r>
+              <a:rPr lang="en-US" sz="2800" dirty="0">
+                <a:solidFill>
+                  <a:schemeClr val="accent2"/>
+                </a:solidFill>
+              </a:rPr>
+              <a:t>Joe Della Maggiore</a:t>
+            </a:r>
+          </a:p>
+          <a:p>
+            <a:pPr marL="0" indent="0" algn="ctr">
+              <a:spcBef>
+                <a:spcPts val="0"/>
+              </a:spcBef>
+              <a:buNone/>
+            </a:pPr>
+            <a:endParaRPr lang="en-US" dirty="0"/>
+          </a:p>
+          <a:p>
+            <a:pPr marL="0" indent="0" algn="ctr">
+              <a:spcBef>
+                <a:spcPts val="0"/>
+              </a:spcBef>
+              <a:spcAft>
+                <a:spcPts val="600"/>
+              </a:spcAft>
+              <a:buNone/>
+            </a:pPr>
+            <a:r>
+              <a:rPr lang="en-US" i="1" dirty="0"/>
+              <a:t>Occupation:</a:t>
+            </a:r>
+          </a:p>
+          <a:p>
+            <a:pPr marL="0" indent="0" algn="ctr">
+              <a:spcBef>
+                <a:spcPts val="0"/>
+              </a:spcBef>
+              <a:buNone/>
+            </a:pPr>
+            <a:r>
+              <a:rPr lang="en-US" sz="2800" dirty="0">
+                <a:solidFill>
+                  <a:schemeClr val="accent2"/>
+                </a:solidFill>
+              </a:rPr>
+              <a:t>Mechanic</a:t>
+            </a:r>
+          </a:p>
+          <a:p>
+            <a:pPr marL="0" indent="0" algn="ctr">
+              <a:spcBef>
+                <a:spcPts val="0"/>
+              </a:spcBef>
+              <a:buNone/>
+            </a:pPr>
+            <a:endParaRPr lang="en-US" dirty="0"/>
+          </a:p>
+          <a:p>
+            <a:pPr marL="0" indent="0" algn="ctr">
+              <a:spcBef>
+                <a:spcPts val="0"/>
+              </a:spcBef>
+              <a:spcAft>
+                <a:spcPts val="600"/>
+              </a:spcAft>
+              <a:buNone/>
+            </a:pPr>
+            <a:r>
+              <a:rPr lang="en-US" i="1" dirty="0"/>
+              <a:t>Background:</a:t>
+            </a:r>
+          </a:p>
+          <a:p>
+            <a:pPr marL="0" indent="0" algn="ctr">
+              <a:spcBef>
+                <a:spcPts val="0"/>
+              </a:spcBef>
+              <a:buNone/>
+            </a:pPr>
+            <a:r>
+              <a:rPr lang="en-US" sz="2400" dirty="0">
+                <a:solidFill>
+                  <a:schemeClr val="accent2"/>
+                </a:solidFill>
+              </a:rPr>
+              <a:t>If you ever imagines acting earlier in your life, even though you always likes to play pretend as a child, but now you’ve taken to it wholeheartedly. One day, you’d like to travel the world with a theater group. You live your whole life as if you were overacting in a play.</a:t>
+            </a:r>
+          </a:p>
+        </p:txBody>
+      </p:sp>
+    </p:spTree>
+    <p:extLst>
+      <p:ext uri="{BB962C8B-B14F-4D97-AF65-F5344CB8AC3E}">
+        <p14:creationId xmlns:p14="http://schemas.microsoft.com/office/powerpoint/2010/main" val="283743556"/>
+      </p:ext>
+    </p:extLst>
+  </p:cSld>
+  <p:clrMapOvr>
+    <a:masterClrMapping/>
+  </p:clrMapOvr>
+</p:sld>
+</file>
+
+<file path=ppt/slides/slide9.xml><?xml version="1.0" encoding="utf-8"?>
+<p:sld xmlns:a="http://schemas.openxmlformats.org/drawingml/2006/main" xmlns:r="http://schemas.openxmlformats.org/officeDocument/2006/relationships" xmlns:p="http://schemas.openxmlformats.org/presentationml/2006/main">
+  <p:cSld>
+    <p:spTree>
+      <p:nvGrpSpPr>
+        <p:cNvPr id="1" name=""/>
+        <p:cNvGrpSpPr/>
+        <p:nvPr/>
+      </p:nvGrpSpPr>
+      <p:grpSpPr>
+        <a:xfrm>
+          <a:off x="0" y="0"/>
+          <a:ext cx="0" cy="0"/>
+          <a:chOff x="0" y="0"/>
+          <a:chExt cx="0" cy="0"/>
+        </a:xfrm>
+      </p:grpSpPr>
+      <p:sp>
+        <p:nvSpPr>
+          <p:cNvPr id="2" name="Title 1">
             <a:extLst>
               <a:ext uri="{FF2B5EF4-FFF2-40B4-BE49-F238E27FC236}">
-                <a16:creationId xmlns:a16="http://schemas.microsoft.com/office/drawing/2014/main" id="{E202F397-395B-5A40-A7DD-5043700D5BFC}"/>
+                <a16:creationId xmlns:a16="http://schemas.microsoft.com/office/drawing/2014/main" id="{5B3F46C4-B0D6-8975-180E-796ACDCACDC9}"/>
               </a:ext>
             </a:extLst>
           </p:cNvPr>
@@ -4336,22 +8892,194 @@
             <a:spLocks noGrp="1"/>
           </p:cNvSpPr>
           <p:nvPr>
-            <p:ph sz="quarter" idx="4"/>
-          </p:nvPr>
-        </p:nvSpPr>
-        <p:spPr/>
-        <p:txBody>
-          <a:bodyPr/>
+            <p:ph type="title"/>
+          </p:nvPr>
+        </p:nvSpPr>
+        <p:spPr>
+          <a:xfrm>
+            <a:off x="1069848" y="484632"/>
+            <a:ext cx="10058400" cy="1609344"/>
+          </a:xfrm>
+        </p:spPr>
+        <p:txBody>
+          <a:bodyPr>
+            <a:normAutofit/>
+          </a:bodyPr>
           <a:lstStyle/>
           <a:p>
-            <a:endParaRPr lang="en-US"/>
+            <a:pPr algn="ctr"/>
+            <a:r>
+              <a:rPr lang="en-US" sz="6000" dirty="0"/>
+              <a:t>Your Character</a:t>
+            </a:r>
+          </a:p>
+        </p:txBody>
+      </p:sp>
+      <p:sp>
+        <p:nvSpPr>
+          <p:cNvPr id="3" name="Content Placeholder 2">
+            <a:extLst>
+              <a:ext uri="{FF2B5EF4-FFF2-40B4-BE49-F238E27FC236}">
+                <a16:creationId xmlns:a16="http://schemas.microsoft.com/office/drawing/2014/main" id="{0B2C822E-B911-23CE-AA67-BF57812AA9F0}"/>
+              </a:ext>
+            </a:extLst>
+          </p:cNvPr>
+          <p:cNvSpPr>
+            <a:spLocks noGrp="1"/>
+          </p:cNvSpPr>
+          <p:nvPr>
+            <p:ph idx="1"/>
+          </p:nvPr>
+        </p:nvSpPr>
+        <p:spPr>
+          <a:xfrm>
+            <a:off x="334851" y="2320412"/>
+            <a:ext cx="11524074" cy="4337277"/>
+          </a:xfrm>
+        </p:spPr>
+        <p:txBody>
+          <a:bodyPr>
+            <a:noAutofit/>
+          </a:bodyPr>
+          <a:lstStyle/>
+          <a:p>
+            <a:pPr marL="0" indent="0" algn="ctr">
+              <a:spcBef>
+                <a:spcPts val="0"/>
+              </a:spcBef>
+              <a:buNone/>
+            </a:pPr>
+            <a:r>
+              <a:rPr lang="en-US" i="1" dirty="0"/>
+              <a:t>Read out the below to introduce yourself:</a:t>
+            </a:r>
+          </a:p>
+          <a:p>
+            <a:pPr marL="0" indent="0" algn="ctr">
+              <a:spcBef>
+                <a:spcPts val="0"/>
+              </a:spcBef>
+              <a:buNone/>
+            </a:pPr>
+            <a:endParaRPr lang="en-US" dirty="0"/>
+          </a:p>
+          <a:p>
+            <a:pPr marL="0" indent="0" algn="ctr">
+              <a:spcBef>
+                <a:spcPts val="0"/>
+              </a:spcBef>
+              <a:spcAft>
+                <a:spcPts val="600"/>
+              </a:spcAft>
+              <a:buNone/>
+            </a:pPr>
+            <a:r>
+              <a:rPr lang="en-US" i="1" dirty="0"/>
+              <a:t>Name:</a:t>
+            </a:r>
+          </a:p>
+          <a:p>
+            <a:pPr marL="0" indent="0" algn="ctr">
+              <a:spcBef>
+                <a:spcPts val="0"/>
+              </a:spcBef>
+              <a:buNone/>
+            </a:pPr>
+            <a:r>
+              <a:rPr lang="en-US" sz="2800" dirty="0">
+                <a:solidFill>
+                  <a:schemeClr val="accent2"/>
+                </a:solidFill>
+              </a:rPr>
+              <a:t>Joe Della Maggiore</a:t>
+            </a:r>
+          </a:p>
+          <a:p>
+            <a:pPr marL="0" indent="0" algn="ctr">
+              <a:spcBef>
+                <a:spcPts val="0"/>
+              </a:spcBef>
+              <a:buNone/>
+            </a:pPr>
+            <a:endParaRPr lang="en-US" dirty="0"/>
+          </a:p>
+          <a:p>
+            <a:pPr marL="0" indent="0" algn="ctr">
+              <a:spcBef>
+                <a:spcPts val="0"/>
+              </a:spcBef>
+              <a:spcAft>
+                <a:spcPts val="600"/>
+              </a:spcAft>
+              <a:buNone/>
+            </a:pPr>
+            <a:r>
+              <a:rPr lang="en-US" i="1" dirty="0"/>
+              <a:t>Occupation:</a:t>
+            </a:r>
+          </a:p>
+          <a:p>
+            <a:pPr marL="0" indent="0" algn="ctr">
+              <a:spcBef>
+                <a:spcPts val="0"/>
+              </a:spcBef>
+              <a:buNone/>
+            </a:pPr>
+            <a:r>
+              <a:rPr lang="en-US" sz="2800" dirty="0">
+                <a:solidFill>
+                  <a:schemeClr val="accent2"/>
+                </a:solidFill>
+              </a:rPr>
+              <a:t>Mechanic</a:t>
+            </a:r>
+          </a:p>
+          <a:p>
+            <a:pPr marL="0" indent="0" algn="ctr">
+              <a:spcBef>
+                <a:spcPts val="0"/>
+              </a:spcBef>
+              <a:buNone/>
+            </a:pPr>
+            <a:endParaRPr lang="en-US" dirty="0"/>
+          </a:p>
+          <a:p>
+            <a:pPr marL="0" indent="0" algn="ctr">
+              <a:spcBef>
+                <a:spcPts val="0"/>
+              </a:spcBef>
+              <a:spcAft>
+                <a:spcPts val="600"/>
+              </a:spcAft>
+              <a:buNone/>
+            </a:pPr>
+            <a:r>
+              <a:rPr lang="en-US" i="1" dirty="0"/>
+              <a:t>Background:</a:t>
+            </a:r>
+          </a:p>
+          <a:p>
+            <a:pPr marL="0" indent="0" algn="ctr">
+              <a:spcBef>
+                <a:spcPts val="0"/>
+              </a:spcBef>
+              <a:buNone/>
+            </a:pPr>
+            <a:r>
+              <a:rPr lang="en-US" sz="2400" dirty="0">
+                <a:solidFill>
+                  <a:schemeClr val="accent2"/>
+                </a:solidFill>
+              </a:rPr>
+              <a:t>If you ever imagines acting earlier in your life, even though you always likes to play pretend as a child, but now you’ve taken to it wholeheartedly. One day, you’d like to travel the world with a theater group. You live your whole life as if you were overacting in a play.</a:t>
+            </a:r>
           </a:p>
         </p:txBody>
       </p:sp>
     </p:spTree>
     <p:extLst>
       <p:ext uri="{BB962C8B-B14F-4D97-AF65-F5344CB8AC3E}">
-        <p14:creationId xmlns:p14="http://schemas.microsoft.com/office/powerpoint/2010/main" val="731317575"/>
+        <p14:creationId xmlns:p14="http://schemas.microsoft.com/office/powerpoint/2010/main" val="2809588487"/>
       </p:ext>
     </p:extLst>
   </p:cSld>
@@ -4362,9 +9090,9 @@
 </file>
 
 <file path=ppt/theme/theme1.xml><?xml version="1.0" encoding="utf-8"?>
-<a:theme xmlns:a="http://schemas.openxmlformats.org/drawingml/2006/main" name="Office Theme">
+<a:theme xmlns:a="http://schemas.openxmlformats.org/drawingml/2006/main" name="Wood Type">
   <a:themeElements>
-    <a:clrScheme name="Office">
+    <a:clrScheme name="Wood Type">
       <a:dk1>
         <a:sysClr val="windowText" lastClr="000000"/>
       </a:dk1>
@@ -4372,48 +9100,86 @@
         <a:sysClr val="window" lastClr="FFFFFF"/>
       </a:lt1>
       <a:dk2>
-        <a:srgbClr val="44546A"/>
+        <a:srgbClr val="696464"/>
       </a:dk2>
       <a:lt2>
-        <a:srgbClr val="E7E6E6"/>
+        <a:srgbClr val="E9E5DC"/>
       </a:lt2>
       <a:accent1>
-        <a:srgbClr val="4472C4"/>
+        <a:srgbClr val="D34817"/>
       </a:accent1>
       <a:accent2>
-        <a:srgbClr val="ED7D31"/>
+        <a:srgbClr val="9B2D1F"/>
       </a:accent2>
       <a:accent3>
-        <a:srgbClr val="A5A5A5"/>
+        <a:srgbClr val="A28E6A"/>
       </a:accent3>
       <a:accent4>
-        <a:srgbClr val="FFC000"/>
+        <a:srgbClr val="956251"/>
       </a:accent4>
       <a:accent5>
-        <a:srgbClr val="5B9BD5"/>
+        <a:srgbClr val="918485"/>
       </a:accent5>
       <a:accent6>
-        <a:srgbClr val="70AD47"/>
+        <a:srgbClr val="855D5D"/>
       </a:accent6>
       <a:hlink>
-        <a:srgbClr val="0563C1"/>
+        <a:srgbClr val="CC9900"/>
       </a:hlink>
       <a:folHlink>
-        <a:srgbClr val="954F72"/>
+        <a:srgbClr val="96A9A9"/>
       </a:folHlink>
     </a:clrScheme>
-    <a:fontScheme name="Office">
+    <a:fontScheme name="Wood Type">
       <a:majorFont>
-        <a:latin typeface="Calibri Light" panose="020F0302020204030204"/>
+        <a:latin typeface="Rockwell Condensed" panose="02060603050405020104"/>
         <a:ea typeface=""/>
         <a:cs typeface=""/>
-        <a:font script="Jpan" typeface="游ゴシック Light"/>
-        <a:font script="Hang" typeface="맑은 고딕"/>
-        <a:font script="Hans" typeface="等线 Light"/>
-        <a:font script="Hant" typeface="新細明體"/>
+        <a:font script="Grek" typeface="Cambria"/>
+        <a:font script="Cyrl" typeface="Cambria"/>
+        <a:font script="Jpan" typeface="HG明朝B"/>
+        <a:font script="Hang" typeface="바탕"/>
+        <a:font script="Hans" typeface="方正姚体"/>
+        <a:font script="Hant" typeface="微軟正黑體"/>
         <a:font script="Arab" typeface="Times New Roman"/>
-        <a:font script="Hebr" typeface="Times New Roman"/>
-        <a:font script="Thai" typeface="Angsana New"/>
+        <a:font script="Hebr" typeface="David"/>
+        <a:font script="Thai" typeface="JasmineUPC"/>
+        <a:font script="Ethi" typeface="Nyala"/>
+        <a:font script="Beng" typeface="Vrinda"/>
+        <a:font script="Gujr" typeface="Shruti"/>
+        <a:font script="Khmr" typeface="MoolBoran"/>
+        <a:font script="Knda" typeface="Tunga"/>
+        <a:font script="Guru" typeface="Raavi"/>
+        <a:font script="Cans" typeface="Euphemia"/>
+        <a:font script="Cher" typeface="Plantagenet Cherokee"/>
+        <a:font script="Yiii" typeface="Microsoft Yi Baiti"/>
+        <a:font script="Tibt" typeface="Microsoft Himalaya"/>
+        <a:font script="Thaa" typeface="MV Boli"/>
+        <a:font script="Deva" typeface="Mangal"/>
+        <a:font script="Telu" typeface="Gautami"/>
+        <a:font script="Taml" typeface="Latha"/>
+        <a:font script="Syrc" typeface="Estrangelo Edessa"/>
+        <a:font script="Orya" typeface="Kalinga"/>
+        <a:font script="Mlym" typeface="Kartika"/>
+        <a:font script="Laoo" typeface="DokChampa"/>
+        <a:font script="Sinh" typeface="Iskoola Pota"/>
+        <a:font script="Mong" typeface="Mongolian Baiti"/>
+        <a:font script="Viet" typeface="Arial"/>
+        <a:font script="Uigh" typeface="Microsoft Uighur"/>
+      </a:majorFont>
+      <a:minorFont>
+        <a:latin typeface="Rockwell" panose="02060603020205020403"/>
+        <a:ea typeface=""/>
+        <a:cs typeface=""/>
+        <a:font script="Grek" typeface="Cambria"/>
+        <a:font script="Cyrl" typeface="Cambria"/>
+        <a:font script="Jpan" typeface="HG明朝B"/>
+        <a:font script="Hang" typeface="바탕"/>
+        <a:font script="Hans" typeface="方正姚体"/>
+        <a:font script="Hant" typeface="標楷體"/>
+        <a:font script="Arab" typeface="Times New Roman"/>
+        <a:font script="Hebr" typeface="David"/>
+        <a:font script="Thai" typeface="JasmineUPC"/>
         <a:font script="Ethi" typeface="Nyala"/>
         <a:font script="Beng" typeface="Vrinda"/>
         <a:font script="Gujr" typeface="Shruti"/>
@@ -4436,135 +9202,42 @@
         <a:font script="Mong" typeface="Mongolian Baiti"/>
         <a:font script="Viet" typeface="Times New Roman"/>
         <a:font script="Uigh" typeface="Microsoft Uighur"/>
-        <a:font script="Geor" typeface="Sylfaen"/>
-        <a:font script="Armn" typeface="Arial"/>
-        <a:font script="Bugi" typeface="Leelawadee UI"/>
-        <a:font script="Bopo" typeface="Microsoft JhengHei"/>
-        <a:font script="Java" typeface="Javanese Text"/>
-        <a:font script="Lisu" typeface="Segoe UI"/>
-        <a:font script="Mymr" typeface="Myanmar Text"/>
-        <a:font script="Nkoo" typeface="Ebrima"/>
-        <a:font script="Olck" typeface="Nirmala UI"/>
-        <a:font script="Osma" typeface="Ebrima"/>
-        <a:font script="Phag" typeface="Phagspa"/>
-        <a:font script="Syrn" typeface="Estrangelo Edessa"/>
-        <a:font script="Syrj" typeface="Estrangelo Edessa"/>
-        <a:font script="Syre" typeface="Estrangelo Edessa"/>
-        <a:font script="Sora" typeface="Nirmala UI"/>
-        <a:font script="Tale" typeface="Microsoft Tai Le"/>
-        <a:font script="Talu" typeface="Microsoft New Tai Lue"/>
-        <a:font script="Tfng" typeface="Ebrima"/>
-      </a:majorFont>
-      <a:minorFont>
-        <a:latin typeface="Calibri" panose="020F0502020204030204"/>
-        <a:ea typeface=""/>
-        <a:cs typeface=""/>
-        <a:font script="Jpan" typeface="游ゴシック"/>
-        <a:font script="Hang" typeface="맑은 고딕"/>
-        <a:font script="Hans" typeface="等线"/>
-        <a:font script="Hant" typeface="新細明體"/>
-        <a:font script="Arab" typeface="Arial"/>
-        <a:font script="Hebr" typeface="Arial"/>
-        <a:font script="Thai" typeface="Cordia New"/>
-        <a:font script="Ethi" typeface="Nyala"/>
-        <a:font script="Beng" typeface="Vrinda"/>
-        <a:font script="Gujr" typeface="Shruti"/>
-        <a:font script="Khmr" typeface="DaunPenh"/>
-        <a:font script="Knda" typeface="Tunga"/>
-        <a:font script="Guru" typeface="Raavi"/>
-        <a:font script="Cans" typeface="Euphemia"/>
-        <a:font script="Cher" typeface="Plantagenet Cherokee"/>
-        <a:font script="Yiii" typeface="Microsoft Yi Baiti"/>
-        <a:font script="Tibt" typeface="Microsoft Himalaya"/>
-        <a:font script="Thaa" typeface="MV Boli"/>
-        <a:font script="Deva" typeface="Mangal"/>
-        <a:font script="Telu" typeface="Gautami"/>
-        <a:font script="Taml" typeface="Latha"/>
-        <a:font script="Syrc" typeface="Estrangelo Edessa"/>
-        <a:font script="Orya" typeface="Kalinga"/>
-        <a:font script="Mlym" typeface="Kartika"/>
-        <a:font script="Laoo" typeface="DokChampa"/>
-        <a:font script="Sinh" typeface="Iskoola Pota"/>
-        <a:font script="Mong" typeface="Mongolian Baiti"/>
-        <a:font script="Viet" typeface="Arial"/>
-        <a:font script="Uigh" typeface="Microsoft Uighur"/>
-        <a:font script="Geor" typeface="Sylfaen"/>
-        <a:font script="Armn" typeface="Arial"/>
-        <a:font script="Bugi" typeface="Leelawadee UI"/>
-        <a:font script="Bopo" typeface="Microsoft JhengHei"/>
-        <a:font script="Java" typeface="Javanese Text"/>
-        <a:font script="Lisu" typeface="Segoe UI"/>
-        <a:font script="Mymr" typeface="Myanmar Text"/>
-        <a:font script="Nkoo" typeface="Ebrima"/>
-        <a:font script="Olck" typeface="Nirmala UI"/>
-        <a:font script="Osma" typeface="Ebrima"/>
-        <a:font script="Phag" typeface="Phagspa"/>
-        <a:font script="Syrn" typeface="Estrangelo Edessa"/>
-        <a:font script="Syrj" typeface="Estrangelo Edessa"/>
-        <a:font script="Syre" typeface="Estrangelo Edessa"/>
-        <a:font script="Sora" typeface="Nirmala UI"/>
-        <a:font script="Tale" typeface="Microsoft Tai Le"/>
-        <a:font script="Talu" typeface="Microsoft New Tai Lue"/>
-        <a:font script="Tfng" typeface="Ebrima"/>
       </a:minorFont>
     </a:fontScheme>
-    <a:fmtScheme name="Office">
+    <a:fmtScheme name="Wood Type">
       <a:fillStyleLst>
         <a:solidFill>
           <a:schemeClr val="phClr"/>
         </a:solidFill>
-        <a:gradFill rotWithShape="1">
-          <a:gsLst>
-            <a:gs pos="0">
+        <a:blipFill rotWithShape="1">
+          <a:blip xmlns:r="http://schemas.openxmlformats.org/officeDocument/2006/relationships" r:embed="rId1">
+            <a:duotone>
               <a:schemeClr val="phClr">
-                <a:lumMod val="110000"/>
-                <a:satMod val="105000"/>
-                <a:tint val="67000"/>
+                <a:tint val="70000"/>
+                <a:shade val="63000"/>
               </a:schemeClr>
-            </a:gs>
-            <a:gs pos="50000">
               <a:schemeClr val="phClr">
-                <a:lumMod val="105000"/>
-                <a:satMod val="103000"/>
-                <a:tint val="73000"/>
+                <a:tint val="10000"/>
+                <a:satMod val="150000"/>
               </a:schemeClr>
-            </a:gs>
-            <a:gs pos="100000">
+            </a:duotone>
+          </a:blip>
+          <a:tile tx="0" ty="0" sx="60000" sy="59000" flip="none" algn="tl"/>
+        </a:blipFill>
+        <a:blipFill rotWithShape="1">
+          <a:blip xmlns:r="http://schemas.openxmlformats.org/officeDocument/2006/relationships" r:embed="rId1">
+            <a:duotone>
               <a:schemeClr val="phClr">
-                <a:lumMod val="105000"/>
-                <a:satMod val="109000"/>
-                <a:tint val="81000"/>
+                <a:shade val="36000"/>
+                <a:satMod val="120000"/>
               </a:schemeClr>
-            </a:gs>
-          </a:gsLst>
-          <a:lin ang="5400000" scaled="0"/>
-        </a:gradFill>
-        <a:gradFill rotWithShape="1">
-          <a:gsLst>
-            <a:gs pos="0">
               <a:schemeClr val="phClr">
-                <a:satMod val="103000"/>
-                <a:lumMod val="102000"/>
-                <a:tint val="94000"/>
+                <a:tint val="40000"/>
               </a:schemeClr>
-            </a:gs>
-            <a:gs pos="50000">
-              <a:schemeClr val="phClr">
-                <a:satMod val="110000"/>
-                <a:lumMod val="100000"/>
-                <a:shade val="100000"/>
-              </a:schemeClr>
-            </a:gs>
-            <a:gs pos="100000">
-              <a:schemeClr val="phClr">
-                <a:lumMod val="99000"/>
-                <a:satMod val="120000"/>
-                <a:shade val="78000"/>
-              </a:schemeClr>
-            </a:gs>
-          </a:gsLst>
-          <a:lin ang="5400000" scaled="0"/>
-        </a:gradFill>
+            </a:duotone>
+          </a:blip>
+          <a:tile tx="0" ty="0" sx="60000" sy="59000" flip="none" algn="tl"/>
+        </a:blipFill>
       </a:fillStyleLst>
       <a:lnStyleLst>
         <a:ln w="6350" cap="flat" cmpd="sng" algn="ctr">
@@ -4572,21 +9245,18 @@
             <a:schemeClr val="phClr"/>
           </a:solidFill>
           <a:prstDash val="solid"/>
-          <a:miter lim="800000"/>
         </a:ln>
         <a:ln w="12700" cap="flat" cmpd="sng" algn="ctr">
           <a:solidFill>
             <a:schemeClr val="phClr"/>
           </a:solidFill>
           <a:prstDash val="solid"/>
-          <a:miter lim="800000"/>
         </a:ln>
         <a:ln w="19050" cap="flat" cmpd="sng" algn="ctr">
           <a:solidFill>
             <a:schemeClr val="phClr"/>
           </a:solidFill>
           <a:prstDash val="solid"/>
-          <a:miter lim="800000"/>
         </a:ln>
       </a:lnStyleLst>
       <a:effectStyleLst>
@@ -4594,15 +9264,18 @@
           <a:effectLst/>
         </a:effectStyle>
         <a:effectStyle>
-          <a:effectLst/>
+          <a:effectLst>
+            <a:softEdge rad="12700"/>
+          </a:effectLst>
         </a:effectStyle>
         <a:effectStyle>
           <a:effectLst>
-            <a:outerShdw blurRad="57150" dist="19050" dir="5400000" algn="ctr" rotWithShape="0">
+            <a:outerShdw blurRad="50800" dist="19050" dir="5400000" algn="tl" rotWithShape="0">
               <a:srgbClr val="000000">
-                <a:alpha val="63000"/>
+                <a:alpha val="60000"/>
               </a:srgbClr>
             </a:outerShdw>
+            <a:softEdge rad="12700"/>
           </a:effectLst>
         </a:effectStyle>
       </a:effectStyleLst>
@@ -4612,37 +9285,26 @@
         </a:solidFill>
         <a:solidFill>
           <a:schemeClr val="phClr">
-            <a:tint val="95000"/>
-            <a:satMod val="170000"/>
+            <a:shade val="97000"/>
+            <a:satMod val="150000"/>
           </a:schemeClr>
         </a:solidFill>
-        <a:gradFill rotWithShape="1">
-          <a:gsLst>
-            <a:gs pos="0">
+        <a:blipFill rotWithShape="1">
+          <a:blip xmlns:r="http://schemas.openxmlformats.org/officeDocument/2006/relationships" r:embed="rId1">
+            <a:duotone>
               <a:schemeClr val="phClr">
-                <a:tint val="93000"/>
-                <a:satMod val="150000"/>
-                <a:shade val="98000"/>
-                <a:lumMod val="102000"/>
-              </a:schemeClr>
-            </a:gs>
-            <a:gs pos="50000">
-              <a:schemeClr val="phClr">
-                <a:tint val="98000"/>
-                <a:satMod val="130000"/>
-                <a:shade val="90000"/>
-                <a:lumMod val="103000"/>
-              </a:schemeClr>
-            </a:gs>
-            <a:gs pos="100000">
-              <a:schemeClr val="phClr">
-                <a:shade val="63000"/>
+                <a:tint val="75000"/>
+                <a:shade val="58000"/>
                 <a:satMod val="120000"/>
               </a:schemeClr>
-            </a:gs>
-          </a:gsLst>
-          <a:lin ang="5400000" scaled="0"/>
-        </a:gradFill>
+              <a:schemeClr val="phClr">
+                <a:tint val="50000"/>
+                <a:shade val="96000"/>
+              </a:schemeClr>
+            </a:duotone>
+          </a:blip>
+          <a:tile tx="0" ty="0" sx="100000" sy="100000" flip="none" algn="tl"/>
+        </a:blipFill>
       </a:bgFillStyleLst>
     </a:fmtScheme>
   </a:themeElements>
@@ -4650,7 +9312,7 @@
   <a:extraClrSchemeLst/>
   <a:extLst>
     <a:ext uri="{05A4C25C-085E-4340-85A3-A5531E510DB2}">
-      <thm15:themeFamily xmlns:thm15="http://schemas.microsoft.com/office/thememl/2012/main" name="Office Theme" id="{62F939B6-93AF-4DB8-9C6B-D6C7DFDC589F}" vid="{4A3C46E8-61CC-4603-A589-7422A47A8E4A}"/>
+      <thm15:themeFamily xmlns:thm15="http://schemas.microsoft.com/office/thememl/2012/main" name="Wood Type" id="{7ACABC62-BF99-48CF-A9DC-4DB89C7B13DC}" vid="{142A1326-48AB-42A9-8428-CB14AA30176D}"/>
     </a:ext>
   </a:extLst>
 </a:theme>
